--- a/documentation/figures/figures-fusion.pptx
+++ b/documentation/figures/figures-fusion.pptx
@@ -5,13 +5,16 @@
     <p:sldMasterId id="2147483648" r:id="rId1"/>
   </p:sldMasterIdLst>
   <p:sldIdLst>
-    <p:sldId id="257" r:id="rId2"/>
-    <p:sldId id="259" r:id="rId3"/>
-    <p:sldId id="260" r:id="rId4"/>
-    <p:sldId id="261" r:id="rId5"/>
-    <p:sldId id="263" r:id="rId6"/>
-    <p:sldId id="264" r:id="rId7"/>
-    <p:sldId id="265" r:id="rId8"/>
+    <p:sldId id="266" r:id="rId2"/>
+    <p:sldId id="268" r:id="rId3"/>
+    <p:sldId id="269" r:id="rId4"/>
+    <p:sldId id="270" r:id="rId5"/>
+    <p:sldId id="271" r:id="rId6"/>
+    <p:sldId id="272" r:id="rId7"/>
+    <p:sldId id="277" r:id="rId8"/>
+    <p:sldId id="280" r:id="rId9"/>
+    <p:sldId id="279" r:id="rId10"/>
+    <p:sldId id="278" r:id="rId11"/>
   </p:sldIdLst>
   <p:sldSz cx="9144000" cy="6858000" type="screen4x3"/>
   <p:notesSz cx="6858000" cy="9144000"/>
@@ -294,7 +297,7 @@
           <a:p>
             <a:fld id="{BA06D2AE-3D27-EB41-8A5A-6273EE77BD66}" type="datetimeFigureOut">
               <a:rPr lang="fr-FR" smtClean="0"/>
-              <a:t>16/04/20</a:t>
+              <a:t>24/04/20</a:t>
             </a:fld>
             <a:endParaRPr lang="en-GB"/>
           </a:p>
@@ -464,7 +467,7 @@
           <a:p>
             <a:fld id="{BA06D2AE-3D27-EB41-8A5A-6273EE77BD66}" type="datetimeFigureOut">
               <a:rPr lang="fr-FR" smtClean="0"/>
-              <a:t>16/04/20</a:t>
+              <a:t>24/04/20</a:t>
             </a:fld>
             <a:endParaRPr lang="en-GB"/>
           </a:p>
@@ -644,7 +647,7 @@
           <a:p>
             <a:fld id="{BA06D2AE-3D27-EB41-8A5A-6273EE77BD66}" type="datetimeFigureOut">
               <a:rPr lang="fr-FR" smtClean="0"/>
-              <a:t>16/04/20</a:t>
+              <a:t>24/04/20</a:t>
             </a:fld>
             <a:endParaRPr lang="en-GB"/>
           </a:p>
@@ -814,7 +817,7 @@
           <a:p>
             <a:fld id="{BA06D2AE-3D27-EB41-8A5A-6273EE77BD66}" type="datetimeFigureOut">
               <a:rPr lang="fr-FR" smtClean="0"/>
-              <a:t>16/04/20</a:t>
+              <a:t>24/04/20</a:t>
             </a:fld>
             <a:endParaRPr lang="en-GB"/>
           </a:p>
@@ -1060,7 +1063,7 @@
           <a:p>
             <a:fld id="{BA06D2AE-3D27-EB41-8A5A-6273EE77BD66}" type="datetimeFigureOut">
               <a:rPr lang="fr-FR" smtClean="0"/>
-              <a:t>16/04/20</a:t>
+              <a:t>24/04/20</a:t>
             </a:fld>
             <a:endParaRPr lang="en-GB"/>
           </a:p>
@@ -1348,7 +1351,7 @@
           <a:p>
             <a:fld id="{BA06D2AE-3D27-EB41-8A5A-6273EE77BD66}" type="datetimeFigureOut">
               <a:rPr lang="fr-FR" smtClean="0"/>
-              <a:t>16/04/20</a:t>
+              <a:t>24/04/20</a:t>
             </a:fld>
             <a:endParaRPr lang="en-GB"/>
           </a:p>
@@ -1770,7 +1773,7 @@
           <a:p>
             <a:fld id="{BA06D2AE-3D27-EB41-8A5A-6273EE77BD66}" type="datetimeFigureOut">
               <a:rPr lang="fr-FR" smtClean="0"/>
-              <a:t>16/04/20</a:t>
+              <a:t>24/04/20</a:t>
             </a:fld>
             <a:endParaRPr lang="en-GB"/>
           </a:p>
@@ -1888,7 +1891,7 @@
           <a:p>
             <a:fld id="{BA06D2AE-3D27-EB41-8A5A-6273EE77BD66}" type="datetimeFigureOut">
               <a:rPr lang="fr-FR" smtClean="0"/>
-              <a:t>16/04/20</a:t>
+              <a:t>24/04/20</a:t>
             </a:fld>
             <a:endParaRPr lang="en-GB"/>
           </a:p>
@@ -1983,7 +1986,7 @@
           <a:p>
             <a:fld id="{BA06D2AE-3D27-EB41-8A5A-6273EE77BD66}" type="datetimeFigureOut">
               <a:rPr lang="fr-FR" smtClean="0"/>
-              <a:t>16/04/20</a:t>
+              <a:t>24/04/20</a:t>
             </a:fld>
             <a:endParaRPr lang="en-GB"/>
           </a:p>
@@ -2260,7 +2263,7 @@
           <a:p>
             <a:fld id="{BA06D2AE-3D27-EB41-8A5A-6273EE77BD66}" type="datetimeFigureOut">
               <a:rPr lang="fr-FR" smtClean="0"/>
-              <a:t>16/04/20</a:t>
+              <a:t>24/04/20</a:t>
             </a:fld>
             <a:endParaRPr lang="en-GB"/>
           </a:p>
@@ -2513,7 +2516,7 @@
           <a:p>
             <a:fld id="{BA06D2AE-3D27-EB41-8A5A-6273EE77BD66}" type="datetimeFigureOut">
               <a:rPr lang="fr-FR" smtClean="0"/>
-              <a:t>16/04/20</a:t>
+              <a:t>24/04/20</a:t>
             </a:fld>
             <a:endParaRPr lang="en-GB"/>
           </a:p>
@@ -2726,7 +2729,7 @@
           <a:p>
             <a:fld id="{BA06D2AE-3D27-EB41-8A5A-6273EE77BD66}" type="datetimeFigureOut">
               <a:rPr lang="fr-FR" smtClean="0"/>
-              <a:t>16/04/20</a:t>
+              <a:t>24/04/20</a:t>
             </a:fld>
             <a:endParaRPr lang="en-GB"/>
           </a:p>
@@ -3103,7 +3106,7 @@
       </p:grpSpPr>
       <p:pic>
         <p:nvPicPr>
-          <p:cNvPr id="2" name="Image 1" descr="muvispim.png"/>
+          <p:cNvPr id="3" name="Image 2" descr="muvispim.png"/>
           <p:cNvPicPr>
             <a:picLocks noChangeAspect="1"/>
           </p:cNvPicPr>
@@ -3123,8 +3126,922 @@
         </p:blipFill>
         <p:spPr>
           <a:xfrm>
-            <a:off x="1440000" y="1800000"/>
-            <a:ext cx="1326218" cy="1296000"/>
+            <a:off x="1622200" y="1800000"/>
+            <a:ext cx="1473576" cy="1440000"/>
+          </a:xfrm>
+          <a:prstGeom prst="rect">
+            <a:avLst/>
+          </a:prstGeom>
+        </p:spPr>
+      </p:pic>
+      <p:grpSp>
+        <p:nvGrpSpPr>
+          <p:cNvPr id="11" name="Grouper 10"/>
+          <p:cNvGrpSpPr/>
+          <p:nvPr/>
+        </p:nvGrpSpPr>
+        <p:grpSpPr>
+          <a:xfrm>
+            <a:off x="-29459" y="1676395"/>
+            <a:ext cx="1699859" cy="1977437"/>
+            <a:chOff x="-29459" y="1676395"/>
+            <a:chExt cx="1699859" cy="1977437"/>
+          </a:xfrm>
+        </p:grpSpPr>
+        <p:pic>
+          <p:nvPicPr>
+            <p:cNvPr id="2" name="Image 1"/>
+            <p:cNvPicPr>
+              <a:picLocks noChangeAspect="1"/>
+            </p:cNvPicPr>
+            <p:nvPr/>
+          </p:nvPicPr>
+          <p:blipFill>
+            <a:blip r:embed="rId3">
+              <a:extLst>
+                <a:ext uri="{28A0092B-C50C-407E-A947-70E740481C1C}">
+                  <a14:useLocalDpi xmlns:a14="http://schemas.microsoft.com/office/drawing/2010/main" val="0"/>
+                </a:ext>
+              </a:extLst>
+            </a:blip>
+            <a:stretch>
+              <a:fillRect/>
+            </a:stretch>
+          </p:blipFill>
+          <p:spPr>
+            <a:xfrm>
+              <a:off x="360000" y="1800000"/>
+              <a:ext cx="1200995" cy="1440000"/>
+            </a:xfrm>
+            <a:prstGeom prst="rect">
+              <a:avLst/>
+            </a:prstGeom>
+          </p:spPr>
+        </p:pic>
+        <p:cxnSp>
+          <p:nvCxnSpPr>
+            <p:cNvPr id="5" name="Connecteur droit avec flèche 4"/>
+            <p:cNvCxnSpPr/>
+            <p:nvPr/>
+          </p:nvCxnSpPr>
+          <p:spPr>
+            <a:xfrm flipV="1">
+              <a:off x="252000" y="1692000"/>
+              <a:ext cx="0" cy="1656000"/>
+            </a:xfrm>
+            <a:prstGeom prst="straightConnector1">
+              <a:avLst/>
+            </a:prstGeom>
+            <a:ln>
+              <a:tailEnd type="arrow"/>
+            </a:ln>
+          </p:spPr>
+          <p:style>
+            <a:lnRef idx="2">
+              <a:schemeClr val="accent1"/>
+            </a:lnRef>
+            <a:fillRef idx="0">
+              <a:schemeClr val="accent1"/>
+            </a:fillRef>
+            <a:effectRef idx="1">
+              <a:schemeClr val="accent1"/>
+            </a:effectRef>
+            <a:fontRef idx="minor">
+              <a:schemeClr val="tx1"/>
+            </a:fontRef>
+          </p:style>
+        </p:cxnSp>
+        <p:cxnSp>
+          <p:nvCxnSpPr>
+            <p:cNvPr id="8" name="Connecteur droit avec flèche 7"/>
+            <p:cNvCxnSpPr/>
+            <p:nvPr/>
+          </p:nvCxnSpPr>
+          <p:spPr>
+            <a:xfrm>
+              <a:off x="252000" y="3348000"/>
+              <a:ext cx="1418400" cy="0"/>
+            </a:xfrm>
+            <a:prstGeom prst="straightConnector1">
+              <a:avLst/>
+            </a:prstGeom>
+            <a:ln>
+              <a:tailEnd type="arrow"/>
+            </a:ln>
+          </p:spPr>
+          <p:style>
+            <a:lnRef idx="2">
+              <a:schemeClr val="accent1"/>
+            </a:lnRef>
+            <a:fillRef idx="0">
+              <a:schemeClr val="accent1"/>
+            </a:fillRef>
+            <a:effectRef idx="1">
+              <a:schemeClr val="accent1"/>
+            </a:effectRef>
+            <a:fontRef idx="minor">
+              <a:schemeClr val="tx1"/>
+            </a:fontRef>
+          </p:style>
+        </p:cxnSp>
+        <p:sp>
+          <p:nvSpPr>
+            <p:cNvPr id="9" name="ZoneTexte 8"/>
+            <p:cNvSpPr txBox="1"/>
+            <p:nvPr/>
+          </p:nvSpPr>
+          <p:spPr>
+            <a:xfrm>
+              <a:off x="-29459" y="1676395"/>
+              <a:ext cx="304478" cy="369332"/>
+            </a:xfrm>
+            <a:prstGeom prst="rect">
+              <a:avLst/>
+            </a:prstGeom>
+            <a:noFill/>
+          </p:spPr>
+          <p:txBody>
+            <a:bodyPr wrap="none" rtlCol="0">
+              <a:spAutoFit/>
+            </a:bodyPr>
+            <a:lstStyle/>
+            <a:p>
+              <a:r>
+                <a:rPr lang="en-GB" dirty="0" smtClean="0"/>
+                <a:t>X</a:t>
+              </a:r>
+              <a:endParaRPr lang="en-GB" dirty="0"/>
+            </a:p>
+          </p:txBody>
+        </p:sp>
+        <p:sp>
+          <p:nvSpPr>
+            <p:cNvPr id="10" name="ZoneTexte 9"/>
+            <p:cNvSpPr txBox="1"/>
+            <p:nvPr/>
+          </p:nvSpPr>
+          <p:spPr>
+            <a:xfrm>
+              <a:off x="1307317" y="3284500"/>
+              <a:ext cx="292756" cy="369332"/>
+            </a:xfrm>
+            <a:prstGeom prst="rect">
+              <a:avLst/>
+            </a:prstGeom>
+            <a:noFill/>
+          </p:spPr>
+          <p:txBody>
+            <a:bodyPr wrap="none" rtlCol="0">
+              <a:spAutoFit/>
+            </a:bodyPr>
+            <a:lstStyle/>
+            <a:p>
+              <a:r>
+                <a:rPr lang="en-GB" dirty="0"/>
+                <a:t>Z</a:t>
+              </a:r>
+              <a:endParaRPr lang="en-GB" dirty="0"/>
+            </a:p>
+          </p:txBody>
+        </p:sp>
+      </p:grpSp>
+      <p:pic>
+        <p:nvPicPr>
+          <p:cNvPr id="13" name="Image 12"/>
+          <p:cNvPicPr>
+            <a:picLocks noChangeAspect="1"/>
+          </p:cNvPicPr>
+          <p:nvPr/>
+        </p:nvPicPr>
+        <p:blipFill>
+          <a:blip r:embed="rId4">
+            <a:extLst>
+              <a:ext uri="{28A0092B-C50C-407E-A947-70E740481C1C}">
+                <a14:useLocalDpi xmlns:a14="http://schemas.microsoft.com/office/drawing/2010/main" val="0"/>
+              </a:ext>
+            </a:extLst>
+          </a:blip>
+          <a:stretch>
+            <a:fillRect/>
+          </a:stretch>
+        </p:blipFill>
+        <p:spPr>
+          <a:xfrm>
+            <a:off x="3230200" y="1800001"/>
+            <a:ext cx="1200995" cy="1439998"/>
+          </a:xfrm>
+          <a:prstGeom prst="rect">
+            <a:avLst/>
+          </a:prstGeom>
+        </p:spPr>
+      </p:pic>
+      <p:cxnSp>
+        <p:nvCxnSpPr>
+          <p:cNvPr id="14" name="Connecteur droit avec flèche 13"/>
+          <p:cNvCxnSpPr/>
+          <p:nvPr/>
+        </p:nvCxnSpPr>
+        <p:spPr>
+          <a:xfrm flipV="1">
+            <a:off x="3122200" y="1692000"/>
+            <a:ext cx="0" cy="1656000"/>
+          </a:xfrm>
+          <a:prstGeom prst="straightConnector1">
+            <a:avLst/>
+          </a:prstGeom>
+          <a:ln>
+            <a:headEnd type="arrow"/>
+            <a:tailEnd type="none"/>
+          </a:ln>
+        </p:spPr>
+        <p:style>
+          <a:lnRef idx="2">
+            <a:schemeClr val="accent1"/>
+          </a:lnRef>
+          <a:fillRef idx="0">
+            <a:schemeClr val="accent1"/>
+          </a:fillRef>
+          <a:effectRef idx="1">
+            <a:schemeClr val="accent1"/>
+          </a:effectRef>
+          <a:fontRef idx="minor">
+            <a:schemeClr val="tx1"/>
+          </a:fontRef>
+        </p:style>
+      </p:cxnSp>
+      <p:cxnSp>
+        <p:nvCxnSpPr>
+          <p:cNvPr id="15" name="Connecteur droit avec flèche 14"/>
+          <p:cNvCxnSpPr/>
+          <p:nvPr/>
+        </p:nvCxnSpPr>
+        <p:spPr>
+          <a:xfrm>
+            <a:off x="3122200" y="1692000"/>
+            <a:ext cx="1418400" cy="0"/>
+          </a:xfrm>
+          <a:prstGeom prst="straightConnector1">
+            <a:avLst/>
+          </a:prstGeom>
+          <a:ln>
+            <a:tailEnd type="arrow"/>
+          </a:ln>
+        </p:spPr>
+        <p:style>
+          <a:lnRef idx="2">
+            <a:schemeClr val="accent1"/>
+          </a:lnRef>
+          <a:fillRef idx="0">
+            <a:schemeClr val="accent1"/>
+          </a:fillRef>
+          <a:effectRef idx="1">
+            <a:schemeClr val="accent1"/>
+          </a:effectRef>
+          <a:fontRef idx="minor">
+            <a:schemeClr val="tx1"/>
+          </a:fontRef>
+        </p:style>
+      </p:cxnSp>
+      <p:sp>
+        <p:nvSpPr>
+          <p:cNvPr id="16" name="ZoneTexte 15"/>
+          <p:cNvSpPr txBox="1"/>
+          <p:nvPr/>
+        </p:nvSpPr>
+        <p:spPr>
+          <a:xfrm>
+            <a:off x="2764702" y="2968858"/>
+            <a:ext cx="304478" cy="369332"/>
+          </a:xfrm>
+          <a:prstGeom prst="rect">
+            <a:avLst/>
+          </a:prstGeom>
+          <a:noFill/>
+        </p:spPr>
+        <p:txBody>
+          <a:bodyPr wrap="none" rtlCol="0">
+            <a:spAutoFit/>
+          </a:bodyPr>
+          <a:lstStyle/>
+          <a:p>
+            <a:r>
+              <a:rPr lang="en-GB" dirty="0" smtClean="0"/>
+              <a:t>X</a:t>
+            </a:r>
+            <a:endParaRPr lang="en-GB" dirty="0"/>
+          </a:p>
+        </p:txBody>
+      </p:sp>
+      <p:sp>
+        <p:nvSpPr>
+          <p:cNvPr id="17" name="ZoneTexte 16"/>
+          <p:cNvSpPr txBox="1"/>
+          <p:nvPr/>
+        </p:nvSpPr>
+        <p:spPr>
+          <a:xfrm>
+            <a:off x="4209744" y="1345163"/>
+            <a:ext cx="292756" cy="369332"/>
+          </a:xfrm>
+          <a:prstGeom prst="rect">
+            <a:avLst/>
+          </a:prstGeom>
+          <a:noFill/>
+        </p:spPr>
+        <p:txBody>
+          <a:bodyPr wrap="none" rtlCol="0">
+            <a:spAutoFit/>
+          </a:bodyPr>
+          <a:lstStyle/>
+          <a:p>
+            <a:r>
+              <a:rPr lang="en-GB" dirty="0"/>
+              <a:t>Z</a:t>
+            </a:r>
+            <a:endParaRPr lang="en-GB" dirty="0"/>
+          </a:p>
+        </p:txBody>
+      </p:sp>
+      <p:pic>
+        <p:nvPicPr>
+          <p:cNvPr id="33" name="Image 32" descr="muvispim.png"/>
+          <p:cNvPicPr>
+            <a:picLocks noChangeAspect="1"/>
+          </p:cNvPicPr>
+          <p:nvPr/>
+        </p:nvPicPr>
+        <p:blipFill>
+          <a:blip r:embed="rId2">
+            <a:extLst>
+              <a:ext uri="{28A0092B-C50C-407E-A947-70E740481C1C}">
+                <a14:useLocalDpi xmlns:a14="http://schemas.microsoft.com/office/drawing/2010/main" val="0"/>
+              </a:ext>
+            </a:extLst>
+          </a:blip>
+          <a:stretch>
+            <a:fillRect/>
+          </a:stretch>
+        </p:blipFill>
+        <p:spPr>
+          <a:xfrm rot="16200000">
+            <a:off x="6103212" y="1800000"/>
+            <a:ext cx="1473576" cy="1440000"/>
+          </a:xfrm>
+          <a:prstGeom prst="rect">
+            <a:avLst/>
+          </a:prstGeom>
+        </p:spPr>
+      </p:pic>
+      <p:grpSp>
+        <p:nvGrpSpPr>
+          <p:cNvPr id="53" name="Grouper 52"/>
+          <p:cNvGrpSpPr/>
+          <p:nvPr/>
+        </p:nvGrpSpPr>
+        <p:grpSpPr>
+          <a:xfrm>
+            <a:off x="5719244" y="98663"/>
+            <a:ext cx="1948756" cy="1737337"/>
+            <a:chOff x="5719244" y="98663"/>
+            <a:chExt cx="1948756" cy="1737337"/>
+          </a:xfrm>
+        </p:grpSpPr>
+        <p:sp>
+          <p:nvSpPr>
+            <p:cNvPr id="39" name="ZoneTexte 38"/>
+            <p:cNvSpPr txBox="1"/>
+            <p:nvPr/>
+          </p:nvSpPr>
+          <p:spPr>
+            <a:xfrm>
+              <a:off x="7297123" y="98663"/>
+              <a:ext cx="304478" cy="369332"/>
+            </a:xfrm>
+            <a:prstGeom prst="rect">
+              <a:avLst/>
+            </a:prstGeom>
+            <a:noFill/>
+          </p:spPr>
+          <p:txBody>
+            <a:bodyPr wrap="none" rtlCol="0">
+              <a:spAutoFit/>
+            </a:bodyPr>
+            <a:lstStyle/>
+            <a:p>
+              <a:r>
+                <a:rPr lang="en-GB" dirty="0" smtClean="0"/>
+                <a:t>X</a:t>
+              </a:r>
+              <a:endParaRPr lang="en-GB" dirty="0"/>
+            </a:p>
+          </p:txBody>
+        </p:sp>
+        <p:sp>
+          <p:nvSpPr>
+            <p:cNvPr id="40" name="ZoneTexte 39"/>
+            <p:cNvSpPr txBox="1"/>
+            <p:nvPr/>
+          </p:nvSpPr>
+          <p:spPr>
+            <a:xfrm>
+              <a:off x="5719244" y="1466668"/>
+              <a:ext cx="292756" cy="369332"/>
+            </a:xfrm>
+            <a:prstGeom prst="rect">
+              <a:avLst/>
+            </a:prstGeom>
+            <a:noFill/>
+          </p:spPr>
+          <p:txBody>
+            <a:bodyPr wrap="none" rtlCol="0">
+              <a:spAutoFit/>
+            </a:bodyPr>
+            <a:lstStyle/>
+            <a:p>
+              <a:r>
+                <a:rPr lang="en-GB" dirty="0"/>
+                <a:t>Z</a:t>
+              </a:r>
+              <a:endParaRPr lang="en-GB" dirty="0"/>
+            </a:p>
+          </p:txBody>
+        </p:sp>
+        <p:pic>
+          <p:nvPicPr>
+            <p:cNvPr id="47" name="Image 46" descr="data-s1lc.png"/>
+            <p:cNvPicPr>
+              <a:picLocks noChangeAspect="1"/>
+            </p:cNvPicPr>
+            <p:nvPr/>
+          </p:nvPicPr>
+          <p:blipFill>
+            <a:blip r:embed="rId5">
+              <a:extLst>
+                <a:ext uri="{28A0092B-C50C-407E-A947-70E740481C1C}">
+                  <a14:useLocalDpi xmlns:a14="http://schemas.microsoft.com/office/drawing/2010/main" val="0"/>
+                </a:ext>
+              </a:extLst>
+            </a:blip>
+            <a:stretch>
+              <a:fillRect/>
+            </a:stretch>
+          </p:blipFill>
+          <p:spPr>
+            <a:xfrm>
+              <a:off x="6120000" y="541793"/>
+              <a:ext cx="1440000" cy="1150207"/>
+            </a:xfrm>
+            <a:prstGeom prst="rect">
+              <a:avLst/>
+            </a:prstGeom>
+          </p:spPr>
+        </p:pic>
+        <p:cxnSp>
+          <p:nvCxnSpPr>
+            <p:cNvPr id="49" name="Connecteur droit avec flèche 48"/>
+            <p:cNvCxnSpPr/>
+            <p:nvPr/>
+          </p:nvCxnSpPr>
+          <p:spPr>
+            <a:xfrm>
+              <a:off x="6012000" y="432000"/>
+              <a:ext cx="1656000" cy="0"/>
+            </a:xfrm>
+            <a:prstGeom prst="straightConnector1">
+              <a:avLst/>
+            </a:prstGeom>
+            <a:ln>
+              <a:tailEnd type="arrow"/>
+            </a:ln>
+          </p:spPr>
+          <p:style>
+            <a:lnRef idx="2">
+              <a:schemeClr val="accent1"/>
+            </a:lnRef>
+            <a:fillRef idx="0">
+              <a:schemeClr val="accent1"/>
+            </a:fillRef>
+            <a:effectRef idx="1">
+              <a:schemeClr val="accent1"/>
+            </a:effectRef>
+            <a:fontRef idx="minor">
+              <a:schemeClr val="tx1"/>
+            </a:fontRef>
+          </p:style>
+        </p:cxnSp>
+        <p:cxnSp>
+          <p:nvCxnSpPr>
+            <p:cNvPr id="52" name="Connecteur droit avec flèche 51"/>
+            <p:cNvCxnSpPr/>
+            <p:nvPr/>
+          </p:nvCxnSpPr>
+          <p:spPr>
+            <a:xfrm>
+              <a:off x="6012000" y="432000"/>
+              <a:ext cx="0" cy="1368000"/>
+            </a:xfrm>
+            <a:prstGeom prst="straightConnector1">
+              <a:avLst/>
+            </a:prstGeom>
+            <a:ln>
+              <a:tailEnd type="arrow"/>
+            </a:ln>
+          </p:spPr>
+          <p:style>
+            <a:lnRef idx="2">
+              <a:schemeClr val="accent1"/>
+            </a:lnRef>
+            <a:fillRef idx="0">
+              <a:schemeClr val="accent1"/>
+            </a:fillRef>
+            <a:effectRef idx="1">
+              <a:schemeClr val="accent1"/>
+            </a:effectRef>
+            <a:fontRef idx="minor">
+              <a:schemeClr val="tx1"/>
+            </a:fontRef>
+          </p:style>
+        </p:cxnSp>
+      </p:grpSp>
+      <p:sp>
+        <p:nvSpPr>
+          <p:cNvPr id="55" name="ZoneTexte 54"/>
+          <p:cNvSpPr txBox="1"/>
+          <p:nvPr/>
+        </p:nvSpPr>
+        <p:spPr>
+          <a:xfrm>
+            <a:off x="6051023" y="2905830"/>
+            <a:ext cx="304478" cy="369332"/>
+          </a:xfrm>
+          <a:prstGeom prst="rect">
+            <a:avLst/>
+          </a:prstGeom>
+          <a:noFill/>
+        </p:spPr>
+        <p:txBody>
+          <a:bodyPr wrap="none" rtlCol="0">
+            <a:spAutoFit/>
+          </a:bodyPr>
+          <a:lstStyle/>
+          <a:p>
+            <a:r>
+              <a:rPr lang="en-GB" dirty="0" smtClean="0"/>
+              <a:t>X</a:t>
+            </a:r>
+            <a:endParaRPr lang="en-GB" dirty="0"/>
+          </a:p>
+        </p:txBody>
+      </p:sp>
+      <p:sp>
+        <p:nvSpPr>
+          <p:cNvPr id="56" name="ZoneTexte 55"/>
+          <p:cNvSpPr txBox="1"/>
+          <p:nvPr/>
+        </p:nvSpPr>
+        <p:spPr>
+          <a:xfrm>
+            <a:off x="7694900" y="4250068"/>
+            <a:ext cx="292756" cy="369332"/>
+          </a:xfrm>
+          <a:prstGeom prst="rect">
+            <a:avLst/>
+          </a:prstGeom>
+          <a:noFill/>
+        </p:spPr>
+        <p:txBody>
+          <a:bodyPr wrap="none" rtlCol="0">
+            <a:spAutoFit/>
+          </a:bodyPr>
+          <a:lstStyle/>
+          <a:p>
+            <a:r>
+              <a:rPr lang="en-GB" dirty="0"/>
+              <a:t>Z</a:t>
+            </a:r>
+            <a:endParaRPr lang="en-GB" dirty="0"/>
+          </a:p>
+        </p:txBody>
+      </p:sp>
+      <p:pic>
+        <p:nvPicPr>
+          <p:cNvPr id="57" name="Image 56"/>
+          <p:cNvPicPr>
+            <a:picLocks noChangeAspect="1"/>
+          </p:cNvPicPr>
+          <p:nvPr/>
+        </p:nvPicPr>
+        <p:blipFill>
+          <a:blip r:embed="rId6">
+            <a:extLst>
+              <a:ext uri="{28A0092B-C50C-407E-A947-70E740481C1C}">
+                <a14:useLocalDpi xmlns:a14="http://schemas.microsoft.com/office/drawing/2010/main" val="0"/>
+              </a:ext>
+            </a:extLst>
+          </a:blip>
+          <a:stretch>
+            <a:fillRect/>
+          </a:stretch>
+        </p:blipFill>
+        <p:spPr>
+          <a:xfrm>
+            <a:off x="6159023" y="3399293"/>
+            <a:ext cx="1439999" cy="1150207"/>
+          </a:xfrm>
+          <a:prstGeom prst="rect">
+            <a:avLst/>
+          </a:prstGeom>
+        </p:spPr>
+      </p:pic>
+      <p:cxnSp>
+        <p:nvCxnSpPr>
+          <p:cNvPr id="58" name="Connecteur droit avec flèche 57"/>
+          <p:cNvCxnSpPr/>
+          <p:nvPr/>
+        </p:nvCxnSpPr>
+        <p:spPr>
+          <a:xfrm>
+            <a:off x="6051023" y="3289500"/>
+            <a:ext cx="1656000" cy="0"/>
+          </a:xfrm>
+          <a:prstGeom prst="straightConnector1">
+            <a:avLst/>
+          </a:prstGeom>
+          <a:ln>
+            <a:headEnd type="arrow"/>
+            <a:tailEnd type="none"/>
+          </a:ln>
+        </p:spPr>
+        <p:style>
+          <a:lnRef idx="2">
+            <a:schemeClr val="accent1"/>
+          </a:lnRef>
+          <a:fillRef idx="0">
+            <a:schemeClr val="accent1"/>
+          </a:fillRef>
+          <a:effectRef idx="1">
+            <a:schemeClr val="accent1"/>
+          </a:effectRef>
+          <a:fontRef idx="minor">
+            <a:schemeClr val="tx1"/>
+          </a:fontRef>
+        </p:style>
+      </p:cxnSp>
+      <p:cxnSp>
+        <p:nvCxnSpPr>
+          <p:cNvPr id="59" name="Connecteur droit avec flèche 58"/>
+          <p:cNvCxnSpPr/>
+          <p:nvPr/>
+        </p:nvCxnSpPr>
+        <p:spPr>
+          <a:xfrm>
+            <a:off x="7707600" y="3289500"/>
+            <a:ext cx="0" cy="1368000"/>
+          </a:xfrm>
+          <a:prstGeom prst="straightConnector1">
+            <a:avLst/>
+          </a:prstGeom>
+          <a:ln>
+            <a:tailEnd type="arrow"/>
+          </a:ln>
+        </p:spPr>
+        <p:style>
+          <a:lnRef idx="2">
+            <a:schemeClr val="accent1"/>
+          </a:lnRef>
+          <a:fillRef idx="0">
+            <a:schemeClr val="accent1"/>
+          </a:fillRef>
+          <a:effectRef idx="1">
+            <a:schemeClr val="accent1"/>
+          </a:effectRef>
+          <a:fontRef idx="minor">
+            <a:schemeClr val="tx1"/>
+          </a:fontRef>
+        </p:style>
+      </p:cxnSp>
+      <p:sp>
+        <p:nvSpPr>
+          <p:cNvPr id="60" name="ZoneTexte 59"/>
+          <p:cNvSpPr txBox="1"/>
+          <p:nvPr/>
+        </p:nvSpPr>
+        <p:spPr>
+          <a:xfrm>
+            <a:off x="360000" y="1281258"/>
+            <a:ext cx="1310400" cy="523220"/>
+          </a:xfrm>
+          <a:prstGeom prst="rect">
+            <a:avLst/>
+          </a:prstGeom>
+          <a:noFill/>
+        </p:spPr>
+        <p:txBody>
+          <a:bodyPr wrap="square" rtlCol="0">
+            <a:spAutoFit/>
+          </a:bodyPr>
+          <a:lstStyle/>
+          <a:p>
+            <a:r>
+              <a:rPr lang="en-GB" sz="1400" dirty="0"/>
+              <a:t>s</a:t>
+            </a:r>
+            <a:r>
+              <a:rPr lang="en-GB" sz="1400" dirty="0" smtClean="0"/>
+              <a:t>tack #0</a:t>
+            </a:r>
+          </a:p>
+          <a:p>
+            <a:r>
+              <a:rPr lang="en-GB" sz="1400" dirty="0"/>
+              <a:t>l</a:t>
+            </a:r>
+            <a:r>
+              <a:rPr lang="en-GB" sz="1400" dirty="0" smtClean="0"/>
+              <a:t>eft cam.</a:t>
+            </a:r>
+            <a:endParaRPr lang="en-GB" sz="1400" dirty="0"/>
+          </a:p>
+        </p:txBody>
+      </p:sp>
+      <p:sp>
+        <p:nvSpPr>
+          <p:cNvPr id="61" name="ZoneTexte 60"/>
+          <p:cNvSpPr txBox="1"/>
+          <p:nvPr/>
+        </p:nvSpPr>
+        <p:spPr>
+          <a:xfrm>
+            <a:off x="3241795" y="3239999"/>
+            <a:ext cx="1310400" cy="523220"/>
+          </a:xfrm>
+          <a:prstGeom prst="rect">
+            <a:avLst/>
+          </a:prstGeom>
+          <a:noFill/>
+        </p:spPr>
+        <p:txBody>
+          <a:bodyPr wrap="square" rtlCol="0">
+            <a:spAutoFit/>
+          </a:bodyPr>
+          <a:lstStyle/>
+          <a:p>
+            <a:r>
+              <a:rPr lang="en-GB" sz="1400" dirty="0"/>
+              <a:t>s</a:t>
+            </a:r>
+            <a:r>
+              <a:rPr lang="en-GB" sz="1400" dirty="0" smtClean="0"/>
+              <a:t>tack #0</a:t>
+            </a:r>
+          </a:p>
+          <a:p>
+            <a:r>
+              <a:rPr lang="en-GB" sz="1400" dirty="0" smtClean="0"/>
+              <a:t>right cam.</a:t>
+            </a:r>
+            <a:endParaRPr lang="en-GB" sz="1400" dirty="0"/>
+          </a:p>
+        </p:txBody>
+      </p:sp>
+      <p:sp>
+        <p:nvSpPr>
+          <p:cNvPr id="62" name="ZoneTexte 61"/>
+          <p:cNvSpPr txBox="1"/>
+          <p:nvPr/>
+        </p:nvSpPr>
+        <p:spPr>
+          <a:xfrm>
+            <a:off x="7719300" y="3386793"/>
+            <a:ext cx="1310400" cy="523220"/>
+          </a:xfrm>
+          <a:prstGeom prst="rect">
+            <a:avLst/>
+          </a:prstGeom>
+          <a:noFill/>
+        </p:spPr>
+        <p:txBody>
+          <a:bodyPr wrap="square" rtlCol="0">
+            <a:spAutoFit/>
+          </a:bodyPr>
+          <a:lstStyle/>
+          <a:p>
+            <a:r>
+              <a:rPr lang="en-GB" sz="1400" dirty="0"/>
+              <a:t>s</a:t>
+            </a:r>
+            <a:r>
+              <a:rPr lang="en-GB" sz="1400" dirty="0" smtClean="0"/>
+              <a:t>tack #1</a:t>
+            </a:r>
+          </a:p>
+          <a:p>
+            <a:r>
+              <a:rPr lang="en-GB" sz="1400" dirty="0" smtClean="0"/>
+              <a:t>right cam.</a:t>
+            </a:r>
+            <a:endParaRPr lang="en-GB" sz="1400" dirty="0"/>
+          </a:p>
+        </p:txBody>
+      </p:sp>
+      <p:sp>
+        <p:nvSpPr>
+          <p:cNvPr id="63" name="ZoneTexte 62"/>
+          <p:cNvSpPr txBox="1"/>
+          <p:nvPr/>
+        </p:nvSpPr>
+        <p:spPr>
+          <a:xfrm>
+            <a:off x="7719300" y="584179"/>
+            <a:ext cx="1310400" cy="523220"/>
+          </a:xfrm>
+          <a:prstGeom prst="rect">
+            <a:avLst/>
+          </a:prstGeom>
+          <a:noFill/>
+        </p:spPr>
+        <p:txBody>
+          <a:bodyPr wrap="square" rtlCol="0">
+            <a:spAutoFit/>
+          </a:bodyPr>
+          <a:lstStyle/>
+          <a:p>
+            <a:r>
+              <a:rPr lang="en-GB" sz="1400" dirty="0"/>
+              <a:t>s</a:t>
+            </a:r>
+            <a:r>
+              <a:rPr lang="en-GB" sz="1400" dirty="0" smtClean="0"/>
+              <a:t>tack #1</a:t>
+            </a:r>
+          </a:p>
+          <a:p>
+            <a:r>
+              <a:rPr lang="en-GB" sz="1400" dirty="0"/>
+              <a:t>l</a:t>
+            </a:r>
+            <a:r>
+              <a:rPr lang="en-GB" sz="1400" dirty="0" smtClean="0"/>
+              <a:t>eft cam.</a:t>
+            </a:r>
+            <a:endParaRPr lang="en-GB" sz="1400" dirty="0"/>
+          </a:p>
+        </p:txBody>
+      </p:sp>
+    </p:spTree>
+    <p:extLst>
+      <p:ext uri="{BB962C8B-B14F-4D97-AF65-F5344CB8AC3E}">
+        <p14:creationId xmlns:p14="http://schemas.microsoft.com/office/powerpoint/2010/main" val="1496515345"/>
+      </p:ext>
+    </p:extLst>
+  </p:cSld>
+  <p:clrMapOvr>
+    <a:masterClrMapping/>
+  </p:clrMapOvr>
+</p:sld>
+</file>
+
+<file path=ppt/slides/slide10.xml><?xml version="1.0" encoding="utf-8"?>
+<p:sld xmlns:a="http://schemas.openxmlformats.org/drawingml/2006/main" xmlns:r="http://schemas.openxmlformats.org/officeDocument/2006/relationships" xmlns:p="http://schemas.openxmlformats.org/presentationml/2006/main">
+  <p:cSld>
+    <p:spTree>
+      <p:nvGrpSpPr>
+        <p:cNvPr id="1" name=""/>
+        <p:cNvGrpSpPr/>
+        <p:nvPr/>
+      </p:nvGrpSpPr>
+      <p:grpSpPr>
+        <a:xfrm>
+          <a:off x="0" y="0"/>
+          <a:ext cx="0" cy="0"/>
+          <a:chOff x="0" y="0"/>
+          <a:chExt cx="0" cy="0"/>
+        </a:xfrm>
+      </p:grpSpPr>
+      <p:pic>
+        <p:nvPicPr>
+          <p:cNvPr id="6" name="Image 5"/>
+          <p:cNvPicPr>
+            <a:picLocks noChangeAspect="1"/>
+          </p:cNvPicPr>
+          <p:nvPr/>
+        </p:nvPicPr>
+        <p:blipFill>
+          <a:blip r:embed="rId2">
+            <a:extLst>
+              <a:ext uri="{28A0092B-C50C-407E-A947-70E740481C1C}">
+                <a14:useLocalDpi xmlns:a14="http://schemas.microsoft.com/office/drawing/2010/main" val="0"/>
+              </a:ext>
+            </a:extLst>
+          </a:blip>
+          <a:stretch>
+            <a:fillRect/>
+          </a:stretch>
+        </p:blipFill>
+        <p:spPr>
+          <a:xfrm>
+            <a:off x="0" y="1440000"/>
+            <a:ext cx="1188000" cy="1388303"/>
           </a:xfrm>
           <a:prstGeom prst="rect">
             <a:avLst/>
@@ -3133,7 +4050,7 @@
       </p:pic>
       <p:pic>
         <p:nvPicPr>
-          <p:cNvPr id="3" name="Image 2" descr="angle0_zxy_xy260_256.png"/>
+          <p:cNvPr id="8" name="Image 7"/>
           <p:cNvPicPr>
             <a:picLocks noChangeAspect="1"/>
           </p:cNvPicPr>
@@ -3153,8 +4070,8 @@
         </p:blipFill>
         <p:spPr>
           <a:xfrm>
-            <a:off x="360000" y="1800000"/>
-            <a:ext cx="992000" cy="1296000"/>
+            <a:off x="2376000" y="1440000"/>
+            <a:ext cx="1188000" cy="1388303"/>
           </a:xfrm>
           <a:prstGeom prst="rect">
             <a:avLst/>
@@ -3163,7 +4080,7 @@
       </p:pic>
       <p:pic>
         <p:nvPicPr>
-          <p:cNvPr id="4" name="Image 3" descr="angle1_zxy_xy258_256.png"/>
+          <p:cNvPr id="9" name="Image 8"/>
           <p:cNvPicPr>
             <a:picLocks noChangeAspect="1"/>
           </p:cNvPicPr>
@@ -3183,8 +4100,8 @@
         </p:blipFill>
         <p:spPr>
           <a:xfrm>
-            <a:off x="2880000" y="1800000"/>
-            <a:ext cx="992000" cy="1296000"/>
+            <a:off x="0" y="3456000"/>
+            <a:ext cx="1188000" cy="1388302"/>
           </a:xfrm>
           <a:prstGeom prst="rect">
             <a:avLst/>
@@ -3193,37 +4110,7 @@
       </p:pic>
       <p:pic>
         <p:nvPicPr>
-          <p:cNvPr id="5" name="Image 4" descr="muvispim.png"/>
-          <p:cNvPicPr>
-            <a:picLocks noChangeAspect="1"/>
-          </p:cNvPicPr>
-          <p:nvPr/>
-        </p:nvPicPr>
-        <p:blipFill>
-          <a:blip r:embed="rId2">
-            <a:extLst>
-              <a:ext uri="{28A0092B-C50C-407E-A947-70E740481C1C}">
-                <a14:useLocalDpi xmlns:a14="http://schemas.microsoft.com/office/drawing/2010/main" val="0"/>
-              </a:ext>
-            </a:extLst>
-          </a:blip>
-          <a:stretch>
-            <a:fillRect/>
-          </a:stretch>
-        </p:blipFill>
-        <p:spPr>
-          <a:xfrm rot="16200000">
-            <a:off x="6038915" y="1800000"/>
-            <a:ext cx="1326218" cy="1296000"/>
-          </a:xfrm>
-          <a:prstGeom prst="rect">
-            <a:avLst/>
-          </a:prstGeom>
-        </p:spPr>
-      </p:pic>
-      <p:pic>
-        <p:nvPicPr>
-          <p:cNvPr id="7" name="Image 6" descr="angle2_zxy_xy263_256.png"/>
+          <p:cNvPr id="10" name="Image 9"/>
           <p:cNvPicPr>
             <a:picLocks noChangeAspect="1"/>
           </p:cNvPicPr>
@@ -3243,17 +4130,141 @@
         </p:blipFill>
         <p:spPr>
           <a:xfrm>
-            <a:off x="6053863" y="648034"/>
-            <a:ext cx="1296162" cy="950976"/>
+            <a:off x="2376000" y="3456000"/>
+            <a:ext cx="1188000" cy="1388302"/>
           </a:xfrm>
           <a:prstGeom prst="rect">
             <a:avLst/>
           </a:prstGeom>
         </p:spPr>
       </p:pic>
+      <p:sp>
+        <p:nvSpPr>
+          <p:cNvPr id="19" name="ZoneTexte 18"/>
+          <p:cNvSpPr txBox="1"/>
+          <p:nvPr/>
+        </p:nvSpPr>
+        <p:spPr>
+          <a:xfrm>
+            <a:off x="284700" y="2876303"/>
+            <a:ext cx="1806600" cy="307777"/>
+          </a:xfrm>
+          <a:prstGeom prst="rect">
+            <a:avLst/>
+          </a:prstGeom>
+          <a:noFill/>
+        </p:spPr>
+        <p:txBody>
+          <a:bodyPr wrap="square" rtlCol="0">
+            <a:spAutoFit/>
+          </a:bodyPr>
+          <a:lstStyle/>
+          <a:p>
+            <a:pPr algn="ctr"/>
+            <a:r>
+              <a:rPr lang="en-GB" sz="1400" dirty="0" smtClean="0"/>
+              <a:t>stack #0, left cam.</a:t>
+            </a:r>
+            <a:endParaRPr lang="en-GB" sz="1400" dirty="0"/>
+          </a:p>
+        </p:txBody>
+      </p:sp>
+      <p:sp>
+        <p:nvSpPr>
+          <p:cNvPr id="20" name="ZoneTexte 19"/>
+          <p:cNvSpPr txBox="1"/>
+          <p:nvPr/>
+        </p:nvSpPr>
+        <p:spPr>
+          <a:xfrm>
+            <a:off x="2660700" y="2876303"/>
+            <a:ext cx="1806600" cy="307777"/>
+          </a:xfrm>
+          <a:prstGeom prst="rect">
+            <a:avLst/>
+          </a:prstGeom>
+          <a:noFill/>
+        </p:spPr>
+        <p:txBody>
+          <a:bodyPr wrap="square" rtlCol="0">
+            <a:spAutoFit/>
+          </a:bodyPr>
+          <a:lstStyle/>
+          <a:p>
+            <a:pPr algn="ctr"/>
+            <a:r>
+              <a:rPr lang="en-GB" sz="1400" dirty="0" smtClean="0"/>
+              <a:t>stack #0, right cam.</a:t>
+            </a:r>
+            <a:endParaRPr lang="en-GB" sz="1400" dirty="0"/>
+          </a:p>
+        </p:txBody>
+      </p:sp>
+      <p:sp>
+        <p:nvSpPr>
+          <p:cNvPr id="21" name="ZoneTexte 20"/>
+          <p:cNvSpPr txBox="1"/>
+          <p:nvPr/>
+        </p:nvSpPr>
+        <p:spPr>
+          <a:xfrm>
+            <a:off x="284700" y="4848923"/>
+            <a:ext cx="1806600" cy="307777"/>
+          </a:xfrm>
+          <a:prstGeom prst="rect">
+            <a:avLst/>
+          </a:prstGeom>
+          <a:noFill/>
+        </p:spPr>
+        <p:txBody>
+          <a:bodyPr wrap="square" rtlCol="0">
+            <a:spAutoFit/>
+          </a:bodyPr>
+          <a:lstStyle/>
+          <a:p>
+            <a:pPr algn="ctr"/>
+            <a:r>
+              <a:rPr lang="en-GB" sz="1400" dirty="0" smtClean="0"/>
+              <a:t>stack #1, left cam.</a:t>
+            </a:r>
+            <a:endParaRPr lang="en-GB" sz="1400" dirty="0"/>
+          </a:p>
+        </p:txBody>
+      </p:sp>
+      <p:sp>
+        <p:nvSpPr>
+          <p:cNvPr id="22" name="ZoneTexte 21"/>
+          <p:cNvSpPr txBox="1"/>
+          <p:nvPr/>
+        </p:nvSpPr>
+        <p:spPr>
+          <a:xfrm>
+            <a:off x="2660700" y="4848923"/>
+            <a:ext cx="1806600" cy="307777"/>
+          </a:xfrm>
+          <a:prstGeom prst="rect">
+            <a:avLst/>
+          </a:prstGeom>
+          <a:noFill/>
+        </p:spPr>
+        <p:txBody>
+          <a:bodyPr wrap="square" rtlCol="0">
+            <a:spAutoFit/>
+          </a:bodyPr>
+          <a:lstStyle/>
+          <a:p>
+            <a:pPr algn="ctr"/>
+            <a:r>
+              <a:rPr lang="en-GB" sz="1400" dirty="0" smtClean="0"/>
+              <a:t>stack #1, right cam.</a:t>
+            </a:r>
+            <a:endParaRPr lang="en-GB" sz="1400" dirty="0"/>
+          </a:p>
+        </p:txBody>
+      </p:sp>
       <p:pic>
         <p:nvPicPr>
-          <p:cNvPr id="8" name="Image 7" descr="angle3_zxy_xy259_256.png"/>
+          <p:cNvPr id="2" name="Image 1" descr="fusion.png"/>
           <p:cNvPicPr>
             <a:picLocks noChangeAspect="1"/>
           </p:cNvPicPr>
@@ -3273,224 +4284,151 @@
         </p:blipFill>
         <p:spPr>
           <a:xfrm>
-            <a:off x="6054024" y="3204049"/>
-            <a:ext cx="1296162" cy="950976"/>
+            <a:off x="5220000" y="1440000"/>
+            <a:ext cx="2926568" cy="3420000"/>
           </a:xfrm>
           <a:prstGeom prst="rect">
             <a:avLst/>
           </a:prstGeom>
         </p:spPr>
       </p:pic>
-      <p:sp>
-        <p:nvSpPr>
-          <p:cNvPr id="11" name="ZoneTexte 10"/>
-          <p:cNvSpPr txBox="1"/>
-          <p:nvPr/>
-        </p:nvSpPr>
-        <p:spPr>
-          <a:xfrm>
-            <a:off x="4089526" y="1784890"/>
-            <a:ext cx="1827066" cy="461665"/>
-          </a:xfrm>
-          <a:prstGeom prst="rect">
-            <a:avLst/>
-          </a:prstGeom>
-          <a:noFill/>
-        </p:spPr>
-        <p:txBody>
-          <a:bodyPr wrap="square" rtlCol="0">
-            <a:spAutoFit/>
-          </a:bodyPr>
-          <a:lstStyle/>
-          <a:p>
-            <a:r>
-              <a:rPr lang="fr-FR" sz="2400" dirty="0" smtClean="0"/>
-              <a:t>90</a:t>
-            </a:r>
-            <a:r>
-              <a:rPr lang="fr-FR" sz="2400" baseline="30000" dirty="0" smtClean="0"/>
-              <a:t>o</a:t>
-            </a:r>
-            <a:r>
-              <a:rPr lang="fr-FR" sz="2400" dirty="0" smtClean="0"/>
-              <a:t> rotation</a:t>
-            </a:r>
-            <a:endParaRPr lang="fr-FR" sz="2400" dirty="0"/>
-          </a:p>
-        </p:txBody>
-      </p:sp>
-      <p:sp>
-        <p:nvSpPr>
-          <p:cNvPr id="12" name="Flèche vers la droite 11"/>
-          <p:cNvSpPr/>
-          <p:nvPr/>
-        </p:nvSpPr>
-        <p:spPr>
-          <a:xfrm>
-            <a:off x="4248046" y="2184021"/>
-            <a:ext cx="1281334" cy="495666"/>
-          </a:xfrm>
-          <a:prstGeom prst="rightArrow">
-            <a:avLst/>
-          </a:prstGeom>
-        </p:spPr>
-        <p:style>
-          <a:lnRef idx="1">
-            <a:schemeClr val="accent1"/>
-          </a:lnRef>
-          <a:fillRef idx="3">
-            <a:schemeClr val="accent1"/>
-          </a:fillRef>
-          <a:effectRef idx="2">
-            <a:schemeClr val="accent1"/>
-          </a:effectRef>
-          <a:fontRef idx="minor">
-            <a:schemeClr val="lt1"/>
-          </a:fontRef>
-        </p:style>
-        <p:txBody>
-          <a:bodyPr rtlCol="0" anchor="ctr"/>
-          <a:lstStyle/>
-          <a:p>
-            <a:pPr algn="ctr"/>
-            <a:endParaRPr lang="en-GB"/>
-          </a:p>
-        </p:txBody>
-      </p:sp>
-      <p:sp>
-        <p:nvSpPr>
-          <p:cNvPr id="13" name="ZoneTexte 12"/>
-          <p:cNvSpPr txBox="1"/>
-          <p:nvPr/>
-        </p:nvSpPr>
-        <p:spPr>
-          <a:xfrm>
-            <a:off x="204687" y="3031370"/>
-            <a:ext cx="1297265" cy="523220"/>
-          </a:xfrm>
-          <a:prstGeom prst="rect">
-            <a:avLst/>
-          </a:prstGeom>
-          <a:noFill/>
-        </p:spPr>
-        <p:txBody>
-          <a:bodyPr wrap="square" rtlCol="0">
-            <a:spAutoFit/>
-          </a:bodyPr>
-          <a:lstStyle/>
-          <a:p>
-            <a:pPr algn="ctr"/>
-            <a:r>
-              <a:rPr lang="en-GB" sz="1400" dirty="0" smtClean="0"/>
-              <a:t>Left camera, stack #0</a:t>
-            </a:r>
-            <a:endParaRPr lang="en-GB" sz="1400" dirty="0"/>
-          </a:p>
-        </p:txBody>
-      </p:sp>
-      <p:sp>
-        <p:nvSpPr>
-          <p:cNvPr id="14" name="ZoneTexte 13"/>
-          <p:cNvSpPr txBox="1"/>
-          <p:nvPr/>
-        </p:nvSpPr>
-        <p:spPr>
-          <a:xfrm>
-            <a:off x="5575844" y="1527961"/>
-            <a:ext cx="2245827" cy="307777"/>
-          </a:xfrm>
-          <a:prstGeom prst="rect">
-            <a:avLst/>
-          </a:prstGeom>
-          <a:noFill/>
-        </p:spPr>
-        <p:txBody>
-          <a:bodyPr wrap="square" rtlCol="0">
-            <a:spAutoFit/>
-          </a:bodyPr>
-          <a:lstStyle/>
-          <a:p>
-            <a:pPr algn="ctr"/>
-            <a:r>
-              <a:rPr lang="en-GB" sz="1400" dirty="0" smtClean="0"/>
-              <a:t>Left camera, stack#1</a:t>
-            </a:r>
-            <a:endParaRPr lang="en-GB" sz="1400" dirty="0"/>
-          </a:p>
-        </p:txBody>
-      </p:sp>
-      <p:sp>
-        <p:nvSpPr>
-          <p:cNvPr id="15" name="ZoneTexte 14"/>
-          <p:cNvSpPr txBox="1"/>
-          <p:nvPr/>
-        </p:nvSpPr>
-        <p:spPr>
-          <a:xfrm>
-            <a:off x="5482916" y="4083050"/>
-            <a:ext cx="2447177" cy="307777"/>
-          </a:xfrm>
-          <a:prstGeom prst="rect">
-            <a:avLst/>
-          </a:prstGeom>
-          <a:noFill/>
-        </p:spPr>
-        <p:txBody>
-          <a:bodyPr wrap="square" rtlCol="0">
-            <a:spAutoFit/>
-          </a:bodyPr>
-          <a:lstStyle/>
-          <a:p>
-            <a:pPr algn="ctr"/>
-            <a:r>
-              <a:rPr lang="en-GB" sz="1400" dirty="0" smtClean="0"/>
-              <a:t>Right camera, stack #1</a:t>
-            </a:r>
-            <a:endParaRPr lang="en-GB" sz="1400" dirty="0"/>
-          </a:p>
-        </p:txBody>
-      </p:sp>
-      <p:sp>
-        <p:nvSpPr>
-          <p:cNvPr id="16" name="ZoneTexte 15"/>
-          <p:cNvSpPr txBox="1"/>
-          <p:nvPr/>
-        </p:nvSpPr>
-        <p:spPr>
-          <a:xfrm>
-            <a:off x="2766218" y="3040055"/>
-            <a:ext cx="1297265" cy="523220"/>
-          </a:xfrm>
-          <a:prstGeom prst="rect">
-            <a:avLst/>
-          </a:prstGeom>
-          <a:noFill/>
-        </p:spPr>
-        <p:txBody>
-          <a:bodyPr wrap="square" rtlCol="0">
-            <a:spAutoFit/>
-          </a:bodyPr>
-          <a:lstStyle/>
-          <a:p>
-            <a:pPr algn="ctr"/>
-            <a:r>
-              <a:rPr lang="en-GB" sz="1400" dirty="0" smtClean="0"/>
-              <a:t>Right camera, stack #0</a:t>
-            </a:r>
-            <a:endParaRPr lang="en-GB" sz="1400" dirty="0"/>
-          </a:p>
-        </p:txBody>
-      </p:sp>
+      <p:pic>
+        <p:nvPicPr>
+          <p:cNvPr id="25" name="Image 24"/>
+          <p:cNvPicPr>
+            <a:picLocks noChangeAspect="1"/>
+          </p:cNvPicPr>
+          <p:nvPr/>
+        </p:nvPicPr>
+        <p:blipFill>
+          <a:blip r:embed="rId7">
+            <a:extLst>
+              <a:ext uri="{28A0092B-C50C-407E-A947-70E740481C1C}">
+                <a14:useLocalDpi xmlns:a14="http://schemas.microsoft.com/office/drawing/2010/main" val="0"/>
+              </a:ext>
+            </a:extLst>
+          </a:blip>
+          <a:stretch>
+            <a:fillRect/>
+          </a:stretch>
+        </p:blipFill>
+        <p:spPr>
+          <a:xfrm>
+            <a:off x="1188000" y="1440000"/>
+            <a:ext cx="1188000" cy="1388302"/>
+          </a:xfrm>
+          <a:prstGeom prst="rect">
+            <a:avLst/>
+          </a:prstGeom>
+        </p:spPr>
+      </p:pic>
+      <p:pic>
+        <p:nvPicPr>
+          <p:cNvPr id="26" name="Image 25"/>
+          <p:cNvPicPr>
+            <a:picLocks noChangeAspect="1"/>
+          </p:cNvPicPr>
+          <p:nvPr/>
+        </p:nvPicPr>
+        <p:blipFill>
+          <a:blip r:embed="rId8">
+            <a:extLst>
+              <a:ext uri="{28A0092B-C50C-407E-A947-70E740481C1C}">
+                <a14:useLocalDpi xmlns:a14="http://schemas.microsoft.com/office/drawing/2010/main" val="0"/>
+              </a:ext>
+            </a:extLst>
+          </a:blip>
+          <a:stretch>
+            <a:fillRect/>
+          </a:stretch>
+        </p:blipFill>
+        <p:spPr>
+          <a:xfrm>
+            <a:off x="3600003" y="1440000"/>
+            <a:ext cx="1227816" cy="1434831"/>
+          </a:xfrm>
+          <a:prstGeom prst="rect">
+            <a:avLst/>
+          </a:prstGeom>
+        </p:spPr>
+      </p:pic>
+      <p:pic>
+        <p:nvPicPr>
+          <p:cNvPr id="27" name="Image 26"/>
+          <p:cNvPicPr>
+            <a:picLocks noChangeAspect="1"/>
+          </p:cNvPicPr>
+          <p:nvPr/>
+        </p:nvPicPr>
+        <p:blipFill>
+          <a:blip r:embed="rId9">
+            <a:extLst>
+              <a:ext uri="{28A0092B-C50C-407E-A947-70E740481C1C}">
+                <a14:useLocalDpi xmlns:a14="http://schemas.microsoft.com/office/drawing/2010/main" val="0"/>
+              </a:ext>
+            </a:extLst>
+          </a:blip>
+          <a:stretch>
+            <a:fillRect/>
+          </a:stretch>
+        </p:blipFill>
+        <p:spPr>
+          <a:xfrm>
+            <a:off x="1188000" y="3456000"/>
+            <a:ext cx="1188000" cy="1388302"/>
+          </a:xfrm>
+          <a:prstGeom prst="rect">
+            <a:avLst/>
+          </a:prstGeom>
+        </p:spPr>
+      </p:pic>
+      <p:pic>
+        <p:nvPicPr>
+          <p:cNvPr id="28" name="Image 27"/>
+          <p:cNvPicPr>
+            <a:picLocks noChangeAspect="1"/>
+          </p:cNvPicPr>
+          <p:nvPr/>
+        </p:nvPicPr>
+        <p:blipFill>
+          <a:blip r:embed="rId10">
+            <a:extLst>
+              <a:ext uri="{28A0092B-C50C-407E-A947-70E740481C1C}">
+                <a14:useLocalDpi xmlns:a14="http://schemas.microsoft.com/office/drawing/2010/main" val="0"/>
+              </a:ext>
+            </a:extLst>
+          </a:blip>
+          <a:stretch>
+            <a:fillRect/>
+          </a:stretch>
+        </p:blipFill>
+        <p:spPr>
+          <a:xfrm>
+            <a:off x="3564000" y="3456000"/>
+            <a:ext cx="1188000" cy="1388302"/>
+          </a:xfrm>
+          <a:prstGeom prst="rect">
+            <a:avLst/>
+          </a:prstGeom>
+        </p:spPr>
+      </p:pic>
     </p:spTree>
     <p:extLst>
       <p:ext uri="{BB962C8B-B14F-4D97-AF65-F5344CB8AC3E}">
-        <p14:creationId xmlns:p14="http://schemas.microsoft.com/office/powerpoint/2010/main" val="489826594"/>
+        <p14:creationId xmlns:p14="http://schemas.microsoft.com/office/powerpoint/2010/main" val="364848882"/>
       </p:ext>
     </p:extLst>
   </p:cSld>
   <p:clrMapOvr>
     <a:masterClrMapping/>
   </p:clrMapOvr>
+  <p:timing>
+    <p:tnLst>
+      <p:par>
+        <p:cTn xmlns:p14="http://schemas.microsoft.com/office/powerpoint/2010/main" id="1" dur="indefinite" restart="never" nodeType="tmRoot"/>
+      </p:par>
+    </p:tnLst>
+  </p:timing>
 </p:sld>
 </file>
 
@@ -3513,7 +4451,7 @@
       </p:grpSpPr>
       <p:pic>
         <p:nvPicPr>
-          <p:cNvPr id="3" name="Image 2" descr="angle0_zxy_xy260_256.png"/>
+          <p:cNvPr id="3" name="Image 2" descr="muvispim.png"/>
           <p:cNvPicPr>
             <a:picLocks noChangeAspect="1"/>
           </p:cNvPicPr>
@@ -3533,8 +4471,8 @@
         </p:blipFill>
         <p:spPr>
           <a:xfrm>
-            <a:off x="360000" y="1800000"/>
-            <a:ext cx="992000" cy="1296000"/>
+            <a:off x="1622200" y="1800000"/>
+            <a:ext cx="1473576" cy="1440000"/>
           </a:xfrm>
           <a:prstGeom prst="rect">
             <a:avLst/>
@@ -3543,7 +4481,7 @@
       </p:pic>
       <p:pic>
         <p:nvPicPr>
-          <p:cNvPr id="4" name="Image 3" descr="angle1_zxy_xy258_256.png"/>
+          <p:cNvPr id="2" name="Image 1"/>
           <p:cNvPicPr>
             <a:picLocks noChangeAspect="1"/>
           </p:cNvPicPr>
@@ -3563,24 +4501,58 @@
         </p:blipFill>
         <p:spPr>
           <a:xfrm>
-            <a:off x="2880000" y="1800000"/>
-            <a:ext cx="992000" cy="1296000"/>
+            <a:off x="525903" y="1800000"/>
+            <a:ext cx="869189" cy="1440000"/>
           </a:xfrm>
           <a:prstGeom prst="rect">
             <a:avLst/>
           </a:prstGeom>
         </p:spPr>
       </p:pic>
-      <p:sp>
-        <p:nvSpPr>
-          <p:cNvPr id="13" name="ZoneTexte 12"/>
+      <p:cxnSp>
+        <p:nvCxnSpPr>
+          <p:cNvPr id="8" name="Connecteur droit avec flèche 7"/>
+          <p:cNvCxnSpPr/>
+          <p:nvPr/>
+        </p:nvCxnSpPr>
+        <p:spPr>
+          <a:xfrm>
+            <a:off x="213900" y="1692000"/>
+            <a:ext cx="1418400" cy="0"/>
+          </a:xfrm>
+          <a:prstGeom prst="straightConnector1">
+            <a:avLst/>
+          </a:prstGeom>
+          <a:ln>
+            <a:headEnd type="arrow"/>
+            <a:tailEnd type="none"/>
+          </a:ln>
+        </p:spPr>
+        <p:style>
+          <a:lnRef idx="2">
+            <a:schemeClr val="accent1"/>
+          </a:lnRef>
+          <a:fillRef idx="0">
+            <a:schemeClr val="accent1"/>
+          </a:fillRef>
+          <a:effectRef idx="1">
+            <a:schemeClr val="accent1"/>
+          </a:effectRef>
+          <a:fontRef idx="minor">
+            <a:schemeClr val="tx1"/>
+          </a:fontRef>
+        </p:style>
+      </p:cxnSp>
+      <p:sp>
+        <p:nvSpPr>
+          <p:cNvPr id="9" name="ZoneTexte 8"/>
           <p:cNvSpPr txBox="1"/>
           <p:nvPr/>
         </p:nvSpPr>
         <p:spPr>
           <a:xfrm>
-            <a:off x="204687" y="3031370"/>
-            <a:ext cx="1297265" cy="307777"/>
+            <a:off x="1620000" y="2968858"/>
+            <a:ext cx="304478" cy="369332"/>
           </a:xfrm>
           <a:prstGeom prst="rect">
             <a:avLst/>
@@ -3588,20 +4560,147 @@
           <a:noFill/>
         </p:spPr>
         <p:txBody>
-          <a:bodyPr wrap="square" rtlCol="0">
+          <a:bodyPr wrap="none" rtlCol="0">
             <a:spAutoFit/>
           </a:bodyPr>
           <a:lstStyle/>
           <a:p>
-            <a:pPr algn="ctr"/>
-            <a:r>
-              <a:rPr lang="en-GB" sz="1400" dirty="0" smtClean="0"/>
-              <a:t>LC, S#0</a:t>
-            </a:r>
-            <a:endParaRPr lang="en-GB" sz="1400" dirty="0"/>
-          </a:p>
-        </p:txBody>
-      </p:sp>
+            <a:r>
+              <a:rPr lang="en-GB" dirty="0" smtClean="0"/>
+              <a:t>X</a:t>
+            </a:r>
+            <a:endParaRPr lang="en-GB" dirty="0"/>
+          </a:p>
+        </p:txBody>
+      </p:sp>
+      <p:sp>
+        <p:nvSpPr>
+          <p:cNvPr id="10" name="ZoneTexte 9"/>
+          <p:cNvSpPr txBox="1"/>
+          <p:nvPr/>
+        </p:nvSpPr>
+        <p:spPr>
+          <a:xfrm>
+            <a:off x="379525" y="1305625"/>
+            <a:ext cx="292756" cy="369332"/>
+          </a:xfrm>
+          <a:prstGeom prst="rect">
+            <a:avLst/>
+          </a:prstGeom>
+          <a:noFill/>
+        </p:spPr>
+        <p:txBody>
+          <a:bodyPr wrap="none" rtlCol="0">
+            <a:spAutoFit/>
+          </a:bodyPr>
+          <a:lstStyle/>
+          <a:p>
+            <a:r>
+              <a:rPr lang="en-GB" dirty="0"/>
+              <a:t>Z</a:t>
+            </a:r>
+            <a:endParaRPr lang="en-GB" dirty="0"/>
+          </a:p>
+        </p:txBody>
+      </p:sp>
+      <p:pic>
+        <p:nvPicPr>
+          <p:cNvPr id="13" name="Image 12"/>
+          <p:cNvPicPr>
+            <a:picLocks noChangeAspect="1"/>
+          </p:cNvPicPr>
+          <p:nvPr/>
+        </p:nvPicPr>
+        <p:blipFill>
+          <a:blip r:embed="rId4">
+            <a:extLst>
+              <a:ext uri="{28A0092B-C50C-407E-A947-70E740481C1C}">
+                <a14:useLocalDpi xmlns:a14="http://schemas.microsoft.com/office/drawing/2010/main" val="0"/>
+              </a:ext>
+            </a:extLst>
+          </a:blip>
+          <a:stretch>
+            <a:fillRect/>
+          </a:stretch>
+        </p:blipFill>
+        <p:spPr>
+          <a:xfrm>
+            <a:off x="3396104" y="1800001"/>
+            <a:ext cx="869187" cy="1439998"/>
+          </a:xfrm>
+          <a:prstGeom prst="rect">
+            <a:avLst/>
+          </a:prstGeom>
+        </p:spPr>
+      </p:pic>
+      <p:cxnSp>
+        <p:nvCxnSpPr>
+          <p:cNvPr id="14" name="Connecteur droit avec flèche 13"/>
+          <p:cNvCxnSpPr/>
+          <p:nvPr/>
+        </p:nvCxnSpPr>
+        <p:spPr>
+          <a:xfrm flipV="1">
+            <a:off x="4539600" y="1692000"/>
+            <a:ext cx="0" cy="1656000"/>
+          </a:xfrm>
+          <a:prstGeom prst="straightConnector1">
+            <a:avLst/>
+          </a:prstGeom>
+          <a:ln>
+            <a:headEnd type="none"/>
+            <a:tailEnd type="arrow"/>
+          </a:ln>
+        </p:spPr>
+        <p:style>
+          <a:lnRef idx="2">
+            <a:schemeClr val="accent1"/>
+          </a:lnRef>
+          <a:fillRef idx="0">
+            <a:schemeClr val="accent1"/>
+          </a:fillRef>
+          <a:effectRef idx="1">
+            <a:schemeClr val="accent1"/>
+          </a:effectRef>
+          <a:fontRef idx="minor">
+            <a:schemeClr val="tx1"/>
+          </a:fontRef>
+        </p:style>
+      </p:cxnSp>
+      <p:cxnSp>
+        <p:nvCxnSpPr>
+          <p:cNvPr id="15" name="Connecteur droit avec flèche 14"/>
+          <p:cNvCxnSpPr/>
+          <p:nvPr/>
+        </p:nvCxnSpPr>
+        <p:spPr>
+          <a:xfrm>
+            <a:off x="3122200" y="3348000"/>
+            <a:ext cx="1418400" cy="0"/>
+          </a:xfrm>
+          <a:prstGeom prst="straightConnector1">
+            <a:avLst/>
+          </a:prstGeom>
+          <a:ln>
+            <a:headEnd type="arrow"/>
+            <a:tailEnd type="none"/>
+          </a:ln>
+        </p:spPr>
+        <p:style>
+          <a:lnRef idx="2">
+            <a:schemeClr val="accent1"/>
+          </a:lnRef>
+          <a:fillRef idx="0">
+            <a:schemeClr val="accent1"/>
+          </a:fillRef>
+          <a:effectRef idx="1">
+            <a:schemeClr val="accent1"/>
+          </a:effectRef>
+          <a:fontRef idx="minor">
+            <a:schemeClr val="tx1"/>
+          </a:fontRef>
+        </p:style>
+      </p:cxnSp>
       <p:sp>
         <p:nvSpPr>
           <p:cNvPr id="16" name="ZoneTexte 15"/>
@@ -3610,8 +4709,8 @@
         </p:nvSpPr>
         <p:spPr>
           <a:xfrm>
-            <a:off x="2766218" y="3040055"/>
-            <a:ext cx="1297265" cy="307777"/>
+            <a:off x="4540600" y="1754869"/>
+            <a:ext cx="304478" cy="369332"/>
           </a:xfrm>
           <a:prstGeom prst="rect">
             <a:avLst/>
@@ -3619,74 +4718,103 @@
           <a:noFill/>
         </p:spPr>
         <p:txBody>
-          <a:bodyPr wrap="square" rtlCol="0">
+          <a:bodyPr wrap="none" rtlCol="0">
             <a:spAutoFit/>
           </a:bodyPr>
           <a:lstStyle/>
           <a:p>
-            <a:pPr algn="ctr"/>
-            <a:r>
-              <a:rPr lang="en-GB" sz="1400" dirty="0" smtClean="0"/>
-              <a:t>RC, S#0</a:t>
-            </a:r>
-            <a:endParaRPr lang="en-GB" sz="1400" dirty="0"/>
-          </a:p>
-        </p:txBody>
-      </p:sp>
+            <a:r>
+              <a:rPr lang="en-GB" dirty="0" smtClean="0"/>
+              <a:t>X</a:t>
+            </a:r>
+            <a:endParaRPr lang="en-GB" dirty="0"/>
+          </a:p>
+        </p:txBody>
+      </p:sp>
+      <p:sp>
+        <p:nvSpPr>
+          <p:cNvPr id="17" name="ZoneTexte 16"/>
+          <p:cNvSpPr txBox="1"/>
+          <p:nvPr/>
+        </p:nvSpPr>
+        <p:spPr>
+          <a:xfrm>
+            <a:off x="3211626" y="3311753"/>
+            <a:ext cx="292756" cy="369332"/>
+          </a:xfrm>
+          <a:prstGeom prst="rect">
+            <a:avLst/>
+          </a:prstGeom>
+          <a:noFill/>
+        </p:spPr>
+        <p:txBody>
+          <a:bodyPr wrap="none" rtlCol="0">
+            <a:spAutoFit/>
+          </a:bodyPr>
+          <a:lstStyle/>
+          <a:p>
+            <a:r>
+              <a:rPr lang="en-GB" dirty="0"/>
+              <a:t>Z</a:t>
+            </a:r>
+            <a:endParaRPr lang="en-GB" dirty="0"/>
+          </a:p>
+        </p:txBody>
+      </p:sp>
+      <p:pic>
+        <p:nvPicPr>
+          <p:cNvPr id="33" name="Image 32" descr="muvispim.png"/>
+          <p:cNvPicPr>
+            <a:picLocks noChangeAspect="1"/>
+          </p:cNvPicPr>
+          <p:nvPr/>
+        </p:nvPicPr>
+        <p:blipFill>
+          <a:blip r:embed="rId2">
+            <a:extLst>
+              <a:ext uri="{28A0092B-C50C-407E-A947-70E740481C1C}">
+                <a14:useLocalDpi xmlns:a14="http://schemas.microsoft.com/office/drawing/2010/main" val="0"/>
+              </a:ext>
+            </a:extLst>
+          </a:blip>
+          <a:stretch>
+            <a:fillRect/>
+          </a:stretch>
+        </p:blipFill>
+        <p:spPr>
+          <a:xfrm rot="16200000">
+            <a:off x="6103212" y="1800000"/>
+            <a:ext cx="1473576" cy="1440000"/>
+          </a:xfrm>
+          <a:prstGeom prst="rect">
+            <a:avLst/>
+          </a:prstGeom>
+        </p:spPr>
+      </p:pic>
       <p:grpSp>
         <p:nvGrpSpPr>
-          <p:cNvPr id="20" name="Grouper 19"/>
+          <p:cNvPr id="53" name="Grouper 52"/>
           <p:cNvGrpSpPr/>
           <p:nvPr/>
         </p:nvGrpSpPr>
         <p:grpSpPr>
           <a:xfrm>
-            <a:off x="989023" y="648034"/>
-            <a:ext cx="2245827" cy="1187704"/>
-            <a:chOff x="5575844" y="648034"/>
-            <a:chExt cx="2245827" cy="1187704"/>
+            <a:off x="5719244" y="98663"/>
+            <a:ext cx="1948756" cy="1737337"/>
+            <a:chOff x="5719244" y="98663"/>
+            <a:chExt cx="1948756" cy="1737337"/>
           </a:xfrm>
         </p:grpSpPr>
-        <p:pic>
-          <p:nvPicPr>
-            <p:cNvPr id="21" name="Image 20" descr="angle2_zxy_xy263_256.png"/>
-            <p:cNvPicPr>
-              <a:picLocks noChangeAspect="1"/>
-            </p:cNvPicPr>
-            <p:nvPr/>
-          </p:nvPicPr>
-          <p:blipFill>
-            <a:blip r:embed="rId4">
-              <a:extLst>
-                <a:ext uri="{28A0092B-C50C-407E-A947-70E740481C1C}">
-                  <a14:useLocalDpi xmlns:a14="http://schemas.microsoft.com/office/drawing/2010/main" val="0"/>
-                </a:ext>
-              </a:extLst>
-            </a:blip>
-            <a:stretch>
-              <a:fillRect/>
-            </a:stretch>
-          </p:blipFill>
-          <p:spPr>
-            <a:xfrm>
-              <a:off x="6053863" y="648034"/>
-              <a:ext cx="1296162" cy="950976"/>
-            </a:xfrm>
-            <a:prstGeom prst="rect">
-              <a:avLst/>
-            </a:prstGeom>
-          </p:spPr>
-        </p:pic>
         <p:sp>
           <p:nvSpPr>
-            <p:cNvPr id="22" name="ZoneTexte 21"/>
+            <p:cNvPr id="39" name="ZoneTexte 38"/>
             <p:cNvSpPr txBox="1"/>
             <p:nvPr/>
           </p:nvSpPr>
           <p:spPr>
             <a:xfrm>
-              <a:off x="5575844" y="1527961"/>
-              <a:ext cx="2245827" cy="307777"/>
+              <a:off x="7297123" y="98663"/>
+              <a:ext cx="304478" cy="369332"/>
             </a:xfrm>
             <a:prstGeom prst="rect">
               <a:avLst/>
@@ -3694,38 +4822,52 @@
             <a:noFill/>
           </p:spPr>
           <p:txBody>
-            <a:bodyPr wrap="square" rtlCol="0">
+            <a:bodyPr wrap="none" rtlCol="0">
               <a:spAutoFit/>
             </a:bodyPr>
             <a:lstStyle/>
             <a:p>
-              <a:pPr algn="ctr"/>
               <a:r>
-                <a:rPr lang="en-GB" sz="1400" dirty="0" smtClean="0"/>
-                <a:t>LC, S#1</a:t>
+                <a:rPr lang="en-GB" dirty="0" smtClean="0"/>
+                <a:t>X</a:t>
               </a:r>
-              <a:endParaRPr lang="en-GB" sz="1400" dirty="0"/>
+              <a:endParaRPr lang="en-GB" dirty="0"/>
             </a:p>
           </p:txBody>
         </p:sp>
-      </p:grpSp>
-      <p:grpSp>
-        <p:nvGrpSpPr>
-          <p:cNvPr id="23" name="Grouper 22"/>
-          <p:cNvGrpSpPr/>
-          <p:nvPr/>
-        </p:nvGrpSpPr>
-        <p:grpSpPr>
-          <a:xfrm>
-            <a:off x="889261" y="3204049"/>
-            <a:ext cx="2447177" cy="1186778"/>
-            <a:chOff x="5482916" y="3204049"/>
-            <a:chExt cx="2447177" cy="1186778"/>
-          </a:xfrm>
-        </p:grpSpPr>
+        <p:sp>
+          <p:nvSpPr>
+            <p:cNvPr id="40" name="ZoneTexte 39"/>
+            <p:cNvSpPr txBox="1"/>
+            <p:nvPr/>
+          </p:nvSpPr>
+          <p:spPr>
+            <a:xfrm>
+              <a:off x="5719244" y="1466668"/>
+              <a:ext cx="292756" cy="369332"/>
+            </a:xfrm>
+            <a:prstGeom prst="rect">
+              <a:avLst/>
+            </a:prstGeom>
+            <a:noFill/>
+          </p:spPr>
+          <p:txBody>
+            <a:bodyPr wrap="none" rtlCol="0">
+              <a:spAutoFit/>
+            </a:bodyPr>
+            <a:lstStyle/>
+            <a:p>
+              <a:r>
+                <a:rPr lang="en-GB" dirty="0"/>
+                <a:t>Z</a:t>
+              </a:r>
+              <a:endParaRPr lang="en-GB" dirty="0"/>
+            </a:p>
+          </p:txBody>
+        </p:sp>
         <p:pic>
           <p:nvPicPr>
-            <p:cNvPr id="24" name="Image 23" descr="angle3_zxy_xy259_256.png"/>
+            <p:cNvPr id="47" name="Image 46"/>
             <p:cNvPicPr>
               <a:picLocks noChangeAspect="1"/>
             </p:cNvPicPr>
@@ -3745,50 +4887,444 @@
           </p:blipFill>
           <p:spPr>
             <a:xfrm>
-              <a:off x="6054024" y="3204049"/>
-              <a:ext cx="1296162" cy="950976"/>
+              <a:off x="6120000" y="576356"/>
+              <a:ext cx="1440000" cy="1081081"/>
             </a:xfrm>
             <a:prstGeom prst="rect">
               <a:avLst/>
             </a:prstGeom>
           </p:spPr>
         </p:pic>
-        <p:sp>
-          <p:nvSpPr>
-            <p:cNvPr id="25" name="ZoneTexte 24"/>
-            <p:cNvSpPr txBox="1"/>
+        <p:cxnSp>
+          <p:nvCxnSpPr>
+            <p:cNvPr id="49" name="Connecteur droit avec flèche 48"/>
+            <p:cNvCxnSpPr/>
             <p:nvPr/>
-          </p:nvSpPr>
+          </p:nvCxnSpPr>
           <p:spPr>
             <a:xfrm>
-              <a:off x="5482916" y="4083050"/>
-              <a:ext cx="2447177" cy="307777"/>
+              <a:off x="6012000" y="432000"/>
+              <a:ext cx="1656000" cy="0"/>
             </a:xfrm>
-            <a:prstGeom prst="rect">
+            <a:prstGeom prst="straightConnector1">
               <a:avLst/>
             </a:prstGeom>
-            <a:noFill/>
+            <a:ln>
+              <a:tailEnd type="arrow"/>
+            </a:ln>
           </p:spPr>
-          <p:txBody>
-            <a:bodyPr wrap="square" rtlCol="0">
-              <a:spAutoFit/>
-            </a:bodyPr>
-            <a:lstStyle/>
-            <a:p>
-              <a:pPr algn="ctr"/>
-              <a:r>
-                <a:rPr lang="en-GB" sz="1400" dirty="0" smtClean="0"/>
-                <a:t>RC, S#1</a:t>
-              </a:r>
-              <a:endParaRPr lang="en-GB" sz="1400" dirty="0"/>
-            </a:p>
-          </p:txBody>
-        </p:sp>
+          <p:style>
+            <a:lnRef idx="2">
+              <a:schemeClr val="accent1"/>
+            </a:lnRef>
+            <a:fillRef idx="0">
+              <a:schemeClr val="accent1"/>
+            </a:fillRef>
+            <a:effectRef idx="1">
+              <a:schemeClr val="accent1"/>
+            </a:effectRef>
+            <a:fontRef idx="minor">
+              <a:schemeClr val="tx1"/>
+            </a:fontRef>
+          </p:style>
+        </p:cxnSp>
+        <p:cxnSp>
+          <p:nvCxnSpPr>
+            <p:cNvPr id="52" name="Connecteur droit avec flèche 51"/>
+            <p:cNvCxnSpPr/>
+            <p:nvPr/>
+          </p:nvCxnSpPr>
+          <p:spPr>
+            <a:xfrm>
+              <a:off x="6012000" y="432000"/>
+              <a:ext cx="0" cy="1368000"/>
+            </a:xfrm>
+            <a:prstGeom prst="straightConnector1">
+              <a:avLst/>
+            </a:prstGeom>
+            <a:ln>
+              <a:tailEnd type="arrow"/>
+            </a:ln>
+          </p:spPr>
+          <p:style>
+            <a:lnRef idx="2">
+              <a:schemeClr val="accent1"/>
+            </a:lnRef>
+            <a:fillRef idx="0">
+              <a:schemeClr val="accent1"/>
+            </a:fillRef>
+            <a:effectRef idx="1">
+              <a:schemeClr val="accent1"/>
+            </a:effectRef>
+            <a:fontRef idx="minor">
+              <a:schemeClr val="tx1"/>
+            </a:fontRef>
+          </p:style>
+        </p:cxnSp>
       </p:grpSp>
+      <p:sp>
+        <p:nvSpPr>
+          <p:cNvPr id="55" name="ZoneTexte 54"/>
+          <p:cNvSpPr txBox="1"/>
+          <p:nvPr/>
+        </p:nvSpPr>
+        <p:spPr>
+          <a:xfrm>
+            <a:off x="6051023" y="2905830"/>
+            <a:ext cx="304478" cy="369332"/>
+          </a:xfrm>
+          <a:prstGeom prst="rect">
+            <a:avLst/>
+          </a:prstGeom>
+          <a:noFill/>
+        </p:spPr>
+        <p:txBody>
+          <a:bodyPr wrap="none" rtlCol="0">
+            <a:spAutoFit/>
+          </a:bodyPr>
+          <a:lstStyle/>
+          <a:p>
+            <a:r>
+              <a:rPr lang="en-GB" dirty="0" smtClean="0"/>
+              <a:t>X</a:t>
+            </a:r>
+            <a:endParaRPr lang="en-GB" dirty="0"/>
+          </a:p>
+        </p:txBody>
+      </p:sp>
+      <p:sp>
+        <p:nvSpPr>
+          <p:cNvPr id="56" name="ZoneTexte 55"/>
+          <p:cNvSpPr txBox="1"/>
+          <p:nvPr/>
+        </p:nvSpPr>
+        <p:spPr>
+          <a:xfrm>
+            <a:off x="7694900" y="4250068"/>
+            <a:ext cx="292756" cy="369332"/>
+          </a:xfrm>
+          <a:prstGeom prst="rect">
+            <a:avLst/>
+          </a:prstGeom>
+          <a:noFill/>
+        </p:spPr>
+        <p:txBody>
+          <a:bodyPr wrap="none" rtlCol="0">
+            <a:spAutoFit/>
+          </a:bodyPr>
+          <a:lstStyle/>
+          <a:p>
+            <a:r>
+              <a:rPr lang="en-GB" dirty="0"/>
+              <a:t>Z</a:t>
+            </a:r>
+            <a:endParaRPr lang="en-GB" dirty="0"/>
+          </a:p>
+        </p:txBody>
+      </p:sp>
+      <p:pic>
+        <p:nvPicPr>
+          <p:cNvPr id="57" name="Image 56"/>
+          <p:cNvPicPr>
+            <a:picLocks noChangeAspect="1"/>
+          </p:cNvPicPr>
+          <p:nvPr/>
+        </p:nvPicPr>
+        <p:blipFill>
+          <a:blip r:embed="rId6">
+            <a:extLst>
+              <a:ext uri="{28A0092B-C50C-407E-A947-70E740481C1C}">
+                <a14:useLocalDpi xmlns:a14="http://schemas.microsoft.com/office/drawing/2010/main" val="0"/>
+              </a:ext>
+            </a:extLst>
+          </a:blip>
+          <a:stretch>
+            <a:fillRect/>
+          </a:stretch>
+        </p:blipFill>
+        <p:spPr>
+          <a:xfrm>
+            <a:off x="6159023" y="3433856"/>
+            <a:ext cx="1439999" cy="1081080"/>
+          </a:xfrm>
+          <a:prstGeom prst="rect">
+            <a:avLst/>
+          </a:prstGeom>
+        </p:spPr>
+      </p:pic>
+      <p:cxnSp>
+        <p:nvCxnSpPr>
+          <p:cNvPr id="58" name="Connecteur droit avec flèche 57"/>
+          <p:cNvCxnSpPr/>
+          <p:nvPr/>
+        </p:nvCxnSpPr>
+        <p:spPr>
+          <a:xfrm>
+            <a:off x="6051023" y="3289500"/>
+            <a:ext cx="1656000" cy="0"/>
+          </a:xfrm>
+          <a:prstGeom prst="straightConnector1">
+            <a:avLst/>
+          </a:prstGeom>
+          <a:ln>
+            <a:headEnd type="arrow"/>
+            <a:tailEnd type="none"/>
+          </a:ln>
+        </p:spPr>
+        <p:style>
+          <a:lnRef idx="2">
+            <a:schemeClr val="accent1"/>
+          </a:lnRef>
+          <a:fillRef idx="0">
+            <a:schemeClr val="accent1"/>
+          </a:fillRef>
+          <a:effectRef idx="1">
+            <a:schemeClr val="accent1"/>
+          </a:effectRef>
+          <a:fontRef idx="minor">
+            <a:schemeClr val="tx1"/>
+          </a:fontRef>
+        </p:style>
+      </p:cxnSp>
+      <p:cxnSp>
+        <p:nvCxnSpPr>
+          <p:cNvPr id="59" name="Connecteur droit avec flèche 58"/>
+          <p:cNvCxnSpPr/>
+          <p:nvPr/>
+        </p:nvCxnSpPr>
+        <p:spPr>
+          <a:xfrm>
+            <a:off x="7707600" y="3289500"/>
+            <a:ext cx="0" cy="1368000"/>
+          </a:xfrm>
+          <a:prstGeom prst="straightConnector1">
+            <a:avLst/>
+          </a:prstGeom>
+          <a:ln>
+            <a:tailEnd type="arrow"/>
+          </a:ln>
+        </p:spPr>
+        <p:style>
+          <a:lnRef idx="2">
+            <a:schemeClr val="accent1"/>
+          </a:lnRef>
+          <a:fillRef idx="0">
+            <a:schemeClr val="accent1"/>
+          </a:fillRef>
+          <a:effectRef idx="1">
+            <a:schemeClr val="accent1"/>
+          </a:effectRef>
+          <a:fontRef idx="minor">
+            <a:schemeClr val="tx1"/>
+          </a:fontRef>
+        </p:style>
+      </p:cxnSp>
+      <p:sp>
+        <p:nvSpPr>
+          <p:cNvPr id="60" name="ZoneTexte 59"/>
+          <p:cNvSpPr txBox="1"/>
+          <p:nvPr/>
+        </p:nvSpPr>
+        <p:spPr>
+          <a:xfrm>
+            <a:off x="337736" y="3256788"/>
+            <a:ext cx="1310400" cy="523220"/>
+          </a:xfrm>
+          <a:prstGeom prst="rect">
+            <a:avLst/>
+          </a:prstGeom>
+          <a:noFill/>
+        </p:spPr>
+        <p:txBody>
+          <a:bodyPr wrap="square" rtlCol="0">
+            <a:spAutoFit/>
+          </a:bodyPr>
+          <a:lstStyle/>
+          <a:p>
+            <a:r>
+              <a:rPr lang="en-GB" sz="1400" dirty="0"/>
+              <a:t>s</a:t>
+            </a:r>
+            <a:r>
+              <a:rPr lang="en-GB" sz="1400" dirty="0" smtClean="0"/>
+              <a:t>tack #0</a:t>
+            </a:r>
+          </a:p>
+          <a:p>
+            <a:r>
+              <a:rPr lang="en-GB" sz="1400" dirty="0"/>
+              <a:t>l</a:t>
+            </a:r>
+            <a:r>
+              <a:rPr lang="en-GB" sz="1400" dirty="0" smtClean="0"/>
+              <a:t>eft cam.</a:t>
+            </a:r>
+            <a:endParaRPr lang="en-GB" sz="1400" dirty="0"/>
+          </a:p>
+        </p:txBody>
+      </p:sp>
+      <p:sp>
+        <p:nvSpPr>
+          <p:cNvPr id="61" name="ZoneTexte 60"/>
+          <p:cNvSpPr txBox="1"/>
+          <p:nvPr/>
+        </p:nvSpPr>
+        <p:spPr>
+          <a:xfrm>
+            <a:off x="3249726" y="1305625"/>
+            <a:ext cx="1310400" cy="523220"/>
+          </a:xfrm>
+          <a:prstGeom prst="rect">
+            <a:avLst/>
+          </a:prstGeom>
+          <a:noFill/>
+        </p:spPr>
+        <p:txBody>
+          <a:bodyPr wrap="square" rtlCol="0">
+            <a:spAutoFit/>
+          </a:bodyPr>
+          <a:lstStyle/>
+          <a:p>
+            <a:r>
+              <a:rPr lang="en-GB" sz="1400" dirty="0"/>
+              <a:t>s</a:t>
+            </a:r>
+            <a:r>
+              <a:rPr lang="en-GB" sz="1400" dirty="0" smtClean="0"/>
+              <a:t>tack #0</a:t>
+            </a:r>
+          </a:p>
+          <a:p>
+            <a:r>
+              <a:rPr lang="en-GB" sz="1400" dirty="0" smtClean="0"/>
+              <a:t>right cam.</a:t>
+            </a:r>
+            <a:endParaRPr lang="en-GB" sz="1400" dirty="0"/>
+          </a:p>
+        </p:txBody>
+      </p:sp>
+      <p:sp>
+        <p:nvSpPr>
+          <p:cNvPr id="62" name="ZoneTexte 61"/>
+          <p:cNvSpPr txBox="1"/>
+          <p:nvPr/>
+        </p:nvSpPr>
+        <p:spPr>
+          <a:xfrm>
+            <a:off x="7719300" y="3386793"/>
+            <a:ext cx="1310400" cy="523220"/>
+          </a:xfrm>
+          <a:prstGeom prst="rect">
+            <a:avLst/>
+          </a:prstGeom>
+          <a:noFill/>
+        </p:spPr>
+        <p:txBody>
+          <a:bodyPr wrap="square" rtlCol="0">
+            <a:spAutoFit/>
+          </a:bodyPr>
+          <a:lstStyle/>
+          <a:p>
+            <a:r>
+              <a:rPr lang="en-GB" sz="1400" dirty="0"/>
+              <a:t>s</a:t>
+            </a:r>
+            <a:r>
+              <a:rPr lang="en-GB" sz="1400" dirty="0" smtClean="0"/>
+              <a:t>tack #1</a:t>
+            </a:r>
+          </a:p>
+          <a:p>
+            <a:r>
+              <a:rPr lang="en-GB" sz="1400" dirty="0" smtClean="0"/>
+              <a:t>right cam.</a:t>
+            </a:r>
+            <a:endParaRPr lang="en-GB" sz="1400" dirty="0"/>
+          </a:p>
+        </p:txBody>
+      </p:sp>
+      <p:sp>
+        <p:nvSpPr>
+          <p:cNvPr id="63" name="ZoneTexte 62"/>
+          <p:cNvSpPr txBox="1"/>
+          <p:nvPr/>
+        </p:nvSpPr>
+        <p:spPr>
+          <a:xfrm>
+            <a:off x="7719300" y="584179"/>
+            <a:ext cx="1310400" cy="523220"/>
+          </a:xfrm>
+          <a:prstGeom prst="rect">
+            <a:avLst/>
+          </a:prstGeom>
+          <a:noFill/>
+        </p:spPr>
+        <p:txBody>
+          <a:bodyPr wrap="square" rtlCol="0">
+            <a:spAutoFit/>
+          </a:bodyPr>
+          <a:lstStyle/>
+          <a:p>
+            <a:r>
+              <a:rPr lang="en-GB" sz="1400" dirty="0"/>
+              <a:t>s</a:t>
+            </a:r>
+            <a:r>
+              <a:rPr lang="en-GB" sz="1400" dirty="0" smtClean="0"/>
+              <a:t>tack #1</a:t>
+            </a:r>
+          </a:p>
+          <a:p>
+            <a:r>
+              <a:rPr lang="en-GB" sz="1400" dirty="0"/>
+              <a:t>l</a:t>
+            </a:r>
+            <a:r>
+              <a:rPr lang="en-GB" sz="1400" dirty="0" smtClean="0"/>
+              <a:t>eft cam.</a:t>
+            </a:r>
+            <a:endParaRPr lang="en-GB" sz="1400" dirty="0"/>
+          </a:p>
+        </p:txBody>
+      </p:sp>
+      <p:cxnSp>
+        <p:nvCxnSpPr>
+          <p:cNvPr id="30" name="Connecteur droit avec flèche 29"/>
+          <p:cNvCxnSpPr/>
+          <p:nvPr/>
+        </p:nvCxnSpPr>
+        <p:spPr>
+          <a:xfrm flipV="1">
+            <a:off x="1620000" y="1692000"/>
+            <a:ext cx="0" cy="1656000"/>
+          </a:xfrm>
+          <a:prstGeom prst="straightConnector1">
+            <a:avLst/>
+          </a:prstGeom>
+          <a:ln>
+            <a:headEnd type="arrow"/>
+            <a:tailEnd type="none"/>
+          </a:ln>
+        </p:spPr>
+        <p:style>
+          <a:lnRef idx="2">
+            <a:schemeClr val="accent1"/>
+          </a:lnRef>
+          <a:fillRef idx="0">
+            <a:schemeClr val="accent1"/>
+          </a:fillRef>
+          <a:effectRef idx="1">
+            <a:schemeClr val="accent1"/>
+          </a:effectRef>
+          <a:fontRef idx="minor">
+            <a:schemeClr val="tx1"/>
+          </a:fontRef>
+        </p:style>
+      </p:cxnSp>
     </p:spTree>
     <p:extLst>
       <p:ext uri="{BB962C8B-B14F-4D97-AF65-F5344CB8AC3E}">
-        <p14:creationId xmlns:p14="http://schemas.microsoft.com/office/powerpoint/2010/main" val="1634631003"/>
+        <p14:creationId xmlns:p14="http://schemas.microsoft.com/office/powerpoint/2010/main" val="4089768177"/>
       </p:ext>
     </p:extLst>
   </p:cSld>
@@ -3817,7 +5353,7 @@
       </p:grpSpPr>
       <p:pic>
         <p:nvPicPr>
-          <p:cNvPr id="3" name="Image 2" descr="angle0_zxy_xy260_256.png"/>
+          <p:cNvPr id="2" name="Image 1"/>
           <p:cNvPicPr>
             <a:picLocks noChangeAspect="1"/>
           </p:cNvPicPr>
@@ -3838,7 +5374,7 @@
         <p:spPr>
           <a:xfrm>
             <a:off x="360000" y="1800000"/>
-            <a:ext cx="992000" cy="1296000"/>
+            <a:ext cx="1200995" cy="1440000"/>
           </a:xfrm>
           <a:prstGeom prst="rect">
             <a:avLst/>
@@ -3847,7 +5383,7 @@
       </p:pic>
       <p:pic>
         <p:nvPicPr>
-          <p:cNvPr id="4" name="Image 3" descr="angle1_zxy_xy258_256.png"/>
+          <p:cNvPr id="13" name="Image 12"/>
           <p:cNvPicPr>
             <a:picLocks noChangeAspect="1"/>
           </p:cNvPicPr>
@@ -3867,24 +5403,84 @@
         </p:blipFill>
         <p:spPr>
           <a:xfrm>
-            <a:off x="2880000" y="1800000"/>
-            <a:ext cx="992000" cy="1296000"/>
+            <a:off x="3230200" y="1800001"/>
+            <a:ext cx="1200995" cy="1439998"/>
           </a:xfrm>
           <a:prstGeom prst="rect">
             <a:avLst/>
           </a:prstGeom>
         </p:spPr>
       </p:pic>
-      <p:sp>
-        <p:nvSpPr>
-          <p:cNvPr id="13" name="ZoneTexte 12"/>
+      <p:pic>
+        <p:nvPicPr>
+          <p:cNvPr id="47" name="Image 46" descr="data-s1lc.png"/>
+          <p:cNvPicPr>
+            <a:picLocks noChangeAspect="1"/>
+          </p:cNvPicPr>
+          <p:nvPr/>
+        </p:nvPicPr>
+        <p:blipFill>
+          <a:blip r:embed="rId4">
+            <a:extLst>
+              <a:ext uri="{28A0092B-C50C-407E-A947-70E740481C1C}">
+                <a14:useLocalDpi xmlns:a14="http://schemas.microsoft.com/office/drawing/2010/main" val="0"/>
+              </a:ext>
+            </a:extLst>
+          </a:blip>
+          <a:stretch>
+            <a:fillRect/>
+          </a:stretch>
+        </p:blipFill>
+        <p:spPr>
+          <a:xfrm>
+            <a:off x="6120000" y="541793"/>
+            <a:ext cx="1440000" cy="1150207"/>
+          </a:xfrm>
+          <a:prstGeom prst="rect">
+            <a:avLst/>
+          </a:prstGeom>
+        </p:spPr>
+      </p:pic>
+      <p:pic>
+        <p:nvPicPr>
+          <p:cNvPr id="57" name="Image 56"/>
+          <p:cNvPicPr>
+            <a:picLocks noChangeAspect="1"/>
+          </p:cNvPicPr>
+          <p:nvPr/>
+        </p:nvPicPr>
+        <p:blipFill>
+          <a:blip r:embed="rId5">
+            <a:extLst>
+              <a:ext uri="{28A0092B-C50C-407E-A947-70E740481C1C}">
+                <a14:useLocalDpi xmlns:a14="http://schemas.microsoft.com/office/drawing/2010/main" val="0"/>
+              </a:ext>
+            </a:extLst>
+          </a:blip>
+          <a:stretch>
+            <a:fillRect/>
+          </a:stretch>
+        </p:blipFill>
+        <p:spPr>
+          <a:xfrm>
+            <a:off x="6159023" y="3399293"/>
+            <a:ext cx="1439999" cy="1150207"/>
+          </a:xfrm>
+          <a:prstGeom prst="rect">
+            <a:avLst/>
+          </a:prstGeom>
+        </p:spPr>
+      </p:pic>
+      <p:sp>
+        <p:nvSpPr>
+          <p:cNvPr id="62" name="ZoneTexte 61"/>
           <p:cNvSpPr txBox="1"/>
           <p:nvPr/>
         </p:nvSpPr>
         <p:spPr>
           <a:xfrm>
-            <a:off x="204687" y="3031370"/>
-            <a:ext cx="1297265" cy="307777"/>
+            <a:off x="7719300" y="3386793"/>
+            <a:ext cx="1310400" cy="523220"/>
           </a:xfrm>
           <a:prstGeom prst="rect">
             <a:avLst/>
@@ -3897,10 +5493,19 @@
           </a:bodyPr>
           <a:lstStyle/>
           <a:p>
-            <a:pPr algn="ctr"/>
+            <a:r>
+              <a:rPr lang="en-GB" sz="1400" dirty="0"/>
+              <a:t>s</a:t>
+            </a:r>
             <a:r>
               <a:rPr lang="en-GB" sz="1400" dirty="0" smtClean="0"/>
-              <a:t>LC, S#0</a:t>
+              <a:t>tack #1</a:t>
+            </a:r>
+          </a:p>
+          <a:p>
+            <a:r>
+              <a:rPr lang="en-GB" sz="1400" dirty="0" smtClean="0"/>
+              <a:t>right cam.</a:t>
             </a:r>
             <a:endParaRPr lang="en-GB" sz="1400" dirty="0"/>
           </a:p>
@@ -3908,14 +5513,14 @@
       </p:sp>
       <p:sp>
         <p:nvSpPr>
-          <p:cNvPr id="16" name="ZoneTexte 15"/>
+          <p:cNvPr id="63" name="ZoneTexte 62"/>
           <p:cNvSpPr txBox="1"/>
           <p:nvPr/>
         </p:nvSpPr>
         <p:spPr>
           <a:xfrm>
-            <a:off x="2766218" y="3040055"/>
-            <a:ext cx="1297265" cy="307777"/>
+            <a:off x="7719300" y="584179"/>
+            <a:ext cx="1310400" cy="523220"/>
           </a:xfrm>
           <a:prstGeom prst="rect">
             <a:avLst/>
@@ -3928,187 +5533,126 @@
           </a:bodyPr>
           <a:lstStyle/>
           <a:p>
-            <a:pPr algn="ctr"/>
+            <a:r>
+              <a:rPr lang="en-GB" sz="1400" dirty="0"/>
+              <a:t>s</a:t>
+            </a:r>
             <a:r>
               <a:rPr lang="en-GB" sz="1400" dirty="0" smtClean="0"/>
-              <a:t>RC, S#0</a:t>
+              <a:t>tack #1</a:t>
+            </a:r>
+          </a:p>
+          <a:p>
+            <a:r>
+              <a:rPr lang="en-GB" sz="1400" dirty="0"/>
+              <a:t>l</a:t>
+            </a:r>
+            <a:r>
+              <a:rPr lang="en-GB" sz="1400" dirty="0" smtClean="0"/>
+              <a:t>eft cam.</a:t>
             </a:r>
             <a:endParaRPr lang="en-GB" sz="1400" dirty="0"/>
           </a:p>
         </p:txBody>
       </p:sp>
-      <p:grpSp>
-        <p:nvGrpSpPr>
-          <p:cNvPr id="20" name="Grouper 19"/>
-          <p:cNvGrpSpPr/>
-          <p:nvPr/>
-        </p:nvGrpSpPr>
-        <p:grpSpPr>
-          <a:xfrm>
-            <a:off x="989023" y="648034"/>
-            <a:ext cx="2245827" cy="1187704"/>
-            <a:chOff x="5575844" y="648034"/>
-            <a:chExt cx="2245827" cy="1187704"/>
-          </a:xfrm>
-        </p:grpSpPr>
-        <p:pic>
-          <p:nvPicPr>
-            <p:cNvPr id="21" name="Image 20" descr="angle2_zxy_xy263_256.png"/>
-            <p:cNvPicPr>
-              <a:picLocks noChangeAspect="1"/>
-            </p:cNvPicPr>
-            <p:nvPr/>
-          </p:nvPicPr>
-          <p:blipFill>
-            <a:blip r:embed="rId4">
-              <a:extLst>
-                <a:ext uri="{28A0092B-C50C-407E-A947-70E740481C1C}">
-                  <a14:useLocalDpi xmlns:a14="http://schemas.microsoft.com/office/drawing/2010/main" val="0"/>
-                </a:ext>
-              </a:extLst>
-            </a:blip>
-            <a:stretch>
-              <a:fillRect/>
-            </a:stretch>
-          </p:blipFill>
-          <p:spPr>
-            <a:xfrm>
-              <a:off x="6053863" y="648034"/>
-              <a:ext cx="1296162" cy="950976"/>
-            </a:xfrm>
-            <a:prstGeom prst="rect">
-              <a:avLst/>
-            </a:prstGeom>
-          </p:spPr>
-        </p:pic>
-        <p:sp>
-          <p:nvSpPr>
-            <p:cNvPr id="22" name="ZoneTexte 21"/>
-            <p:cNvSpPr txBox="1"/>
-            <p:nvPr/>
-          </p:nvSpPr>
-          <p:spPr>
-            <a:xfrm>
-              <a:off x="5575844" y="1527961"/>
-              <a:ext cx="2245827" cy="307777"/>
-            </a:xfrm>
-            <a:prstGeom prst="rect">
-              <a:avLst/>
-            </a:prstGeom>
-            <a:noFill/>
-          </p:spPr>
-          <p:txBody>
-            <a:bodyPr wrap="square" rtlCol="0">
-              <a:spAutoFit/>
-            </a:bodyPr>
-            <a:lstStyle/>
-            <a:p>
-              <a:pPr algn="ctr"/>
-              <a:r>
-                <a:rPr lang="en-GB" sz="1400" dirty="0" smtClean="0"/>
-                <a:t>LC, S#1</a:t>
-              </a:r>
-              <a:endParaRPr lang="en-GB" sz="1400" dirty="0"/>
-            </a:p>
-          </p:txBody>
-        </p:sp>
-      </p:grpSp>
-      <p:grpSp>
-        <p:nvGrpSpPr>
-          <p:cNvPr id="23" name="Grouper 22"/>
-          <p:cNvGrpSpPr/>
-          <p:nvPr/>
-        </p:nvGrpSpPr>
-        <p:grpSpPr>
-          <a:xfrm>
-            <a:off x="889261" y="3204049"/>
-            <a:ext cx="2447177" cy="1186778"/>
-            <a:chOff x="5482916" y="3204049"/>
-            <a:chExt cx="2447177" cy="1186778"/>
-          </a:xfrm>
-        </p:grpSpPr>
-        <p:pic>
-          <p:nvPicPr>
-            <p:cNvPr id="24" name="Image 23" descr="angle3_zxy_xy259_256.png"/>
-            <p:cNvPicPr>
-              <a:picLocks noChangeAspect="1"/>
-            </p:cNvPicPr>
-            <p:nvPr/>
-          </p:nvPicPr>
-          <p:blipFill>
-            <a:blip r:embed="rId5">
-              <a:extLst>
-                <a:ext uri="{28A0092B-C50C-407E-A947-70E740481C1C}">
-                  <a14:useLocalDpi xmlns:a14="http://schemas.microsoft.com/office/drawing/2010/main" val="0"/>
-                </a:ext>
-              </a:extLst>
-            </a:blip>
-            <a:stretch>
-              <a:fillRect/>
-            </a:stretch>
-          </p:blipFill>
-          <p:spPr>
-            <a:xfrm>
-              <a:off x="6054024" y="3204049"/>
-              <a:ext cx="1296162" cy="950976"/>
-            </a:xfrm>
-            <a:prstGeom prst="rect">
-              <a:avLst/>
-            </a:prstGeom>
-          </p:spPr>
-        </p:pic>
-        <p:sp>
-          <p:nvSpPr>
-            <p:cNvPr id="25" name="ZoneTexte 24"/>
-            <p:cNvSpPr txBox="1"/>
-            <p:nvPr/>
-          </p:nvSpPr>
-          <p:spPr>
-            <a:xfrm>
-              <a:off x="5482916" y="4083050"/>
-              <a:ext cx="2447177" cy="307777"/>
-            </a:xfrm>
-            <a:prstGeom prst="rect">
-              <a:avLst/>
-            </a:prstGeom>
-            <a:noFill/>
-          </p:spPr>
-          <p:txBody>
-            <a:bodyPr wrap="square" rtlCol="0">
-              <a:spAutoFit/>
-            </a:bodyPr>
-            <a:lstStyle/>
-            <a:p>
-              <a:pPr algn="ctr"/>
-              <a:r>
-                <a:rPr lang="en-GB" sz="1400" dirty="0" smtClean="0"/>
-                <a:t>RC, S#1</a:t>
-              </a:r>
-              <a:endParaRPr lang="en-GB" sz="1400" dirty="0"/>
-            </a:p>
-          </p:txBody>
-        </p:sp>
-      </p:grpSp>
-      <p:sp>
-        <p:nvSpPr>
-          <p:cNvPr id="14" name="Virage 13"/>
+      <p:sp>
+        <p:nvSpPr>
+          <p:cNvPr id="30" name="ZoneTexte 29"/>
+          <p:cNvSpPr txBox="1"/>
+          <p:nvPr/>
+        </p:nvSpPr>
+        <p:spPr>
+          <a:xfrm>
+            <a:off x="360000" y="1281258"/>
+            <a:ext cx="1310400" cy="523220"/>
+          </a:xfrm>
+          <a:prstGeom prst="rect">
+            <a:avLst/>
+          </a:prstGeom>
+          <a:noFill/>
+        </p:spPr>
+        <p:txBody>
+          <a:bodyPr wrap="square" rtlCol="0">
+            <a:spAutoFit/>
+          </a:bodyPr>
+          <a:lstStyle/>
+          <a:p>
+            <a:r>
+              <a:rPr lang="en-GB" sz="1400" dirty="0"/>
+              <a:t>s</a:t>
+            </a:r>
+            <a:r>
+              <a:rPr lang="en-GB" sz="1400" dirty="0" smtClean="0"/>
+              <a:t>tack #0</a:t>
+            </a:r>
+          </a:p>
+          <a:p>
+            <a:r>
+              <a:rPr lang="en-GB" sz="1400" dirty="0"/>
+              <a:t>l</a:t>
+            </a:r>
+            <a:r>
+              <a:rPr lang="en-GB" sz="1400" dirty="0" smtClean="0"/>
+              <a:t>eft cam.</a:t>
+            </a:r>
+            <a:endParaRPr lang="en-GB" sz="1400" dirty="0"/>
+          </a:p>
+        </p:txBody>
+      </p:sp>
+      <p:sp>
+        <p:nvSpPr>
+          <p:cNvPr id="31" name="ZoneTexte 30"/>
+          <p:cNvSpPr txBox="1"/>
+          <p:nvPr/>
+        </p:nvSpPr>
+        <p:spPr>
+          <a:xfrm>
+            <a:off x="3241795" y="3239999"/>
+            <a:ext cx="1310400" cy="523220"/>
+          </a:xfrm>
+          <a:prstGeom prst="rect">
+            <a:avLst/>
+          </a:prstGeom>
+          <a:noFill/>
+        </p:spPr>
+        <p:txBody>
+          <a:bodyPr wrap="square" rtlCol="0">
+            <a:spAutoFit/>
+          </a:bodyPr>
+          <a:lstStyle/>
+          <a:p>
+            <a:r>
+              <a:rPr lang="en-GB" sz="1400" dirty="0"/>
+              <a:t>s</a:t>
+            </a:r>
+            <a:r>
+              <a:rPr lang="en-GB" sz="1400" dirty="0" smtClean="0"/>
+              <a:t>tack #0</a:t>
+            </a:r>
+          </a:p>
+          <a:p>
+            <a:r>
+              <a:rPr lang="en-GB" sz="1400" dirty="0" smtClean="0"/>
+              <a:t>right cam.</a:t>
+            </a:r>
+            <a:endParaRPr lang="en-GB" sz="1400" dirty="0"/>
+          </a:p>
+        </p:txBody>
+      </p:sp>
+      <p:sp>
+        <p:nvSpPr>
+          <p:cNvPr id="4" name="Flèche courbée vers le bas 3"/>
           <p:cNvSpPr/>
           <p:nvPr/>
         </p:nvSpPr>
         <p:spPr>
-          <a:xfrm>
-            <a:off x="5617341" y="2135063"/>
-            <a:ext cx="712469" cy="722504"/>
-          </a:xfrm>
-          <a:prstGeom prst="bentArrow">
-            <a:avLst/>
-          </a:prstGeom>
-          <a:scene3d>
-            <a:camera prst="orthographicFront">
-              <a:rot lat="0" lon="5400000" rev="0"/>
-            </a:camera>
-            <a:lightRig rig="threePt" dir="t"/>
-          </a:scene3d>
+          <a:xfrm flipH="1">
+            <a:off x="1155700" y="990600"/>
+            <a:ext cx="2832100" cy="685795"/>
+          </a:xfrm>
+          <a:prstGeom prst="curvedDownArrow">
+            <a:avLst/>
+          </a:prstGeom>
         </p:spPr>
         <p:style>
           <a:lnRef idx="1">
@@ -4139,24 +5683,18 @@
       </p:sp>
       <p:sp>
         <p:nvSpPr>
-          <p:cNvPr id="17" name="Virage 16"/>
+          <p:cNvPr id="34" name="Flèche courbée vers le bas 33"/>
           <p:cNvSpPr/>
           <p:nvPr/>
         </p:nvSpPr>
         <p:spPr>
-          <a:xfrm>
-            <a:off x="555347" y="3292677"/>
-            <a:ext cx="720000" cy="720000"/>
-          </a:xfrm>
-          <a:prstGeom prst="bentArrow">
-            <a:avLst/>
-          </a:prstGeom>
-          <a:scene3d>
-            <a:camera prst="orthographicFront">
-              <a:rot lat="0" lon="0" rev="5400000"/>
-            </a:camera>
-            <a:lightRig rig="threePt" dir="t"/>
-          </a:scene3d>
+          <a:xfrm flipH="1">
+            <a:off x="769444" y="198895"/>
+            <a:ext cx="5330956" cy="908504"/>
+          </a:xfrm>
+          <a:prstGeom prst="curvedDownArrow">
+            <a:avLst/>
+          </a:prstGeom>
         </p:spPr>
         <p:style>
           <a:lnRef idx="1">
@@ -4187,24 +5725,18 @@
       </p:sp>
       <p:sp>
         <p:nvSpPr>
-          <p:cNvPr id="18" name="Virage 17"/>
+          <p:cNvPr id="35" name="Flèche courbée vers le bas 34"/>
           <p:cNvSpPr/>
           <p:nvPr/>
         </p:nvSpPr>
         <p:spPr>
-          <a:xfrm flipH="1">
-            <a:off x="529261" y="805457"/>
-            <a:ext cx="720000" cy="720000"/>
-          </a:xfrm>
-          <a:prstGeom prst="bentArrow">
-            <a:avLst/>
-          </a:prstGeom>
-          <a:scene3d>
-            <a:camera prst="orthographicFront">
-              <a:rot lat="0" lon="0" rev="5400000"/>
-            </a:camera>
-            <a:lightRig rig="threePt" dir="t"/>
-          </a:scene3d>
+          <a:xfrm flipH="1" flipV="1">
+            <a:off x="769444" y="3653831"/>
+            <a:ext cx="5350555" cy="817605"/>
+          </a:xfrm>
+          <a:prstGeom prst="curvedDownArrow">
+            <a:avLst/>
+          </a:prstGeom>
         </p:spPr>
         <p:style>
           <a:lnRef idx="1">
@@ -4233,48 +5765,10 @@
           </a:p>
         </p:txBody>
       </p:sp>
-      <p:sp>
-        <p:nvSpPr>
-          <p:cNvPr id="6" name="Flèche vers la gauche 5"/>
-          <p:cNvSpPr/>
-          <p:nvPr/>
-        </p:nvSpPr>
-        <p:spPr>
-          <a:xfrm>
-            <a:off x="1610372" y="2212513"/>
-            <a:ext cx="972000" cy="360000"/>
-          </a:xfrm>
-          <a:prstGeom prst="leftArrow">
-            <a:avLst/>
-          </a:prstGeom>
-        </p:spPr>
-        <p:style>
-          <a:lnRef idx="1">
-            <a:schemeClr val="accent1"/>
-          </a:lnRef>
-          <a:fillRef idx="3">
-            <a:schemeClr val="accent1"/>
-          </a:fillRef>
-          <a:effectRef idx="2">
-            <a:schemeClr val="accent1"/>
-          </a:effectRef>
-          <a:fontRef idx="minor">
-            <a:schemeClr val="lt1"/>
-          </a:fontRef>
-        </p:style>
-        <p:txBody>
-          <a:bodyPr rtlCol="0" anchor="ctr"/>
-          <a:lstStyle/>
-          <a:p>
-            <a:pPr algn="ctr"/>
-            <a:endParaRPr lang="en-GB"/>
-          </a:p>
-        </p:txBody>
-      </p:sp>
     </p:spTree>
     <p:extLst>
       <p:ext uri="{BB962C8B-B14F-4D97-AF65-F5344CB8AC3E}">
-        <p14:creationId xmlns:p14="http://schemas.microsoft.com/office/powerpoint/2010/main" val="4208687694"/>
+        <p14:creationId xmlns:p14="http://schemas.microsoft.com/office/powerpoint/2010/main" val="4139960253"/>
       </p:ext>
     </p:extLst>
   </p:cSld>
@@ -4301,9 +5795,101 @@
           <a:chExt cx="0" cy="0"/>
         </a:xfrm>
       </p:grpSpPr>
+      <p:sp>
+        <p:nvSpPr>
+          <p:cNvPr id="20" name="Rectangle 19"/>
+          <p:cNvSpPr/>
+          <p:nvPr/>
+        </p:nvSpPr>
+        <p:spPr>
+          <a:xfrm>
+            <a:off x="5245100" y="407290"/>
+            <a:ext cx="3276600" cy="4279010"/>
+          </a:xfrm>
+          <a:prstGeom prst="rect">
+            <a:avLst/>
+          </a:prstGeom>
+          <a:ln>
+            <a:solidFill>
+              <a:schemeClr val="tx2">
+                <a:lumMod val="20000"/>
+                <a:lumOff val="80000"/>
+              </a:schemeClr>
+            </a:solidFill>
+          </a:ln>
+        </p:spPr>
+        <p:style>
+          <a:lnRef idx="1">
+            <a:schemeClr val="accent1"/>
+          </a:lnRef>
+          <a:fillRef idx="3">
+            <a:schemeClr val="accent1"/>
+          </a:fillRef>
+          <a:effectRef idx="2">
+            <a:schemeClr val="accent1"/>
+          </a:effectRef>
+          <a:fontRef idx="minor">
+            <a:schemeClr val="lt1"/>
+          </a:fontRef>
+        </p:style>
+        <p:txBody>
+          <a:bodyPr rtlCol="0" anchor="ctr"/>
+          <a:lstStyle/>
+          <a:p>
+            <a:pPr algn="ctr"/>
+            <a:endParaRPr lang="en-GB"/>
+          </a:p>
+        </p:txBody>
+      </p:sp>
+      <p:sp>
+        <p:nvSpPr>
+          <p:cNvPr id="6" name="Rectangle 5"/>
+          <p:cNvSpPr/>
+          <p:nvPr/>
+        </p:nvSpPr>
+        <p:spPr>
+          <a:xfrm>
+            <a:off x="190500" y="889000"/>
+            <a:ext cx="4361695" cy="2874219"/>
+          </a:xfrm>
+          <a:prstGeom prst="rect">
+            <a:avLst/>
+          </a:prstGeom>
+          <a:ln>
+            <a:solidFill>
+              <a:schemeClr val="tx2">
+                <a:lumMod val="20000"/>
+                <a:lumOff val="80000"/>
+              </a:schemeClr>
+            </a:solidFill>
+          </a:ln>
+        </p:spPr>
+        <p:style>
+          <a:lnRef idx="1">
+            <a:schemeClr val="accent1"/>
+          </a:lnRef>
+          <a:fillRef idx="3">
+            <a:schemeClr val="accent1"/>
+          </a:fillRef>
+          <a:effectRef idx="2">
+            <a:schemeClr val="accent1"/>
+          </a:effectRef>
+          <a:fontRef idx="minor">
+            <a:schemeClr val="lt1"/>
+          </a:fontRef>
+        </p:style>
+        <p:txBody>
+          <a:bodyPr rtlCol="0" anchor="ctr"/>
+          <a:lstStyle/>
+          <a:p>
+            <a:pPr algn="ctr"/>
+            <a:endParaRPr lang="en-GB"/>
+          </a:p>
+        </p:txBody>
+      </p:sp>
       <p:pic>
         <p:nvPicPr>
-          <p:cNvPr id="3" name="Image 2" descr="angle0_zxy_xy260_256.png"/>
+          <p:cNvPr id="2" name="Image 1"/>
           <p:cNvPicPr>
             <a:picLocks noChangeAspect="1"/>
           </p:cNvPicPr>
@@ -4324,7 +5910,7 @@
         <p:spPr>
           <a:xfrm>
             <a:off x="360000" y="1800000"/>
-            <a:ext cx="992000" cy="1296000"/>
+            <a:ext cx="1200995" cy="1440000"/>
           </a:xfrm>
           <a:prstGeom prst="rect">
             <a:avLst/>
@@ -4333,7 +5919,7 @@
       </p:pic>
       <p:pic>
         <p:nvPicPr>
-          <p:cNvPr id="4" name="Image 3" descr="angle1_zxy_xy258_256.png"/>
+          <p:cNvPr id="13" name="Image 12"/>
           <p:cNvPicPr>
             <a:picLocks noChangeAspect="1"/>
           </p:cNvPicPr>
@@ -4353,24 +5939,84 @@
         </p:blipFill>
         <p:spPr>
           <a:xfrm>
-            <a:off x="2880000" y="1800000"/>
-            <a:ext cx="992000" cy="1296000"/>
+            <a:off x="3230200" y="1800001"/>
+            <a:ext cx="1200995" cy="1439998"/>
           </a:xfrm>
           <a:prstGeom prst="rect">
             <a:avLst/>
           </a:prstGeom>
         </p:spPr>
       </p:pic>
-      <p:sp>
-        <p:nvSpPr>
-          <p:cNvPr id="13" name="ZoneTexte 12"/>
+      <p:pic>
+        <p:nvPicPr>
+          <p:cNvPr id="47" name="Image 46" descr="data-s1lc.png"/>
+          <p:cNvPicPr>
+            <a:picLocks noChangeAspect="1"/>
+          </p:cNvPicPr>
+          <p:nvPr/>
+        </p:nvPicPr>
+        <p:blipFill>
+          <a:blip r:embed="rId4">
+            <a:extLst>
+              <a:ext uri="{28A0092B-C50C-407E-A947-70E740481C1C}">
+                <a14:useLocalDpi xmlns:a14="http://schemas.microsoft.com/office/drawing/2010/main" val="0"/>
+              </a:ext>
+            </a:extLst>
+          </a:blip>
+          <a:stretch>
+            <a:fillRect/>
+          </a:stretch>
+        </p:blipFill>
+        <p:spPr>
+          <a:xfrm>
+            <a:off x="6120000" y="541793"/>
+            <a:ext cx="1440000" cy="1150207"/>
+          </a:xfrm>
+          <a:prstGeom prst="rect">
+            <a:avLst/>
+          </a:prstGeom>
+        </p:spPr>
+      </p:pic>
+      <p:pic>
+        <p:nvPicPr>
+          <p:cNvPr id="57" name="Image 56"/>
+          <p:cNvPicPr>
+            <a:picLocks noChangeAspect="1"/>
+          </p:cNvPicPr>
+          <p:nvPr/>
+        </p:nvPicPr>
+        <p:blipFill>
+          <a:blip r:embed="rId5">
+            <a:extLst>
+              <a:ext uri="{28A0092B-C50C-407E-A947-70E740481C1C}">
+                <a14:useLocalDpi xmlns:a14="http://schemas.microsoft.com/office/drawing/2010/main" val="0"/>
+              </a:ext>
+            </a:extLst>
+          </a:blip>
+          <a:stretch>
+            <a:fillRect/>
+          </a:stretch>
+        </p:blipFill>
+        <p:spPr>
+          <a:xfrm>
+            <a:off x="6159023" y="3399293"/>
+            <a:ext cx="1439999" cy="1150207"/>
+          </a:xfrm>
+          <a:prstGeom prst="rect">
+            <a:avLst/>
+          </a:prstGeom>
+        </p:spPr>
+      </p:pic>
+      <p:sp>
+        <p:nvSpPr>
+          <p:cNvPr id="62" name="ZoneTexte 61"/>
           <p:cNvSpPr txBox="1"/>
           <p:nvPr/>
         </p:nvSpPr>
         <p:spPr>
           <a:xfrm>
-            <a:off x="204687" y="3031370"/>
-            <a:ext cx="1297265" cy="307777"/>
+            <a:off x="7719300" y="3386793"/>
+            <a:ext cx="1310400" cy="523220"/>
           </a:xfrm>
           <a:prstGeom prst="rect">
             <a:avLst/>
@@ -4383,10 +6029,19 @@
           </a:bodyPr>
           <a:lstStyle/>
           <a:p>
-            <a:pPr algn="ctr"/>
+            <a:r>
+              <a:rPr lang="en-GB" sz="1400" dirty="0"/>
+              <a:t>s</a:t>
+            </a:r>
             <a:r>
               <a:rPr lang="en-GB" sz="1400" dirty="0" smtClean="0"/>
-              <a:t>LC, S#0</a:t>
+              <a:t>tack #1</a:t>
+            </a:r>
+          </a:p>
+          <a:p>
+            <a:r>
+              <a:rPr lang="en-GB" sz="1400" dirty="0" smtClean="0"/>
+              <a:t>right cam.</a:t>
             </a:r>
             <a:endParaRPr lang="en-GB" sz="1400" dirty="0"/>
           </a:p>
@@ -4394,14 +6049,14 @@
       </p:sp>
       <p:sp>
         <p:nvSpPr>
-          <p:cNvPr id="16" name="ZoneTexte 15"/>
+          <p:cNvPr id="63" name="ZoneTexte 62"/>
           <p:cNvSpPr txBox="1"/>
           <p:nvPr/>
         </p:nvSpPr>
         <p:spPr>
           <a:xfrm>
-            <a:off x="2766218" y="3040055"/>
-            <a:ext cx="1297265" cy="307777"/>
+            <a:off x="7719300" y="584179"/>
+            <a:ext cx="1310400" cy="523220"/>
           </a:xfrm>
           <a:prstGeom prst="rect">
             <a:avLst/>
@@ -4414,171 +6069,257 @@
           </a:bodyPr>
           <a:lstStyle/>
           <a:p>
+            <a:r>
+              <a:rPr lang="en-GB" sz="1400" dirty="0"/>
+              <a:t>s</a:t>
+            </a:r>
+            <a:r>
+              <a:rPr lang="en-GB" sz="1400" dirty="0" smtClean="0"/>
+              <a:t>tack #1</a:t>
+            </a:r>
+          </a:p>
+          <a:p>
+            <a:r>
+              <a:rPr lang="en-GB" sz="1400" dirty="0"/>
+              <a:t>l</a:t>
+            </a:r>
+            <a:r>
+              <a:rPr lang="en-GB" sz="1400" dirty="0" smtClean="0"/>
+              <a:t>eft cam.</a:t>
+            </a:r>
+            <a:endParaRPr lang="en-GB" sz="1400" dirty="0"/>
+          </a:p>
+        </p:txBody>
+      </p:sp>
+      <p:sp>
+        <p:nvSpPr>
+          <p:cNvPr id="30" name="ZoneTexte 29"/>
+          <p:cNvSpPr txBox="1"/>
+          <p:nvPr/>
+        </p:nvSpPr>
+        <p:spPr>
+          <a:xfrm>
+            <a:off x="360000" y="1281258"/>
+            <a:ext cx="1310400" cy="523220"/>
+          </a:xfrm>
+          <a:prstGeom prst="rect">
+            <a:avLst/>
+          </a:prstGeom>
+          <a:noFill/>
+        </p:spPr>
+        <p:txBody>
+          <a:bodyPr wrap="square" rtlCol="0">
+            <a:spAutoFit/>
+          </a:bodyPr>
+          <a:lstStyle/>
+          <a:p>
+            <a:r>
+              <a:rPr lang="en-GB" sz="1400" dirty="0"/>
+              <a:t>s</a:t>
+            </a:r>
+            <a:r>
+              <a:rPr lang="en-GB" sz="1400" dirty="0" smtClean="0"/>
+              <a:t>tack #0</a:t>
+            </a:r>
+          </a:p>
+          <a:p>
+            <a:r>
+              <a:rPr lang="en-GB" sz="1400" dirty="0"/>
+              <a:t>l</a:t>
+            </a:r>
+            <a:r>
+              <a:rPr lang="en-GB" sz="1400" dirty="0" smtClean="0"/>
+              <a:t>eft cam.</a:t>
+            </a:r>
+            <a:endParaRPr lang="en-GB" sz="1400" dirty="0"/>
+          </a:p>
+        </p:txBody>
+      </p:sp>
+      <p:sp>
+        <p:nvSpPr>
+          <p:cNvPr id="31" name="ZoneTexte 30"/>
+          <p:cNvSpPr txBox="1"/>
+          <p:nvPr/>
+        </p:nvSpPr>
+        <p:spPr>
+          <a:xfrm>
+            <a:off x="3241795" y="3239999"/>
+            <a:ext cx="1310400" cy="523220"/>
+          </a:xfrm>
+          <a:prstGeom prst="rect">
+            <a:avLst/>
+          </a:prstGeom>
+          <a:noFill/>
+        </p:spPr>
+        <p:txBody>
+          <a:bodyPr wrap="square" rtlCol="0">
+            <a:spAutoFit/>
+          </a:bodyPr>
+          <a:lstStyle/>
+          <a:p>
+            <a:r>
+              <a:rPr lang="en-GB" sz="1400" dirty="0"/>
+              <a:t>s</a:t>
+            </a:r>
+            <a:r>
+              <a:rPr lang="en-GB" sz="1400" dirty="0" smtClean="0"/>
+              <a:t>tack #0</a:t>
+            </a:r>
+          </a:p>
+          <a:p>
+            <a:r>
+              <a:rPr lang="en-GB" sz="1400" dirty="0" smtClean="0"/>
+              <a:t>right cam.</a:t>
+            </a:r>
+            <a:endParaRPr lang="en-GB" sz="1400" dirty="0"/>
+          </a:p>
+        </p:txBody>
+      </p:sp>
+      <p:sp>
+        <p:nvSpPr>
+          <p:cNvPr id="4" name="Flèche courbée vers le bas 3"/>
+          <p:cNvSpPr/>
+          <p:nvPr/>
+        </p:nvSpPr>
+        <p:spPr>
+          <a:xfrm flipH="1">
+            <a:off x="1155700" y="990600"/>
+            <a:ext cx="2832100" cy="685795"/>
+          </a:xfrm>
+          <a:prstGeom prst="curvedDownArrow">
+            <a:avLst/>
+          </a:prstGeom>
+          <a:ln>
+            <a:solidFill>
+              <a:schemeClr val="tx2"/>
+            </a:solidFill>
+          </a:ln>
+        </p:spPr>
+        <p:style>
+          <a:lnRef idx="1">
+            <a:schemeClr val="accent1"/>
+          </a:lnRef>
+          <a:fillRef idx="3">
+            <a:schemeClr val="accent1"/>
+          </a:fillRef>
+          <a:effectRef idx="2">
+            <a:schemeClr val="accent1"/>
+          </a:effectRef>
+          <a:fontRef idx="minor">
+            <a:schemeClr val="lt1"/>
+          </a:fontRef>
+        </p:style>
+        <p:txBody>
+          <a:bodyPr rtlCol="0" anchor="ctr"/>
+          <a:lstStyle/>
+          <a:p>
             <a:pPr algn="ctr"/>
-            <a:r>
-              <a:rPr lang="en-GB" sz="1400" dirty="0" smtClean="0"/>
-              <a:t>RC, S#0</a:t>
-            </a:r>
-            <a:endParaRPr lang="en-GB" sz="1400" dirty="0"/>
-          </a:p>
-        </p:txBody>
-      </p:sp>
-      <p:grpSp>
-        <p:nvGrpSpPr>
-          <p:cNvPr id="20" name="Grouper 19"/>
-          <p:cNvGrpSpPr/>
-          <p:nvPr/>
-        </p:nvGrpSpPr>
-        <p:grpSpPr>
-          <a:xfrm>
-            <a:off x="989023" y="648034"/>
-            <a:ext cx="2245827" cy="1187704"/>
-            <a:chOff x="5575844" y="648034"/>
-            <a:chExt cx="2245827" cy="1187704"/>
-          </a:xfrm>
-        </p:grpSpPr>
-        <p:pic>
-          <p:nvPicPr>
-            <p:cNvPr id="21" name="Image 20" descr="angle2_zxy_xy263_256.png"/>
-            <p:cNvPicPr>
-              <a:picLocks noChangeAspect="1"/>
-            </p:cNvPicPr>
-            <p:nvPr/>
-          </p:nvPicPr>
-          <p:blipFill>
-            <a:blip r:embed="rId4">
-              <a:extLst>
-                <a:ext uri="{28A0092B-C50C-407E-A947-70E740481C1C}">
-                  <a14:useLocalDpi xmlns:a14="http://schemas.microsoft.com/office/drawing/2010/main" val="0"/>
-                </a:ext>
-              </a:extLst>
-            </a:blip>
-            <a:stretch>
-              <a:fillRect/>
-            </a:stretch>
-          </p:blipFill>
-          <p:spPr>
-            <a:xfrm>
-              <a:off x="6053863" y="648034"/>
-              <a:ext cx="1296162" cy="950976"/>
-            </a:xfrm>
-            <a:prstGeom prst="rect">
-              <a:avLst/>
-            </a:prstGeom>
-          </p:spPr>
-        </p:pic>
-        <p:sp>
-          <p:nvSpPr>
-            <p:cNvPr id="22" name="ZoneTexte 21"/>
-            <p:cNvSpPr txBox="1"/>
-            <p:nvPr/>
-          </p:nvSpPr>
-          <p:spPr>
-            <a:xfrm>
-              <a:off x="5575844" y="1527961"/>
-              <a:ext cx="2245827" cy="307777"/>
-            </a:xfrm>
-            <a:prstGeom prst="rect">
-              <a:avLst/>
-            </a:prstGeom>
-            <a:noFill/>
-          </p:spPr>
-          <p:txBody>
-            <a:bodyPr wrap="square" rtlCol="0">
-              <a:spAutoFit/>
-            </a:bodyPr>
-            <a:lstStyle/>
-            <a:p>
-              <a:pPr algn="ctr"/>
-              <a:r>
-                <a:rPr lang="en-GB" sz="1400" dirty="0" smtClean="0"/>
-                <a:t>LC, S#1</a:t>
-              </a:r>
-              <a:endParaRPr lang="en-GB" sz="1400" dirty="0"/>
-            </a:p>
-          </p:txBody>
-        </p:sp>
-      </p:grpSp>
-      <p:grpSp>
-        <p:nvGrpSpPr>
-          <p:cNvPr id="23" name="Grouper 22"/>
-          <p:cNvGrpSpPr/>
-          <p:nvPr/>
-        </p:nvGrpSpPr>
-        <p:grpSpPr>
-          <a:xfrm>
-            <a:off x="889261" y="3204049"/>
-            <a:ext cx="2447177" cy="1186778"/>
-            <a:chOff x="5482916" y="3204049"/>
-            <a:chExt cx="2447177" cy="1186778"/>
-          </a:xfrm>
-        </p:grpSpPr>
-        <p:pic>
-          <p:nvPicPr>
-            <p:cNvPr id="24" name="Image 23" descr="angle3_zxy_xy259_256.png"/>
-            <p:cNvPicPr>
-              <a:picLocks noChangeAspect="1"/>
-            </p:cNvPicPr>
-            <p:nvPr/>
-          </p:nvPicPr>
-          <p:blipFill>
-            <a:blip r:embed="rId5">
-              <a:extLst>
-                <a:ext uri="{28A0092B-C50C-407E-A947-70E740481C1C}">
-                  <a14:useLocalDpi xmlns:a14="http://schemas.microsoft.com/office/drawing/2010/main" val="0"/>
-                </a:ext>
-              </a:extLst>
-            </a:blip>
-            <a:stretch>
-              <a:fillRect/>
-            </a:stretch>
-          </p:blipFill>
-          <p:spPr>
-            <a:xfrm>
-              <a:off x="6054024" y="3204049"/>
-              <a:ext cx="1296162" cy="950976"/>
-            </a:xfrm>
-            <a:prstGeom prst="rect">
-              <a:avLst/>
-            </a:prstGeom>
-          </p:spPr>
-        </p:pic>
-        <p:sp>
-          <p:nvSpPr>
-            <p:cNvPr id="25" name="ZoneTexte 24"/>
-            <p:cNvSpPr txBox="1"/>
-            <p:nvPr/>
-          </p:nvSpPr>
-          <p:spPr>
-            <a:xfrm>
-              <a:off x="5482916" y="4083050"/>
-              <a:ext cx="2447177" cy="307777"/>
-            </a:xfrm>
-            <a:prstGeom prst="rect">
-              <a:avLst/>
-            </a:prstGeom>
-            <a:noFill/>
-          </p:spPr>
-          <p:txBody>
-            <a:bodyPr wrap="square" rtlCol="0">
-              <a:spAutoFit/>
-            </a:bodyPr>
-            <a:lstStyle/>
-            <a:p>
-              <a:pPr algn="ctr"/>
-              <a:r>
-                <a:rPr lang="en-GB" sz="1400" dirty="0" smtClean="0"/>
-                <a:t>RC, S#1</a:t>
-              </a:r>
-              <a:endParaRPr lang="en-GB" sz="1400" dirty="0"/>
-            </a:p>
-          </p:txBody>
-        </p:sp>
-      </p:grpSp>
+            <a:endParaRPr lang="en-GB">
+              <a:solidFill>
+                <a:schemeClr val="tx1"/>
+              </a:solidFill>
+            </a:endParaRPr>
+          </a:p>
+        </p:txBody>
+      </p:sp>
+      <p:sp>
+        <p:nvSpPr>
+          <p:cNvPr id="18" name="Flèche courbée vers le bas 17"/>
+          <p:cNvSpPr/>
+          <p:nvPr/>
+        </p:nvSpPr>
+        <p:spPr>
+          <a:xfrm rot="5400000" flipH="1" flipV="1">
+            <a:off x="4364993" y="2155005"/>
+            <a:ext cx="2804057" cy="705957"/>
+          </a:xfrm>
+          <a:prstGeom prst="curvedDownArrow">
+            <a:avLst/>
+          </a:prstGeom>
+          <a:ln>
+            <a:solidFill>
+              <a:schemeClr val="tx2"/>
+            </a:solidFill>
+          </a:ln>
+        </p:spPr>
+        <p:style>
+          <a:lnRef idx="1">
+            <a:schemeClr val="accent1"/>
+          </a:lnRef>
+          <a:fillRef idx="3">
+            <a:schemeClr val="accent1"/>
+          </a:fillRef>
+          <a:effectRef idx="2">
+            <a:schemeClr val="accent1"/>
+          </a:effectRef>
+          <a:fontRef idx="minor">
+            <a:schemeClr val="lt1"/>
+          </a:fontRef>
+        </p:style>
+        <p:txBody>
+          <a:bodyPr rtlCol="0" anchor="ctr"/>
+          <a:lstStyle/>
+          <a:p>
+            <a:pPr algn="ctr"/>
+            <a:endParaRPr lang="en-GB">
+              <a:solidFill>
+                <a:schemeClr val="tx1"/>
+              </a:solidFill>
+            </a:endParaRPr>
+          </a:p>
+        </p:txBody>
+      </p:sp>
+      <p:sp>
+        <p:nvSpPr>
+          <p:cNvPr id="21" name="Flèche courbée vers le bas 20"/>
+          <p:cNvSpPr/>
+          <p:nvPr/>
+        </p:nvSpPr>
+        <p:spPr>
+          <a:xfrm flipH="1">
+            <a:off x="2870200" y="64392"/>
+            <a:ext cx="2374900" cy="685795"/>
+          </a:xfrm>
+          <a:prstGeom prst="curvedDownArrow">
+            <a:avLst/>
+          </a:prstGeom>
+          <a:ln>
+            <a:solidFill>
+              <a:schemeClr val="tx2"/>
+            </a:solidFill>
+          </a:ln>
+        </p:spPr>
+        <p:style>
+          <a:lnRef idx="1">
+            <a:schemeClr val="accent1"/>
+          </a:lnRef>
+          <a:fillRef idx="3">
+            <a:schemeClr val="accent1"/>
+          </a:fillRef>
+          <a:effectRef idx="2">
+            <a:schemeClr val="accent1"/>
+          </a:effectRef>
+          <a:fontRef idx="minor">
+            <a:schemeClr val="lt1"/>
+          </a:fontRef>
+        </p:style>
+        <p:txBody>
+          <a:bodyPr rtlCol="0" anchor="ctr"/>
+          <a:lstStyle/>
+          <a:p>
+            <a:pPr algn="ctr"/>
+            <a:endParaRPr lang="en-GB">
+              <a:solidFill>
+                <a:schemeClr val="tx1"/>
+              </a:solidFill>
+            </a:endParaRPr>
+          </a:p>
+        </p:txBody>
+      </p:sp>
     </p:spTree>
     <p:extLst>
       <p:ext uri="{BB962C8B-B14F-4D97-AF65-F5344CB8AC3E}">
-        <p14:creationId xmlns:p14="http://schemas.microsoft.com/office/powerpoint/2010/main" val="4208687694"/>
+        <p14:creationId xmlns:p14="http://schemas.microsoft.com/office/powerpoint/2010/main" val="3263810576"/>
       </p:ext>
     </p:extLst>
   </p:cSld>
@@ -4607,7 +6348,7 @@
       </p:grpSpPr>
       <p:pic>
         <p:nvPicPr>
-          <p:cNvPr id="3" name="Image 2" descr="angle0_zxy_xy260_256.png"/>
+          <p:cNvPr id="3" name="Image 2" descr="muvispim.png"/>
           <p:cNvPicPr>
             <a:picLocks noChangeAspect="1"/>
           </p:cNvPicPr>
@@ -4627,24 +6368,195 @@
         </p:blipFill>
         <p:spPr>
           <a:xfrm>
-            <a:off x="360000" y="1800000"/>
-            <a:ext cx="992000" cy="1296000"/>
+            <a:off x="1622200" y="1800000"/>
+            <a:ext cx="1473576" cy="1440000"/>
           </a:xfrm>
           <a:prstGeom prst="rect">
             <a:avLst/>
           </a:prstGeom>
         </p:spPr>
       </p:pic>
+      <p:grpSp>
+        <p:nvGrpSpPr>
+          <p:cNvPr id="11" name="Grouper 10"/>
+          <p:cNvGrpSpPr/>
+          <p:nvPr/>
+        </p:nvGrpSpPr>
+        <p:grpSpPr>
+          <a:xfrm>
+            <a:off x="-29459" y="1676395"/>
+            <a:ext cx="1699859" cy="1977437"/>
+            <a:chOff x="-29459" y="1676395"/>
+            <a:chExt cx="1699859" cy="1977437"/>
+          </a:xfrm>
+        </p:grpSpPr>
+        <p:pic>
+          <p:nvPicPr>
+            <p:cNvPr id="2" name="Image 1"/>
+            <p:cNvPicPr>
+              <a:picLocks noChangeAspect="1"/>
+            </p:cNvPicPr>
+            <p:nvPr/>
+          </p:nvPicPr>
+          <p:blipFill>
+            <a:blip r:embed="rId3">
+              <a:extLst>
+                <a:ext uri="{28A0092B-C50C-407E-A947-70E740481C1C}">
+                  <a14:useLocalDpi xmlns:a14="http://schemas.microsoft.com/office/drawing/2010/main" val="0"/>
+                </a:ext>
+              </a:extLst>
+            </a:blip>
+            <a:stretch>
+              <a:fillRect/>
+            </a:stretch>
+          </p:blipFill>
+          <p:spPr>
+            <a:xfrm>
+              <a:off x="360000" y="1800000"/>
+              <a:ext cx="1200995" cy="1440000"/>
+            </a:xfrm>
+            <a:prstGeom prst="rect">
+              <a:avLst/>
+            </a:prstGeom>
+          </p:spPr>
+        </p:pic>
+        <p:cxnSp>
+          <p:nvCxnSpPr>
+            <p:cNvPr id="5" name="Connecteur droit avec flèche 4"/>
+            <p:cNvCxnSpPr/>
+            <p:nvPr/>
+          </p:nvCxnSpPr>
+          <p:spPr>
+            <a:xfrm flipV="1">
+              <a:off x="252000" y="1692000"/>
+              <a:ext cx="0" cy="1656000"/>
+            </a:xfrm>
+            <a:prstGeom prst="straightConnector1">
+              <a:avLst/>
+            </a:prstGeom>
+            <a:ln>
+              <a:tailEnd type="arrow"/>
+            </a:ln>
+          </p:spPr>
+          <p:style>
+            <a:lnRef idx="2">
+              <a:schemeClr val="accent1"/>
+            </a:lnRef>
+            <a:fillRef idx="0">
+              <a:schemeClr val="accent1"/>
+            </a:fillRef>
+            <a:effectRef idx="1">
+              <a:schemeClr val="accent1"/>
+            </a:effectRef>
+            <a:fontRef idx="minor">
+              <a:schemeClr val="tx1"/>
+            </a:fontRef>
+          </p:style>
+        </p:cxnSp>
+        <p:cxnSp>
+          <p:nvCxnSpPr>
+            <p:cNvPr id="8" name="Connecteur droit avec flèche 7"/>
+            <p:cNvCxnSpPr/>
+            <p:nvPr/>
+          </p:nvCxnSpPr>
+          <p:spPr>
+            <a:xfrm>
+              <a:off x="252000" y="3348000"/>
+              <a:ext cx="1418400" cy="0"/>
+            </a:xfrm>
+            <a:prstGeom prst="straightConnector1">
+              <a:avLst/>
+            </a:prstGeom>
+            <a:ln>
+              <a:tailEnd type="arrow"/>
+            </a:ln>
+          </p:spPr>
+          <p:style>
+            <a:lnRef idx="2">
+              <a:schemeClr val="accent1"/>
+            </a:lnRef>
+            <a:fillRef idx="0">
+              <a:schemeClr val="accent1"/>
+            </a:fillRef>
+            <a:effectRef idx="1">
+              <a:schemeClr val="accent1"/>
+            </a:effectRef>
+            <a:fontRef idx="minor">
+              <a:schemeClr val="tx1"/>
+            </a:fontRef>
+          </p:style>
+        </p:cxnSp>
+        <p:sp>
+          <p:nvSpPr>
+            <p:cNvPr id="9" name="ZoneTexte 8"/>
+            <p:cNvSpPr txBox="1"/>
+            <p:nvPr/>
+          </p:nvSpPr>
+          <p:spPr>
+            <a:xfrm>
+              <a:off x="-29459" y="1676395"/>
+              <a:ext cx="304478" cy="369332"/>
+            </a:xfrm>
+            <a:prstGeom prst="rect">
+              <a:avLst/>
+            </a:prstGeom>
+            <a:noFill/>
+          </p:spPr>
+          <p:txBody>
+            <a:bodyPr wrap="none" rtlCol="0">
+              <a:spAutoFit/>
+            </a:bodyPr>
+            <a:lstStyle/>
+            <a:p>
+              <a:r>
+                <a:rPr lang="en-GB" dirty="0" smtClean="0"/>
+                <a:t>X</a:t>
+              </a:r>
+              <a:endParaRPr lang="en-GB" dirty="0"/>
+            </a:p>
+          </p:txBody>
+        </p:sp>
+        <p:sp>
+          <p:nvSpPr>
+            <p:cNvPr id="10" name="ZoneTexte 9"/>
+            <p:cNvSpPr txBox="1"/>
+            <p:nvPr/>
+          </p:nvSpPr>
+          <p:spPr>
+            <a:xfrm>
+              <a:off x="1307317" y="3284500"/>
+              <a:ext cx="292756" cy="369332"/>
+            </a:xfrm>
+            <a:prstGeom prst="rect">
+              <a:avLst/>
+            </a:prstGeom>
+            <a:noFill/>
+          </p:spPr>
+          <p:txBody>
+            <a:bodyPr wrap="none" rtlCol="0">
+              <a:spAutoFit/>
+            </a:bodyPr>
+            <a:lstStyle/>
+            <a:p>
+              <a:r>
+                <a:rPr lang="en-GB" dirty="0"/>
+                <a:t>Z</a:t>
+              </a:r>
+              <a:endParaRPr lang="en-GB" dirty="0"/>
+            </a:p>
+          </p:txBody>
+        </p:sp>
+      </p:grpSp>
       <p:pic>
         <p:nvPicPr>
-          <p:cNvPr id="4" name="Image 3" descr="angle1_zxy_xy258_256.png"/>
+          <p:cNvPr id="13" name="Image 12"/>
           <p:cNvPicPr>
             <a:picLocks noChangeAspect="1"/>
           </p:cNvPicPr>
           <p:nvPr/>
         </p:nvPicPr>
         <p:blipFill>
-          <a:blip r:embed="rId3">
+          <a:blip r:embed="rId4">
             <a:extLst>
               <a:ext uri="{28A0092B-C50C-407E-A947-70E740481C1C}">
                 <a14:useLocalDpi xmlns:a14="http://schemas.microsoft.com/office/drawing/2010/main" val="0"/>
@@ -4657,24 +6569,151 @@
         </p:blipFill>
         <p:spPr>
           <a:xfrm>
-            <a:off x="2880000" y="1800000"/>
-            <a:ext cx="992000" cy="1296000"/>
+            <a:off x="3230200" y="1800001"/>
+            <a:ext cx="1200995" cy="1439998"/>
           </a:xfrm>
           <a:prstGeom prst="rect">
             <a:avLst/>
           </a:prstGeom>
         </p:spPr>
       </p:pic>
-      <p:sp>
-        <p:nvSpPr>
-          <p:cNvPr id="13" name="ZoneTexte 12"/>
+      <p:cxnSp>
+        <p:nvCxnSpPr>
+          <p:cNvPr id="14" name="Connecteur droit avec flèche 13"/>
+          <p:cNvCxnSpPr/>
+          <p:nvPr/>
+        </p:nvCxnSpPr>
+        <p:spPr>
+          <a:xfrm flipV="1">
+            <a:off x="3122200" y="1692000"/>
+            <a:ext cx="0" cy="1656000"/>
+          </a:xfrm>
+          <a:prstGeom prst="straightConnector1">
+            <a:avLst/>
+          </a:prstGeom>
+          <a:ln>
+            <a:headEnd type="arrow"/>
+            <a:tailEnd type="none"/>
+          </a:ln>
+        </p:spPr>
+        <p:style>
+          <a:lnRef idx="2">
+            <a:schemeClr val="accent1"/>
+          </a:lnRef>
+          <a:fillRef idx="0">
+            <a:schemeClr val="accent1"/>
+          </a:fillRef>
+          <a:effectRef idx="1">
+            <a:schemeClr val="accent1"/>
+          </a:effectRef>
+          <a:fontRef idx="minor">
+            <a:schemeClr val="tx1"/>
+          </a:fontRef>
+        </p:style>
+      </p:cxnSp>
+      <p:cxnSp>
+        <p:nvCxnSpPr>
+          <p:cNvPr id="15" name="Connecteur droit avec flèche 14"/>
+          <p:cNvCxnSpPr/>
+          <p:nvPr/>
+        </p:nvCxnSpPr>
+        <p:spPr>
+          <a:xfrm>
+            <a:off x="3122200" y="1692000"/>
+            <a:ext cx="1418400" cy="0"/>
+          </a:xfrm>
+          <a:prstGeom prst="straightConnector1">
+            <a:avLst/>
+          </a:prstGeom>
+          <a:ln>
+            <a:tailEnd type="arrow"/>
+          </a:ln>
+        </p:spPr>
+        <p:style>
+          <a:lnRef idx="2">
+            <a:schemeClr val="accent1"/>
+          </a:lnRef>
+          <a:fillRef idx="0">
+            <a:schemeClr val="accent1"/>
+          </a:fillRef>
+          <a:effectRef idx="1">
+            <a:schemeClr val="accent1"/>
+          </a:effectRef>
+          <a:fontRef idx="minor">
+            <a:schemeClr val="tx1"/>
+          </a:fontRef>
+        </p:style>
+      </p:cxnSp>
+      <p:sp>
+        <p:nvSpPr>
+          <p:cNvPr id="16" name="ZoneTexte 15"/>
           <p:cNvSpPr txBox="1"/>
           <p:nvPr/>
         </p:nvSpPr>
         <p:spPr>
           <a:xfrm>
-            <a:off x="204687" y="3031370"/>
-            <a:ext cx="1297265" cy="307777"/>
+            <a:off x="2764702" y="2968858"/>
+            <a:ext cx="304478" cy="369332"/>
+          </a:xfrm>
+          <a:prstGeom prst="rect">
+            <a:avLst/>
+          </a:prstGeom>
+          <a:noFill/>
+        </p:spPr>
+        <p:txBody>
+          <a:bodyPr wrap="none" rtlCol="0">
+            <a:spAutoFit/>
+          </a:bodyPr>
+          <a:lstStyle/>
+          <a:p>
+            <a:r>
+              <a:rPr lang="en-GB" dirty="0" smtClean="0"/>
+              <a:t>X</a:t>
+            </a:r>
+            <a:endParaRPr lang="en-GB" dirty="0"/>
+          </a:p>
+        </p:txBody>
+      </p:sp>
+      <p:sp>
+        <p:nvSpPr>
+          <p:cNvPr id="17" name="ZoneTexte 16"/>
+          <p:cNvSpPr txBox="1"/>
+          <p:nvPr/>
+        </p:nvSpPr>
+        <p:spPr>
+          <a:xfrm>
+            <a:off x="4209744" y="1345163"/>
+            <a:ext cx="292756" cy="369332"/>
+          </a:xfrm>
+          <a:prstGeom prst="rect">
+            <a:avLst/>
+          </a:prstGeom>
+          <a:noFill/>
+        </p:spPr>
+        <p:txBody>
+          <a:bodyPr wrap="none" rtlCol="0">
+            <a:spAutoFit/>
+          </a:bodyPr>
+          <a:lstStyle/>
+          <a:p>
+            <a:r>
+              <a:rPr lang="en-GB" dirty="0"/>
+              <a:t>Z</a:t>
+            </a:r>
+            <a:endParaRPr lang="en-GB" dirty="0"/>
+          </a:p>
+        </p:txBody>
+      </p:sp>
+      <p:sp>
+        <p:nvSpPr>
+          <p:cNvPr id="60" name="ZoneTexte 59"/>
+          <p:cNvSpPr txBox="1"/>
+          <p:nvPr/>
+        </p:nvSpPr>
+        <p:spPr>
+          <a:xfrm>
+            <a:off x="360000" y="1281258"/>
+            <a:ext cx="1310400" cy="523220"/>
           </a:xfrm>
           <a:prstGeom prst="rect">
             <a:avLst/>
@@ -4687,10 +6726,23 @@
           </a:bodyPr>
           <a:lstStyle/>
           <a:p>
-            <a:pPr algn="ctr"/>
+            <a:r>
+              <a:rPr lang="en-GB" sz="1400" dirty="0"/>
+              <a:t>s</a:t>
+            </a:r>
             <a:r>
               <a:rPr lang="en-GB" sz="1400" dirty="0" smtClean="0"/>
-              <a:t>LC, S#0</a:t>
+              <a:t>tack #0</a:t>
+            </a:r>
+          </a:p>
+          <a:p>
+            <a:r>
+              <a:rPr lang="en-GB" sz="1400" dirty="0"/>
+              <a:t>l</a:t>
+            </a:r>
+            <a:r>
+              <a:rPr lang="en-GB" sz="1400" dirty="0" smtClean="0"/>
+              <a:t>eft cam.</a:t>
             </a:r>
             <a:endParaRPr lang="en-GB" sz="1400" dirty="0"/>
           </a:p>
@@ -4698,14 +6750,14 @@
       </p:sp>
       <p:sp>
         <p:nvSpPr>
-          <p:cNvPr id="16" name="ZoneTexte 15"/>
+          <p:cNvPr id="61" name="ZoneTexte 60"/>
           <p:cNvSpPr txBox="1"/>
           <p:nvPr/>
         </p:nvSpPr>
         <p:spPr>
           <a:xfrm>
-            <a:off x="2766218" y="3040055"/>
-            <a:ext cx="1297265" cy="307777"/>
+            <a:off x="3241795" y="3239999"/>
+            <a:ext cx="1310400" cy="523220"/>
           </a:xfrm>
           <a:prstGeom prst="rect">
             <a:avLst/>
@@ -4718,181 +6770,28 @@
           </a:bodyPr>
           <a:lstStyle/>
           <a:p>
-            <a:pPr algn="ctr"/>
+            <a:r>
+              <a:rPr lang="en-GB" sz="1400" dirty="0"/>
+              <a:t>s</a:t>
+            </a:r>
             <a:r>
               <a:rPr lang="en-GB" sz="1400" dirty="0" smtClean="0"/>
-              <a:t>RC, S#0</a:t>
+              <a:t>tack #0</a:t>
+            </a:r>
+          </a:p>
+          <a:p>
+            <a:r>
+              <a:rPr lang="en-GB" sz="1400" dirty="0" smtClean="0"/>
+              <a:t>right cam.</a:t>
             </a:r>
             <a:endParaRPr lang="en-GB" sz="1400" dirty="0"/>
-          </a:p>
-        </p:txBody>
-      </p:sp>
-      <p:pic>
-        <p:nvPicPr>
-          <p:cNvPr id="21" name="Image 20" descr="angle2_zxy_xy263_256.png"/>
-          <p:cNvPicPr>
-            <a:picLocks noChangeAspect="1"/>
-          </p:cNvPicPr>
-          <p:nvPr/>
-        </p:nvPicPr>
-        <p:blipFill>
-          <a:blip r:embed="rId4">
-            <a:alphaModFix amt="40000"/>
-            <a:extLst>
-              <a:ext uri="{28A0092B-C50C-407E-A947-70E740481C1C}">
-                <a14:useLocalDpi xmlns:a14="http://schemas.microsoft.com/office/drawing/2010/main" val="0"/>
-              </a:ext>
-            </a:extLst>
-          </a:blip>
-          <a:stretch>
-            <a:fillRect/>
-          </a:stretch>
-        </p:blipFill>
-        <p:spPr>
-          <a:xfrm>
-            <a:off x="1467042" y="648034"/>
-            <a:ext cx="1296162" cy="950976"/>
-          </a:xfrm>
-          <a:prstGeom prst="rect">
-            <a:avLst/>
-          </a:prstGeom>
-        </p:spPr>
-      </p:pic>
-      <p:sp>
-        <p:nvSpPr>
-          <p:cNvPr id="22" name="ZoneTexte 21"/>
-          <p:cNvSpPr txBox="1"/>
-          <p:nvPr/>
-        </p:nvSpPr>
-        <p:spPr>
-          <a:xfrm>
-            <a:off x="989023" y="1527961"/>
-            <a:ext cx="2245827" cy="307777"/>
-          </a:xfrm>
-          <a:prstGeom prst="rect">
-            <a:avLst/>
-          </a:prstGeom>
-          <a:noFill/>
-        </p:spPr>
-        <p:txBody>
-          <a:bodyPr wrap="square" rtlCol="0">
-            <a:spAutoFit/>
-          </a:bodyPr>
-          <a:lstStyle/>
-          <a:p>
-            <a:pPr algn="ctr"/>
-            <a:r>
-              <a:rPr lang="en-GB" sz="1400" dirty="0" smtClean="0"/>
-              <a:t>LC, S#1</a:t>
-            </a:r>
-            <a:endParaRPr lang="en-GB" sz="1400" dirty="0"/>
-          </a:p>
-        </p:txBody>
-      </p:sp>
-      <p:pic>
-        <p:nvPicPr>
-          <p:cNvPr id="24" name="Image 23" descr="angle3_zxy_xy259_256.png"/>
-          <p:cNvPicPr>
-            <a:picLocks noChangeAspect="1"/>
-          </p:cNvPicPr>
-          <p:nvPr/>
-        </p:nvPicPr>
-        <p:blipFill>
-          <a:blip r:embed="rId5">
-            <a:alphaModFix amt="40000"/>
-            <a:extLst>
-              <a:ext uri="{28A0092B-C50C-407E-A947-70E740481C1C}">
-                <a14:useLocalDpi xmlns:a14="http://schemas.microsoft.com/office/drawing/2010/main" val="0"/>
-              </a:ext>
-            </a:extLst>
-          </a:blip>
-          <a:stretch>
-            <a:fillRect/>
-          </a:stretch>
-        </p:blipFill>
-        <p:spPr>
-          <a:xfrm>
-            <a:off x="1460369" y="3204049"/>
-            <a:ext cx="1296162" cy="950976"/>
-          </a:xfrm>
-          <a:prstGeom prst="rect">
-            <a:avLst/>
-          </a:prstGeom>
-        </p:spPr>
-      </p:pic>
-      <p:sp>
-        <p:nvSpPr>
-          <p:cNvPr id="25" name="ZoneTexte 24"/>
-          <p:cNvSpPr txBox="1"/>
-          <p:nvPr/>
-        </p:nvSpPr>
-        <p:spPr>
-          <a:xfrm>
-            <a:off x="889261" y="4083050"/>
-            <a:ext cx="2447177" cy="307777"/>
-          </a:xfrm>
-          <a:prstGeom prst="rect">
-            <a:avLst/>
-          </a:prstGeom>
-          <a:noFill/>
-        </p:spPr>
-        <p:txBody>
-          <a:bodyPr wrap="square" rtlCol="0">
-            <a:spAutoFit/>
-          </a:bodyPr>
-          <a:lstStyle/>
-          <a:p>
-            <a:pPr algn="ctr"/>
-            <a:r>
-              <a:rPr lang="en-GB" sz="1400" dirty="0" smtClean="0"/>
-              <a:t>RC, S#1</a:t>
-            </a:r>
-            <a:endParaRPr lang="en-GB" sz="1400" dirty="0"/>
-          </a:p>
-        </p:txBody>
-      </p:sp>
-      <p:sp>
-        <p:nvSpPr>
-          <p:cNvPr id="12" name="Flèche vers la gauche 11"/>
-          <p:cNvSpPr/>
-          <p:nvPr/>
-        </p:nvSpPr>
-        <p:spPr>
-          <a:xfrm>
-            <a:off x="1610372" y="2212513"/>
-            <a:ext cx="972000" cy="360000"/>
-          </a:xfrm>
-          <a:prstGeom prst="leftArrow">
-            <a:avLst/>
-          </a:prstGeom>
-        </p:spPr>
-        <p:style>
-          <a:lnRef idx="1">
-            <a:schemeClr val="accent1"/>
-          </a:lnRef>
-          <a:fillRef idx="3">
-            <a:schemeClr val="accent1"/>
-          </a:fillRef>
-          <a:effectRef idx="2">
-            <a:schemeClr val="accent1"/>
-          </a:effectRef>
-          <a:fontRef idx="minor">
-            <a:schemeClr val="lt1"/>
-          </a:fontRef>
-        </p:style>
-        <p:txBody>
-          <a:bodyPr rtlCol="0" anchor="ctr"/>
-          <a:lstStyle/>
-          <a:p>
-            <a:pPr algn="ctr"/>
-            <a:endParaRPr lang="en-GB"/>
           </a:p>
         </p:txBody>
       </p:sp>
     </p:spTree>
     <p:extLst>
       <p:ext uri="{BB962C8B-B14F-4D97-AF65-F5344CB8AC3E}">
-        <p14:creationId xmlns:p14="http://schemas.microsoft.com/office/powerpoint/2010/main" val="746926923"/>
+        <p14:creationId xmlns:p14="http://schemas.microsoft.com/office/powerpoint/2010/main" val="4137082200"/>
       </p:ext>
     </p:extLst>
   </p:cSld>
@@ -4921,7 +6820,7 @@
       </p:grpSpPr>
       <p:pic>
         <p:nvPicPr>
-          <p:cNvPr id="3" name="Image 2" descr="angle0_zxy_xy260_256.png"/>
+          <p:cNvPr id="3" name="Image 2" descr="muvispim.png"/>
           <p:cNvPicPr>
             <a:picLocks noChangeAspect="1"/>
           </p:cNvPicPr>
@@ -4929,7 +6828,6 @@
         </p:nvPicPr>
         <p:blipFill>
           <a:blip r:embed="rId2">
-            <a:alphaModFix amt="40000"/>
             <a:extLst>
               <a:ext uri="{28A0092B-C50C-407E-A947-70E740481C1C}">
                 <a14:useLocalDpi xmlns:a14="http://schemas.microsoft.com/office/drawing/2010/main" val="0"/>
@@ -4942,110 +6840,188 @@
         </p:blipFill>
         <p:spPr>
           <a:xfrm>
-            <a:off x="360000" y="1800000"/>
-            <a:ext cx="992000" cy="1296000"/>
+            <a:off x="1622200" y="1800000"/>
+            <a:ext cx="1473576" cy="1440000"/>
           </a:xfrm>
           <a:prstGeom prst="rect">
             <a:avLst/>
           </a:prstGeom>
         </p:spPr>
       </p:pic>
+      <p:grpSp>
+        <p:nvGrpSpPr>
+          <p:cNvPr id="11" name="Grouper 10"/>
+          <p:cNvGrpSpPr/>
+          <p:nvPr/>
+        </p:nvGrpSpPr>
+        <p:grpSpPr>
+          <a:xfrm>
+            <a:off x="-29459" y="1676395"/>
+            <a:ext cx="1699859" cy="1977437"/>
+            <a:chOff x="-29459" y="1676395"/>
+            <a:chExt cx="1699859" cy="1977437"/>
+          </a:xfrm>
+        </p:grpSpPr>
+        <p:pic>
+          <p:nvPicPr>
+            <p:cNvPr id="2" name="Image 1"/>
+            <p:cNvPicPr>
+              <a:picLocks noChangeAspect="1"/>
+            </p:cNvPicPr>
+            <p:nvPr/>
+          </p:nvPicPr>
+          <p:blipFill>
+            <a:blip r:embed="rId3">
+              <a:extLst>
+                <a:ext uri="{28A0092B-C50C-407E-A947-70E740481C1C}">
+                  <a14:useLocalDpi xmlns:a14="http://schemas.microsoft.com/office/drawing/2010/main" val="0"/>
+                </a:ext>
+              </a:extLst>
+            </a:blip>
+            <a:stretch>
+              <a:fillRect/>
+            </a:stretch>
+          </p:blipFill>
+          <p:spPr>
+            <a:xfrm>
+              <a:off x="525903" y="1800000"/>
+              <a:ext cx="869189" cy="1440000"/>
+            </a:xfrm>
+            <a:prstGeom prst="rect">
+              <a:avLst/>
+            </a:prstGeom>
+          </p:spPr>
+        </p:pic>
+        <p:cxnSp>
+          <p:nvCxnSpPr>
+            <p:cNvPr id="5" name="Connecteur droit avec flèche 4"/>
+            <p:cNvCxnSpPr/>
+            <p:nvPr/>
+          </p:nvCxnSpPr>
+          <p:spPr>
+            <a:xfrm flipV="1">
+              <a:off x="252000" y="1692000"/>
+              <a:ext cx="0" cy="1656000"/>
+            </a:xfrm>
+            <a:prstGeom prst="straightConnector1">
+              <a:avLst/>
+            </a:prstGeom>
+            <a:ln>
+              <a:tailEnd type="arrow"/>
+            </a:ln>
+          </p:spPr>
+          <p:style>
+            <a:lnRef idx="2">
+              <a:schemeClr val="accent1"/>
+            </a:lnRef>
+            <a:fillRef idx="0">
+              <a:schemeClr val="accent1"/>
+            </a:fillRef>
+            <a:effectRef idx="1">
+              <a:schemeClr val="accent1"/>
+            </a:effectRef>
+            <a:fontRef idx="minor">
+              <a:schemeClr val="tx1"/>
+            </a:fontRef>
+          </p:style>
+        </p:cxnSp>
+        <p:cxnSp>
+          <p:nvCxnSpPr>
+            <p:cNvPr id="8" name="Connecteur droit avec flèche 7"/>
+            <p:cNvCxnSpPr/>
+            <p:nvPr/>
+          </p:nvCxnSpPr>
+          <p:spPr>
+            <a:xfrm>
+              <a:off x="252000" y="3348000"/>
+              <a:ext cx="1418400" cy="0"/>
+            </a:xfrm>
+            <a:prstGeom prst="straightConnector1">
+              <a:avLst/>
+            </a:prstGeom>
+            <a:ln>
+              <a:tailEnd type="arrow"/>
+            </a:ln>
+          </p:spPr>
+          <p:style>
+            <a:lnRef idx="2">
+              <a:schemeClr val="accent1"/>
+            </a:lnRef>
+            <a:fillRef idx="0">
+              <a:schemeClr val="accent1"/>
+            </a:fillRef>
+            <a:effectRef idx="1">
+              <a:schemeClr val="accent1"/>
+            </a:effectRef>
+            <a:fontRef idx="minor">
+              <a:schemeClr val="tx1"/>
+            </a:fontRef>
+          </p:style>
+        </p:cxnSp>
+        <p:sp>
+          <p:nvSpPr>
+            <p:cNvPr id="9" name="ZoneTexte 8"/>
+            <p:cNvSpPr txBox="1"/>
+            <p:nvPr/>
+          </p:nvSpPr>
+          <p:spPr>
+            <a:xfrm>
+              <a:off x="-29459" y="1676395"/>
+              <a:ext cx="304478" cy="369332"/>
+            </a:xfrm>
+            <a:prstGeom prst="rect">
+              <a:avLst/>
+            </a:prstGeom>
+            <a:noFill/>
+          </p:spPr>
+          <p:txBody>
+            <a:bodyPr wrap="none" rtlCol="0">
+              <a:spAutoFit/>
+            </a:bodyPr>
+            <a:lstStyle/>
+            <a:p>
+              <a:r>
+                <a:rPr lang="en-GB" dirty="0" smtClean="0"/>
+                <a:t>X</a:t>
+              </a:r>
+              <a:endParaRPr lang="en-GB" dirty="0"/>
+            </a:p>
+          </p:txBody>
+        </p:sp>
+        <p:sp>
+          <p:nvSpPr>
+            <p:cNvPr id="10" name="ZoneTexte 9"/>
+            <p:cNvSpPr txBox="1"/>
+            <p:nvPr/>
+          </p:nvSpPr>
+          <p:spPr>
+            <a:xfrm>
+              <a:off x="1307317" y="3284500"/>
+              <a:ext cx="292756" cy="369332"/>
+            </a:xfrm>
+            <a:prstGeom prst="rect">
+              <a:avLst/>
+            </a:prstGeom>
+            <a:noFill/>
+          </p:spPr>
+          <p:txBody>
+            <a:bodyPr wrap="none" rtlCol="0">
+              <a:spAutoFit/>
+            </a:bodyPr>
+            <a:lstStyle/>
+            <a:p>
+              <a:r>
+                <a:rPr lang="en-GB" dirty="0"/>
+                <a:t>Z</a:t>
+              </a:r>
+              <a:endParaRPr lang="en-GB" dirty="0"/>
+            </a:p>
+          </p:txBody>
+        </p:sp>
+      </p:grpSp>
       <p:pic>
         <p:nvPicPr>
-          <p:cNvPr id="4" name="Image 3" descr="angle1_zxy_xy258_256.png"/>
-          <p:cNvPicPr>
-            <a:picLocks noChangeAspect="1"/>
-          </p:cNvPicPr>
-          <p:nvPr/>
-        </p:nvPicPr>
-        <p:blipFill>
-          <a:blip r:embed="rId3">
-            <a:alphaModFix amt="40000"/>
-            <a:extLst>
-              <a:ext uri="{28A0092B-C50C-407E-A947-70E740481C1C}">
-                <a14:useLocalDpi xmlns:a14="http://schemas.microsoft.com/office/drawing/2010/main" val="0"/>
-              </a:ext>
-            </a:extLst>
-          </a:blip>
-          <a:stretch>
-            <a:fillRect/>
-          </a:stretch>
-        </p:blipFill>
-        <p:spPr>
-          <a:xfrm>
-            <a:off x="2880000" y="1800000"/>
-            <a:ext cx="992000" cy="1296000"/>
-          </a:xfrm>
-          <a:prstGeom prst="rect">
-            <a:avLst/>
-          </a:prstGeom>
-        </p:spPr>
-      </p:pic>
-      <p:sp>
-        <p:nvSpPr>
-          <p:cNvPr id="13" name="ZoneTexte 12"/>
-          <p:cNvSpPr txBox="1"/>
-          <p:nvPr/>
-        </p:nvSpPr>
-        <p:spPr>
-          <a:xfrm>
-            <a:off x="204687" y="3031370"/>
-            <a:ext cx="1297265" cy="307777"/>
-          </a:xfrm>
-          <a:prstGeom prst="rect">
-            <a:avLst/>
-          </a:prstGeom>
-          <a:noFill/>
-        </p:spPr>
-        <p:txBody>
-          <a:bodyPr wrap="square" rtlCol="0">
-            <a:spAutoFit/>
-          </a:bodyPr>
-          <a:lstStyle/>
-          <a:p>
-            <a:pPr algn="ctr"/>
-            <a:r>
-              <a:rPr lang="en-GB" sz="1400" dirty="0" smtClean="0"/>
-              <a:t>LC, S#0</a:t>
-            </a:r>
-            <a:endParaRPr lang="en-GB" sz="1400" dirty="0"/>
-          </a:p>
-        </p:txBody>
-      </p:sp>
-      <p:sp>
-        <p:nvSpPr>
-          <p:cNvPr id="16" name="ZoneTexte 15"/>
-          <p:cNvSpPr txBox="1"/>
-          <p:nvPr/>
-        </p:nvSpPr>
-        <p:spPr>
-          <a:xfrm>
-            <a:off x="2766218" y="3040055"/>
-            <a:ext cx="1297265" cy="307777"/>
-          </a:xfrm>
-          <a:prstGeom prst="rect">
-            <a:avLst/>
-          </a:prstGeom>
-          <a:noFill/>
-        </p:spPr>
-        <p:txBody>
-          <a:bodyPr wrap="square" rtlCol="0">
-            <a:spAutoFit/>
-          </a:bodyPr>
-          <a:lstStyle/>
-          <a:p>
-            <a:pPr algn="ctr"/>
-            <a:r>
-              <a:rPr lang="en-GB" sz="1400" dirty="0" smtClean="0"/>
-              <a:t>RC, S#0</a:t>
-            </a:r>
-            <a:endParaRPr lang="en-GB" sz="1400" dirty="0"/>
-          </a:p>
-        </p:txBody>
-      </p:sp>
-      <p:pic>
-        <p:nvPicPr>
-          <p:cNvPr id="21" name="Image 20" descr="angle2_zxy_xy263_256.png"/>
+          <p:cNvPr id="13" name="Image 12"/>
           <p:cNvPicPr>
             <a:picLocks noChangeAspect="1"/>
           </p:cNvPicPr>
@@ -5065,24 +7041,151 @@
         </p:blipFill>
         <p:spPr>
           <a:xfrm>
-            <a:off x="1467042" y="648034"/>
-            <a:ext cx="1296162" cy="950976"/>
+            <a:off x="3396104" y="1800001"/>
+            <a:ext cx="869187" cy="1439998"/>
           </a:xfrm>
           <a:prstGeom prst="rect">
             <a:avLst/>
           </a:prstGeom>
         </p:spPr>
       </p:pic>
-      <p:sp>
-        <p:nvSpPr>
-          <p:cNvPr id="22" name="ZoneTexte 21"/>
+      <p:cxnSp>
+        <p:nvCxnSpPr>
+          <p:cNvPr id="14" name="Connecteur droit avec flèche 13"/>
+          <p:cNvCxnSpPr/>
+          <p:nvPr/>
+        </p:nvCxnSpPr>
+        <p:spPr>
+          <a:xfrm flipV="1">
+            <a:off x="3122200" y="1692000"/>
+            <a:ext cx="0" cy="1656000"/>
+          </a:xfrm>
+          <a:prstGeom prst="straightConnector1">
+            <a:avLst/>
+          </a:prstGeom>
+          <a:ln>
+            <a:headEnd type="arrow"/>
+            <a:tailEnd type="none"/>
+          </a:ln>
+        </p:spPr>
+        <p:style>
+          <a:lnRef idx="2">
+            <a:schemeClr val="accent1"/>
+          </a:lnRef>
+          <a:fillRef idx="0">
+            <a:schemeClr val="accent1"/>
+          </a:fillRef>
+          <a:effectRef idx="1">
+            <a:schemeClr val="accent1"/>
+          </a:effectRef>
+          <a:fontRef idx="minor">
+            <a:schemeClr val="tx1"/>
+          </a:fontRef>
+        </p:style>
+      </p:cxnSp>
+      <p:cxnSp>
+        <p:nvCxnSpPr>
+          <p:cNvPr id="15" name="Connecteur droit avec flèche 14"/>
+          <p:cNvCxnSpPr/>
+          <p:nvPr/>
+        </p:nvCxnSpPr>
+        <p:spPr>
+          <a:xfrm>
+            <a:off x="3122200" y="1692000"/>
+            <a:ext cx="1418400" cy="0"/>
+          </a:xfrm>
+          <a:prstGeom prst="straightConnector1">
+            <a:avLst/>
+          </a:prstGeom>
+          <a:ln>
+            <a:tailEnd type="arrow"/>
+          </a:ln>
+        </p:spPr>
+        <p:style>
+          <a:lnRef idx="2">
+            <a:schemeClr val="accent1"/>
+          </a:lnRef>
+          <a:fillRef idx="0">
+            <a:schemeClr val="accent1"/>
+          </a:fillRef>
+          <a:effectRef idx="1">
+            <a:schemeClr val="accent1"/>
+          </a:effectRef>
+          <a:fontRef idx="minor">
+            <a:schemeClr val="tx1"/>
+          </a:fontRef>
+        </p:style>
+      </p:cxnSp>
+      <p:sp>
+        <p:nvSpPr>
+          <p:cNvPr id="16" name="ZoneTexte 15"/>
           <p:cNvSpPr txBox="1"/>
           <p:nvPr/>
         </p:nvSpPr>
         <p:spPr>
           <a:xfrm>
-            <a:off x="989023" y="1527961"/>
-            <a:ext cx="2245827" cy="307777"/>
+            <a:off x="2764702" y="2968858"/>
+            <a:ext cx="304478" cy="369332"/>
+          </a:xfrm>
+          <a:prstGeom prst="rect">
+            <a:avLst/>
+          </a:prstGeom>
+          <a:noFill/>
+        </p:spPr>
+        <p:txBody>
+          <a:bodyPr wrap="none" rtlCol="0">
+            <a:spAutoFit/>
+          </a:bodyPr>
+          <a:lstStyle/>
+          <a:p>
+            <a:r>
+              <a:rPr lang="en-GB" dirty="0" smtClean="0"/>
+              <a:t>X</a:t>
+            </a:r>
+            <a:endParaRPr lang="en-GB" dirty="0"/>
+          </a:p>
+        </p:txBody>
+      </p:sp>
+      <p:sp>
+        <p:nvSpPr>
+          <p:cNvPr id="17" name="ZoneTexte 16"/>
+          <p:cNvSpPr txBox="1"/>
+          <p:nvPr/>
+        </p:nvSpPr>
+        <p:spPr>
+          <a:xfrm>
+            <a:off x="4209744" y="1345163"/>
+            <a:ext cx="292756" cy="369332"/>
+          </a:xfrm>
+          <a:prstGeom prst="rect">
+            <a:avLst/>
+          </a:prstGeom>
+          <a:noFill/>
+        </p:spPr>
+        <p:txBody>
+          <a:bodyPr wrap="none" rtlCol="0">
+            <a:spAutoFit/>
+          </a:bodyPr>
+          <a:lstStyle/>
+          <a:p>
+            <a:r>
+              <a:rPr lang="en-GB" dirty="0"/>
+              <a:t>Z</a:t>
+            </a:r>
+            <a:endParaRPr lang="en-GB" dirty="0"/>
+          </a:p>
+        </p:txBody>
+      </p:sp>
+      <p:sp>
+        <p:nvSpPr>
+          <p:cNvPr id="60" name="ZoneTexte 59"/>
+          <p:cNvSpPr txBox="1"/>
+          <p:nvPr/>
+        </p:nvSpPr>
+        <p:spPr>
+          <a:xfrm>
+            <a:off x="360000" y="1281258"/>
+            <a:ext cx="1310400" cy="523220"/>
           </a:xfrm>
           <a:prstGeom prst="rect">
             <a:avLst/>
@@ -5095,55 +7198,38 @@
           </a:bodyPr>
           <a:lstStyle/>
           <a:p>
-            <a:pPr algn="ctr"/>
+            <a:r>
+              <a:rPr lang="en-GB" sz="1400" dirty="0"/>
+              <a:t>s</a:t>
+            </a:r>
             <a:r>
               <a:rPr lang="en-GB" sz="1400" dirty="0" smtClean="0"/>
-              <a:t>LC, S#1</a:t>
+              <a:t>tack #0</a:t>
+            </a:r>
+          </a:p>
+          <a:p>
+            <a:r>
+              <a:rPr lang="en-GB" sz="1400" dirty="0"/>
+              <a:t>l</a:t>
+            </a:r>
+            <a:r>
+              <a:rPr lang="en-GB" sz="1400" dirty="0" smtClean="0"/>
+              <a:t>eft cam.</a:t>
             </a:r>
             <a:endParaRPr lang="en-GB" sz="1400" dirty="0"/>
           </a:p>
         </p:txBody>
       </p:sp>
-      <p:pic>
-        <p:nvPicPr>
-          <p:cNvPr id="24" name="Image 23" descr="angle3_zxy_xy259_256.png"/>
-          <p:cNvPicPr>
-            <a:picLocks noChangeAspect="1"/>
-          </p:cNvPicPr>
-          <p:nvPr/>
-        </p:nvPicPr>
-        <p:blipFill>
-          <a:blip r:embed="rId5">
-            <a:extLst>
-              <a:ext uri="{28A0092B-C50C-407E-A947-70E740481C1C}">
-                <a14:useLocalDpi xmlns:a14="http://schemas.microsoft.com/office/drawing/2010/main" val="0"/>
-              </a:ext>
-            </a:extLst>
-          </a:blip>
-          <a:stretch>
-            <a:fillRect/>
-          </a:stretch>
-        </p:blipFill>
-        <p:spPr>
-          <a:xfrm>
-            <a:off x="1460369" y="3204049"/>
-            <a:ext cx="1296162" cy="950976"/>
-          </a:xfrm>
-          <a:prstGeom prst="rect">
-            <a:avLst/>
-          </a:prstGeom>
-        </p:spPr>
-      </p:pic>
-      <p:sp>
-        <p:nvSpPr>
-          <p:cNvPr id="25" name="ZoneTexte 24"/>
+      <p:sp>
+        <p:nvSpPr>
+          <p:cNvPr id="61" name="ZoneTexte 60"/>
           <p:cNvSpPr txBox="1"/>
           <p:nvPr/>
         </p:nvSpPr>
         <p:spPr>
           <a:xfrm>
-            <a:off x="889261" y="4083050"/>
-            <a:ext cx="2447177" cy="307777"/>
+            <a:off x="3241795" y="3239999"/>
+            <a:ext cx="1310400" cy="523220"/>
           </a:xfrm>
           <a:prstGeom prst="rect">
             <a:avLst/>
@@ -5156,57 +7242,28 @@
           </a:bodyPr>
           <a:lstStyle/>
           <a:p>
-            <a:pPr algn="ctr"/>
+            <a:r>
+              <a:rPr lang="en-GB" sz="1400" dirty="0"/>
+              <a:t>s</a:t>
+            </a:r>
             <a:r>
               <a:rPr lang="en-GB" sz="1400" dirty="0" smtClean="0"/>
-              <a:t>RC, S#1</a:t>
+              <a:t>tack #0</a:t>
+            </a:r>
+          </a:p>
+          <a:p>
+            <a:r>
+              <a:rPr lang="en-GB" sz="1400" dirty="0" smtClean="0"/>
+              <a:t>right cam.</a:t>
             </a:r>
             <a:endParaRPr lang="en-GB" sz="1400" dirty="0"/>
-          </a:p>
-        </p:txBody>
-      </p:sp>
-      <p:sp>
-        <p:nvSpPr>
-          <p:cNvPr id="12" name="Flèche vers le haut 11"/>
-          <p:cNvSpPr/>
-          <p:nvPr/>
-        </p:nvSpPr>
-        <p:spPr>
-          <a:xfrm>
-            <a:off x="1936058" y="1951681"/>
-            <a:ext cx="360000" cy="972000"/>
-          </a:xfrm>
-          <a:prstGeom prst="upArrow">
-            <a:avLst/>
-          </a:prstGeom>
-        </p:spPr>
-        <p:style>
-          <a:lnRef idx="1">
-            <a:schemeClr val="accent1"/>
-          </a:lnRef>
-          <a:fillRef idx="3">
-            <a:schemeClr val="accent1"/>
-          </a:fillRef>
-          <a:effectRef idx="2">
-            <a:schemeClr val="accent1"/>
-          </a:effectRef>
-          <a:fontRef idx="minor">
-            <a:schemeClr val="lt1"/>
-          </a:fontRef>
-        </p:style>
-        <p:txBody>
-          <a:bodyPr rtlCol="0" anchor="ctr"/>
-          <a:lstStyle/>
-          <a:p>
-            <a:pPr algn="ctr"/>
-            <a:endParaRPr lang="en-GB"/>
           </a:p>
         </p:txBody>
       </p:sp>
     </p:spTree>
     <p:extLst>
       <p:ext uri="{BB962C8B-B14F-4D97-AF65-F5344CB8AC3E}">
-        <p14:creationId xmlns:p14="http://schemas.microsoft.com/office/powerpoint/2010/main" val="2655408957"/>
+        <p14:creationId xmlns:p14="http://schemas.microsoft.com/office/powerpoint/2010/main" val="2532329355"/>
       </p:ext>
     </p:extLst>
   </p:cSld>
@@ -5235,7 +7292,7 @@
       </p:grpSpPr>
       <p:pic>
         <p:nvPicPr>
-          <p:cNvPr id="3" name="Image 2" descr="angle0_zxy_xy260_256.png"/>
+          <p:cNvPr id="6" name="Image 5"/>
           <p:cNvPicPr>
             <a:picLocks noChangeAspect="1"/>
           </p:cNvPicPr>
@@ -5255,8 +7312,8 @@
         </p:blipFill>
         <p:spPr>
           <a:xfrm>
-            <a:off x="360000" y="1800000"/>
-            <a:ext cx="992000" cy="1296000"/>
+            <a:off x="0" y="1440000"/>
+            <a:ext cx="1188000" cy="1388303"/>
           </a:xfrm>
           <a:prstGeom prst="rect">
             <a:avLst/>
@@ -5265,7 +7322,7 @@
       </p:pic>
       <p:pic>
         <p:nvPicPr>
-          <p:cNvPr id="4" name="Image 3" descr="angle1_zxy_xy258_256.png"/>
+          <p:cNvPr id="8" name="Image 7"/>
           <p:cNvPicPr>
             <a:picLocks noChangeAspect="1"/>
           </p:cNvPicPr>
@@ -5273,7 +7330,6 @@
         </p:nvPicPr>
         <p:blipFill>
           <a:blip r:embed="rId3">
-            <a:alphaModFix amt="40000"/>
             <a:extLst>
               <a:ext uri="{28A0092B-C50C-407E-A947-70E740481C1C}">
                 <a14:useLocalDpi xmlns:a14="http://schemas.microsoft.com/office/drawing/2010/main" val="0"/>
@@ -5286,48 +7342,17 @@
         </p:blipFill>
         <p:spPr>
           <a:xfrm>
-            <a:off x="2880000" y="1800000"/>
-            <a:ext cx="992000" cy="1296000"/>
+            <a:off x="2376000" y="1440000"/>
+            <a:ext cx="1188000" cy="1388303"/>
           </a:xfrm>
           <a:prstGeom prst="rect">
             <a:avLst/>
           </a:prstGeom>
         </p:spPr>
       </p:pic>
-      <p:sp>
-        <p:nvSpPr>
-          <p:cNvPr id="13" name="ZoneTexte 12"/>
-          <p:cNvSpPr txBox="1"/>
-          <p:nvPr/>
-        </p:nvSpPr>
-        <p:spPr>
-          <a:xfrm>
-            <a:off x="204687" y="3031370"/>
-            <a:ext cx="1297265" cy="307777"/>
-          </a:xfrm>
-          <a:prstGeom prst="rect">
-            <a:avLst/>
-          </a:prstGeom>
-          <a:noFill/>
-        </p:spPr>
-        <p:txBody>
-          <a:bodyPr wrap="square" rtlCol="0">
-            <a:spAutoFit/>
-          </a:bodyPr>
-          <a:lstStyle/>
-          <a:p>
-            <a:pPr algn="ctr"/>
-            <a:r>
-              <a:rPr lang="en-GB" sz="1400" dirty="0" smtClean="0"/>
-              <a:t>S#0</a:t>
-            </a:r>
-            <a:endParaRPr lang="en-GB" sz="1400" dirty="0"/>
-          </a:p>
-        </p:txBody>
-      </p:sp>
       <p:pic>
         <p:nvPicPr>
-          <p:cNvPr id="21" name="Image 20" descr="angle2_zxy_xy263_256.png"/>
+          <p:cNvPr id="9" name="Image 8"/>
           <p:cNvPicPr>
             <a:picLocks noChangeAspect="1"/>
           </p:cNvPicPr>
@@ -5347,48 +7372,17 @@
         </p:blipFill>
         <p:spPr>
           <a:xfrm>
-            <a:off x="1467042" y="648034"/>
-            <a:ext cx="1296162" cy="950976"/>
+            <a:off x="0" y="3456000"/>
+            <a:ext cx="1188000" cy="1388302"/>
           </a:xfrm>
           <a:prstGeom prst="rect">
             <a:avLst/>
           </a:prstGeom>
         </p:spPr>
       </p:pic>
-      <p:sp>
-        <p:nvSpPr>
-          <p:cNvPr id="22" name="ZoneTexte 21"/>
-          <p:cNvSpPr txBox="1"/>
-          <p:nvPr/>
-        </p:nvSpPr>
-        <p:spPr>
-          <a:xfrm>
-            <a:off x="989023" y="1527961"/>
-            <a:ext cx="2245827" cy="307777"/>
-          </a:xfrm>
-          <a:prstGeom prst="rect">
-            <a:avLst/>
-          </a:prstGeom>
-          <a:noFill/>
-        </p:spPr>
-        <p:txBody>
-          <a:bodyPr wrap="square" rtlCol="0">
-            <a:spAutoFit/>
-          </a:bodyPr>
-          <a:lstStyle/>
-          <a:p>
-            <a:pPr algn="ctr"/>
-            <a:r>
-              <a:rPr lang="en-GB" sz="1400" dirty="0" smtClean="0"/>
-              <a:t>S#1</a:t>
-            </a:r>
-            <a:endParaRPr lang="en-GB" sz="1400" dirty="0"/>
-          </a:p>
-        </p:txBody>
-      </p:sp>
       <p:pic>
         <p:nvPicPr>
-          <p:cNvPr id="24" name="Image 23" descr="angle3_zxy_xy259_256.png"/>
+          <p:cNvPr id="10" name="Image 9"/>
           <p:cNvPicPr>
             <a:picLocks noChangeAspect="1"/>
           </p:cNvPicPr>
@@ -5396,7 +7390,6 @@
         </p:nvPicPr>
         <p:blipFill>
           <a:blip r:embed="rId5">
-            <a:alphaModFix amt="40000"/>
             <a:extLst>
               <a:ext uri="{28A0092B-C50C-407E-A947-70E740481C1C}">
                 <a14:useLocalDpi xmlns:a14="http://schemas.microsoft.com/office/drawing/2010/main" val="0"/>
@@ -5409,8 +7402,8 @@
         </p:blipFill>
         <p:spPr>
           <a:xfrm>
-            <a:off x="1460369" y="3204049"/>
-            <a:ext cx="1296162" cy="950976"/>
+            <a:off x="2376000" y="3456000"/>
+            <a:ext cx="1188000" cy="1388302"/>
           </a:xfrm>
           <a:prstGeom prst="rect">
             <a:avLst/>
@@ -5419,62 +7412,1037 @@
       </p:pic>
       <p:sp>
         <p:nvSpPr>
-          <p:cNvPr id="12" name="Virage 11"/>
-          <p:cNvSpPr/>
-          <p:nvPr/>
-        </p:nvSpPr>
-        <p:spPr>
-          <a:xfrm flipH="1">
-            <a:off x="529261" y="805457"/>
-            <a:ext cx="720000" cy="720000"/>
-          </a:xfrm>
-          <a:prstGeom prst="bentArrow">
-            <a:avLst/>
-          </a:prstGeom>
-          <a:scene3d>
-            <a:camera prst="orthographicFront">
-              <a:rot lat="0" lon="0" rev="5400000"/>
-            </a:camera>
-            <a:lightRig rig="threePt" dir="t"/>
-          </a:scene3d>
-        </p:spPr>
-        <p:style>
-          <a:lnRef idx="1">
-            <a:schemeClr val="accent1"/>
-          </a:lnRef>
-          <a:fillRef idx="3">
-            <a:schemeClr val="accent1"/>
-          </a:fillRef>
-          <a:effectRef idx="2">
-            <a:schemeClr val="accent1"/>
-          </a:effectRef>
-          <a:fontRef idx="minor">
-            <a:schemeClr val="lt1"/>
-          </a:fontRef>
-        </p:style>
-        <p:txBody>
-          <a:bodyPr rtlCol="0" anchor="ctr"/>
+          <p:cNvPr id="19" name="ZoneTexte 18"/>
+          <p:cNvSpPr txBox="1"/>
+          <p:nvPr/>
+        </p:nvSpPr>
+        <p:spPr>
+          <a:xfrm>
+            <a:off x="284700" y="2876303"/>
+            <a:ext cx="1806600" cy="307777"/>
+          </a:xfrm>
+          <a:prstGeom prst="rect">
+            <a:avLst/>
+          </a:prstGeom>
+          <a:noFill/>
+        </p:spPr>
+        <p:txBody>
+          <a:bodyPr wrap="square" rtlCol="0">
+            <a:spAutoFit/>
+          </a:bodyPr>
           <a:lstStyle/>
           <a:p>
             <a:pPr algn="ctr"/>
-            <a:endParaRPr lang="en-GB">
-              <a:solidFill>
-                <a:schemeClr val="tx1"/>
-              </a:solidFill>
-            </a:endParaRPr>
-          </a:p>
-        </p:txBody>
-      </p:sp>
+            <a:r>
+              <a:rPr lang="en-GB" sz="1400" dirty="0" smtClean="0"/>
+              <a:t>stack #0, left cam.</a:t>
+            </a:r>
+            <a:endParaRPr lang="en-GB" sz="1400" dirty="0"/>
+          </a:p>
+        </p:txBody>
+      </p:sp>
+      <p:sp>
+        <p:nvSpPr>
+          <p:cNvPr id="20" name="ZoneTexte 19"/>
+          <p:cNvSpPr txBox="1"/>
+          <p:nvPr/>
+        </p:nvSpPr>
+        <p:spPr>
+          <a:xfrm>
+            <a:off x="2660700" y="2876303"/>
+            <a:ext cx="1806600" cy="307777"/>
+          </a:xfrm>
+          <a:prstGeom prst="rect">
+            <a:avLst/>
+          </a:prstGeom>
+          <a:noFill/>
+        </p:spPr>
+        <p:txBody>
+          <a:bodyPr wrap="square" rtlCol="0">
+            <a:spAutoFit/>
+          </a:bodyPr>
+          <a:lstStyle/>
+          <a:p>
+            <a:pPr algn="ctr"/>
+            <a:r>
+              <a:rPr lang="en-GB" sz="1400" dirty="0" smtClean="0"/>
+              <a:t>stack #0, right cam.</a:t>
+            </a:r>
+            <a:endParaRPr lang="en-GB" sz="1400" dirty="0"/>
+          </a:p>
+        </p:txBody>
+      </p:sp>
+      <p:sp>
+        <p:nvSpPr>
+          <p:cNvPr id="21" name="ZoneTexte 20"/>
+          <p:cNvSpPr txBox="1"/>
+          <p:nvPr/>
+        </p:nvSpPr>
+        <p:spPr>
+          <a:xfrm>
+            <a:off x="284700" y="4848923"/>
+            <a:ext cx="1806600" cy="307777"/>
+          </a:xfrm>
+          <a:prstGeom prst="rect">
+            <a:avLst/>
+          </a:prstGeom>
+          <a:noFill/>
+        </p:spPr>
+        <p:txBody>
+          <a:bodyPr wrap="square" rtlCol="0">
+            <a:spAutoFit/>
+          </a:bodyPr>
+          <a:lstStyle/>
+          <a:p>
+            <a:pPr algn="ctr"/>
+            <a:r>
+              <a:rPr lang="en-GB" sz="1400" dirty="0" smtClean="0"/>
+              <a:t>stack #1, left cam.</a:t>
+            </a:r>
+            <a:endParaRPr lang="en-GB" sz="1400" dirty="0"/>
+          </a:p>
+        </p:txBody>
+      </p:sp>
+      <p:sp>
+        <p:nvSpPr>
+          <p:cNvPr id="22" name="ZoneTexte 21"/>
+          <p:cNvSpPr txBox="1"/>
+          <p:nvPr/>
+        </p:nvSpPr>
+        <p:spPr>
+          <a:xfrm>
+            <a:off x="2660700" y="4848923"/>
+            <a:ext cx="1806600" cy="307777"/>
+          </a:xfrm>
+          <a:prstGeom prst="rect">
+            <a:avLst/>
+          </a:prstGeom>
+          <a:noFill/>
+        </p:spPr>
+        <p:txBody>
+          <a:bodyPr wrap="square" rtlCol="0">
+            <a:spAutoFit/>
+          </a:bodyPr>
+          <a:lstStyle/>
+          <a:p>
+            <a:pPr algn="ctr"/>
+            <a:r>
+              <a:rPr lang="en-GB" sz="1400" dirty="0" smtClean="0"/>
+              <a:t>stack #1, right cam.</a:t>
+            </a:r>
+            <a:endParaRPr lang="en-GB" sz="1400" dirty="0"/>
+          </a:p>
+        </p:txBody>
+      </p:sp>
+      <p:pic>
+        <p:nvPicPr>
+          <p:cNvPr id="29" name="Image 28"/>
+          <p:cNvPicPr>
+            <a:picLocks noChangeAspect="1"/>
+          </p:cNvPicPr>
+          <p:nvPr/>
+        </p:nvPicPr>
+        <p:blipFill>
+          <a:blip r:embed="rId6">
+            <a:extLst>
+              <a:ext uri="{28A0092B-C50C-407E-A947-70E740481C1C}">
+                <a14:useLocalDpi xmlns:a14="http://schemas.microsoft.com/office/drawing/2010/main" val="0"/>
+              </a:ext>
+            </a:extLst>
+          </a:blip>
+          <a:stretch>
+            <a:fillRect/>
+          </a:stretch>
+        </p:blipFill>
+        <p:spPr>
+          <a:xfrm>
+            <a:off x="5220000" y="1440000"/>
+            <a:ext cx="2926567" cy="3420000"/>
+          </a:xfrm>
+          <a:prstGeom prst="rect">
+            <a:avLst/>
+          </a:prstGeom>
+        </p:spPr>
+      </p:pic>
     </p:spTree>
     <p:extLst>
       <p:ext uri="{BB962C8B-B14F-4D97-AF65-F5344CB8AC3E}">
-        <p14:creationId xmlns:p14="http://schemas.microsoft.com/office/powerpoint/2010/main" val="4263056508"/>
+        <p14:creationId xmlns:p14="http://schemas.microsoft.com/office/powerpoint/2010/main" val="3349372386"/>
       </p:ext>
     </p:extLst>
   </p:cSld>
   <p:clrMapOvr>
     <a:masterClrMapping/>
   </p:clrMapOvr>
+  <p:timing>
+    <p:tnLst>
+      <p:par>
+        <p:cTn xmlns:p14="http://schemas.microsoft.com/office/powerpoint/2010/main" id="1" dur="indefinite" restart="never" nodeType="tmRoot"/>
+      </p:par>
+    </p:tnLst>
+  </p:timing>
+</p:sld>
+</file>
+
+<file path=ppt/slides/slide8.xml><?xml version="1.0" encoding="utf-8"?>
+<p:sld xmlns:a="http://schemas.openxmlformats.org/drawingml/2006/main" xmlns:r="http://schemas.openxmlformats.org/officeDocument/2006/relationships" xmlns:p="http://schemas.openxmlformats.org/presentationml/2006/main">
+  <p:cSld>
+    <p:spTree>
+      <p:nvGrpSpPr>
+        <p:cNvPr id="1" name=""/>
+        <p:cNvGrpSpPr/>
+        <p:nvPr/>
+      </p:nvGrpSpPr>
+      <p:grpSpPr>
+        <a:xfrm>
+          <a:off x="0" y="0"/>
+          <a:ext cx="0" cy="0"/>
+          <a:chOff x="0" y="0"/>
+          <a:chExt cx="0" cy="0"/>
+        </a:xfrm>
+      </p:grpSpPr>
+      <p:pic>
+        <p:nvPicPr>
+          <p:cNvPr id="6" name="Image 5"/>
+          <p:cNvPicPr>
+            <a:picLocks noChangeAspect="1"/>
+          </p:cNvPicPr>
+          <p:nvPr/>
+        </p:nvPicPr>
+        <p:blipFill>
+          <a:blip r:embed="rId2">
+            <a:extLst>
+              <a:ext uri="{28A0092B-C50C-407E-A947-70E740481C1C}">
+                <a14:useLocalDpi xmlns:a14="http://schemas.microsoft.com/office/drawing/2010/main" val="0"/>
+              </a:ext>
+            </a:extLst>
+          </a:blip>
+          <a:stretch>
+            <a:fillRect/>
+          </a:stretch>
+        </p:blipFill>
+        <p:spPr>
+          <a:xfrm>
+            <a:off x="0" y="1440000"/>
+            <a:ext cx="1188000" cy="1388303"/>
+          </a:xfrm>
+          <a:prstGeom prst="rect">
+            <a:avLst/>
+          </a:prstGeom>
+        </p:spPr>
+      </p:pic>
+      <p:pic>
+        <p:nvPicPr>
+          <p:cNvPr id="8" name="Image 7"/>
+          <p:cNvPicPr>
+            <a:picLocks noChangeAspect="1"/>
+          </p:cNvPicPr>
+          <p:nvPr/>
+        </p:nvPicPr>
+        <p:blipFill>
+          <a:blip r:embed="rId3">
+            <a:extLst>
+              <a:ext uri="{28A0092B-C50C-407E-A947-70E740481C1C}">
+                <a14:useLocalDpi xmlns:a14="http://schemas.microsoft.com/office/drawing/2010/main" val="0"/>
+              </a:ext>
+            </a:extLst>
+          </a:blip>
+          <a:stretch>
+            <a:fillRect/>
+          </a:stretch>
+        </p:blipFill>
+        <p:spPr>
+          <a:xfrm>
+            <a:off x="2376000" y="1440000"/>
+            <a:ext cx="1188000" cy="1388303"/>
+          </a:xfrm>
+          <a:prstGeom prst="rect">
+            <a:avLst/>
+          </a:prstGeom>
+        </p:spPr>
+      </p:pic>
+      <p:pic>
+        <p:nvPicPr>
+          <p:cNvPr id="9" name="Image 8"/>
+          <p:cNvPicPr>
+            <a:picLocks noChangeAspect="1"/>
+          </p:cNvPicPr>
+          <p:nvPr/>
+        </p:nvPicPr>
+        <p:blipFill>
+          <a:blip r:embed="rId4">
+            <a:extLst>
+              <a:ext uri="{28A0092B-C50C-407E-A947-70E740481C1C}">
+                <a14:useLocalDpi xmlns:a14="http://schemas.microsoft.com/office/drawing/2010/main" val="0"/>
+              </a:ext>
+            </a:extLst>
+          </a:blip>
+          <a:stretch>
+            <a:fillRect/>
+          </a:stretch>
+        </p:blipFill>
+        <p:spPr>
+          <a:xfrm>
+            <a:off x="0" y="3456000"/>
+            <a:ext cx="1188000" cy="1388302"/>
+          </a:xfrm>
+          <a:prstGeom prst="rect">
+            <a:avLst/>
+          </a:prstGeom>
+        </p:spPr>
+      </p:pic>
+      <p:pic>
+        <p:nvPicPr>
+          <p:cNvPr id="10" name="Image 9"/>
+          <p:cNvPicPr>
+            <a:picLocks noChangeAspect="1"/>
+          </p:cNvPicPr>
+          <p:nvPr/>
+        </p:nvPicPr>
+        <p:blipFill>
+          <a:blip r:embed="rId5">
+            <a:extLst>
+              <a:ext uri="{28A0092B-C50C-407E-A947-70E740481C1C}">
+                <a14:useLocalDpi xmlns:a14="http://schemas.microsoft.com/office/drawing/2010/main" val="0"/>
+              </a:ext>
+            </a:extLst>
+          </a:blip>
+          <a:stretch>
+            <a:fillRect/>
+          </a:stretch>
+        </p:blipFill>
+        <p:spPr>
+          <a:xfrm>
+            <a:off x="2376000" y="3456000"/>
+            <a:ext cx="1188000" cy="1388302"/>
+          </a:xfrm>
+          <a:prstGeom prst="rect">
+            <a:avLst/>
+          </a:prstGeom>
+        </p:spPr>
+      </p:pic>
+      <p:sp>
+        <p:nvSpPr>
+          <p:cNvPr id="19" name="ZoneTexte 18"/>
+          <p:cNvSpPr txBox="1"/>
+          <p:nvPr/>
+        </p:nvSpPr>
+        <p:spPr>
+          <a:xfrm>
+            <a:off x="284700" y="2876303"/>
+            <a:ext cx="1806600" cy="307777"/>
+          </a:xfrm>
+          <a:prstGeom prst="rect">
+            <a:avLst/>
+          </a:prstGeom>
+          <a:noFill/>
+        </p:spPr>
+        <p:txBody>
+          <a:bodyPr wrap="square" rtlCol="0">
+            <a:spAutoFit/>
+          </a:bodyPr>
+          <a:lstStyle/>
+          <a:p>
+            <a:pPr algn="ctr"/>
+            <a:r>
+              <a:rPr lang="en-GB" sz="1400" dirty="0" smtClean="0"/>
+              <a:t>stack #0, left cam.</a:t>
+            </a:r>
+            <a:endParaRPr lang="en-GB" sz="1400" dirty="0"/>
+          </a:p>
+        </p:txBody>
+      </p:sp>
+      <p:sp>
+        <p:nvSpPr>
+          <p:cNvPr id="20" name="ZoneTexte 19"/>
+          <p:cNvSpPr txBox="1"/>
+          <p:nvPr/>
+        </p:nvSpPr>
+        <p:spPr>
+          <a:xfrm>
+            <a:off x="2660700" y="2876303"/>
+            <a:ext cx="1806600" cy="307777"/>
+          </a:xfrm>
+          <a:prstGeom prst="rect">
+            <a:avLst/>
+          </a:prstGeom>
+          <a:noFill/>
+        </p:spPr>
+        <p:txBody>
+          <a:bodyPr wrap="square" rtlCol="0">
+            <a:spAutoFit/>
+          </a:bodyPr>
+          <a:lstStyle/>
+          <a:p>
+            <a:pPr algn="ctr"/>
+            <a:r>
+              <a:rPr lang="en-GB" sz="1400" dirty="0" smtClean="0"/>
+              <a:t>stack #0, right cam.</a:t>
+            </a:r>
+            <a:endParaRPr lang="en-GB" sz="1400" dirty="0"/>
+          </a:p>
+        </p:txBody>
+      </p:sp>
+      <p:sp>
+        <p:nvSpPr>
+          <p:cNvPr id="21" name="ZoneTexte 20"/>
+          <p:cNvSpPr txBox="1"/>
+          <p:nvPr/>
+        </p:nvSpPr>
+        <p:spPr>
+          <a:xfrm>
+            <a:off x="284700" y="4848923"/>
+            <a:ext cx="1806600" cy="307777"/>
+          </a:xfrm>
+          <a:prstGeom prst="rect">
+            <a:avLst/>
+          </a:prstGeom>
+          <a:noFill/>
+        </p:spPr>
+        <p:txBody>
+          <a:bodyPr wrap="square" rtlCol="0">
+            <a:spAutoFit/>
+          </a:bodyPr>
+          <a:lstStyle/>
+          <a:p>
+            <a:pPr algn="ctr"/>
+            <a:r>
+              <a:rPr lang="en-GB" sz="1400" dirty="0" smtClean="0"/>
+              <a:t>stack #1, left cam.</a:t>
+            </a:r>
+            <a:endParaRPr lang="en-GB" sz="1400" dirty="0"/>
+          </a:p>
+        </p:txBody>
+      </p:sp>
+      <p:sp>
+        <p:nvSpPr>
+          <p:cNvPr id="22" name="ZoneTexte 21"/>
+          <p:cNvSpPr txBox="1"/>
+          <p:nvPr/>
+        </p:nvSpPr>
+        <p:spPr>
+          <a:xfrm>
+            <a:off x="2660700" y="4848923"/>
+            <a:ext cx="1806600" cy="307777"/>
+          </a:xfrm>
+          <a:prstGeom prst="rect">
+            <a:avLst/>
+          </a:prstGeom>
+          <a:noFill/>
+        </p:spPr>
+        <p:txBody>
+          <a:bodyPr wrap="square" rtlCol="0">
+            <a:spAutoFit/>
+          </a:bodyPr>
+          <a:lstStyle/>
+          <a:p>
+            <a:pPr algn="ctr"/>
+            <a:r>
+              <a:rPr lang="en-GB" sz="1400" dirty="0" smtClean="0"/>
+              <a:t>stack #1, right cam.</a:t>
+            </a:r>
+            <a:endParaRPr lang="en-GB" sz="1400" dirty="0"/>
+          </a:p>
+        </p:txBody>
+      </p:sp>
+      <p:pic>
+        <p:nvPicPr>
+          <p:cNvPr id="15" name="Image 14"/>
+          <p:cNvPicPr>
+            <a:picLocks noChangeAspect="1"/>
+          </p:cNvPicPr>
+          <p:nvPr/>
+        </p:nvPicPr>
+        <p:blipFill>
+          <a:blip r:embed="rId6">
+            <a:extLst>
+              <a:ext uri="{28A0092B-C50C-407E-A947-70E740481C1C}">
+                <a14:useLocalDpi xmlns:a14="http://schemas.microsoft.com/office/drawing/2010/main" val="0"/>
+              </a:ext>
+            </a:extLst>
+          </a:blip>
+          <a:stretch>
+            <a:fillRect/>
+          </a:stretch>
+        </p:blipFill>
+        <p:spPr>
+          <a:xfrm>
+            <a:off x="1188000" y="1440001"/>
+            <a:ext cx="1188000" cy="1388303"/>
+          </a:xfrm>
+          <a:prstGeom prst="rect">
+            <a:avLst/>
+          </a:prstGeom>
+        </p:spPr>
+      </p:pic>
+      <p:pic>
+        <p:nvPicPr>
+          <p:cNvPr id="16" name="Image 15"/>
+          <p:cNvPicPr>
+            <a:picLocks noChangeAspect="1"/>
+          </p:cNvPicPr>
+          <p:nvPr/>
+        </p:nvPicPr>
+        <p:blipFill>
+          <a:blip r:embed="rId7">
+            <a:extLst>
+              <a:ext uri="{28A0092B-C50C-407E-A947-70E740481C1C}">
+                <a14:useLocalDpi xmlns:a14="http://schemas.microsoft.com/office/drawing/2010/main" val="0"/>
+              </a:ext>
+            </a:extLst>
+          </a:blip>
+          <a:stretch>
+            <a:fillRect/>
+          </a:stretch>
+        </p:blipFill>
+        <p:spPr>
+          <a:xfrm>
+            <a:off x="3564000" y="1440001"/>
+            <a:ext cx="1188000" cy="1388303"/>
+          </a:xfrm>
+          <a:prstGeom prst="rect">
+            <a:avLst/>
+          </a:prstGeom>
+        </p:spPr>
+      </p:pic>
+      <p:pic>
+        <p:nvPicPr>
+          <p:cNvPr id="17" name="Image 16"/>
+          <p:cNvPicPr>
+            <a:picLocks noChangeAspect="1"/>
+          </p:cNvPicPr>
+          <p:nvPr/>
+        </p:nvPicPr>
+        <p:blipFill>
+          <a:blip r:embed="rId8">
+            <a:extLst>
+              <a:ext uri="{28A0092B-C50C-407E-A947-70E740481C1C}">
+                <a14:useLocalDpi xmlns:a14="http://schemas.microsoft.com/office/drawing/2010/main" val="0"/>
+              </a:ext>
+            </a:extLst>
+          </a:blip>
+          <a:stretch>
+            <a:fillRect/>
+          </a:stretch>
+        </p:blipFill>
+        <p:spPr>
+          <a:xfrm>
+            <a:off x="1188000" y="3456000"/>
+            <a:ext cx="1188000" cy="1388302"/>
+          </a:xfrm>
+          <a:prstGeom prst="rect">
+            <a:avLst/>
+          </a:prstGeom>
+        </p:spPr>
+      </p:pic>
+      <p:pic>
+        <p:nvPicPr>
+          <p:cNvPr id="18" name="Image 17"/>
+          <p:cNvPicPr>
+            <a:picLocks noChangeAspect="1"/>
+          </p:cNvPicPr>
+          <p:nvPr/>
+        </p:nvPicPr>
+        <p:blipFill>
+          <a:blip r:embed="rId9">
+            <a:extLst>
+              <a:ext uri="{28A0092B-C50C-407E-A947-70E740481C1C}">
+                <a14:useLocalDpi xmlns:a14="http://schemas.microsoft.com/office/drawing/2010/main" val="0"/>
+              </a:ext>
+            </a:extLst>
+          </a:blip>
+          <a:stretch>
+            <a:fillRect/>
+          </a:stretch>
+        </p:blipFill>
+        <p:spPr>
+          <a:xfrm>
+            <a:off x="3564000" y="3456000"/>
+            <a:ext cx="1188000" cy="1388302"/>
+          </a:xfrm>
+          <a:prstGeom prst="rect">
+            <a:avLst/>
+          </a:prstGeom>
+        </p:spPr>
+      </p:pic>
+      <p:pic>
+        <p:nvPicPr>
+          <p:cNvPr id="23" name="Image 22"/>
+          <p:cNvPicPr>
+            <a:picLocks noChangeAspect="1"/>
+          </p:cNvPicPr>
+          <p:nvPr/>
+        </p:nvPicPr>
+        <p:blipFill>
+          <a:blip r:embed="rId10">
+            <a:extLst>
+              <a:ext uri="{28A0092B-C50C-407E-A947-70E740481C1C}">
+                <a14:useLocalDpi xmlns:a14="http://schemas.microsoft.com/office/drawing/2010/main" val="0"/>
+              </a:ext>
+            </a:extLst>
+          </a:blip>
+          <a:stretch>
+            <a:fillRect/>
+          </a:stretch>
+        </p:blipFill>
+        <p:spPr>
+          <a:xfrm>
+            <a:off x="5220000" y="1440000"/>
+            <a:ext cx="2926567" cy="3420000"/>
+          </a:xfrm>
+          <a:prstGeom prst="rect">
+            <a:avLst/>
+          </a:prstGeom>
+        </p:spPr>
+      </p:pic>
+    </p:spTree>
+    <p:extLst>
+      <p:ext uri="{BB962C8B-B14F-4D97-AF65-F5344CB8AC3E}">
+        <p14:creationId xmlns:p14="http://schemas.microsoft.com/office/powerpoint/2010/main" val="364848882"/>
+      </p:ext>
+    </p:extLst>
+  </p:cSld>
+  <p:clrMapOvr>
+    <a:masterClrMapping/>
+  </p:clrMapOvr>
+  <p:timing>
+    <p:tnLst>
+      <p:par>
+        <p:cTn xmlns:p14="http://schemas.microsoft.com/office/powerpoint/2010/main" id="1" dur="indefinite" restart="never" nodeType="tmRoot"/>
+      </p:par>
+    </p:tnLst>
+  </p:timing>
+</p:sld>
+</file>
+
+<file path=ppt/slides/slide9.xml><?xml version="1.0" encoding="utf-8"?>
+<p:sld xmlns:a="http://schemas.openxmlformats.org/drawingml/2006/main" xmlns:r="http://schemas.openxmlformats.org/officeDocument/2006/relationships" xmlns:p="http://schemas.openxmlformats.org/presentationml/2006/main">
+  <p:cSld>
+    <p:spTree>
+      <p:nvGrpSpPr>
+        <p:cNvPr id="1" name=""/>
+        <p:cNvGrpSpPr/>
+        <p:nvPr/>
+      </p:nvGrpSpPr>
+      <p:grpSpPr>
+        <a:xfrm>
+          <a:off x="0" y="0"/>
+          <a:ext cx="0" cy="0"/>
+          <a:chOff x="0" y="0"/>
+          <a:chExt cx="0" cy="0"/>
+        </a:xfrm>
+      </p:grpSpPr>
+      <p:pic>
+        <p:nvPicPr>
+          <p:cNvPr id="6" name="Image 5"/>
+          <p:cNvPicPr>
+            <a:picLocks noChangeAspect="1"/>
+          </p:cNvPicPr>
+          <p:nvPr/>
+        </p:nvPicPr>
+        <p:blipFill>
+          <a:blip r:embed="rId2">
+            <a:extLst>
+              <a:ext uri="{28A0092B-C50C-407E-A947-70E740481C1C}">
+                <a14:useLocalDpi xmlns:a14="http://schemas.microsoft.com/office/drawing/2010/main" val="0"/>
+              </a:ext>
+            </a:extLst>
+          </a:blip>
+          <a:stretch>
+            <a:fillRect/>
+          </a:stretch>
+        </p:blipFill>
+        <p:spPr>
+          <a:xfrm>
+            <a:off x="0" y="1440000"/>
+            <a:ext cx="1188000" cy="1388303"/>
+          </a:xfrm>
+          <a:prstGeom prst="rect">
+            <a:avLst/>
+          </a:prstGeom>
+        </p:spPr>
+      </p:pic>
+      <p:pic>
+        <p:nvPicPr>
+          <p:cNvPr id="8" name="Image 7"/>
+          <p:cNvPicPr>
+            <a:picLocks noChangeAspect="1"/>
+          </p:cNvPicPr>
+          <p:nvPr/>
+        </p:nvPicPr>
+        <p:blipFill>
+          <a:blip r:embed="rId3">
+            <a:extLst>
+              <a:ext uri="{28A0092B-C50C-407E-A947-70E740481C1C}">
+                <a14:useLocalDpi xmlns:a14="http://schemas.microsoft.com/office/drawing/2010/main" val="0"/>
+              </a:ext>
+            </a:extLst>
+          </a:blip>
+          <a:stretch>
+            <a:fillRect/>
+          </a:stretch>
+        </p:blipFill>
+        <p:spPr>
+          <a:xfrm>
+            <a:off x="2376000" y="1440000"/>
+            <a:ext cx="1188000" cy="1388303"/>
+          </a:xfrm>
+          <a:prstGeom prst="rect">
+            <a:avLst/>
+          </a:prstGeom>
+        </p:spPr>
+      </p:pic>
+      <p:pic>
+        <p:nvPicPr>
+          <p:cNvPr id="9" name="Image 8"/>
+          <p:cNvPicPr>
+            <a:picLocks noChangeAspect="1"/>
+          </p:cNvPicPr>
+          <p:nvPr/>
+        </p:nvPicPr>
+        <p:blipFill>
+          <a:blip r:embed="rId4">
+            <a:extLst>
+              <a:ext uri="{28A0092B-C50C-407E-A947-70E740481C1C}">
+                <a14:useLocalDpi xmlns:a14="http://schemas.microsoft.com/office/drawing/2010/main" val="0"/>
+              </a:ext>
+            </a:extLst>
+          </a:blip>
+          <a:stretch>
+            <a:fillRect/>
+          </a:stretch>
+        </p:blipFill>
+        <p:spPr>
+          <a:xfrm>
+            <a:off x="0" y="3456000"/>
+            <a:ext cx="1188000" cy="1388302"/>
+          </a:xfrm>
+          <a:prstGeom prst="rect">
+            <a:avLst/>
+          </a:prstGeom>
+        </p:spPr>
+      </p:pic>
+      <p:pic>
+        <p:nvPicPr>
+          <p:cNvPr id="10" name="Image 9"/>
+          <p:cNvPicPr>
+            <a:picLocks noChangeAspect="1"/>
+          </p:cNvPicPr>
+          <p:nvPr/>
+        </p:nvPicPr>
+        <p:blipFill>
+          <a:blip r:embed="rId5">
+            <a:extLst>
+              <a:ext uri="{28A0092B-C50C-407E-A947-70E740481C1C}">
+                <a14:useLocalDpi xmlns:a14="http://schemas.microsoft.com/office/drawing/2010/main" val="0"/>
+              </a:ext>
+            </a:extLst>
+          </a:blip>
+          <a:stretch>
+            <a:fillRect/>
+          </a:stretch>
+        </p:blipFill>
+        <p:spPr>
+          <a:xfrm>
+            <a:off x="2376000" y="3456000"/>
+            <a:ext cx="1188000" cy="1388302"/>
+          </a:xfrm>
+          <a:prstGeom prst="rect">
+            <a:avLst/>
+          </a:prstGeom>
+        </p:spPr>
+      </p:pic>
+      <p:sp>
+        <p:nvSpPr>
+          <p:cNvPr id="19" name="ZoneTexte 18"/>
+          <p:cNvSpPr txBox="1"/>
+          <p:nvPr/>
+        </p:nvSpPr>
+        <p:spPr>
+          <a:xfrm>
+            <a:off x="284700" y="2876303"/>
+            <a:ext cx="1806600" cy="307777"/>
+          </a:xfrm>
+          <a:prstGeom prst="rect">
+            <a:avLst/>
+          </a:prstGeom>
+          <a:noFill/>
+        </p:spPr>
+        <p:txBody>
+          <a:bodyPr wrap="square" rtlCol="0">
+            <a:spAutoFit/>
+          </a:bodyPr>
+          <a:lstStyle/>
+          <a:p>
+            <a:pPr algn="ctr"/>
+            <a:r>
+              <a:rPr lang="en-GB" sz="1400" dirty="0" smtClean="0"/>
+              <a:t>stack #0, left cam.</a:t>
+            </a:r>
+            <a:endParaRPr lang="en-GB" sz="1400" dirty="0"/>
+          </a:p>
+        </p:txBody>
+      </p:sp>
+      <p:sp>
+        <p:nvSpPr>
+          <p:cNvPr id="20" name="ZoneTexte 19"/>
+          <p:cNvSpPr txBox="1"/>
+          <p:nvPr/>
+        </p:nvSpPr>
+        <p:spPr>
+          <a:xfrm>
+            <a:off x="2660700" y="2876303"/>
+            <a:ext cx="1806600" cy="307777"/>
+          </a:xfrm>
+          <a:prstGeom prst="rect">
+            <a:avLst/>
+          </a:prstGeom>
+          <a:noFill/>
+        </p:spPr>
+        <p:txBody>
+          <a:bodyPr wrap="square" rtlCol="0">
+            <a:spAutoFit/>
+          </a:bodyPr>
+          <a:lstStyle/>
+          <a:p>
+            <a:pPr algn="ctr"/>
+            <a:r>
+              <a:rPr lang="en-GB" sz="1400" dirty="0" smtClean="0"/>
+              <a:t>stack #0, right cam.</a:t>
+            </a:r>
+            <a:endParaRPr lang="en-GB" sz="1400" dirty="0"/>
+          </a:p>
+        </p:txBody>
+      </p:sp>
+      <p:sp>
+        <p:nvSpPr>
+          <p:cNvPr id="21" name="ZoneTexte 20"/>
+          <p:cNvSpPr txBox="1"/>
+          <p:nvPr/>
+        </p:nvSpPr>
+        <p:spPr>
+          <a:xfrm>
+            <a:off x="284700" y="4848923"/>
+            <a:ext cx="1806600" cy="307777"/>
+          </a:xfrm>
+          <a:prstGeom prst="rect">
+            <a:avLst/>
+          </a:prstGeom>
+          <a:noFill/>
+        </p:spPr>
+        <p:txBody>
+          <a:bodyPr wrap="square" rtlCol="0">
+            <a:spAutoFit/>
+          </a:bodyPr>
+          <a:lstStyle/>
+          <a:p>
+            <a:pPr algn="ctr"/>
+            <a:r>
+              <a:rPr lang="en-GB" sz="1400" dirty="0" smtClean="0"/>
+              <a:t>stack #1, left cam.</a:t>
+            </a:r>
+            <a:endParaRPr lang="en-GB" sz="1400" dirty="0"/>
+          </a:p>
+        </p:txBody>
+      </p:sp>
+      <p:sp>
+        <p:nvSpPr>
+          <p:cNvPr id="22" name="ZoneTexte 21"/>
+          <p:cNvSpPr txBox="1"/>
+          <p:nvPr/>
+        </p:nvSpPr>
+        <p:spPr>
+          <a:xfrm>
+            <a:off x="2660700" y="4848923"/>
+            <a:ext cx="1806600" cy="307777"/>
+          </a:xfrm>
+          <a:prstGeom prst="rect">
+            <a:avLst/>
+          </a:prstGeom>
+          <a:noFill/>
+        </p:spPr>
+        <p:txBody>
+          <a:bodyPr wrap="square" rtlCol="0">
+            <a:spAutoFit/>
+          </a:bodyPr>
+          <a:lstStyle/>
+          <a:p>
+            <a:pPr algn="ctr"/>
+            <a:r>
+              <a:rPr lang="en-GB" sz="1400" dirty="0" smtClean="0"/>
+              <a:t>stack #1, right cam.</a:t>
+            </a:r>
+            <a:endParaRPr lang="en-GB" sz="1400" dirty="0"/>
+          </a:p>
+        </p:txBody>
+      </p:sp>
+      <p:pic>
+        <p:nvPicPr>
+          <p:cNvPr id="15" name="Image 14"/>
+          <p:cNvPicPr>
+            <a:picLocks noChangeAspect="1"/>
+          </p:cNvPicPr>
+          <p:nvPr/>
+        </p:nvPicPr>
+        <p:blipFill>
+          <a:blip r:embed="rId6">
+            <a:extLst>
+              <a:ext uri="{28A0092B-C50C-407E-A947-70E740481C1C}">
+                <a14:useLocalDpi xmlns:a14="http://schemas.microsoft.com/office/drawing/2010/main" val="0"/>
+              </a:ext>
+            </a:extLst>
+          </a:blip>
+          <a:stretch>
+            <a:fillRect/>
+          </a:stretch>
+        </p:blipFill>
+        <p:spPr>
+          <a:xfrm>
+            <a:off x="1188000" y="1440001"/>
+            <a:ext cx="1188000" cy="1388302"/>
+          </a:xfrm>
+          <a:prstGeom prst="rect">
+            <a:avLst/>
+          </a:prstGeom>
+        </p:spPr>
+      </p:pic>
+      <p:pic>
+        <p:nvPicPr>
+          <p:cNvPr id="16" name="Image 15"/>
+          <p:cNvPicPr>
+            <a:picLocks noChangeAspect="1"/>
+          </p:cNvPicPr>
+          <p:nvPr/>
+        </p:nvPicPr>
+        <p:blipFill>
+          <a:blip r:embed="rId7">
+            <a:extLst>
+              <a:ext uri="{28A0092B-C50C-407E-A947-70E740481C1C}">
+                <a14:useLocalDpi xmlns:a14="http://schemas.microsoft.com/office/drawing/2010/main" val="0"/>
+              </a:ext>
+            </a:extLst>
+          </a:blip>
+          <a:stretch>
+            <a:fillRect/>
+          </a:stretch>
+        </p:blipFill>
+        <p:spPr>
+          <a:xfrm>
+            <a:off x="3564000" y="1440001"/>
+            <a:ext cx="1188000" cy="1388302"/>
+          </a:xfrm>
+          <a:prstGeom prst="rect">
+            <a:avLst/>
+          </a:prstGeom>
+        </p:spPr>
+      </p:pic>
+      <p:pic>
+        <p:nvPicPr>
+          <p:cNvPr id="17" name="Image 16"/>
+          <p:cNvPicPr>
+            <a:picLocks noChangeAspect="1"/>
+          </p:cNvPicPr>
+          <p:nvPr/>
+        </p:nvPicPr>
+        <p:blipFill>
+          <a:blip r:embed="rId8">
+            <a:extLst>
+              <a:ext uri="{28A0092B-C50C-407E-A947-70E740481C1C}">
+                <a14:useLocalDpi xmlns:a14="http://schemas.microsoft.com/office/drawing/2010/main" val="0"/>
+              </a:ext>
+            </a:extLst>
+          </a:blip>
+          <a:stretch>
+            <a:fillRect/>
+          </a:stretch>
+        </p:blipFill>
+        <p:spPr>
+          <a:xfrm>
+            <a:off x="1188000" y="3456000"/>
+            <a:ext cx="1188000" cy="1388302"/>
+          </a:xfrm>
+          <a:prstGeom prst="rect">
+            <a:avLst/>
+          </a:prstGeom>
+        </p:spPr>
+      </p:pic>
+      <p:pic>
+        <p:nvPicPr>
+          <p:cNvPr id="18" name="Image 17"/>
+          <p:cNvPicPr>
+            <a:picLocks noChangeAspect="1"/>
+          </p:cNvPicPr>
+          <p:nvPr/>
+        </p:nvPicPr>
+        <p:blipFill>
+          <a:blip r:embed="rId9">
+            <a:extLst>
+              <a:ext uri="{28A0092B-C50C-407E-A947-70E740481C1C}">
+                <a14:useLocalDpi xmlns:a14="http://schemas.microsoft.com/office/drawing/2010/main" val="0"/>
+              </a:ext>
+            </a:extLst>
+          </a:blip>
+          <a:stretch>
+            <a:fillRect/>
+          </a:stretch>
+        </p:blipFill>
+        <p:spPr>
+          <a:xfrm>
+            <a:off x="3564000" y="3456000"/>
+            <a:ext cx="1188000" cy="1388302"/>
+          </a:xfrm>
+          <a:prstGeom prst="rect">
+            <a:avLst/>
+          </a:prstGeom>
+        </p:spPr>
+      </p:pic>
+      <p:pic>
+        <p:nvPicPr>
+          <p:cNvPr id="23" name="Image 22"/>
+          <p:cNvPicPr>
+            <a:picLocks noChangeAspect="1"/>
+          </p:cNvPicPr>
+          <p:nvPr/>
+        </p:nvPicPr>
+        <p:blipFill>
+          <a:blip r:embed="rId10">
+            <a:extLst>
+              <a:ext uri="{28A0092B-C50C-407E-A947-70E740481C1C}">
+                <a14:useLocalDpi xmlns:a14="http://schemas.microsoft.com/office/drawing/2010/main" val="0"/>
+              </a:ext>
+            </a:extLst>
+          </a:blip>
+          <a:stretch>
+            <a:fillRect/>
+          </a:stretch>
+        </p:blipFill>
+        <p:spPr>
+          <a:xfrm>
+            <a:off x="5220000" y="1440001"/>
+            <a:ext cx="2926567" cy="3420000"/>
+          </a:xfrm>
+          <a:prstGeom prst="rect">
+            <a:avLst/>
+          </a:prstGeom>
+        </p:spPr>
+      </p:pic>
+    </p:spTree>
+    <p:extLst>
+      <p:ext uri="{BB962C8B-B14F-4D97-AF65-F5344CB8AC3E}">
+        <p14:creationId xmlns:p14="http://schemas.microsoft.com/office/powerpoint/2010/main" val="364848882"/>
+      </p:ext>
+    </p:extLst>
+  </p:cSld>
+  <p:clrMapOvr>
+    <a:masterClrMapping/>
+  </p:clrMapOvr>
+  <p:timing>
+    <p:tnLst>
+      <p:par>
+        <p:cTn xmlns:p14="http://schemas.microsoft.com/office/powerpoint/2010/main" id="1" dur="indefinite" restart="never" nodeType="tmRoot"/>
+      </p:par>
+    </p:tnLst>
+  </p:timing>
 </p:sld>
 </file>
 

--- a/documentation/figures/figures-fusion.pptx
+++ b/documentation/figures/figures-fusion.pptx
@@ -5,10 +5,10 @@
     <p:sldMasterId id="2147483648" r:id="rId1"/>
   </p:sldMasterIdLst>
   <p:sldIdLst>
-    <p:sldId id="266" r:id="rId2"/>
-    <p:sldId id="268" r:id="rId3"/>
-    <p:sldId id="269" r:id="rId4"/>
-    <p:sldId id="270" r:id="rId5"/>
+    <p:sldId id="281" r:id="rId2"/>
+    <p:sldId id="285" r:id="rId3"/>
+    <p:sldId id="286" r:id="rId4"/>
+    <p:sldId id="287" r:id="rId5"/>
     <p:sldId id="271" r:id="rId6"/>
     <p:sldId id="272" r:id="rId7"/>
     <p:sldId id="277" r:id="rId8"/>
@@ -297,7 +297,7 @@
           <a:p>
             <a:fld id="{BA06D2AE-3D27-EB41-8A5A-6273EE77BD66}" type="datetimeFigureOut">
               <a:rPr lang="fr-FR" smtClean="0"/>
-              <a:t>24/04/20</a:t>
+              <a:t>28/04/20</a:t>
             </a:fld>
             <a:endParaRPr lang="en-GB"/>
           </a:p>
@@ -467,7 +467,7 @@
           <a:p>
             <a:fld id="{BA06D2AE-3D27-EB41-8A5A-6273EE77BD66}" type="datetimeFigureOut">
               <a:rPr lang="fr-FR" smtClean="0"/>
-              <a:t>24/04/20</a:t>
+              <a:t>28/04/20</a:t>
             </a:fld>
             <a:endParaRPr lang="en-GB"/>
           </a:p>
@@ -647,7 +647,7 @@
           <a:p>
             <a:fld id="{BA06D2AE-3D27-EB41-8A5A-6273EE77BD66}" type="datetimeFigureOut">
               <a:rPr lang="fr-FR" smtClean="0"/>
-              <a:t>24/04/20</a:t>
+              <a:t>28/04/20</a:t>
             </a:fld>
             <a:endParaRPr lang="en-GB"/>
           </a:p>
@@ -817,7 +817,7 @@
           <a:p>
             <a:fld id="{BA06D2AE-3D27-EB41-8A5A-6273EE77BD66}" type="datetimeFigureOut">
               <a:rPr lang="fr-FR" smtClean="0"/>
-              <a:t>24/04/20</a:t>
+              <a:t>28/04/20</a:t>
             </a:fld>
             <a:endParaRPr lang="en-GB"/>
           </a:p>
@@ -1063,7 +1063,7 @@
           <a:p>
             <a:fld id="{BA06D2AE-3D27-EB41-8A5A-6273EE77BD66}" type="datetimeFigureOut">
               <a:rPr lang="fr-FR" smtClean="0"/>
-              <a:t>24/04/20</a:t>
+              <a:t>28/04/20</a:t>
             </a:fld>
             <a:endParaRPr lang="en-GB"/>
           </a:p>
@@ -1351,7 +1351,7 @@
           <a:p>
             <a:fld id="{BA06D2AE-3D27-EB41-8A5A-6273EE77BD66}" type="datetimeFigureOut">
               <a:rPr lang="fr-FR" smtClean="0"/>
-              <a:t>24/04/20</a:t>
+              <a:t>28/04/20</a:t>
             </a:fld>
             <a:endParaRPr lang="en-GB"/>
           </a:p>
@@ -1773,7 +1773,7 @@
           <a:p>
             <a:fld id="{BA06D2AE-3D27-EB41-8A5A-6273EE77BD66}" type="datetimeFigureOut">
               <a:rPr lang="fr-FR" smtClean="0"/>
-              <a:t>24/04/20</a:t>
+              <a:t>28/04/20</a:t>
             </a:fld>
             <a:endParaRPr lang="en-GB"/>
           </a:p>
@@ -1891,7 +1891,7 @@
           <a:p>
             <a:fld id="{BA06D2AE-3D27-EB41-8A5A-6273EE77BD66}" type="datetimeFigureOut">
               <a:rPr lang="fr-FR" smtClean="0"/>
-              <a:t>24/04/20</a:t>
+              <a:t>28/04/20</a:t>
             </a:fld>
             <a:endParaRPr lang="en-GB"/>
           </a:p>
@@ -1986,7 +1986,7 @@
           <a:p>
             <a:fld id="{BA06D2AE-3D27-EB41-8A5A-6273EE77BD66}" type="datetimeFigureOut">
               <a:rPr lang="fr-FR" smtClean="0"/>
-              <a:t>24/04/20</a:t>
+              <a:t>28/04/20</a:t>
             </a:fld>
             <a:endParaRPr lang="en-GB"/>
           </a:p>
@@ -2263,7 +2263,7 @@
           <a:p>
             <a:fld id="{BA06D2AE-3D27-EB41-8A5A-6273EE77BD66}" type="datetimeFigureOut">
               <a:rPr lang="fr-FR" smtClean="0"/>
-              <a:t>24/04/20</a:t>
+              <a:t>28/04/20</a:t>
             </a:fld>
             <a:endParaRPr lang="en-GB"/>
           </a:p>
@@ -2516,7 +2516,7 @@
           <a:p>
             <a:fld id="{BA06D2AE-3D27-EB41-8A5A-6273EE77BD66}" type="datetimeFigureOut">
               <a:rPr lang="fr-FR" smtClean="0"/>
-              <a:t>24/04/20</a:t>
+              <a:t>28/04/20</a:t>
             </a:fld>
             <a:endParaRPr lang="en-GB"/>
           </a:p>
@@ -2729,7 +2729,7 @@
           <a:p>
             <a:fld id="{BA06D2AE-3D27-EB41-8A5A-6273EE77BD66}" type="datetimeFigureOut">
               <a:rPr lang="fr-FR" smtClean="0"/>
-              <a:t>24/04/20</a:t>
+              <a:t>28/04/20</a:t>
             </a:fld>
             <a:endParaRPr lang="en-GB"/>
           </a:p>
@@ -3104,6 +3104,3476 @@
           <a:chExt cx="0" cy="0"/>
         </a:xfrm>
       </p:grpSpPr>
+      <p:sp>
+        <p:nvSpPr>
+          <p:cNvPr id="2" name="Titre 1"/>
+          <p:cNvSpPr>
+            <a:spLocks noGrp="1"/>
+          </p:cNvSpPr>
+          <p:nvPr>
+            <p:ph type="title"/>
+          </p:nvPr>
+        </p:nvSpPr>
+        <p:spPr/>
+        <p:txBody>
+          <a:bodyPr/>
+          <a:lstStyle/>
+          <a:p>
+            <a:r>
+              <a:rPr lang="en-GB" dirty="0" err="1" smtClean="0"/>
+              <a:t>Acquisition_orientation</a:t>
+            </a:r>
+            <a:r>
+              <a:rPr lang="en-GB" dirty="0" smtClean="0"/>
+              <a:t> = ‘Right’ </a:t>
+            </a:r>
+            <a:endParaRPr lang="en-GB" dirty="0"/>
+          </a:p>
+        </p:txBody>
+      </p:sp>
+      <p:pic>
+        <p:nvPicPr>
+          <p:cNvPr id="4" name="Image 3" descr="muvispim.png"/>
+          <p:cNvPicPr>
+            <a:picLocks noChangeAspect="1"/>
+          </p:cNvPicPr>
+          <p:nvPr/>
+        </p:nvPicPr>
+        <p:blipFill>
+          <a:blip r:embed="rId2">
+            <a:extLst>
+              <a:ext uri="{28A0092B-C50C-407E-A947-70E740481C1C}">
+                <a14:useLocalDpi xmlns:a14="http://schemas.microsoft.com/office/drawing/2010/main" val="0"/>
+              </a:ext>
+            </a:extLst>
+          </a:blip>
+          <a:stretch>
+            <a:fillRect/>
+          </a:stretch>
+        </p:blipFill>
+        <p:spPr>
+          <a:xfrm>
+            <a:off x="1651659" y="3093445"/>
+            <a:ext cx="1473576" cy="1440000"/>
+          </a:xfrm>
+          <a:prstGeom prst="rect">
+            <a:avLst/>
+          </a:prstGeom>
+        </p:spPr>
+      </p:pic>
+      <p:pic>
+        <p:nvPicPr>
+          <p:cNvPr id="11" name="Image 10" descr="muvispim.png"/>
+          <p:cNvPicPr>
+            <a:picLocks noChangeAspect="1"/>
+          </p:cNvPicPr>
+          <p:nvPr/>
+        </p:nvPicPr>
+        <p:blipFill>
+          <a:blip r:embed="rId2">
+            <a:extLst>
+              <a:ext uri="{28A0092B-C50C-407E-A947-70E740481C1C}">
+                <a14:useLocalDpi xmlns:a14="http://schemas.microsoft.com/office/drawing/2010/main" val="0"/>
+              </a:ext>
+            </a:extLst>
+          </a:blip>
+          <a:stretch>
+            <a:fillRect/>
+          </a:stretch>
+        </p:blipFill>
+        <p:spPr>
+          <a:xfrm rot="16200000">
+            <a:off x="6132671" y="3093445"/>
+            <a:ext cx="1473576" cy="1440000"/>
+          </a:xfrm>
+          <a:prstGeom prst="rect">
+            <a:avLst/>
+          </a:prstGeom>
+        </p:spPr>
+      </p:pic>
+      <p:grpSp>
+        <p:nvGrpSpPr>
+          <p:cNvPr id="33" name="Grouper 32"/>
+          <p:cNvGrpSpPr/>
+          <p:nvPr/>
+        </p:nvGrpSpPr>
+        <p:grpSpPr>
+          <a:xfrm>
+            <a:off x="0" y="2574703"/>
+            <a:ext cx="1699859" cy="2372574"/>
+            <a:chOff x="0" y="2574703"/>
+            <a:chExt cx="1699859" cy="2372574"/>
+          </a:xfrm>
+        </p:grpSpPr>
+        <p:cxnSp>
+          <p:nvCxnSpPr>
+            <p:cNvPr id="28" name="Connecteur droit avec flèche 27"/>
+            <p:cNvCxnSpPr/>
+            <p:nvPr/>
+          </p:nvCxnSpPr>
+          <p:spPr>
+            <a:xfrm flipV="1">
+              <a:off x="281459" y="2985445"/>
+              <a:ext cx="0" cy="1656000"/>
+            </a:xfrm>
+            <a:prstGeom prst="straightConnector1">
+              <a:avLst/>
+            </a:prstGeom>
+            <a:ln>
+              <a:tailEnd type="arrow"/>
+            </a:ln>
+          </p:spPr>
+          <p:style>
+            <a:lnRef idx="2">
+              <a:schemeClr val="accent1"/>
+            </a:lnRef>
+            <a:fillRef idx="0">
+              <a:schemeClr val="accent1"/>
+            </a:fillRef>
+            <a:effectRef idx="1">
+              <a:schemeClr val="accent1"/>
+            </a:effectRef>
+            <a:fontRef idx="minor">
+              <a:schemeClr val="tx1"/>
+            </a:fontRef>
+          </p:style>
+        </p:cxnSp>
+        <p:cxnSp>
+          <p:nvCxnSpPr>
+            <p:cNvPr id="29" name="Connecteur droit avec flèche 28"/>
+            <p:cNvCxnSpPr/>
+            <p:nvPr/>
+          </p:nvCxnSpPr>
+          <p:spPr>
+            <a:xfrm>
+              <a:off x="281459" y="4641445"/>
+              <a:ext cx="1418400" cy="0"/>
+            </a:xfrm>
+            <a:prstGeom prst="straightConnector1">
+              <a:avLst/>
+            </a:prstGeom>
+            <a:ln>
+              <a:tailEnd type="arrow"/>
+            </a:ln>
+          </p:spPr>
+          <p:style>
+            <a:lnRef idx="2">
+              <a:schemeClr val="accent1"/>
+            </a:lnRef>
+            <a:fillRef idx="0">
+              <a:schemeClr val="accent1"/>
+            </a:fillRef>
+            <a:effectRef idx="1">
+              <a:schemeClr val="accent1"/>
+            </a:effectRef>
+            <a:fontRef idx="minor">
+              <a:schemeClr val="tx1"/>
+            </a:fontRef>
+          </p:style>
+        </p:cxnSp>
+        <p:sp>
+          <p:nvSpPr>
+            <p:cNvPr id="30" name="ZoneTexte 29"/>
+            <p:cNvSpPr txBox="1"/>
+            <p:nvPr/>
+          </p:nvSpPr>
+          <p:spPr>
+            <a:xfrm>
+              <a:off x="0" y="2969840"/>
+              <a:ext cx="304478" cy="369332"/>
+            </a:xfrm>
+            <a:prstGeom prst="rect">
+              <a:avLst/>
+            </a:prstGeom>
+            <a:noFill/>
+          </p:spPr>
+          <p:txBody>
+            <a:bodyPr wrap="none" rtlCol="0">
+              <a:spAutoFit/>
+            </a:bodyPr>
+            <a:lstStyle/>
+            <a:p>
+              <a:r>
+                <a:rPr lang="en-GB" dirty="0" smtClean="0"/>
+                <a:t>X</a:t>
+              </a:r>
+              <a:endParaRPr lang="en-GB" dirty="0"/>
+            </a:p>
+          </p:txBody>
+        </p:sp>
+        <p:sp>
+          <p:nvSpPr>
+            <p:cNvPr id="31" name="ZoneTexte 30"/>
+            <p:cNvSpPr txBox="1"/>
+            <p:nvPr/>
+          </p:nvSpPr>
+          <p:spPr>
+            <a:xfrm>
+              <a:off x="1336776" y="4577945"/>
+              <a:ext cx="292756" cy="369332"/>
+            </a:xfrm>
+            <a:prstGeom prst="rect">
+              <a:avLst/>
+            </a:prstGeom>
+            <a:noFill/>
+          </p:spPr>
+          <p:txBody>
+            <a:bodyPr wrap="none" rtlCol="0">
+              <a:spAutoFit/>
+            </a:bodyPr>
+            <a:lstStyle/>
+            <a:p>
+              <a:r>
+                <a:rPr lang="en-GB" dirty="0"/>
+                <a:t>Z</a:t>
+              </a:r>
+            </a:p>
+          </p:txBody>
+        </p:sp>
+        <p:pic>
+          <p:nvPicPr>
+            <p:cNvPr id="27" name="Image 26"/>
+            <p:cNvPicPr>
+              <a:picLocks noChangeAspect="1"/>
+            </p:cNvPicPr>
+            <p:nvPr/>
+          </p:nvPicPr>
+          <p:blipFill>
+            <a:blip r:embed="rId3">
+              <a:extLst>
+                <a:ext uri="{28A0092B-C50C-407E-A947-70E740481C1C}">
+                  <a14:useLocalDpi xmlns:a14="http://schemas.microsoft.com/office/drawing/2010/main" val="0"/>
+                </a:ext>
+              </a:extLst>
+            </a:blip>
+            <a:stretch>
+              <a:fillRect/>
+            </a:stretch>
+          </p:blipFill>
+          <p:spPr>
+            <a:xfrm>
+              <a:off x="389459" y="3093445"/>
+              <a:ext cx="1200995" cy="1440000"/>
+            </a:xfrm>
+            <a:prstGeom prst="rect">
+              <a:avLst/>
+            </a:prstGeom>
+          </p:spPr>
+        </p:pic>
+        <p:sp>
+          <p:nvSpPr>
+            <p:cNvPr id="18" name="ZoneTexte 17"/>
+            <p:cNvSpPr txBox="1"/>
+            <p:nvPr/>
+          </p:nvSpPr>
+          <p:spPr>
+            <a:xfrm>
+              <a:off x="389459" y="2574703"/>
+              <a:ext cx="1310400" cy="523220"/>
+            </a:xfrm>
+            <a:prstGeom prst="rect">
+              <a:avLst/>
+            </a:prstGeom>
+            <a:noFill/>
+          </p:spPr>
+          <p:txBody>
+            <a:bodyPr wrap="square" rtlCol="0">
+              <a:spAutoFit/>
+            </a:bodyPr>
+            <a:lstStyle/>
+            <a:p>
+              <a:r>
+                <a:rPr lang="en-GB" sz="1400" dirty="0"/>
+                <a:t>s</a:t>
+              </a:r>
+              <a:r>
+                <a:rPr lang="en-GB" sz="1400" dirty="0" smtClean="0"/>
+                <a:t>tack #0</a:t>
+              </a:r>
+            </a:p>
+            <a:p>
+              <a:r>
+                <a:rPr lang="en-GB" sz="1400" dirty="0"/>
+                <a:t>l</a:t>
+              </a:r>
+              <a:r>
+                <a:rPr lang="en-GB" sz="1400" dirty="0" smtClean="0"/>
+                <a:t>eft cam.</a:t>
+              </a:r>
+              <a:endParaRPr lang="en-GB" sz="1400" dirty="0"/>
+            </a:p>
+          </p:txBody>
+        </p:sp>
+      </p:grpSp>
+      <p:grpSp>
+        <p:nvGrpSpPr>
+          <p:cNvPr id="34" name="Grouper 33"/>
+          <p:cNvGrpSpPr/>
+          <p:nvPr/>
+        </p:nvGrpSpPr>
+        <p:grpSpPr>
+          <a:xfrm>
+            <a:off x="2794161" y="2638608"/>
+            <a:ext cx="1787493" cy="2418056"/>
+            <a:chOff x="2794161" y="2638608"/>
+            <a:chExt cx="1787493" cy="2418056"/>
+          </a:xfrm>
+        </p:grpSpPr>
+        <p:cxnSp>
+          <p:nvCxnSpPr>
+            <p:cNvPr id="7" name="Connecteur droit avec flèche 6"/>
+            <p:cNvCxnSpPr/>
+            <p:nvPr/>
+          </p:nvCxnSpPr>
+          <p:spPr>
+            <a:xfrm flipV="1">
+              <a:off x="3151659" y="2985445"/>
+              <a:ext cx="0" cy="1656000"/>
+            </a:xfrm>
+            <a:prstGeom prst="straightConnector1">
+              <a:avLst/>
+            </a:prstGeom>
+            <a:ln>
+              <a:headEnd type="arrow"/>
+              <a:tailEnd type="none"/>
+            </a:ln>
+          </p:spPr>
+          <p:style>
+            <a:lnRef idx="2">
+              <a:schemeClr val="accent1"/>
+            </a:lnRef>
+            <a:fillRef idx="0">
+              <a:schemeClr val="accent1"/>
+            </a:fillRef>
+            <a:effectRef idx="1">
+              <a:schemeClr val="accent1"/>
+            </a:effectRef>
+            <a:fontRef idx="minor">
+              <a:schemeClr val="tx1"/>
+            </a:fontRef>
+          </p:style>
+        </p:cxnSp>
+        <p:cxnSp>
+          <p:nvCxnSpPr>
+            <p:cNvPr id="8" name="Connecteur droit avec flèche 7"/>
+            <p:cNvCxnSpPr/>
+            <p:nvPr/>
+          </p:nvCxnSpPr>
+          <p:spPr>
+            <a:xfrm>
+              <a:off x="3151659" y="2985445"/>
+              <a:ext cx="1418400" cy="0"/>
+            </a:xfrm>
+            <a:prstGeom prst="straightConnector1">
+              <a:avLst/>
+            </a:prstGeom>
+            <a:ln>
+              <a:tailEnd type="arrow"/>
+            </a:ln>
+          </p:spPr>
+          <p:style>
+            <a:lnRef idx="2">
+              <a:schemeClr val="accent1"/>
+            </a:lnRef>
+            <a:fillRef idx="0">
+              <a:schemeClr val="accent1"/>
+            </a:fillRef>
+            <a:effectRef idx="1">
+              <a:schemeClr val="accent1"/>
+            </a:effectRef>
+            <a:fontRef idx="minor">
+              <a:schemeClr val="tx1"/>
+            </a:fontRef>
+          </p:style>
+        </p:cxnSp>
+        <p:sp>
+          <p:nvSpPr>
+            <p:cNvPr id="9" name="ZoneTexte 8"/>
+            <p:cNvSpPr txBox="1"/>
+            <p:nvPr/>
+          </p:nvSpPr>
+          <p:spPr>
+            <a:xfrm>
+              <a:off x="2794161" y="4262303"/>
+              <a:ext cx="304478" cy="369332"/>
+            </a:xfrm>
+            <a:prstGeom prst="rect">
+              <a:avLst/>
+            </a:prstGeom>
+            <a:noFill/>
+          </p:spPr>
+          <p:txBody>
+            <a:bodyPr wrap="none" rtlCol="0">
+              <a:spAutoFit/>
+            </a:bodyPr>
+            <a:lstStyle/>
+            <a:p>
+              <a:r>
+                <a:rPr lang="en-GB" dirty="0" smtClean="0"/>
+                <a:t>X</a:t>
+              </a:r>
+              <a:endParaRPr lang="en-GB" dirty="0"/>
+            </a:p>
+          </p:txBody>
+        </p:sp>
+        <p:sp>
+          <p:nvSpPr>
+            <p:cNvPr id="10" name="ZoneTexte 9"/>
+            <p:cNvSpPr txBox="1"/>
+            <p:nvPr/>
+          </p:nvSpPr>
+          <p:spPr>
+            <a:xfrm>
+              <a:off x="4239203" y="2638608"/>
+              <a:ext cx="292756" cy="369332"/>
+            </a:xfrm>
+            <a:prstGeom prst="rect">
+              <a:avLst/>
+            </a:prstGeom>
+            <a:noFill/>
+          </p:spPr>
+          <p:txBody>
+            <a:bodyPr wrap="none" rtlCol="0">
+              <a:spAutoFit/>
+            </a:bodyPr>
+            <a:lstStyle/>
+            <a:p>
+              <a:r>
+                <a:rPr lang="en-GB" dirty="0"/>
+                <a:t>Z</a:t>
+              </a:r>
+            </a:p>
+          </p:txBody>
+        </p:sp>
+        <p:pic>
+          <p:nvPicPr>
+            <p:cNvPr id="6" name="Image 5"/>
+            <p:cNvPicPr>
+              <a:picLocks noChangeAspect="1"/>
+            </p:cNvPicPr>
+            <p:nvPr/>
+          </p:nvPicPr>
+          <p:blipFill>
+            <a:blip r:embed="rId4">
+              <a:extLst>
+                <a:ext uri="{28A0092B-C50C-407E-A947-70E740481C1C}">
+                  <a14:useLocalDpi xmlns:a14="http://schemas.microsoft.com/office/drawing/2010/main" val="0"/>
+                </a:ext>
+              </a:extLst>
+            </a:blip>
+            <a:stretch>
+              <a:fillRect/>
+            </a:stretch>
+          </p:blipFill>
+          <p:spPr>
+            <a:xfrm>
+              <a:off x="3259659" y="3093446"/>
+              <a:ext cx="1200995" cy="1439998"/>
+            </a:xfrm>
+            <a:prstGeom prst="rect">
+              <a:avLst/>
+            </a:prstGeom>
+          </p:spPr>
+        </p:pic>
+        <p:sp>
+          <p:nvSpPr>
+            <p:cNvPr id="19" name="ZoneTexte 18"/>
+            <p:cNvSpPr txBox="1"/>
+            <p:nvPr/>
+          </p:nvSpPr>
+          <p:spPr>
+            <a:xfrm>
+              <a:off x="3271254" y="4533444"/>
+              <a:ext cx="1310400" cy="523220"/>
+            </a:xfrm>
+            <a:prstGeom prst="rect">
+              <a:avLst/>
+            </a:prstGeom>
+            <a:noFill/>
+          </p:spPr>
+          <p:txBody>
+            <a:bodyPr wrap="square" rtlCol="0">
+              <a:spAutoFit/>
+            </a:bodyPr>
+            <a:lstStyle/>
+            <a:p>
+              <a:r>
+                <a:rPr lang="en-GB" sz="1400" dirty="0"/>
+                <a:t>s</a:t>
+              </a:r>
+              <a:r>
+                <a:rPr lang="en-GB" sz="1400" dirty="0" smtClean="0"/>
+                <a:t>tack #0</a:t>
+              </a:r>
+            </a:p>
+            <a:p>
+              <a:r>
+                <a:rPr lang="en-GB" sz="1400" dirty="0" smtClean="0"/>
+                <a:t>right cam.</a:t>
+              </a:r>
+              <a:endParaRPr lang="en-GB" sz="1400" dirty="0"/>
+            </a:p>
+          </p:txBody>
+        </p:sp>
+      </p:grpSp>
+      <p:grpSp>
+        <p:nvGrpSpPr>
+          <p:cNvPr id="36" name="Grouper 35"/>
+          <p:cNvGrpSpPr/>
+          <p:nvPr/>
+        </p:nvGrpSpPr>
+        <p:grpSpPr>
+          <a:xfrm>
+            <a:off x="6080482" y="4199275"/>
+            <a:ext cx="2978677" cy="1751670"/>
+            <a:chOff x="6080482" y="4199275"/>
+            <a:chExt cx="2978677" cy="1751670"/>
+          </a:xfrm>
+        </p:grpSpPr>
+        <p:sp>
+          <p:nvSpPr>
+            <p:cNvPr id="13" name="ZoneTexte 12"/>
+            <p:cNvSpPr txBox="1"/>
+            <p:nvPr/>
+          </p:nvSpPr>
+          <p:spPr>
+            <a:xfrm>
+              <a:off x="6080482" y="4199275"/>
+              <a:ext cx="304478" cy="369332"/>
+            </a:xfrm>
+            <a:prstGeom prst="rect">
+              <a:avLst/>
+            </a:prstGeom>
+            <a:noFill/>
+          </p:spPr>
+          <p:txBody>
+            <a:bodyPr wrap="none" rtlCol="0">
+              <a:spAutoFit/>
+            </a:bodyPr>
+            <a:lstStyle/>
+            <a:p>
+              <a:r>
+                <a:rPr lang="en-GB" dirty="0" smtClean="0"/>
+                <a:t>X</a:t>
+              </a:r>
+              <a:endParaRPr lang="en-GB" dirty="0"/>
+            </a:p>
+          </p:txBody>
+        </p:sp>
+        <p:sp>
+          <p:nvSpPr>
+            <p:cNvPr id="14" name="ZoneTexte 13"/>
+            <p:cNvSpPr txBox="1"/>
+            <p:nvPr/>
+          </p:nvSpPr>
+          <p:spPr>
+            <a:xfrm>
+              <a:off x="7724359" y="5543513"/>
+              <a:ext cx="292756" cy="369332"/>
+            </a:xfrm>
+            <a:prstGeom prst="rect">
+              <a:avLst/>
+            </a:prstGeom>
+            <a:noFill/>
+          </p:spPr>
+          <p:txBody>
+            <a:bodyPr wrap="none" rtlCol="0">
+              <a:spAutoFit/>
+            </a:bodyPr>
+            <a:lstStyle/>
+            <a:p>
+              <a:r>
+                <a:rPr lang="en-GB" dirty="0"/>
+                <a:t>Z</a:t>
+              </a:r>
+            </a:p>
+          </p:txBody>
+        </p:sp>
+        <p:pic>
+          <p:nvPicPr>
+            <p:cNvPr id="15" name="Image 14"/>
+            <p:cNvPicPr>
+              <a:picLocks noChangeAspect="1"/>
+            </p:cNvPicPr>
+            <p:nvPr/>
+          </p:nvPicPr>
+          <p:blipFill>
+            <a:blip r:embed="rId5">
+              <a:extLst>
+                <a:ext uri="{28A0092B-C50C-407E-A947-70E740481C1C}">
+                  <a14:useLocalDpi xmlns:a14="http://schemas.microsoft.com/office/drawing/2010/main" val="0"/>
+                </a:ext>
+              </a:extLst>
+            </a:blip>
+            <a:stretch>
+              <a:fillRect/>
+            </a:stretch>
+          </p:blipFill>
+          <p:spPr>
+            <a:xfrm>
+              <a:off x="6188482" y="4692738"/>
+              <a:ext cx="1439999" cy="1150207"/>
+            </a:xfrm>
+            <a:prstGeom prst="rect">
+              <a:avLst/>
+            </a:prstGeom>
+          </p:spPr>
+        </p:pic>
+        <p:cxnSp>
+          <p:nvCxnSpPr>
+            <p:cNvPr id="16" name="Connecteur droit avec flèche 15"/>
+            <p:cNvCxnSpPr/>
+            <p:nvPr/>
+          </p:nvCxnSpPr>
+          <p:spPr>
+            <a:xfrm>
+              <a:off x="6080482" y="4582945"/>
+              <a:ext cx="1656000" cy="0"/>
+            </a:xfrm>
+            <a:prstGeom prst="straightConnector1">
+              <a:avLst/>
+            </a:prstGeom>
+            <a:ln>
+              <a:headEnd type="arrow"/>
+              <a:tailEnd type="none"/>
+            </a:ln>
+          </p:spPr>
+          <p:style>
+            <a:lnRef idx="2">
+              <a:schemeClr val="accent1"/>
+            </a:lnRef>
+            <a:fillRef idx="0">
+              <a:schemeClr val="accent1"/>
+            </a:fillRef>
+            <a:effectRef idx="1">
+              <a:schemeClr val="accent1"/>
+            </a:effectRef>
+            <a:fontRef idx="minor">
+              <a:schemeClr val="tx1"/>
+            </a:fontRef>
+          </p:style>
+        </p:cxnSp>
+        <p:cxnSp>
+          <p:nvCxnSpPr>
+            <p:cNvPr id="17" name="Connecteur droit avec flèche 16"/>
+            <p:cNvCxnSpPr/>
+            <p:nvPr/>
+          </p:nvCxnSpPr>
+          <p:spPr>
+            <a:xfrm>
+              <a:off x="7737059" y="4582945"/>
+              <a:ext cx="0" cy="1368000"/>
+            </a:xfrm>
+            <a:prstGeom prst="straightConnector1">
+              <a:avLst/>
+            </a:prstGeom>
+            <a:ln>
+              <a:tailEnd type="arrow"/>
+            </a:ln>
+          </p:spPr>
+          <p:style>
+            <a:lnRef idx="2">
+              <a:schemeClr val="accent1"/>
+            </a:lnRef>
+            <a:fillRef idx="0">
+              <a:schemeClr val="accent1"/>
+            </a:fillRef>
+            <a:effectRef idx="1">
+              <a:schemeClr val="accent1"/>
+            </a:effectRef>
+            <a:fontRef idx="minor">
+              <a:schemeClr val="tx1"/>
+            </a:fontRef>
+          </p:style>
+        </p:cxnSp>
+        <p:sp>
+          <p:nvSpPr>
+            <p:cNvPr id="20" name="ZoneTexte 19"/>
+            <p:cNvSpPr txBox="1"/>
+            <p:nvPr/>
+          </p:nvSpPr>
+          <p:spPr>
+            <a:xfrm>
+              <a:off x="7748759" y="4680238"/>
+              <a:ext cx="1310400" cy="523220"/>
+            </a:xfrm>
+            <a:prstGeom prst="rect">
+              <a:avLst/>
+            </a:prstGeom>
+            <a:noFill/>
+          </p:spPr>
+          <p:txBody>
+            <a:bodyPr wrap="square" rtlCol="0">
+              <a:spAutoFit/>
+            </a:bodyPr>
+            <a:lstStyle/>
+            <a:p>
+              <a:r>
+                <a:rPr lang="en-GB" sz="1400" dirty="0"/>
+                <a:t>s</a:t>
+              </a:r>
+              <a:r>
+                <a:rPr lang="en-GB" sz="1400" dirty="0" smtClean="0"/>
+                <a:t>tack #1</a:t>
+              </a:r>
+            </a:p>
+            <a:p>
+              <a:r>
+                <a:rPr lang="en-GB" sz="1400" dirty="0" smtClean="0"/>
+                <a:t>right cam.</a:t>
+              </a:r>
+              <a:endParaRPr lang="en-GB" sz="1400" dirty="0"/>
+            </a:p>
+          </p:txBody>
+        </p:sp>
+      </p:grpSp>
+      <p:grpSp>
+        <p:nvGrpSpPr>
+          <p:cNvPr id="35" name="Grouper 34"/>
+          <p:cNvGrpSpPr/>
+          <p:nvPr/>
+        </p:nvGrpSpPr>
+        <p:grpSpPr>
+          <a:xfrm>
+            <a:off x="5748703" y="1392108"/>
+            <a:ext cx="3310456" cy="1737337"/>
+            <a:chOff x="5748703" y="1392108"/>
+            <a:chExt cx="3310456" cy="1737337"/>
+          </a:xfrm>
+        </p:grpSpPr>
+        <p:sp>
+          <p:nvSpPr>
+            <p:cNvPr id="22" name="ZoneTexte 21"/>
+            <p:cNvSpPr txBox="1"/>
+            <p:nvPr/>
+          </p:nvSpPr>
+          <p:spPr>
+            <a:xfrm>
+              <a:off x="7326582" y="1392108"/>
+              <a:ext cx="304478" cy="369332"/>
+            </a:xfrm>
+            <a:prstGeom prst="rect">
+              <a:avLst/>
+            </a:prstGeom>
+            <a:noFill/>
+          </p:spPr>
+          <p:txBody>
+            <a:bodyPr wrap="none" rtlCol="0">
+              <a:spAutoFit/>
+            </a:bodyPr>
+            <a:lstStyle/>
+            <a:p>
+              <a:r>
+                <a:rPr lang="en-GB" dirty="0" smtClean="0"/>
+                <a:t>X</a:t>
+              </a:r>
+              <a:endParaRPr lang="en-GB" dirty="0"/>
+            </a:p>
+          </p:txBody>
+        </p:sp>
+        <p:sp>
+          <p:nvSpPr>
+            <p:cNvPr id="23" name="ZoneTexte 22"/>
+            <p:cNvSpPr txBox="1"/>
+            <p:nvPr/>
+          </p:nvSpPr>
+          <p:spPr>
+            <a:xfrm>
+              <a:off x="5748703" y="2760113"/>
+              <a:ext cx="292756" cy="369332"/>
+            </a:xfrm>
+            <a:prstGeom prst="rect">
+              <a:avLst/>
+            </a:prstGeom>
+            <a:noFill/>
+          </p:spPr>
+          <p:txBody>
+            <a:bodyPr wrap="none" rtlCol="0">
+              <a:spAutoFit/>
+            </a:bodyPr>
+            <a:lstStyle/>
+            <a:p>
+              <a:r>
+                <a:rPr lang="en-GB" dirty="0"/>
+                <a:t>Z</a:t>
+              </a:r>
+            </a:p>
+          </p:txBody>
+        </p:sp>
+        <p:cxnSp>
+          <p:nvCxnSpPr>
+            <p:cNvPr id="25" name="Connecteur droit avec flèche 24"/>
+            <p:cNvCxnSpPr/>
+            <p:nvPr/>
+          </p:nvCxnSpPr>
+          <p:spPr>
+            <a:xfrm>
+              <a:off x="6041459" y="1725445"/>
+              <a:ext cx="1656000" cy="0"/>
+            </a:xfrm>
+            <a:prstGeom prst="straightConnector1">
+              <a:avLst/>
+            </a:prstGeom>
+            <a:ln>
+              <a:tailEnd type="arrow"/>
+            </a:ln>
+          </p:spPr>
+          <p:style>
+            <a:lnRef idx="2">
+              <a:schemeClr val="accent1"/>
+            </a:lnRef>
+            <a:fillRef idx="0">
+              <a:schemeClr val="accent1"/>
+            </a:fillRef>
+            <a:effectRef idx="1">
+              <a:schemeClr val="accent1"/>
+            </a:effectRef>
+            <a:fontRef idx="minor">
+              <a:schemeClr val="tx1"/>
+            </a:fontRef>
+          </p:style>
+        </p:cxnSp>
+        <p:cxnSp>
+          <p:nvCxnSpPr>
+            <p:cNvPr id="26" name="Connecteur droit avec flèche 25"/>
+            <p:cNvCxnSpPr/>
+            <p:nvPr/>
+          </p:nvCxnSpPr>
+          <p:spPr>
+            <a:xfrm>
+              <a:off x="6041459" y="1725445"/>
+              <a:ext cx="0" cy="1368000"/>
+            </a:xfrm>
+            <a:prstGeom prst="straightConnector1">
+              <a:avLst/>
+            </a:prstGeom>
+            <a:ln>
+              <a:tailEnd type="arrow"/>
+            </a:ln>
+          </p:spPr>
+          <p:style>
+            <a:lnRef idx="2">
+              <a:schemeClr val="accent1"/>
+            </a:lnRef>
+            <a:fillRef idx="0">
+              <a:schemeClr val="accent1"/>
+            </a:fillRef>
+            <a:effectRef idx="1">
+              <a:schemeClr val="accent1"/>
+            </a:effectRef>
+            <a:fontRef idx="minor">
+              <a:schemeClr val="tx1"/>
+            </a:fontRef>
+          </p:style>
+        </p:cxnSp>
+        <p:pic>
+          <p:nvPicPr>
+            <p:cNvPr id="24" name="Image 23" descr="data-s1lc.png"/>
+            <p:cNvPicPr>
+              <a:picLocks noChangeAspect="1"/>
+            </p:cNvPicPr>
+            <p:nvPr/>
+          </p:nvPicPr>
+          <p:blipFill>
+            <a:blip r:embed="rId6">
+              <a:extLst>
+                <a:ext uri="{28A0092B-C50C-407E-A947-70E740481C1C}">
+                  <a14:useLocalDpi xmlns:a14="http://schemas.microsoft.com/office/drawing/2010/main" val="0"/>
+                </a:ext>
+              </a:extLst>
+            </a:blip>
+            <a:stretch>
+              <a:fillRect/>
+            </a:stretch>
+          </p:blipFill>
+          <p:spPr>
+            <a:xfrm>
+              <a:off x="6149459" y="1835238"/>
+              <a:ext cx="1440000" cy="1150207"/>
+            </a:xfrm>
+            <a:prstGeom prst="rect">
+              <a:avLst/>
+            </a:prstGeom>
+          </p:spPr>
+        </p:pic>
+        <p:sp>
+          <p:nvSpPr>
+            <p:cNvPr id="21" name="ZoneTexte 20"/>
+            <p:cNvSpPr txBox="1"/>
+            <p:nvPr/>
+          </p:nvSpPr>
+          <p:spPr>
+            <a:xfrm>
+              <a:off x="7748759" y="1877624"/>
+              <a:ext cx="1310400" cy="523220"/>
+            </a:xfrm>
+            <a:prstGeom prst="rect">
+              <a:avLst/>
+            </a:prstGeom>
+            <a:noFill/>
+          </p:spPr>
+          <p:txBody>
+            <a:bodyPr wrap="square" rtlCol="0">
+              <a:spAutoFit/>
+            </a:bodyPr>
+            <a:lstStyle/>
+            <a:p>
+              <a:r>
+                <a:rPr lang="en-GB" sz="1400" dirty="0"/>
+                <a:t>s</a:t>
+              </a:r>
+              <a:r>
+                <a:rPr lang="en-GB" sz="1400" dirty="0" smtClean="0"/>
+                <a:t>tack #1</a:t>
+              </a:r>
+            </a:p>
+            <a:p>
+              <a:r>
+                <a:rPr lang="en-GB" sz="1400" dirty="0"/>
+                <a:t>l</a:t>
+              </a:r>
+              <a:r>
+                <a:rPr lang="en-GB" sz="1400" dirty="0" smtClean="0"/>
+                <a:t>eft cam.</a:t>
+              </a:r>
+              <a:endParaRPr lang="en-GB" sz="1400" dirty="0"/>
+            </a:p>
+          </p:txBody>
+        </p:sp>
+      </p:grpSp>
+    </p:spTree>
+    <p:extLst>
+      <p:ext uri="{BB962C8B-B14F-4D97-AF65-F5344CB8AC3E}">
+        <p14:creationId xmlns:p14="http://schemas.microsoft.com/office/powerpoint/2010/main" val="3913707828"/>
+      </p:ext>
+    </p:extLst>
+  </p:cSld>
+  <p:clrMapOvr>
+    <a:masterClrMapping/>
+  </p:clrMapOvr>
+</p:sld>
+</file>
+
+<file path=ppt/slides/slide10.xml><?xml version="1.0" encoding="utf-8"?>
+<p:sld xmlns:a="http://schemas.openxmlformats.org/drawingml/2006/main" xmlns:r="http://schemas.openxmlformats.org/officeDocument/2006/relationships" xmlns:p="http://schemas.openxmlformats.org/presentationml/2006/main">
+  <p:cSld>
+    <p:spTree>
+      <p:nvGrpSpPr>
+        <p:cNvPr id="1" name=""/>
+        <p:cNvGrpSpPr/>
+        <p:nvPr/>
+      </p:nvGrpSpPr>
+      <p:grpSpPr>
+        <a:xfrm>
+          <a:off x="0" y="0"/>
+          <a:ext cx="0" cy="0"/>
+          <a:chOff x="0" y="0"/>
+          <a:chExt cx="0" cy="0"/>
+        </a:xfrm>
+      </p:grpSpPr>
+      <p:pic>
+        <p:nvPicPr>
+          <p:cNvPr id="6" name="Image 5"/>
+          <p:cNvPicPr>
+            <a:picLocks noChangeAspect="1"/>
+          </p:cNvPicPr>
+          <p:nvPr/>
+        </p:nvPicPr>
+        <p:blipFill>
+          <a:blip r:embed="rId2">
+            <a:extLst>
+              <a:ext uri="{28A0092B-C50C-407E-A947-70E740481C1C}">
+                <a14:useLocalDpi xmlns:a14="http://schemas.microsoft.com/office/drawing/2010/main" val="0"/>
+              </a:ext>
+            </a:extLst>
+          </a:blip>
+          <a:stretch>
+            <a:fillRect/>
+          </a:stretch>
+        </p:blipFill>
+        <p:spPr>
+          <a:xfrm>
+            <a:off x="0" y="1440000"/>
+            <a:ext cx="1188000" cy="1388303"/>
+          </a:xfrm>
+          <a:prstGeom prst="rect">
+            <a:avLst/>
+          </a:prstGeom>
+        </p:spPr>
+      </p:pic>
+      <p:pic>
+        <p:nvPicPr>
+          <p:cNvPr id="8" name="Image 7"/>
+          <p:cNvPicPr>
+            <a:picLocks noChangeAspect="1"/>
+          </p:cNvPicPr>
+          <p:nvPr/>
+        </p:nvPicPr>
+        <p:blipFill>
+          <a:blip r:embed="rId3">
+            <a:extLst>
+              <a:ext uri="{28A0092B-C50C-407E-A947-70E740481C1C}">
+                <a14:useLocalDpi xmlns:a14="http://schemas.microsoft.com/office/drawing/2010/main" val="0"/>
+              </a:ext>
+            </a:extLst>
+          </a:blip>
+          <a:stretch>
+            <a:fillRect/>
+          </a:stretch>
+        </p:blipFill>
+        <p:spPr>
+          <a:xfrm>
+            <a:off x="2376000" y="1440000"/>
+            <a:ext cx="1188000" cy="1388303"/>
+          </a:xfrm>
+          <a:prstGeom prst="rect">
+            <a:avLst/>
+          </a:prstGeom>
+        </p:spPr>
+      </p:pic>
+      <p:pic>
+        <p:nvPicPr>
+          <p:cNvPr id="9" name="Image 8"/>
+          <p:cNvPicPr>
+            <a:picLocks noChangeAspect="1"/>
+          </p:cNvPicPr>
+          <p:nvPr/>
+        </p:nvPicPr>
+        <p:blipFill>
+          <a:blip r:embed="rId4">
+            <a:extLst>
+              <a:ext uri="{28A0092B-C50C-407E-A947-70E740481C1C}">
+                <a14:useLocalDpi xmlns:a14="http://schemas.microsoft.com/office/drawing/2010/main" val="0"/>
+              </a:ext>
+            </a:extLst>
+          </a:blip>
+          <a:stretch>
+            <a:fillRect/>
+          </a:stretch>
+        </p:blipFill>
+        <p:spPr>
+          <a:xfrm>
+            <a:off x="0" y="3456000"/>
+            <a:ext cx="1188000" cy="1388302"/>
+          </a:xfrm>
+          <a:prstGeom prst="rect">
+            <a:avLst/>
+          </a:prstGeom>
+        </p:spPr>
+      </p:pic>
+      <p:pic>
+        <p:nvPicPr>
+          <p:cNvPr id="10" name="Image 9"/>
+          <p:cNvPicPr>
+            <a:picLocks noChangeAspect="1"/>
+          </p:cNvPicPr>
+          <p:nvPr/>
+        </p:nvPicPr>
+        <p:blipFill>
+          <a:blip r:embed="rId5">
+            <a:extLst>
+              <a:ext uri="{28A0092B-C50C-407E-A947-70E740481C1C}">
+                <a14:useLocalDpi xmlns:a14="http://schemas.microsoft.com/office/drawing/2010/main" val="0"/>
+              </a:ext>
+            </a:extLst>
+          </a:blip>
+          <a:stretch>
+            <a:fillRect/>
+          </a:stretch>
+        </p:blipFill>
+        <p:spPr>
+          <a:xfrm>
+            <a:off x="2376000" y="3456000"/>
+            <a:ext cx="1188000" cy="1388302"/>
+          </a:xfrm>
+          <a:prstGeom prst="rect">
+            <a:avLst/>
+          </a:prstGeom>
+        </p:spPr>
+      </p:pic>
+      <p:sp>
+        <p:nvSpPr>
+          <p:cNvPr id="19" name="ZoneTexte 18"/>
+          <p:cNvSpPr txBox="1"/>
+          <p:nvPr/>
+        </p:nvSpPr>
+        <p:spPr>
+          <a:xfrm>
+            <a:off x="284700" y="2876303"/>
+            <a:ext cx="1806600" cy="307777"/>
+          </a:xfrm>
+          <a:prstGeom prst="rect">
+            <a:avLst/>
+          </a:prstGeom>
+          <a:noFill/>
+        </p:spPr>
+        <p:txBody>
+          <a:bodyPr wrap="square" rtlCol="0">
+            <a:spAutoFit/>
+          </a:bodyPr>
+          <a:lstStyle/>
+          <a:p>
+            <a:pPr algn="ctr"/>
+            <a:r>
+              <a:rPr lang="en-GB" sz="1400" dirty="0" smtClean="0"/>
+              <a:t>stack #0, left cam.</a:t>
+            </a:r>
+            <a:endParaRPr lang="en-GB" sz="1400" dirty="0"/>
+          </a:p>
+        </p:txBody>
+      </p:sp>
+      <p:sp>
+        <p:nvSpPr>
+          <p:cNvPr id="20" name="ZoneTexte 19"/>
+          <p:cNvSpPr txBox="1"/>
+          <p:nvPr/>
+        </p:nvSpPr>
+        <p:spPr>
+          <a:xfrm>
+            <a:off x="2660700" y="2876303"/>
+            <a:ext cx="1806600" cy="307777"/>
+          </a:xfrm>
+          <a:prstGeom prst="rect">
+            <a:avLst/>
+          </a:prstGeom>
+          <a:noFill/>
+        </p:spPr>
+        <p:txBody>
+          <a:bodyPr wrap="square" rtlCol="0">
+            <a:spAutoFit/>
+          </a:bodyPr>
+          <a:lstStyle/>
+          <a:p>
+            <a:pPr algn="ctr"/>
+            <a:r>
+              <a:rPr lang="en-GB" sz="1400" dirty="0" smtClean="0"/>
+              <a:t>stack #0, right cam.</a:t>
+            </a:r>
+            <a:endParaRPr lang="en-GB" sz="1400" dirty="0"/>
+          </a:p>
+        </p:txBody>
+      </p:sp>
+      <p:sp>
+        <p:nvSpPr>
+          <p:cNvPr id="21" name="ZoneTexte 20"/>
+          <p:cNvSpPr txBox="1"/>
+          <p:nvPr/>
+        </p:nvSpPr>
+        <p:spPr>
+          <a:xfrm>
+            <a:off x="284700" y="4848923"/>
+            <a:ext cx="1806600" cy="307777"/>
+          </a:xfrm>
+          <a:prstGeom prst="rect">
+            <a:avLst/>
+          </a:prstGeom>
+          <a:noFill/>
+        </p:spPr>
+        <p:txBody>
+          <a:bodyPr wrap="square" rtlCol="0">
+            <a:spAutoFit/>
+          </a:bodyPr>
+          <a:lstStyle/>
+          <a:p>
+            <a:pPr algn="ctr"/>
+            <a:r>
+              <a:rPr lang="en-GB" sz="1400" dirty="0" smtClean="0"/>
+              <a:t>stack #1, left cam.</a:t>
+            </a:r>
+            <a:endParaRPr lang="en-GB" sz="1400" dirty="0"/>
+          </a:p>
+        </p:txBody>
+      </p:sp>
+      <p:sp>
+        <p:nvSpPr>
+          <p:cNvPr id="22" name="ZoneTexte 21"/>
+          <p:cNvSpPr txBox="1"/>
+          <p:nvPr/>
+        </p:nvSpPr>
+        <p:spPr>
+          <a:xfrm>
+            <a:off x="2660700" y="4848923"/>
+            <a:ext cx="1806600" cy="307777"/>
+          </a:xfrm>
+          <a:prstGeom prst="rect">
+            <a:avLst/>
+          </a:prstGeom>
+          <a:noFill/>
+        </p:spPr>
+        <p:txBody>
+          <a:bodyPr wrap="square" rtlCol="0">
+            <a:spAutoFit/>
+          </a:bodyPr>
+          <a:lstStyle/>
+          <a:p>
+            <a:pPr algn="ctr"/>
+            <a:r>
+              <a:rPr lang="en-GB" sz="1400" dirty="0" smtClean="0"/>
+              <a:t>stack #1, right cam.</a:t>
+            </a:r>
+            <a:endParaRPr lang="en-GB" sz="1400" dirty="0"/>
+          </a:p>
+        </p:txBody>
+      </p:sp>
+      <p:pic>
+        <p:nvPicPr>
+          <p:cNvPr id="2" name="Image 1" descr="fusion.png"/>
+          <p:cNvPicPr>
+            <a:picLocks noChangeAspect="1"/>
+          </p:cNvPicPr>
+          <p:nvPr/>
+        </p:nvPicPr>
+        <p:blipFill>
+          <a:blip r:embed="rId6">
+            <a:extLst>
+              <a:ext uri="{28A0092B-C50C-407E-A947-70E740481C1C}">
+                <a14:useLocalDpi xmlns:a14="http://schemas.microsoft.com/office/drawing/2010/main" val="0"/>
+              </a:ext>
+            </a:extLst>
+          </a:blip>
+          <a:stretch>
+            <a:fillRect/>
+          </a:stretch>
+        </p:blipFill>
+        <p:spPr>
+          <a:xfrm>
+            <a:off x="5220000" y="1440000"/>
+            <a:ext cx="2926568" cy="3420000"/>
+          </a:xfrm>
+          <a:prstGeom prst="rect">
+            <a:avLst/>
+          </a:prstGeom>
+        </p:spPr>
+      </p:pic>
+      <p:pic>
+        <p:nvPicPr>
+          <p:cNvPr id="25" name="Image 24"/>
+          <p:cNvPicPr>
+            <a:picLocks noChangeAspect="1"/>
+          </p:cNvPicPr>
+          <p:nvPr/>
+        </p:nvPicPr>
+        <p:blipFill>
+          <a:blip r:embed="rId7">
+            <a:extLst>
+              <a:ext uri="{28A0092B-C50C-407E-A947-70E740481C1C}">
+                <a14:useLocalDpi xmlns:a14="http://schemas.microsoft.com/office/drawing/2010/main" val="0"/>
+              </a:ext>
+            </a:extLst>
+          </a:blip>
+          <a:stretch>
+            <a:fillRect/>
+          </a:stretch>
+        </p:blipFill>
+        <p:spPr>
+          <a:xfrm>
+            <a:off x="1188000" y="1440000"/>
+            <a:ext cx="1188000" cy="1388302"/>
+          </a:xfrm>
+          <a:prstGeom prst="rect">
+            <a:avLst/>
+          </a:prstGeom>
+        </p:spPr>
+      </p:pic>
+      <p:pic>
+        <p:nvPicPr>
+          <p:cNvPr id="26" name="Image 25"/>
+          <p:cNvPicPr>
+            <a:picLocks noChangeAspect="1"/>
+          </p:cNvPicPr>
+          <p:nvPr/>
+        </p:nvPicPr>
+        <p:blipFill>
+          <a:blip r:embed="rId8">
+            <a:extLst>
+              <a:ext uri="{28A0092B-C50C-407E-A947-70E740481C1C}">
+                <a14:useLocalDpi xmlns:a14="http://schemas.microsoft.com/office/drawing/2010/main" val="0"/>
+              </a:ext>
+            </a:extLst>
+          </a:blip>
+          <a:stretch>
+            <a:fillRect/>
+          </a:stretch>
+        </p:blipFill>
+        <p:spPr>
+          <a:xfrm>
+            <a:off x="3600003" y="1440000"/>
+            <a:ext cx="1227816" cy="1434831"/>
+          </a:xfrm>
+          <a:prstGeom prst="rect">
+            <a:avLst/>
+          </a:prstGeom>
+        </p:spPr>
+      </p:pic>
+      <p:pic>
+        <p:nvPicPr>
+          <p:cNvPr id="27" name="Image 26"/>
+          <p:cNvPicPr>
+            <a:picLocks noChangeAspect="1"/>
+          </p:cNvPicPr>
+          <p:nvPr/>
+        </p:nvPicPr>
+        <p:blipFill>
+          <a:blip r:embed="rId9">
+            <a:extLst>
+              <a:ext uri="{28A0092B-C50C-407E-A947-70E740481C1C}">
+                <a14:useLocalDpi xmlns:a14="http://schemas.microsoft.com/office/drawing/2010/main" val="0"/>
+              </a:ext>
+            </a:extLst>
+          </a:blip>
+          <a:stretch>
+            <a:fillRect/>
+          </a:stretch>
+        </p:blipFill>
+        <p:spPr>
+          <a:xfrm>
+            <a:off x="1188000" y="3456000"/>
+            <a:ext cx="1188000" cy="1388302"/>
+          </a:xfrm>
+          <a:prstGeom prst="rect">
+            <a:avLst/>
+          </a:prstGeom>
+        </p:spPr>
+      </p:pic>
+      <p:pic>
+        <p:nvPicPr>
+          <p:cNvPr id="28" name="Image 27"/>
+          <p:cNvPicPr>
+            <a:picLocks noChangeAspect="1"/>
+          </p:cNvPicPr>
+          <p:nvPr/>
+        </p:nvPicPr>
+        <p:blipFill>
+          <a:blip r:embed="rId10">
+            <a:extLst>
+              <a:ext uri="{28A0092B-C50C-407E-A947-70E740481C1C}">
+                <a14:useLocalDpi xmlns:a14="http://schemas.microsoft.com/office/drawing/2010/main" val="0"/>
+              </a:ext>
+            </a:extLst>
+          </a:blip>
+          <a:stretch>
+            <a:fillRect/>
+          </a:stretch>
+        </p:blipFill>
+        <p:spPr>
+          <a:xfrm>
+            <a:off x="3564000" y="3456000"/>
+            <a:ext cx="1188000" cy="1388302"/>
+          </a:xfrm>
+          <a:prstGeom prst="rect">
+            <a:avLst/>
+          </a:prstGeom>
+        </p:spPr>
+      </p:pic>
+    </p:spTree>
+    <p:extLst>
+      <p:ext uri="{BB962C8B-B14F-4D97-AF65-F5344CB8AC3E}">
+        <p14:creationId xmlns:p14="http://schemas.microsoft.com/office/powerpoint/2010/main" val="364848882"/>
+      </p:ext>
+    </p:extLst>
+  </p:cSld>
+  <p:clrMapOvr>
+    <a:masterClrMapping/>
+  </p:clrMapOvr>
+  <p:timing>
+    <p:tnLst>
+      <p:par>
+        <p:cTn xmlns:p14="http://schemas.microsoft.com/office/powerpoint/2010/main" id="1" dur="indefinite" restart="never" nodeType="tmRoot"/>
+      </p:par>
+    </p:tnLst>
+  </p:timing>
+</p:sld>
+</file>
+
+<file path=ppt/slides/slide2.xml><?xml version="1.0" encoding="utf-8"?>
+<p:sld xmlns:a="http://schemas.openxmlformats.org/drawingml/2006/main" xmlns:r="http://schemas.openxmlformats.org/officeDocument/2006/relationships" xmlns:p="http://schemas.openxmlformats.org/presentationml/2006/main">
+  <p:cSld>
+    <p:spTree>
+      <p:nvGrpSpPr>
+        <p:cNvPr id="1" name=""/>
+        <p:cNvGrpSpPr/>
+        <p:nvPr/>
+      </p:nvGrpSpPr>
+      <p:grpSpPr>
+        <a:xfrm>
+          <a:off x="0" y="0"/>
+          <a:ext cx="0" cy="0"/>
+          <a:chOff x="0" y="0"/>
+          <a:chExt cx="0" cy="0"/>
+        </a:xfrm>
+      </p:grpSpPr>
+      <p:sp>
+        <p:nvSpPr>
+          <p:cNvPr id="2" name="Titre 1"/>
+          <p:cNvSpPr>
+            <a:spLocks noGrp="1"/>
+          </p:cNvSpPr>
+          <p:nvPr>
+            <p:ph type="title"/>
+          </p:nvPr>
+        </p:nvSpPr>
+        <p:spPr/>
+        <p:txBody>
+          <a:bodyPr/>
+          <a:lstStyle/>
+          <a:p>
+            <a:r>
+              <a:rPr lang="en-GB" dirty="0" err="1" smtClean="0"/>
+              <a:t>Acquisition_orientation</a:t>
+            </a:r>
+            <a:r>
+              <a:rPr lang="en-GB" dirty="0" smtClean="0"/>
+              <a:t> = ‘Left’ </a:t>
+            </a:r>
+            <a:endParaRPr lang="en-GB" dirty="0"/>
+          </a:p>
+        </p:txBody>
+      </p:sp>
+      <p:grpSp>
+        <p:nvGrpSpPr>
+          <p:cNvPr id="3" name="Grouper 2"/>
+          <p:cNvGrpSpPr/>
+          <p:nvPr/>
+        </p:nvGrpSpPr>
+        <p:grpSpPr>
+          <a:xfrm>
+            <a:off x="0" y="1393200"/>
+            <a:ext cx="2268412" cy="4558837"/>
+            <a:chOff x="5719244" y="1466668"/>
+            <a:chExt cx="2268412" cy="4558837"/>
+          </a:xfrm>
+        </p:grpSpPr>
+        <p:pic>
+          <p:nvPicPr>
+            <p:cNvPr id="45" name="Image 44" descr="muvispim.png"/>
+            <p:cNvPicPr>
+              <a:picLocks noChangeAspect="1"/>
+            </p:cNvPicPr>
+            <p:nvPr/>
+          </p:nvPicPr>
+          <p:blipFill>
+            <a:blip r:embed="rId2">
+              <a:extLst>
+                <a:ext uri="{28A0092B-C50C-407E-A947-70E740481C1C}">
+                  <a14:useLocalDpi xmlns:a14="http://schemas.microsoft.com/office/drawing/2010/main" val="0"/>
+                </a:ext>
+              </a:extLst>
+            </a:blip>
+            <a:stretch>
+              <a:fillRect/>
+            </a:stretch>
+          </p:blipFill>
+          <p:spPr>
+            <a:xfrm rot="16200000">
+              <a:off x="6103212" y="3168005"/>
+              <a:ext cx="1473576" cy="1440000"/>
+            </a:xfrm>
+            <a:prstGeom prst="rect">
+              <a:avLst/>
+            </a:prstGeom>
+          </p:spPr>
+        </p:pic>
+        <p:grpSp>
+          <p:nvGrpSpPr>
+            <p:cNvPr id="46" name="Grouper 45"/>
+            <p:cNvGrpSpPr/>
+            <p:nvPr/>
+          </p:nvGrpSpPr>
+          <p:grpSpPr>
+            <a:xfrm>
+              <a:off x="5719244" y="1466668"/>
+              <a:ext cx="1948756" cy="1737337"/>
+              <a:chOff x="5719244" y="98663"/>
+              <a:chExt cx="1948756" cy="1737337"/>
+            </a:xfrm>
+          </p:grpSpPr>
+          <p:sp>
+            <p:nvSpPr>
+              <p:cNvPr id="55" name="ZoneTexte 54"/>
+              <p:cNvSpPr txBox="1"/>
+              <p:nvPr/>
+            </p:nvSpPr>
+            <p:spPr>
+              <a:xfrm>
+                <a:off x="7297123" y="98663"/>
+                <a:ext cx="304478" cy="369332"/>
+              </a:xfrm>
+              <a:prstGeom prst="rect">
+                <a:avLst/>
+              </a:prstGeom>
+              <a:noFill/>
+            </p:spPr>
+            <p:txBody>
+              <a:bodyPr wrap="none" rtlCol="0">
+                <a:spAutoFit/>
+              </a:bodyPr>
+              <a:lstStyle/>
+              <a:p>
+                <a:r>
+                  <a:rPr lang="en-GB" dirty="0" smtClean="0"/>
+                  <a:t>X</a:t>
+                </a:r>
+                <a:endParaRPr lang="en-GB" dirty="0"/>
+              </a:p>
+            </p:txBody>
+          </p:sp>
+          <p:sp>
+            <p:nvSpPr>
+              <p:cNvPr id="56" name="ZoneTexte 55"/>
+              <p:cNvSpPr txBox="1"/>
+              <p:nvPr/>
+            </p:nvSpPr>
+            <p:spPr>
+              <a:xfrm>
+                <a:off x="5719244" y="1466668"/>
+                <a:ext cx="292756" cy="369332"/>
+              </a:xfrm>
+              <a:prstGeom prst="rect">
+                <a:avLst/>
+              </a:prstGeom>
+              <a:noFill/>
+            </p:spPr>
+            <p:txBody>
+              <a:bodyPr wrap="none" rtlCol="0">
+                <a:spAutoFit/>
+              </a:bodyPr>
+              <a:lstStyle/>
+              <a:p>
+                <a:r>
+                  <a:rPr lang="en-GB" dirty="0"/>
+                  <a:t>Z</a:t>
+                </a:r>
+              </a:p>
+            </p:txBody>
+          </p:sp>
+          <p:pic>
+            <p:nvPicPr>
+              <p:cNvPr id="57" name="Image 56"/>
+              <p:cNvPicPr>
+                <a:picLocks noChangeAspect="1"/>
+              </p:cNvPicPr>
+              <p:nvPr/>
+            </p:nvPicPr>
+            <p:blipFill>
+              <a:blip r:embed="rId3">
+                <a:extLst>
+                  <a:ext uri="{28A0092B-C50C-407E-A947-70E740481C1C}">
+                    <a14:useLocalDpi xmlns:a14="http://schemas.microsoft.com/office/drawing/2010/main" val="0"/>
+                  </a:ext>
+                </a:extLst>
+              </a:blip>
+              <a:stretch>
+                <a:fillRect/>
+              </a:stretch>
+            </p:blipFill>
+            <p:spPr>
+              <a:xfrm>
+                <a:off x="6120000" y="576356"/>
+                <a:ext cx="1440000" cy="1081081"/>
+              </a:xfrm>
+              <a:prstGeom prst="rect">
+                <a:avLst/>
+              </a:prstGeom>
+            </p:spPr>
+          </p:pic>
+          <p:cxnSp>
+            <p:nvCxnSpPr>
+              <p:cNvPr id="58" name="Connecteur droit avec flèche 57"/>
+              <p:cNvCxnSpPr/>
+              <p:nvPr/>
+            </p:nvCxnSpPr>
+            <p:spPr>
+              <a:xfrm>
+                <a:off x="6012000" y="432000"/>
+                <a:ext cx="1656000" cy="0"/>
+              </a:xfrm>
+              <a:prstGeom prst="straightConnector1">
+                <a:avLst/>
+              </a:prstGeom>
+              <a:ln>
+                <a:tailEnd type="arrow"/>
+              </a:ln>
+            </p:spPr>
+            <p:style>
+              <a:lnRef idx="2">
+                <a:schemeClr val="accent1"/>
+              </a:lnRef>
+              <a:fillRef idx="0">
+                <a:schemeClr val="accent1"/>
+              </a:fillRef>
+              <a:effectRef idx="1">
+                <a:schemeClr val="accent1"/>
+              </a:effectRef>
+              <a:fontRef idx="minor">
+                <a:schemeClr val="tx1"/>
+              </a:fontRef>
+            </p:style>
+          </p:cxnSp>
+          <p:cxnSp>
+            <p:nvCxnSpPr>
+              <p:cNvPr id="59" name="Connecteur droit avec flèche 58"/>
+              <p:cNvCxnSpPr/>
+              <p:nvPr/>
+            </p:nvCxnSpPr>
+            <p:spPr>
+              <a:xfrm>
+                <a:off x="6012000" y="432000"/>
+                <a:ext cx="0" cy="1368000"/>
+              </a:xfrm>
+              <a:prstGeom prst="straightConnector1">
+                <a:avLst/>
+              </a:prstGeom>
+              <a:ln>
+                <a:tailEnd type="arrow"/>
+              </a:ln>
+            </p:spPr>
+            <p:style>
+              <a:lnRef idx="2">
+                <a:schemeClr val="accent1"/>
+              </a:lnRef>
+              <a:fillRef idx="0">
+                <a:schemeClr val="accent1"/>
+              </a:fillRef>
+              <a:effectRef idx="1">
+                <a:schemeClr val="accent1"/>
+              </a:effectRef>
+              <a:fontRef idx="minor">
+                <a:schemeClr val="tx1"/>
+              </a:fontRef>
+            </p:style>
+          </p:cxnSp>
+        </p:grpSp>
+        <p:sp>
+          <p:nvSpPr>
+            <p:cNvPr id="47" name="ZoneTexte 46"/>
+            <p:cNvSpPr txBox="1"/>
+            <p:nvPr/>
+          </p:nvSpPr>
+          <p:spPr>
+            <a:xfrm>
+              <a:off x="6051023" y="4273835"/>
+              <a:ext cx="304478" cy="369332"/>
+            </a:xfrm>
+            <a:prstGeom prst="rect">
+              <a:avLst/>
+            </a:prstGeom>
+            <a:noFill/>
+          </p:spPr>
+          <p:txBody>
+            <a:bodyPr wrap="none" rtlCol="0">
+              <a:spAutoFit/>
+            </a:bodyPr>
+            <a:lstStyle/>
+            <a:p>
+              <a:r>
+                <a:rPr lang="en-GB" dirty="0" smtClean="0"/>
+                <a:t>X</a:t>
+              </a:r>
+              <a:endParaRPr lang="en-GB" dirty="0"/>
+            </a:p>
+          </p:txBody>
+        </p:sp>
+        <p:sp>
+          <p:nvSpPr>
+            <p:cNvPr id="48" name="ZoneTexte 47"/>
+            <p:cNvSpPr txBox="1"/>
+            <p:nvPr/>
+          </p:nvSpPr>
+          <p:spPr>
+            <a:xfrm>
+              <a:off x="7694900" y="5618073"/>
+              <a:ext cx="292756" cy="369332"/>
+            </a:xfrm>
+            <a:prstGeom prst="rect">
+              <a:avLst/>
+            </a:prstGeom>
+            <a:noFill/>
+          </p:spPr>
+          <p:txBody>
+            <a:bodyPr wrap="none" rtlCol="0">
+              <a:spAutoFit/>
+            </a:bodyPr>
+            <a:lstStyle/>
+            <a:p>
+              <a:r>
+                <a:rPr lang="en-GB" dirty="0"/>
+                <a:t>Z</a:t>
+              </a:r>
+            </a:p>
+          </p:txBody>
+        </p:sp>
+        <p:pic>
+          <p:nvPicPr>
+            <p:cNvPr id="49" name="Image 48"/>
+            <p:cNvPicPr>
+              <a:picLocks noChangeAspect="1"/>
+            </p:cNvPicPr>
+            <p:nvPr/>
+          </p:nvPicPr>
+          <p:blipFill>
+            <a:blip r:embed="rId4">
+              <a:extLst>
+                <a:ext uri="{28A0092B-C50C-407E-A947-70E740481C1C}">
+                  <a14:useLocalDpi xmlns:a14="http://schemas.microsoft.com/office/drawing/2010/main" val="0"/>
+                </a:ext>
+              </a:extLst>
+            </a:blip>
+            <a:stretch>
+              <a:fillRect/>
+            </a:stretch>
+          </p:blipFill>
+          <p:spPr>
+            <a:xfrm>
+              <a:off x="6159023" y="4801861"/>
+              <a:ext cx="1439999" cy="1081080"/>
+            </a:xfrm>
+            <a:prstGeom prst="rect">
+              <a:avLst/>
+            </a:prstGeom>
+          </p:spPr>
+        </p:pic>
+        <p:cxnSp>
+          <p:nvCxnSpPr>
+            <p:cNvPr id="50" name="Connecteur droit avec flèche 49"/>
+            <p:cNvCxnSpPr/>
+            <p:nvPr/>
+          </p:nvCxnSpPr>
+          <p:spPr>
+            <a:xfrm>
+              <a:off x="6051023" y="4657505"/>
+              <a:ext cx="1656000" cy="0"/>
+            </a:xfrm>
+            <a:prstGeom prst="straightConnector1">
+              <a:avLst/>
+            </a:prstGeom>
+            <a:ln>
+              <a:headEnd type="arrow"/>
+              <a:tailEnd type="none"/>
+            </a:ln>
+          </p:spPr>
+          <p:style>
+            <a:lnRef idx="2">
+              <a:schemeClr val="accent1"/>
+            </a:lnRef>
+            <a:fillRef idx="0">
+              <a:schemeClr val="accent1"/>
+            </a:fillRef>
+            <a:effectRef idx="1">
+              <a:schemeClr val="accent1"/>
+            </a:effectRef>
+            <a:fontRef idx="minor">
+              <a:schemeClr val="tx1"/>
+            </a:fontRef>
+          </p:style>
+        </p:cxnSp>
+        <p:cxnSp>
+          <p:nvCxnSpPr>
+            <p:cNvPr id="51" name="Connecteur droit avec flèche 50"/>
+            <p:cNvCxnSpPr/>
+            <p:nvPr/>
+          </p:nvCxnSpPr>
+          <p:spPr>
+            <a:xfrm>
+              <a:off x="7707600" y="4657505"/>
+              <a:ext cx="0" cy="1368000"/>
+            </a:xfrm>
+            <a:prstGeom prst="straightConnector1">
+              <a:avLst/>
+            </a:prstGeom>
+            <a:ln>
+              <a:tailEnd type="arrow"/>
+            </a:ln>
+          </p:spPr>
+          <p:style>
+            <a:lnRef idx="2">
+              <a:schemeClr val="accent1"/>
+            </a:lnRef>
+            <a:fillRef idx="0">
+              <a:schemeClr val="accent1"/>
+            </a:fillRef>
+            <a:effectRef idx="1">
+              <a:schemeClr val="accent1"/>
+            </a:effectRef>
+            <a:fontRef idx="minor">
+              <a:schemeClr val="tx1"/>
+            </a:fontRef>
+          </p:style>
+        </p:cxnSp>
+      </p:grpSp>
+      <p:pic>
+        <p:nvPicPr>
+          <p:cNvPr id="35" name="Image 34" descr="muvispim.png"/>
+          <p:cNvPicPr>
+            <a:picLocks noChangeAspect="1"/>
+          </p:cNvPicPr>
+          <p:nvPr/>
+        </p:nvPicPr>
+        <p:blipFill>
+          <a:blip r:embed="rId2">
+            <a:extLst>
+              <a:ext uri="{28A0092B-C50C-407E-A947-70E740481C1C}">
+                <a14:useLocalDpi xmlns:a14="http://schemas.microsoft.com/office/drawing/2010/main" val="0"/>
+              </a:ext>
+            </a:extLst>
+          </a:blip>
+          <a:stretch>
+            <a:fillRect/>
+          </a:stretch>
+        </p:blipFill>
+        <p:spPr>
+          <a:xfrm>
+            <a:off x="4648300" y="3068375"/>
+            <a:ext cx="1473576" cy="1440000"/>
+          </a:xfrm>
+          <a:prstGeom prst="rect">
+            <a:avLst/>
+          </a:prstGeom>
+        </p:spPr>
+      </p:pic>
+      <p:grpSp>
+        <p:nvGrpSpPr>
+          <p:cNvPr id="5" name="Grouper 4"/>
+          <p:cNvGrpSpPr/>
+          <p:nvPr/>
+        </p:nvGrpSpPr>
+        <p:grpSpPr>
+          <a:xfrm>
+            <a:off x="3096000" y="2574000"/>
+            <a:ext cx="1722878" cy="2375460"/>
+            <a:chOff x="6148300" y="2574000"/>
+            <a:chExt cx="1722878" cy="2375460"/>
+          </a:xfrm>
+        </p:grpSpPr>
+        <p:pic>
+          <p:nvPicPr>
+            <p:cNvPr id="40" name="Image 39"/>
+            <p:cNvPicPr>
+              <a:picLocks noChangeAspect="1"/>
+            </p:cNvPicPr>
+            <p:nvPr/>
+          </p:nvPicPr>
+          <p:blipFill>
+            <a:blip r:embed="rId5">
+              <a:extLst>
+                <a:ext uri="{28A0092B-C50C-407E-A947-70E740481C1C}">
+                  <a14:useLocalDpi xmlns:a14="http://schemas.microsoft.com/office/drawing/2010/main" val="0"/>
+                </a:ext>
+              </a:extLst>
+            </a:blip>
+            <a:stretch>
+              <a:fillRect/>
+            </a:stretch>
+          </p:blipFill>
+          <p:spPr>
+            <a:xfrm>
+              <a:off x="6422204" y="3068376"/>
+              <a:ext cx="869187" cy="1439998"/>
+            </a:xfrm>
+            <a:prstGeom prst="rect">
+              <a:avLst/>
+            </a:prstGeom>
+          </p:spPr>
+        </p:pic>
+        <p:cxnSp>
+          <p:nvCxnSpPr>
+            <p:cNvPr id="41" name="Connecteur droit avec flèche 40"/>
+            <p:cNvCxnSpPr/>
+            <p:nvPr/>
+          </p:nvCxnSpPr>
+          <p:spPr>
+            <a:xfrm flipV="1">
+              <a:off x="7565700" y="2960375"/>
+              <a:ext cx="0" cy="1656000"/>
+            </a:xfrm>
+            <a:prstGeom prst="straightConnector1">
+              <a:avLst/>
+            </a:prstGeom>
+            <a:ln>
+              <a:headEnd type="none"/>
+              <a:tailEnd type="arrow"/>
+            </a:ln>
+          </p:spPr>
+          <p:style>
+            <a:lnRef idx="2">
+              <a:schemeClr val="accent1"/>
+            </a:lnRef>
+            <a:fillRef idx="0">
+              <a:schemeClr val="accent1"/>
+            </a:fillRef>
+            <a:effectRef idx="1">
+              <a:schemeClr val="accent1"/>
+            </a:effectRef>
+            <a:fontRef idx="minor">
+              <a:schemeClr val="tx1"/>
+            </a:fontRef>
+          </p:style>
+        </p:cxnSp>
+        <p:cxnSp>
+          <p:nvCxnSpPr>
+            <p:cNvPr id="42" name="Connecteur droit avec flèche 41"/>
+            <p:cNvCxnSpPr/>
+            <p:nvPr/>
+          </p:nvCxnSpPr>
+          <p:spPr>
+            <a:xfrm>
+              <a:off x="6148300" y="4616375"/>
+              <a:ext cx="1418400" cy="0"/>
+            </a:xfrm>
+            <a:prstGeom prst="straightConnector1">
+              <a:avLst/>
+            </a:prstGeom>
+            <a:ln>
+              <a:headEnd type="arrow"/>
+              <a:tailEnd type="none"/>
+            </a:ln>
+          </p:spPr>
+          <p:style>
+            <a:lnRef idx="2">
+              <a:schemeClr val="accent1"/>
+            </a:lnRef>
+            <a:fillRef idx="0">
+              <a:schemeClr val="accent1"/>
+            </a:fillRef>
+            <a:effectRef idx="1">
+              <a:schemeClr val="accent1"/>
+            </a:effectRef>
+            <a:fontRef idx="minor">
+              <a:schemeClr val="tx1"/>
+            </a:fontRef>
+          </p:style>
+        </p:cxnSp>
+        <p:sp>
+          <p:nvSpPr>
+            <p:cNvPr id="43" name="ZoneTexte 42"/>
+            <p:cNvSpPr txBox="1"/>
+            <p:nvPr/>
+          </p:nvSpPr>
+          <p:spPr>
+            <a:xfrm>
+              <a:off x="7566700" y="3023244"/>
+              <a:ext cx="304478" cy="369332"/>
+            </a:xfrm>
+            <a:prstGeom prst="rect">
+              <a:avLst/>
+            </a:prstGeom>
+            <a:noFill/>
+          </p:spPr>
+          <p:txBody>
+            <a:bodyPr wrap="none" rtlCol="0">
+              <a:spAutoFit/>
+            </a:bodyPr>
+            <a:lstStyle/>
+            <a:p>
+              <a:r>
+                <a:rPr lang="en-GB" dirty="0" smtClean="0"/>
+                <a:t>X</a:t>
+              </a:r>
+              <a:endParaRPr lang="en-GB" dirty="0"/>
+            </a:p>
+          </p:txBody>
+        </p:sp>
+        <p:sp>
+          <p:nvSpPr>
+            <p:cNvPr id="44" name="ZoneTexte 43"/>
+            <p:cNvSpPr txBox="1"/>
+            <p:nvPr/>
+          </p:nvSpPr>
+          <p:spPr>
+            <a:xfrm>
+              <a:off x="6237726" y="4580128"/>
+              <a:ext cx="292756" cy="369332"/>
+            </a:xfrm>
+            <a:prstGeom prst="rect">
+              <a:avLst/>
+            </a:prstGeom>
+            <a:noFill/>
+          </p:spPr>
+          <p:txBody>
+            <a:bodyPr wrap="none" rtlCol="0">
+              <a:spAutoFit/>
+            </a:bodyPr>
+            <a:lstStyle/>
+            <a:p>
+              <a:r>
+                <a:rPr lang="en-GB" dirty="0"/>
+                <a:t>Z</a:t>
+              </a:r>
+            </a:p>
+          </p:txBody>
+        </p:sp>
+        <p:sp>
+          <p:nvSpPr>
+            <p:cNvPr id="53" name="ZoneTexte 52"/>
+            <p:cNvSpPr txBox="1"/>
+            <p:nvPr/>
+          </p:nvSpPr>
+          <p:spPr>
+            <a:xfrm>
+              <a:off x="6275826" y="2574000"/>
+              <a:ext cx="1310400" cy="523220"/>
+            </a:xfrm>
+            <a:prstGeom prst="rect">
+              <a:avLst/>
+            </a:prstGeom>
+            <a:noFill/>
+          </p:spPr>
+          <p:txBody>
+            <a:bodyPr wrap="square" rtlCol="0">
+              <a:spAutoFit/>
+            </a:bodyPr>
+            <a:lstStyle/>
+            <a:p>
+              <a:r>
+                <a:rPr lang="en-GB" sz="1400" dirty="0"/>
+                <a:t>s</a:t>
+              </a:r>
+              <a:r>
+                <a:rPr lang="en-GB" sz="1400" dirty="0" smtClean="0"/>
+                <a:t>tack #0</a:t>
+              </a:r>
+            </a:p>
+            <a:p>
+              <a:r>
+                <a:rPr lang="en-GB" sz="1400" dirty="0" smtClean="0"/>
+                <a:t>right cam.</a:t>
+              </a:r>
+              <a:endParaRPr lang="en-GB" sz="1400" dirty="0"/>
+            </a:p>
+          </p:txBody>
+        </p:sp>
+      </p:grpSp>
+      <p:grpSp>
+        <p:nvGrpSpPr>
+          <p:cNvPr id="4" name="Grouper 3"/>
+          <p:cNvGrpSpPr/>
+          <p:nvPr/>
+        </p:nvGrpSpPr>
+        <p:grpSpPr>
+          <a:xfrm>
+            <a:off x="6120000" y="2574000"/>
+            <a:ext cx="1710578" cy="2474383"/>
+            <a:chOff x="3240000" y="2574000"/>
+            <a:chExt cx="1710578" cy="2474383"/>
+          </a:xfrm>
+        </p:grpSpPr>
+        <p:pic>
+          <p:nvPicPr>
+            <p:cNvPr id="36" name="Image 35"/>
+            <p:cNvPicPr>
+              <a:picLocks noChangeAspect="1"/>
+            </p:cNvPicPr>
+            <p:nvPr/>
+          </p:nvPicPr>
+          <p:blipFill>
+            <a:blip r:embed="rId6">
+              <a:extLst>
+                <a:ext uri="{28A0092B-C50C-407E-A947-70E740481C1C}">
+                  <a14:useLocalDpi xmlns:a14="http://schemas.microsoft.com/office/drawing/2010/main" val="0"/>
+                </a:ext>
+              </a:extLst>
+            </a:blip>
+            <a:stretch>
+              <a:fillRect/>
+            </a:stretch>
+          </p:blipFill>
+          <p:spPr>
+            <a:xfrm>
+              <a:off x="3552003" y="3068375"/>
+              <a:ext cx="869189" cy="1440000"/>
+            </a:xfrm>
+            <a:prstGeom prst="rect">
+              <a:avLst/>
+            </a:prstGeom>
+          </p:spPr>
+        </p:pic>
+        <p:cxnSp>
+          <p:nvCxnSpPr>
+            <p:cNvPr id="37" name="Connecteur droit avec flèche 36"/>
+            <p:cNvCxnSpPr/>
+            <p:nvPr/>
+          </p:nvCxnSpPr>
+          <p:spPr>
+            <a:xfrm>
+              <a:off x="3240000" y="2960375"/>
+              <a:ext cx="1418400" cy="0"/>
+            </a:xfrm>
+            <a:prstGeom prst="straightConnector1">
+              <a:avLst/>
+            </a:prstGeom>
+            <a:ln>
+              <a:headEnd type="arrow"/>
+              <a:tailEnd type="none"/>
+            </a:ln>
+          </p:spPr>
+          <p:style>
+            <a:lnRef idx="2">
+              <a:schemeClr val="accent1"/>
+            </a:lnRef>
+            <a:fillRef idx="0">
+              <a:schemeClr val="accent1"/>
+            </a:fillRef>
+            <a:effectRef idx="1">
+              <a:schemeClr val="accent1"/>
+            </a:effectRef>
+            <a:fontRef idx="minor">
+              <a:schemeClr val="tx1"/>
+            </a:fontRef>
+          </p:style>
+        </p:cxnSp>
+        <p:sp>
+          <p:nvSpPr>
+            <p:cNvPr id="38" name="ZoneTexte 37"/>
+            <p:cNvSpPr txBox="1"/>
+            <p:nvPr/>
+          </p:nvSpPr>
+          <p:spPr>
+            <a:xfrm>
+              <a:off x="4646100" y="4237233"/>
+              <a:ext cx="304478" cy="369332"/>
+            </a:xfrm>
+            <a:prstGeom prst="rect">
+              <a:avLst/>
+            </a:prstGeom>
+            <a:noFill/>
+          </p:spPr>
+          <p:txBody>
+            <a:bodyPr wrap="none" rtlCol="0">
+              <a:spAutoFit/>
+            </a:bodyPr>
+            <a:lstStyle/>
+            <a:p>
+              <a:r>
+                <a:rPr lang="en-GB" dirty="0" smtClean="0"/>
+                <a:t>X</a:t>
+              </a:r>
+              <a:endParaRPr lang="en-GB" dirty="0"/>
+            </a:p>
+          </p:txBody>
+        </p:sp>
+        <p:sp>
+          <p:nvSpPr>
+            <p:cNvPr id="39" name="ZoneTexte 38"/>
+            <p:cNvSpPr txBox="1"/>
+            <p:nvPr/>
+          </p:nvSpPr>
+          <p:spPr>
+            <a:xfrm>
+              <a:off x="3405625" y="2574000"/>
+              <a:ext cx="292756" cy="369332"/>
+            </a:xfrm>
+            <a:prstGeom prst="rect">
+              <a:avLst/>
+            </a:prstGeom>
+            <a:noFill/>
+          </p:spPr>
+          <p:txBody>
+            <a:bodyPr wrap="none" rtlCol="0">
+              <a:spAutoFit/>
+            </a:bodyPr>
+            <a:lstStyle/>
+            <a:p>
+              <a:r>
+                <a:rPr lang="en-GB" dirty="0"/>
+                <a:t>Z</a:t>
+              </a:r>
+            </a:p>
+          </p:txBody>
+        </p:sp>
+        <p:sp>
+          <p:nvSpPr>
+            <p:cNvPr id="52" name="ZoneTexte 51"/>
+            <p:cNvSpPr txBox="1"/>
+            <p:nvPr/>
+          </p:nvSpPr>
+          <p:spPr>
+            <a:xfrm>
+              <a:off x="3363836" y="4525163"/>
+              <a:ext cx="1310400" cy="523220"/>
+            </a:xfrm>
+            <a:prstGeom prst="rect">
+              <a:avLst/>
+            </a:prstGeom>
+            <a:noFill/>
+          </p:spPr>
+          <p:txBody>
+            <a:bodyPr wrap="square" rtlCol="0">
+              <a:spAutoFit/>
+            </a:bodyPr>
+            <a:lstStyle/>
+            <a:p>
+              <a:r>
+                <a:rPr lang="en-GB" sz="1400" dirty="0"/>
+                <a:t>s</a:t>
+              </a:r>
+              <a:r>
+                <a:rPr lang="en-GB" sz="1400" dirty="0" smtClean="0"/>
+                <a:t>tack #0</a:t>
+              </a:r>
+            </a:p>
+            <a:p>
+              <a:r>
+                <a:rPr lang="en-GB" sz="1400" dirty="0"/>
+                <a:t>l</a:t>
+              </a:r>
+              <a:r>
+                <a:rPr lang="en-GB" sz="1400" dirty="0" smtClean="0"/>
+                <a:t>eft cam.</a:t>
+              </a:r>
+              <a:endParaRPr lang="en-GB" sz="1400" dirty="0"/>
+            </a:p>
+          </p:txBody>
+        </p:sp>
+        <p:cxnSp>
+          <p:nvCxnSpPr>
+            <p:cNvPr id="54" name="Connecteur droit avec flèche 53"/>
+            <p:cNvCxnSpPr/>
+            <p:nvPr/>
+          </p:nvCxnSpPr>
+          <p:spPr>
+            <a:xfrm flipV="1">
+              <a:off x="4646100" y="2960375"/>
+              <a:ext cx="0" cy="1656000"/>
+            </a:xfrm>
+            <a:prstGeom prst="straightConnector1">
+              <a:avLst/>
+            </a:prstGeom>
+            <a:ln>
+              <a:headEnd type="arrow"/>
+              <a:tailEnd type="none"/>
+            </a:ln>
+          </p:spPr>
+          <p:style>
+            <a:lnRef idx="2">
+              <a:schemeClr val="accent1"/>
+            </a:lnRef>
+            <a:fillRef idx="0">
+              <a:schemeClr val="accent1"/>
+            </a:fillRef>
+            <a:effectRef idx="1">
+              <a:schemeClr val="accent1"/>
+            </a:effectRef>
+            <a:fontRef idx="minor">
+              <a:schemeClr val="tx1"/>
+            </a:fontRef>
+          </p:style>
+        </p:cxnSp>
+      </p:grpSp>
+      <p:sp>
+        <p:nvSpPr>
+          <p:cNvPr id="61" name="ZoneTexte 60"/>
+          <p:cNvSpPr txBox="1"/>
+          <p:nvPr/>
+        </p:nvSpPr>
+        <p:spPr>
+          <a:xfrm>
+            <a:off x="1942356" y="4684231"/>
+            <a:ext cx="1310400" cy="523220"/>
+          </a:xfrm>
+          <a:prstGeom prst="rect">
+            <a:avLst/>
+          </a:prstGeom>
+          <a:noFill/>
+        </p:spPr>
+        <p:txBody>
+          <a:bodyPr wrap="square" rtlCol="0">
+            <a:spAutoFit/>
+          </a:bodyPr>
+          <a:lstStyle/>
+          <a:p>
+            <a:r>
+              <a:rPr lang="en-GB" sz="1400" dirty="0"/>
+              <a:t>s</a:t>
+            </a:r>
+            <a:r>
+              <a:rPr lang="en-GB" sz="1400" dirty="0" smtClean="0"/>
+              <a:t>tack #1</a:t>
+            </a:r>
+          </a:p>
+          <a:p>
+            <a:r>
+              <a:rPr lang="en-GB" sz="1400" dirty="0" smtClean="0"/>
+              <a:t>right cam.</a:t>
+            </a:r>
+            <a:endParaRPr lang="en-GB" sz="1400" dirty="0"/>
+          </a:p>
+        </p:txBody>
+      </p:sp>
+      <p:sp>
+        <p:nvSpPr>
+          <p:cNvPr id="62" name="ZoneTexte 61"/>
+          <p:cNvSpPr txBox="1"/>
+          <p:nvPr/>
+        </p:nvSpPr>
+        <p:spPr>
+          <a:xfrm>
+            <a:off x="1942356" y="1881617"/>
+            <a:ext cx="1310400" cy="523220"/>
+          </a:xfrm>
+          <a:prstGeom prst="rect">
+            <a:avLst/>
+          </a:prstGeom>
+          <a:noFill/>
+        </p:spPr>
+        <p:txBody>
+          <a:bodyPr wrap="square" rtlCol="0">
+            <a:spAutoFit/>
+          </a:bodyPr>
+          <a:lstStyle/>
+          <a:p>
+            <a:r>
+              <a:rPr lang="en-GB" sz="1400" dirty="0"/>
+              <a:t>s</a:t>
+            </a:r>
+            <a:r>
+              <a:rPr lang="en-GB" sz="1400" dirty="0" smtClean="0"/>
+              <a:t>tack #1</a:t>
+            </a:r>
+          </a:p>
+          <a:p>
+            <a:r>
+              <a:rPr lang="en-GB" sz="1400" dirty="0"/>
+              <a:t>l</a:t>
+            </a:r>
+            <a:r>
+              <a:rPr lang="en-GB" sz="1400" dirty="0" smtClean="0"/>
+              <a:t>eft cam.</a:t>
+            </a:r>
+            <a:endParaRPr lang="en-GB" sz="1400" dirty="0"/>
+          </a:p>
+        </p:txBody>
+      </p:sp>
+    </p:spTree>
+    <p:extLst>
+      <p:ext uri="{BB962C8B-B14F-4D97-AF65-F5344CB8AC3E}">
+        <p14:creationId xmlns:p14="http://schemas.microsoft.com/office/powerpoint/2010/main" val="3981346415"/>
+      </p:ext>
+    </p:extLst>
+  </p:cSld>
+  <p:clrMapOvr>
+    <a:masterClrMapping/>
+  </p:clrMapOvr>
+</p:sld>
+</file>
+
+<file path=ppt/slides/slide3.xml><?xml version="1.0" encoding="utf-8"?>
+<p:sld xmlns:a="http://schemas.openxmlformats.org/drawingml/2006/main" xmlns:r="http://schemas.openxmlformats.org/officeDocument/2006/relationships" xmlns:p="http://schemas.openxmlformats.org/presentationml/2006/main">
+  <p:cSld>
+    <p:spTree>
+      <p:nvGrpSpPr>
+        <p:cNvPr id="1" name=""/>
+        <p:cNvGrpSpPr/>
+        <p:nvPr/>
+      </p:nvGrpSpPr>
+      <p:grpSpPr>
+        <a:xfrm>
+          <a:off x="0" y="0"/>
+          <a:ext cx="0" cy="0"/>
+          <a:chOff x="0" y="0"/>
+          <a:chExt cx="0" cy="0"/>
+        </a:xfrm>
+      </p:grpSpPr>
+      <p:sp>
+        <p:nvSpPr>
+          <p:cNvPr id="2" name="Titre 1"/>
+          <p:cNvSpPr>
+            <a:spLocks noGrp="1"/>
+          </p:cNvSpPr>
+          <p:nvPr>
+            <p:ph type="title"/>
+          </p:nvPr>
+        </p:nvSpPr>
+        <p:spPr/>
+        <p:txBody>
+          <a:bodyPr/>
+          <a:lstStyle/>
+          <a:p>
+            <a:r>
+              <a:rPr lang="en-GB" dirty="0" err="1"/>
+              <a:t>fusion_strategy</a:t>
+            </a:r>
+            <a:r>
+              <a:rPr lang="en-GB" dirty="0"/>
+              <a:t> = 'direct-fusion'</a:t>
+            </a:r>
+          </a:p>
+        </p:txBody>
+      </p:sp>
+      <p:grpSp>
+        <p:nvGrpSpPr>
+          <p:cNvPr id="16" name="Grouper 15"/>
+          <p:cNvGrpSpPr/>
+          <p:nvPr/>
+        </p:nvGrpSpPr>
+        <p:grpSpPr>
+          <a:xfrm>
+            <a:off x="389459" y="1835238"/>
+            <a:ext cx="7239022" cy="4007707"/>
+            <a:chOff x="389459" y="1835238"/>
+            <a:chExt cx="7239022" cy="4007707"/>
+          </a:xfrm>
+        </p:grpSpPr>
+        <p:pic>
+          <p:nvPicPr>
+            <p:cNvPr id="17" name="Image 16"/>
+            <p:cNvPicPr>
+              <a:picLocks noChangeAspect="1"/>
+            </p:cNvPicPr>
+            <p:nvPr/>
+          </p:nvPicPr>
+          <p:blipFill>
+            <a:blip r:embed="rId2">
+              <a:extLst>
+                <a:ext uri="{28A0092B-C50C-407E-A947-70E740481C1C}">
+                  <a14:useLocalDpi xmlns:a14="http://schemas.microsoft.com/office/drawing/2010/main" val="0"/>
+                </a:ext>
+              </a:extLst>
+            </a:blip>
+            <a:stretch>
+              <a:fillRect/>
+            </a:stretch>
+          </p:blipFill>
+          <p:spPr>
+            <a:xfrm>
+              <a:off x="389459" y="3093445"/>
+              <a:ext cx="1200995" cy="1440000"/>
+            </a:xfrm>
+            <a:prstGeom prst="rect">
+              <a:avLst/>
+            </a:prstGeom>
+          </p:spPr>
+        </p:pic>
+        <p:pic>
+          <p:nvPicPr>
+            <p:cNvPr id="18" name="Image 17"/>
+            <p:cNvPicPr>
+              <a:picLocks noChangeAspect="1"/>
+            </p:cNvPicPr>
+            <p:nvPr/>
+          </p:nvPicPr>
+          <p:blipFill>
+            <a:blip r:embed="rId3">
+              <a:extLst>
+                <a:ext uri="{28A0092B-C50C-407E-A947-70E740481C1C}">
+                  <a14:useLocalDpi xmlns:a14="http://schemas.microsoft.com/office/drawing/2010/main" val="0"/>
+                </a:ext>
+              </a:extLst>
+            </a:blip>
+            <a:stretch>
+              <a:fillRect/>
+            </a:stretch>
+          </p:blipFill>
+          <p:spPr>
+            <a:xfrm>
+              <a:off x="3259659" y="3093446"/>
+              <a:ext cx="1200995" cy="1439998"/>
+            </a:xfrm>
+            <a:prstGeom prst="rect">
+              <a:avLst/>
+            </a:prstGeom>
+          </p:spPr>
+        </p:pic>
+        <p:pic>
+          <p:nvPicPr>
+            <p:cNvPr id="19" name="Image 18" descr="data-s1lc.png"/>
+            <p:cNvPicPr>
+              <a:picLocks noChangeAspect="1"/>
+            </p:cNvPicPr>
+            <p:nvPr/>
+          </p:nvPicPr>
+          <p:blipFill>
+            <a:blip r:embed="rId4">
+              <a:extLst>
+                <a:ext uri="{28A0092B-C50C-407E-A947-70E740481C1C}">
+                  <a14:useLocalDpi xmlns:a14="http://schemas.microsoft.com/office/drawing/2010/main" val="0"/>
+                </a:ext>
+              </a:extLst>
+            </a:blip>
+            <a:stretch>
+              <a:fillRect/>
+            </a:stretch>
+          </p:blipFill>
+          <p:spPr>
+            <a:xfrm>
+              <a:off x="6149459" y="1835238"/>
+              <a:ext cx="1440000" cy="1150207"/>
+            </a:xfrm>
+            <a:prstGeom prst="rect">
+              <a:avLst/>
+            </a:prstGeom>
+          </p:spPr>
+        </p:pic>
+        <p:pic>
+          <p:nvPicPr>
+            <p:cNvPr id="20" name="Image 19"/>
+            <p:cNvPicPr>
+              <a:picLocks noChangeAspect="1"/>
+            </p:cNvPicPr>
+            <p:nvPr/>
+          </p:nvPicPr>
+          <p:blipFill>
+            <a:blip r:embed="rId5">
+              <a:extLst>
+                <a:ext uri="{28A0092B-C50C-407E-A947-70E740481C1C}">
+                  <a14:useLocalDpi xmlns:a14="http://schemas.microsoft.com/office/drawing/2010/main" val="0"/>
+                </a:ext>
+              </a:extLst>
+            </a:blip>
+            <a:stretch>
+              <a:fillRect/>
+            </a:stretch>
+          </p:blipFill>
+          <p:spPr>
+            <a:xfrm>
+              <a:off x="6188482" y="4692738"/>
+              <a:ext cx="1439999" cy="1150207"/>
+            </a:xfrm>
+            <a:prstGeom prst="rect">
+              <a:avLst/>
+            </a:prstGeom>
+          </p:spPr>
+        </p:pic>
+      </p:grpSp>
+      <p:grpSp>
+        <p:nvGrpSpPr>
+          <p:cNvPr id="21" name="Grouper 20"/>
+          <p:cNvGrpSpPr/>
+          <p:nvPr/>
+        </p:nvGrpSpPr>
+        <p:grpSpPr>
+          <a:xfrm>
+            <a:off x="749845" y="1551442"/>
+            <a:ext cx="5350555" cy="4272541"/>
+            <a:chOff x="769444" y="198895"/>
+            <a:chExt cx="5350555" cy="4272541"/>
+          </a:xfrm>
+        </p:grpSpPr>
+        <p:sp>
+          <p:nvSpPr>
+            <p:cNvPr id="22" name="Flèche courbée vers le bas 21"/>
+            <p:cNvSpPr/>
+            <p:nvPr/>
+          </p:nvSpPr>
+          <p:spPr>
+            <a:xfrm flipH="1">
+              <a:off x="1155700" y="990600"/>
+              <a:ext cx="2832100" cy="685795"/>
+            </a:xfrm>
+            <a:prstGeom prst="curvedDownArrow">
+              <a:avLst/>
+            </a:prstGeom>
+          </p:spPr>
+          <p:style>
+            <a:lnRef idx="1">
+              <a:schemeClr val="accent1"/>
+            </a:lnRef>
+            <a:fillRef idx="3">
+              <a:schemeClr val="accent1"/>
+            </a:fillRef>
+            <a:effectRef idx="2">
+              <a:schemeClr val="accent1"/>
+            </a:effectRef>
+            <a:fontRef idx="minor">
+              <a:schemeClr val="lt1"/>
+            </a:fontRef>
+          </p:style>
+          <p:txBody>
+            <a:bodyPr rtlCol="0" anchor="ctr"/>
+            <a:lstStyle/>
+            <a:p>
+              <a:pPr algn="ctr"/>
+              <a:endParaRPr lang="en-GB">
+                <a:solidFill>
+                  <a:schemeClr val="tx1"/>
+                </a:solidFill>
+              </a:endParaRPr>
+            </a:p>
+          </p:txBody>
+        </p:sp>
+        <p:sp>
+          <p:nvSpPr>
+            <p:cNvPr id="23" name="Flèche courbée vers le bas 22"/>
+            <p:cNvSpPr/>
+            <p:nvPr/>
+          </p:nvSpPr>
+          <p:spPr>
+            <a:xfrm flipH="1">
+              <a:off x="769444" y="198895"/>
+              <a:ext cx="5330956" cy="908504"/>
+            </a:xfrm>
+            <a:prstGeom prst="curvedDownArrow">
+              <a:avLst/>
+            </a:prstGeom>
+          </p:spPr>
+          <p:style>
+            <a:lnRef idx="1">
+              <a:schemeClr val="accent1"/>
+            </a:lnRef>
+            <a:fillRef idx="3">
+              <a:schemeClr val="accent1"/>
+            </a:fillRef>
+            <a:effectRef idx="2">
+              <a:schemeClr val="accent1"/>
+            </a:effectRef>
+            <a:fontRef idx="minor">
+              <a:schemeClr val="lt1"/>
+            </a:fontRef>
+          </p:style>
+          <p:txBody>
+            <a:bodyPr rtlCol="0" anchor="ctr"/>
+            <a:lstStyle/>
+            <a:p>
+              <a:pPr algn="ctr"/>
+              <a:endParaRPr lang="en-GB">
+                <a:solidFill>
+                  <a:schemeClr val="tx1"/>
+                </a:solidFill>
+              </a:endParaRPr>
+            </a:p>
+          </p:txBody>
+        </p:sp>
+        <p:sp>
+          <p:nvSpPr>
+            <p:cNvPr id="24" name="Flèche courbée vers le bas 23"/>
+            <p:cNvSpPr/>
+            <p:nvPr/>
+          </p:nvSpPr>
+          <p:spPr>
+            <a:xfrm flipH="1" flipV="1">
+              <a:off x="769444" y="3653831"/>
+              <a:ext cx="5350555" cy="817605"/>
+            </a:xfrm>
+            <a:prstGeom prst="curvedDownArrow">
+              <a:avLst/>
+            </a:prstGeom>
+          </p:spPr>
+          <p:style>
+            <a:lnRef idx="1">
+              <a:schemeClr val="accent1"/>
+            </a:lnRef>
+            <a:fillRef idx="3">
+              <a:schemeClr val="accent1"/>
+            </a:fillRef>
+            <a:effectRef idx="2">
+              <a:schemeClr val="accent1"/>
+            </a:effectRef>
+            <a:fontRef idx="minor">
+              <a:schemeClr val="lt1"/>
+            </a:fontRef>
+          </p:style>
+          <p:txBody>
+            <a:bodyPr rtlCol="0" anchor="ctr"/>
+            <a:lstStyle/>
+            <a:p>
+              <a:pPr algn="ctr"/>
+              <a:endParaRPr lang="en-GB">
+                <a:solidFill>
+                  <a:schemeClr val="tx1"/>
+                </a:solidFill>
+              </a:endParaRPr>
+            </a:p>
+          </p:txBody>
+        </p:sp>
+      </p:grpSp>
+      <p:sp>
+        <p:nvSpPr>
+          <p:cNvPr id="25" name="ZoneTexte 24"/>
+          <p:cNvSpPr txBox="1"/>
+          <p:nvPr/>
+        </p:nvSpPr>
+        <p:spPr>
+          <a:xfrm>
+            <a:off x="7719300" y="4694893"/>
+            <a:ext cx="1310400" cy="523220"/>
+          </a:xfrm>
+          <a:prstGeom prst="rect">
+            <a:avLst/>
+          </a:prstGeom>
+          <a:noFill/>
+        </p:spPr>
+        <p:txBody>
+          <a:bodyPr wrap="square" rtlCol="0">
+            <a:spAutoFit/>
+          </a:bodyPr>
+          <a:lstStyle/>
+          <a:p>
+            <a:r>
+              <a:rPr lang="en-GB" sz="1400" dirty="0"/>
+              <a:t>s</a:t>
+            </a:r>
+            <a:r>
+              <a:rPr lang="en-GB" sz="1400" dirty="0" smtClean="0"/>
+              <a:t>tack #1</a:t>
+            </a:r>
+          </a:p>
+          <a:p>
+            <a:r>
+              <a:rPr lang="en-GB" sz="1400" dirty="0" smtClean="0"/>
+              <a:t>right cam.</a:t>
+            </a:r>
+            <a:endParaRPr lang="en-GB" sz="1400" dirty="0"/>
+          </a:p>
+        </p:txBody>
+      </p:sp>
+      <p:sp>
+        <p:nvSpPr>
+          <p:cNvPr id="26" name="ZoneTexte 25"/>
+          <p:cNvSpPr txBox="1"/>
+          <p:nvPr/>
+        </p:nvSpPr>
+        <p:spPr>
+          <a:xfrm>
+            <a:off x="7719300" y="1892279"/>
+            <a:ext cx="1310400" cy="523220"/>
+          </a:xfrm>
+          <a:prstGeom prst="rect">
+            <a:avLst/>
+          </a:prstGeom>
+          <a:noFill/>
+        </p:spPr>
+        <p:txBody>
+          <a:bodyPr wrap="square" rtlCol="0">
+            <a:spAutoFit/>
+          </a:bodyPr>
+          <a:lstStyle/>
+          <a:p>
+            <a:r>
+              <a:rPr lang="en-GB" sz="1400" dirty="0"/>
+              <a:t>s</a:t>
+            </a:r>
+            <a:r>
+              <a:rPr lang="en-GB" sz="1400" dirty="0" smtClean="0"/>
+              <a:t>tack #1</a:t>
+            </a:r>
+          </a:p>
+          <a:p>
+            <a:r>
+              <a:rPr lang="en-GB" sz="1400" dirty="0"/>
+              <a:t>l</a:t>
+            </a:r>
+            <a:r>
+              <a:rPr lang="en-GB" sz="1400" dirty="0" smtClean="0"/>
+              <a:t>eft cam.</a:t>
+            </a:r>
+            <a:endParaRPr lang="en-GB" sz="1400" dirty="0"/>
+          </a:p>
+        </p:txBody>
+      </p:sp>
+      <p:sp>
+        <p:nvSpPr>
+          <p:cNvPr id="27" name="ZoneTexte 26"/>
+          <p:cNvSpPr txBox="1"/>
+          <p:nvPr/>
+        </p:nvSpPr>
+        <p:spPr>
+          <a:xfrm>
+            <a:off x="360000" y="2589358"/>
+            <a:ext cx="1310400" cy="523220"/>
+          </a:xfrm>
+          <a:prstGeom prst="rect">
+            <a:avLst/>
+          </a:prstGeom>
+          <a:noFill/>
+        </p:spPr>
+        <p:txBody>
+          <a:bodyPr wrap="square" rtlCol="0">
+            <a:spAutoFit/>
+          </a:bodyPr>
+          <a:lstStyle/>
+          <a:p>
+            <a:r>
+              <a:rPr lang="en-GB" sz="1400" dirty="0"/>
+              <a:t>s</a:t>
+            </a:r>
+            <a:r>
+              <a:rPr lang="en-GB" sz="1400" dirty="0" smtClean="0"/>
+              <a:t>tack #0</a:t>
+            </a:r>
+          </a:p>
+          <a:p>
+            <a:r>
+              <a:rPr lang="en-GB" sz="1400" dirty="0"/>
+              <a:t>l</a:t>
+            </a:r>
+            <a:r>
+              <a:rPr lang="en-GB" sz="1400" dirty="0" smtClean="0"/>
+              <a:t>eft cam.</a:t>
+            </a:r>
+            <a:endParaRPr lang="en-GB" sz="1400" dirty="0"/>
+          </a:p>
+        </p:txBody>
+      </p:sp>
+      <p:sp>
+        <p:nvSpPr>
+          <p:cNvPr id="28" name="ZoneTexte 27"/>
+          <p:cNvSpPr txBox="1"/>
+          <p:nvPr/>
+        </p:nvSpPr>
+        <p:spPr>
+          <a:xfrm>
+            <a:off x="3241795" y="4548099"/>
+            <a:ext cx="1310400" cy="523220"/>
+          </a:xfrm>
+          <a:prstGeom prst="rect">
+            <a:avLst/>
+          </a:prstGeom>
+          <a:noFill/>
+        </p:spPr>
+        <p:txBody>
+          <a:bodyPr wrap="square" rtlCol="0">
+            <a:spAutoFit/>
+          </a:bodyPr>
+          <a:lstStyle/>
+          <a:p>
+            <a:r>
+              <a:rPr lang="en-GB" sz="1400" dirty="0"/>
+              <a:t>s</a:t>
+            </a:r>
+            <a:r>
+              <a:rPr lang="en-GB" sz="1400" dirty="0" smtClean="0"/>
+              <a:t>tack #0</a:t>
+            </a:r>
+          </a:p>
+          <a:p>
+            <a:r>
+              <a:rPr lang="en-GB" sz="1400" dirty="0" smtClean="0"/>
+              <a:t>right cam.</a:t>
+            </a:r>
+            <a:endParaRPr lang="en-GB" sz="1400" dirty="0"/>
+          </a:p>
+        </p:txBody>
+      </p:sp>
+    </p:spTree>
+    <p:extLst>
+      <p:ext uri="{BB962C8B-B14F-4D97-AF65-F5344CB8AC3E}">
+        <p14:creationId xmlns:p14="http://schemas.microsoft.com/office/powerpoint/2010/main" val="682005393"/>
+      </p:ext>
+    </p:extLst>
+  </p:cSld>
+  <p:clrMapOvr>
+    <a:masterClrMapping/>
+  </p:clrMapOvr>
+</p:sld>
+</file>
+
+<file path=ppt/slides/slide4.xml><?xml version="1.0" encoding="utf-8"?>
+<p:sld xmlns:a="http://schemas.openxmlformats.org/drawingml/2006/main" xmlns:r="http://schemas.openxmlformats.org/officeDocument/2006/relationships" xmlns:p="http://schemas.openxmlformats.org/presentationml/2006/main">
+  <p:cSld>
+    <p:spTree>
+      <p:nvGrpSpPr>
+        <p:cNvPr id="1" name=""/>
+        <p:cNvGrpSpPr/>
+        <p:nvPr/>
+      </p:nvGrpSpPr>
+      <p:grpSpPr>
+        <a:xfrm>
+          <a:off x="0" y="0"/>
+          <a:ext cx="0" cy="0"/>
+          <a:chOff x="0" y="0"/>
+          <a:chExt cx="0" cy="0"/>
+        </a:xfrm>
+      </p:grpSpPr>
+      <p:sp>
+        <p:nvSpPr>
+          <p:cNvPr id="8" name="Rectangle 7"/>
+          <p:cNvSpPr/>
+          <p:nvPr/>
+        </p:nvSpPr>
+        <p:spPr>
+          <a:xfrm>
+            <a:off x="5245100" y="1753490"/>
+            <a:ext cx="3276600" cy="4279010"/>
+          </a:xfrm>
+          <a:prstGeom prst="rect">
+            <a:avLst/>
+          </a:prstGeom>
+          <a:ln>
+            <a:solidFill>
+              <a:schemeClr val="tx2">
+                <a:lumMod val="20000"/>
+                <a:lumOff val="80000"/>
+              </a:schemeClr>
+            </a:solidFill>
+          </a:ln>
+        </p:spPr>
+        <p:style>
+          <a:lnRef idx="1">
+            <a:schemeClr val="accent1"/>
+          </a:lnRef>
+          <a:fillRef idx="3">
+            <a:schemeClr val="accent1"/>
+          </a:fillRef>
+          <a:effectRef idx="2">
+            <a:schemeClr val="accent1"/>
+          </a:effectRef>
+          <a:fontRef idx="minor">
+            <a:schemeClr val="lt1"/>
+          </a:fontRef>
+        </p:style>
+        <p:txBody>
+          <a:bodyPr rtlCol="0" anchor="ctr"/>
+          <a:lstStyle/>
+          <a:p>
+            <a:pPr algn="ctr"/>
+            <a:endParaRPr lang="en-GB"/>
+          </a:p>
+        </p:txBody>
+      </p:sp>
+      <p:sp>
+        <p:nvSpPr>
+          <p:cNvPr id="9" name="Rectangle 8"/>
+          <p:cNvSpPr/>
+          <p:nvPr/>
+        </p:nvSpPr>
+        <p:spPr>
+          <a:xfrm>
+            <a:off x="190500" y="2235200"/>
+            <a:ext cx="4361695" cy="2874219"/>
+          </a:xfrm>
+          <a:prstGeom prst="rect">
+            <a:avLst/>
+          </a:prstGeom>
+          <a:ln>
+            <a:solidFill>
+              <a:schemeClr val="tx2">
+                <a:lumMod val="20000"/>
+                <a:lumOff val="80000"/>
+              </a:schemeClr>
+            </a:solidFill>
+          </a:ln>
+        </p:spPr>
+        <p:style>
+          <a:lnRef idx="1">
+            <a:schemeClr val="accent1"/>
+          </a:lnRef>
+          <a:fillRef idx="3">
+            <a:schemeClr val="accent1"/>
+          </a:fillRef>
+          <a:effectRef idx="2">
+            <a:schemeClr val="accent1"/>
+          </a:effectRef>
+          <a:fontRef idx="minor">
+            <a:schemeClr val="lt1"/>
+          </a:fontRef>
+        </p:style>
+        <p:txBody>
+          <a:bodyPr rtlCol="0" anchor="ctr"/>
+          <a:lstStyle/>
+          <a:p>
+            <a:pPr algn="ctr"/>
+            <a:endParaRPr lang="en-GB"/>
+          </a:p>
+        </p:txBody>
+      </p:sp>
+      <p:sp>
+        <p:nvSpPr>
+          <p:cNvPr id="10" name="Flèche courbée vers le bas 9"/>
+          <p:cNvSpPr/>
+          <p:nvPr/>
+        </p:nvSpPr>
+        <p:spPr>
+          <a:xfrm flipH="1">
+            <a:off x="1155700" y="2336800"/>
+            <a:ext cx="2832100" cy="685795"/>
+          </a:xfrm>
+          <a:prstGeom prst="curvedDownArrow">
+            <a:avLst/>
+          </a:prstGeom>
+          <a:ln>
+            <a:solidFill>
+              <a:schemeClr val="tx2"/>
+            </a:solidFill>
+          </a:ln>
+        </p:spPr>
+        <p:style>
+          <a:lnRef idx="1">
+            <a:schemeClr val="accent1"/>
+          </a:lnRef>
+          <a:fillRef idx="3">
+            <a:schemeClr val="accent1"/>
+          </a:fillRef>
+          <a:effectRef idx="2">
+            <a:schemeClr val="accent1"/>
+          </a:effectRef>
+          <a:fontRef idx="minor">
+            <a:schemeClr val="lt1"/>
+          </a:fontRef>
+        </p:style>
+        <p:txBody>
+          <a:bodyPr rtlCol="0" anchor="ctr"/>
+          <a:lstStyle/>
+          <a:p>
+            <a:pPr algn="ctr"/>
+            <a:endParaRPr lang="en-GB">
+              <a:solidFill>
+                <a:schemeClr val="tx1"/>
+              </a:solidFill>
+            </a:endParaRPr>
+          </a:p>
+        </p:txBody>
+      </p:sp>
+      <p:sp>
+        <p:nvSpPr>
+          <p:cNvPr id="11" name="Flèche courbée vers le bas 10"/>
+          <p:cNvSpPr/>
+          <p:nvPr/>
+        </p:nvSpPr>
+        <p:spPr>
+          <a:xfrm rot="5400000" flipH="1" flipV="1">
+            <a:off x="4364993" y="3501205"/>
+            <a:ext cx="2804057" cy="705957"/>
+          </a:xfrm>
+          <a:prstGeom prst="curvedDownArrow">
+            <a:avLst/>
+          </a:prstGeom>
+          <a:ln>
+            <a:solidFill>
+              <a:schemeClr val="tx2"/>
+            </a:solidFill>
+          </a:ln>
+        </p:spPr>
+        <p:style>
+          <a:lnRef idx="1">
+            <a:schemeClr val="accent1"/>
+          </a:lnRef>
+          <a:fillRef idx="3">
+            <a:schemeClr val="accent1"/>
+          </a:fillRef>
+          <a:effectRef idx="2">
+            <a:schemeClr val="accent1"/>
+          </a:effectRef>
+          <a:fontRef idx="minor">
+            <a:schemeClr val="lt1"/>
+          </a:fontRef>
+        </p:style>
+        <p:txBody>
+          <a:bodyPr rtlCol="0" anchor="ctr"/>
+          <a:lstStyle/>
+          <a:p>
+            <a:pPr algn="ctr"/>
+            <a:endParaRPr lang="en-GB">
+              <a:solidFill>
+                <a:schemeClr val="tx1"/>
+              </a:solidFill>
+            </a:endParaRPr>
+          </a:p>
+        </p:txBody>
+      </p:sp>
+      <p:sp>
+        <p:nvSpPr>
+          <p:cNvPr id="12" name="Flèche courbée vers le bas 11"/>
+          <p:cNvSpPr/>
+          <p:nvPr/>
+        </p:nvSpPr>
+        <p:spPr>
+          <a:xfrm flipH="1">
+            <a:off x="2870200" y="1410592"/>
+            <a:ext cx="2374900" cy="685795"/>
+          </a:xfrm>
+          <a:prstGeom prst="curvedDownArrow">
+            <a:avLst/>
+          </a:prstGeom>
+          <a:ln>
+            <a:solidFill>
+              <a:schemeClr val="tx2"/>
+            </a:solidFill>
+          </a:ln>
+        </p:spPr>
+        <p:style>
+          <a:lnRef idx="1">
+            <a:schemeClr val="accent1"/>
+          </a:lnRef>
+          <a:fillRef idx="3">
+            <a:schemeClr val="accent1"/>
+          </a:fillRef>
+          <a:effectRef idx="2">
+            <a:schemeClr val="accent1"/>
+          </a:effectRef>
+          <a:fontRef idx="minor">
+            <a:schemeClr val="lt1"/>
+          </a:fontRef>
+        </p:style>
+        <p:txBody>
+          <a:bodyPr rtlCol="0" anchor="ctr"/>
+          <a:lstStyle/>
+          <a:p>
+            <a:pPr algn="ctr"/>
+            <a:endParaRPr lang="en-GB">
+              <a:solidFill>
+                <a:schemeClr val="tx1"/>
+              </a:solidFill>
+            </a:endParaRPr>
+          </a:p>
+        </p:txBody>
+      </p:sp>
+      <p:sp>
+        <p:nvSpPr>
+          <p:cNvPr id="2" name="Titre 1"/>
+          <p:cNvSpPr>
+            <a:spLocks noGrp="1"/>
+          </p:cNvSpPr>
+          <p:nvPr>
+            <p:ph type="title"/>
+          </p:nvPr>
+        </p:nvSpPr>
+        <p:spPr/>
+        <p:txBody>
+          <a:bodyPr>
+            <a:normAutofit fontScale="90000"/>
+          </a:bodyPr>
+          <a:lstStyle/>
+          <a:p>
+            <a:r>
+              <a:rPr lang="en-GB" dirty="0" err="1"/>
+              <a:t>fusion_strategy</a:t>
+            </a:r>
+            <a:r>
+              <a:rPr lang="en-GB" dirty="0"/>
+              <a:t> = </a:t>
+            </a:r>
+            <a:r>
+              <a:rPr lang="en-GB" dirty="0" smtClean="0"/>
+              <a:t>'hierarchical-</a:t>
+            </a:r>
+            <a:r>
+              <a:rPr lang="en-GB" dirty="0"/>
+              <a:t>fusion'</a:t>
+            </a:r>
+          </a:p>
+        </p:txBody>
+      </p:sp>
+      <p:grpSp>
+        <p:nvGrpSpPr>
+          <p:cNvPr id="3" name="Grouper 2"/>
+          <p:cNvGrpSpPr/>
+          <p:nvPr/>
+        </p:nvGrpSpPr>
+        <p:grpSpPr>
+          <a:xfrm>
+            <a:off x="389459" y="1835238"/>
+            <a:ext cx="7239022" cy="4007707"/>
+            <a:chOff x="389459" y="1835238"/>
+            <a:chExt cx="7239022" cy="4007707"/>
+          </a:xfrm>
+        </p:grpSpPr>
+        <p:pic>
+          <p:nvPicPr>
+            <p:cNvPr id="4" name="Image 3"/>
+            <p:cNvPicPr>
+              <a:picLocks noChangeAspect="1"/>
+            </p:cNvPicPr>
+            <p:nvPr/>
+          </p:nvPicPr>
+          <p:blipFill>
+            <a:blip r:embed="rId2">
+              <a:extLst>
+                <a:ext uri="{28A0092B-C50C-407E-A947-70E740481C1C}">
+                  <a14:useLocalDpi xmlns:a14="http://schemas.microsoft.com/office/drawing/2010/main" val="0"/>
+                </a:ext>
+              </a:extLst>
+            </a:blip>
+            <a:stretch>
+              <a:fillRect/>
+            </a:stretch>
+          </p:blipFill>
+          <p:spPr>
+            <a:xfrm>
+              <a:off x="389459" y="3093445"/>
+              <a:ext cx="1200995" cy="1440000"/>
+            </a:xfrm>
+            <a:prstGeom prst="rect">
+              <a:avLst/>
+            </a:prstGeom>
+          </p:spPr>
+        </p:pic>
+        <p:pic>
+          <p:nvPicPr>
+            <p:cNvPr id="5" name="Image 4"/>
+            <p:cNvPicPr>
+              <a:picLocks noChangeAspect="1"/>
+            </p:cNvPicPr>
+            <p:nvPr/>
+          </p:nvPicPr>
+          <p:blipFill>
+            <a:blip r:embed="rId3">
+              <a:extLst>
+                <a:ext uri="{28A0092B-C50C-407E-A947-70E740481C1C}">
+                  <a14:useLocalDpi xmlns:a14="http://schemas.microsoft.com/office/drawing/2010/main" val="0"/>
+                </a:ext>
+              </a:extLst>
+            </a:blip>
+            <a:stretch>
+              <a:fillRect/>
+            </a:stretch>
+          </p:blipFill>
+          <p:spPr>
+            <a:xfrm>
+              <a:off x="3259659" y="3093446"/>
+              <a:ext cx="1200995" cy="1439998"/>
+            </a:xfrm>
+            <a:prstGeom prst="rect">
+              <a:avLst/>
+            </a:prstGeom>
+          </p:spPr>
+        </p:pic>
+        <p:pic>
+          <p:nvPicPr>
+            <p:cNvPr id="6" name="Image 5" descr="data-s1lc.png"/>
+            <p:cNvPicPr>
+              <a:picLocks noChangeAspect="1"/>
+            </p:cNvPicPr>
+            <p:nvPr/>
+          </p:nvPicPr>
+          <p:blipFill>
+            <a:blip r:embed="rId4">
+              <a:extLst>
+                <a:ext uri="{28A0092B-C50C-407E-A947-70E740481C1C}">
+                  <a14:useLocalDpi xmlns:a14="http://schemas.microsoft.com/office/drawing/2010/main" val="0"/>
+                </a:ext>
+              </a:extLst>
+            </a:blip>
+            <a:stretch>
+              <a:fillRect/>
+            </a:stretch>
+          </p:blipFill>
+          <p:spPr>
+            <a:xfrm>
+              <a:off x="6149459" y="1835238"/>
+              <a:ext cx="1440000" cy="1150207"/>
+            </a:xfrm>
+            <a:prstGeom prst="rect">
+              <a:avLst/>
+            </a:prstGeom>
+          </p:spPr>
+        </p:pic>
+        <p:pic>
+          <p:nvPicPr>
+            <p:cNvPr id="7" name="Image 6"/>
+            <p:cNvPicPr>
+              <a:picLocks noChangeAspect="1"/>
+            </p:cNvPicPr>
+            <p:nvPr/>
+          </p:nvPicPr>
+          <p:blipFill>
+            <a:blip r:embed="rId5">
+              <a:extLst>
+                <a:ext uri="{28A0092B-C50C-407E-A947-70E740481C1C}">
+                  <a14:useLocalDpi xmlns:a14="http://schemas.microsoft.com/office/drawing/2010/main" val="0"/>
+                </a:ext>
+              </a:extLst>
+            </a:blip>
+            <a:stretch>
+              <a:fillRect/>
+            </a:stretch>
+          </p:blipFill>
+          <p:spPr>
+            <a:xfrm>
+              <a:off x="6188482" y="4692738"/>
+              <a:ext cx="1439999" cy="1150207"/>
+            </a:xfrm>
+            <a:prstGeom prst="rect">
+              <a:avLst/>
+            </a:prstGeom>
+          </p:spPr>
+        </p:pic>
+      </p:grpSp>
+      <p:sp>
+        <p:nvSpPr>
+          <p:cNvPr id="13" name="ZoneTexte 12"/>
+          <p:cNvSpPr txBox="1"/>
+          <p:nvPr/>
+        </p:nvSpPr>
+        <p:spPr>
+          <a:xfrm>
+            <a:off x="7719300" y="4694893"/>
+            <a:ext cx="1310400" cy="523220"/>
+          </a:xfrm>
+          <a:prstGeom prst="rect">
+            <a:avLst/>
+          </a:prstGeom>
+          <a:noFill/>
+        </p:spPr>
+        <p:txBody>
+          <a:bodyPr wrap="square" rtlCol="0">
+            <a:spAutoFit/>
+          </a:bodyPr>
+          <a:lstStyle/>
+          <a:p>
+            <a:r>
+              <a:rPr lang="en-GB" sz="1400" dirty="0"/>
+              <a:t>s</a:t>
+            </a:r>
+            <a:r>
+              <a:rPr lang="en-GB" sz="1400" dirty="0" smtClean="0"/>
+              <a:t>tack #1</a:t>
+            </a:r>
+          </a:p>
+          <a:p>
+            <a:r>
+              <a:rPr lang="en-GB" sz="1400" dirty="0" smtClean="0"/>
+              <a:t>right cam.</a:t>
+            </a:r>
+            <a:endParaRPr lang="en-GB" sz="1400" dirty="0"/>
+          </a:p>
+        </p:txBody>
+      </p:sp>
+      <p:sp>
+        <p:nvSpPr>
+          <p:cNvPr id="14" name="ZoneTexte 13"/>
+          <p:cNvSpPr txBox="1"/>
+          <p:nvPr/>
+        </p:nvSpPr>
+        <p:spPr>
+          <a:xfrm>
+            <a:off x="7719300" y="1892279"/>
+            <a:ext cx="1310400" cy="523220"/>
+          </a:xfrm>
+          <a:prstGeom prst="rect">
+            <a:avLst/>
+          </a:prstGeom>
+          <a:noFill/>
+        </p:spPr>
+        <p:txBody>
+          <a:bodyPr wrap="square" rtlCol="0">
+            <a:spAutoFit/>
+          </a:bodyPr>
+          <a:lstStyle/>
+          <a:p>
+            <a:r>
+              <a:rPr lang="en-GB" sz="1400" dirty="0"/>
+              <a:t>s</a:t>
+            </a:r>
+            <a:r>
+              <a:rPr lang="en-GB" sz="1400" dirty="0" smtClean="0"/>
+              <a:t>tack #1</a:t>
+            </a:r>
+          </a:p>
+          <a:p>
+            <a:r>
+              <a:rPr lang="en-GB" sz="1400" dirty="0"/>
+              <a:t>l</a:t>
+            </a:r>
+            <a:r>
+              <a:rPr lang="en-GB" sz="1400" dirty="0" smtClean="0"/>
+              <a:t>eft cam.</a:t>
+            </a:r>
+            <a:endParaRPr lang="en-GB" sz="1400" dirty="0"/>
+          </a:p>
+        </p:txBody>
+      </p:sp>
+      <p:sp>
+        <p:nvSpPr>
+          <p:cNvPr id="15" name="ZoneTexte 14"/>
+          <p:cNvSpPr txBox="1"/>
+          <p:nvPr/>
+        </p:nvSpPr>
+        <p:spPr>
+          <a:xfrm>
+            <a:off x="360000" y="2589358"/>
+            <a:ext cx="1310400" cy="523220"/>
+          </a:xfrm>
+          <a:prstGeom prst="rect">
+            <a:avLst/>
+          </a:prstGeom>
+          <a:noFill/>
+        </p:spPr>
+        <p:txBody>
+          <a:bodyPr wrap="square" rtlCol="0">
+            <a:spAutoFit/>
+          </a:bodyPr>
+          <a:lstStyle/>
+          <a:p>
+            <a:r>
+              <a:rPr lang="en-GB" sz="1400" dirty="0"/>
+              <a:t>s</a:t>
+            </a:r>
+            <a:r>
+              <a:rPr lang="en-GB" sz="1400" dirty="0" smtClean="0"/>
+              <a:t>tack #0</a:t>
+            </a:r>
+          </a:p>
+          <a:p>
+            <a:r>
+              <a:rPr lang="en-GB" sz="1400" dirty="0"/>
+              <a:t>l</a:t>
+            </a:r>
+            <a:r>
+              <a:rPr lang="en-GB" sz="1400" dirty="0" smtClean="0"/>
+              <a:t>eft cam.</a:t>
+            </a:r>
+            <a:endParaRPr lang="en-GB" sz="1400" dirty="0"/>
+          </a:p>
+        </p:txBody>
+      </p:sp>
+      <p:sp>
+        <p:nvSpPr>
+          <p:cNvPr id="16" name="ZoneTexte 15"/>
+          <p:cNvSpPr txBox="1"/>
+          <p:nvPr/>
+        </p:nvSpPr>
+        <p:spPr>
+          <a:xfrm>
+            <a:off x="3241795" y="4548099"/>
+            <a:ext cx="1310400" cy="523220"/>
+          </a:xfrm>
+          <a:prstGeom prst="rect">
+            <a:avLst/>
+          </a:prstGeom>
+          <a:noFill/>
+        </p:spPr>
+        <p:txBody>
+          <a:bodyPr wrap="square" rtlCol="0">
+            <a:spAutoFit/>
+          </a:bodyPr>
+          <a:lstStyle/>
+          <a:p>
+            <a:r>
+              <a:rPr lang="en-GB" sz="1400" dirty="0"/>
+              <a:t>s</a:t>
+            </a:r>
+            <a:r>
+              <a:rPr lang="en-GB" sz="1400" dirty="0" smtClean="0"/>
+              <a:t>tack #0</a:t>
+            </a:r>
+          </a:p>
+          <a:p>
+            <a:r>
+              <a:rPr lang="en-GB" sz="1400" dirty="0" smtClean="0"/>
+              <a:t>right cam.</a:t>
+            </a:r>
+            <a:endParaRPr lang="en-GB" sz="1400" dirty="0"/>
+          </a:p>
+        </p:txBody>
+      </p:sp>
+    </p:spTree>
+    <p:extLst>
+      <p:ext uri="{BB962C8B-B14F-4D97-AF65-F5344CB8AC3E}">
+        <p14:creationId xmlns:p14="http://schemas.microsoft.com/office/powerpoint/2010/main" val="887468420"/>
+      </p:ext>
+    </p:extLst>
+  </p:cSld>
+  <p:clrMapOvr>
+    <a:masterClrMapping/>
+  </p:clrMapOvr>
+</p:sld>
+</file>
+
+<file path=ppt/slides/slide5.xml><?xml version="1.0" encoding="utf-8"?>
+<p:sld xmlns:a="http://schemas.openxmlformats.org/drawingml/2006/main" xmlns:r="http://schemas.openxmlformats.org/officeDocument/2006/relationships" xmlns:p="http://schemas.openxmlformats.org/presentationml/2006/main">
+  <p:cSld>
+    <p:spTree>
+      <p:nvGrpSpPr>
+        <p:cNvPr id="1" name=""/>
+        <p:cNvGrpSpPr/>
+        <p:nvPr/>
+      </p:nvGrpSpPr>
+      <p:grpSpPr>
+        <a:xfrm>
+          <a:off x="0" y="0"/>
+          <a:ext cx="0" cy="0"/>
+          <a:chOff x="0" y="0"/>
+          <a:chExt cx="0" cy="0"/>
+        </a:xfrm>
+      </p:grpSpPr>
       <p:pic>
         <p:nvPicPr>
           <p:cNvPr id="3" name="Image 2" descr="muvispim.png"/>
@@ -3300,7 +6770,6 @@
                 <a:rPr lang="en-GB" dirty="0"/>
                 <a:t>Z</a:t>
               </a:r>
-              <a:endParaRPr lang="en-GB" dirty="0"/>
             </a:p>
           </p:txBody>
         </p:sp>
@@ -3458,3249 +6927,6 @@
               <a:rPr lang="en-GB" dirty="0"/>
               <a:t>Z</a:t>
             </a:r>
-            <a:endParaRPr lang="en-GB" dirty="0"/>
-          </a:p>
-        </p:txBody>
-      </p:sp>
-      <p:pic>
-        <p:nvPicPr>
-          <p:cNvPr id="33" name="Image 32" descr="muvispim.png"/>
-          <p:cNvPicPr>
-            <a:picLocks noChangeAspect="1"/>
-          </p:cNvPicPr>
-          <p:nvPr/>
-        </p:nvPicPr>
-        <p:blipFill>
-          <a:blip r:embed="rId2">
-            <a:extLst>
-              <a:ext uri="{28A0092B-C50C-407E-A947-70E740481C1C}">
-                <a14:useLocalDpi xmlns:a14="http://schemas.microsoft.com/office/drawing/2010/main" val="0"/>
-              </a:ext>
-            </a:extLst>
-          </a:blip>
-          <a:stretch>
-            <a:fillRect/>
-          </a:stretch>
-        </p:blipFill>
-        <p:spPr>
-          <a:xfrm rot="16200000">
-            <a:off x="6103212" y="1800000"/>
-            <a:ext cx="1473576" cy="1440000"/>
-          </a:xfrm>
-          <a:prstGeom prst="rect">
-            <a:avLst/>
-          </a:prstGeom>
-        </p:spPr>
-      </p:pic>
-      <p:grpSp>
-        <p:nvGrpSpPr>
-          <p:cNvPr id="53" name="Grouper 52"/>
-          <p:cNvGrpSpPr/>
-          <p:nvPr/>
-        </p:nvGrpSpPr>
-        <p:grpSpPr>
-          <a:xfrm>
-            <a:off x="5719244" y="98663"/>
-            <a:ext cx="1948756" cy="1737337"/>
-            <a:chOff x="5719244" y="98663"/>
-            <a:chExt cx="1948756" cy="1737337"/>
-          </a:xfrm>
-        </p:grpSpPr>
-        <p:sp>
-          <p:nvSpPr>
-            <p:cNvPr id="39" name="ZoneTexte 38"/>
-            <p:cNvSpPr txBox="1"/>
-            <p:nvPr/>
-          </p:nvSpPr>
-          <p:spPr>
-            <a:xfrm>
-              <a:off x="7297123" y="98663"/>
-              <a:ext cx="304478" cy="369332"/>
-            </a:xfrm>
-            <a:prstGeom prst="rect">
-              <a:avLst/>
-            </a:prstGeom>
-            <a:noFill/>
-          </p:spPr>
-          <p:txBody>
-            <a:bodyPr wrap="none" rtlCol="0">
-              <a:spAutoFit/>
-            </a:bodyPr>
-            <a:lstStyle/>
-            <a:p>
-              <a:r>
-                <a:rPr lang="en-GB" dirty="0" smtClean="0"/>
-                <a:t>X</a:t>
-              </a:r>
-              <a:endParaRPr lang="en-GB" dirty="0"/>
-            </a:p>
-          </p:txBody>
-        </p:sp>
-        <p:sp>
-          <p:nvSpPr>
-            <p:cNvPr id="40" name="ZoneTexte 39"/>
-            <p:cNvSpPr txBox="1"/>
-            <p:nvPr/>
-          </p:nvSpPr>
-          <p:spPr>
-            <a:xfrm>
-              <a:off x="5719244" y="1466668"/>
-              <a:ext cx="292756" cy="369332"/>
-            </a:xfrm>
-            <a:prstGeom prst="rect">
-              <a:avLst/>
-            </a:prstGeom>
-            <a:noFill/>
-          </p:spPr>
-          <p:txBody>
-            <a:bodyPr wrap="none" rtlCol="0">
-              <a:spAutoFit/>
-            </a:bodyPr>
-            <a:lstStyle/>
-            <a:p>
-              <a:r>
-                <a:rPr lang="en-GB" dirty="0"/>
-                <a:t>Z</a:t>
-              </a:r>
-              <a:endParaRPr lang="en-GB" dirty="0"/>
-            </a:p>
-          </p:txBody>
-        </p:sp>
-        <p:pic>
-          <p:nvPicPr>
-            <p:cNvPr id="47" name="Image 46" descr="data-s1lc.png"/>
-            <p:cNvPicPr>
-              <a:picLocks noChangeAspect="1"/>
-            </p:cNvPicPr>
-            <p:nvPr/>
-          </p:nvPicPr>
-          <p:blipFill>
-            <a:blip r:embed="rId5">
-              <a:extLst>
-                <a:ext uri="{28A0092B-C50C-407E-A947-70E740481C1C}">
-                  <a14:useLocalDpi xmlns:a14="http://schemas.microsoft.com/office/drawing/2010/main" val="0"/>
-                </a:ext>
-              </a:extLst>
-            </a:blip>
-            <a:stretch>
-              <a:fillRect/>
-            </a:stretch>
-          </p:blipFill>
-          <p:spPr>
-            <a:xfrm>
-              <a:off x="6120000" y="541793"/>
-              <a:ext cx="1440000" cy="1150207"/>
-            </a:xfrm>
-            <a:prstGeom prst="rect">
-              <a:avLst/>
-            </a:prstGeom>
-          </p:spPr>
-        </p:pic>
-        <p:cxnSp>
-          <p:nvCxnSpPr>
-            <p:cNvPr id="49" name="Connecteur droit avec flèche 48"/>
-            <p:cNvCxnSpPr/>
-            <p:nvPr/>
-          </p:nvCxnSpPr>
-          <p:spPr>
-            <a:xfrm>
-              <a:off x="6012000" y="432000"/>
-              <a:ext cx="1656000" cy="0"/>
-            </a:xfrm>
-            <a:prstGeom prst="straightConnector1">
-              <a:avLst/>
-            </a:prstGeom>
-            <a:ln>
-              <a:tailEnd type="arrow"/>
-            </a:ln>
-          </p:spPr>
-          <p:style>
-            <a:lnRef idx="2">
-              <a:schemeClr val="accent1"/>
-            </a:lnRef>
-            <a:fillRef idx="0">
-              <a:schemeClr val="accent1"/>
-            </a:fillRef>
-            <a:effectRef idx="1">
-              <a:schemeClr val="accent1"/>
-            </a:effectRef>
-            <a:fontRef idx="minor">
-              <a:schemeClr val="tx1"/>
-            </a:fontRef>
-          </p:style>
-        </p:cxnSp>
-        <p:cxnSp>
-          <p:nvCxnSpPr>
-            <p:cNvPr id="52" name="Connecteur droit avec flèche 51"/>
-            <p:cNvCxnSpPr/>
-            <p:nvPr/>
-          </p:nvCxnSpPr>
-          <p:spPr>
-            <a:xfrm>
-              <a:off x="6012000" y="432000"/>
-              <a:ext cx="0" cy="1368000"/>
-            </a:xfrm>
-            <a:prstGeom prst="straightConnector1">
-              <a:avLst/>
-            </a:prstGeom>
-            <a:ln>
-              <a:tailEnd type="arrow"/>
-            </a:ln>
-          </p:spPr>
-          <p:style>
-            <a:lnRef idx="2">
-              <a:schemeClr val="accent1"/>
-            </a:lnRef>
-            <a:fillRef idx="0">
-              <a:schemeClr val="accent1"/>
-            </a:fillRef>
-            <a:effectRef idx="1">
-              <a:schemeClr val="accent1"/>
-            </a:effectRef>
-            <a:fontRef idx="minor">
-              <a:schemeClr val="tx1"/>
-            </a:fontRef>
-          </p:style>
-        </p:cxnSp>
-      </p:grpSp>
-      <p:sp>
-        <p:nvSpPr>
-          <p:cNvPr id="55" name="ZoneTexte 54"/>
-          <p:cNvSpPr txBox="1"/>
-          <p:nvPr/>
-        </p:nvSpPr>
-        <p:spPr>
-          <a:xfrm>
-            <a:off x="6051023" y="2905830"/>
-            <a:ext cx="304478" cy="369332"/>
-          </a:xfrm>
-          <a:prstGeom prst="rect">
-            <a:avLst/>
-          </a:prstGeom>
-          <a:noFill/>
-        </p:spPr>
-        <p:txBody>
-          <a:bodyPr wrap="none" rtlCol="0">
-            <a:spAutoFit/>
-          </a:bodyPr>
-          <a:lstStyle/>
-          <a:p>
-            <a:r>
-              <a:rPr lang="en-GB" dirty="0" smtClean="0"/>
-              <a:t>X</a:t>
-            </a:r>
-            <a:endParaRPr lang="en-GB" dirty="0"/>
-          </a:p>
-        </p:txBody>
-      </p:sp>
-      <p:sp>
-        <p:nvSpPr>
-          <p:cNvPr id="56" name="ZoneTexte 55"/>
-          <p:cNvSpPr txBox="1"/>
-          <p:nvPr/>
-        </p:nvSpPr>
-        <p:spPr>
-          <a:xfrm>
-            <a:off x="7694900" y="4250068"/>
-            <a:ext cx="292756" cy="369332"/>
-          </a:xfrm>
-          <a:prstGeom prst="rect">
-            <a:avLst/>
-          </a:prstGeom>
-          <a:noFill/>
-        </p:spPr>
-        <p:txBody>
-          <a:bodyPr wrap="none" rtlCol="0">
-            <a:spAutoFit/>
-          </a:bodyPr>
-          <a:lstStyle/>
-          <a:p>
-            <a:r>
-              <a:rPr lang="en-GB" dirty="0"/>
-              <a:t>Z</a:t>
-            </a:r>
-            <a:endParaRPr lang="en-GB" dirty="0"/>
-          </a:p>
-        </p:txBody>
-      </p:sp>
-      <p:pic>
-        <p:nvPicPr>
-          <p:cNvPr id="57" name="Image 56"/>
-          <p:cNvPicPr>
-            <a:picLocks noChangeAspect="1"/>
-          </p:cNvPicPr>
-          <p:nvPr/>
-        </p:nvPicPr>
-        <p:blipFill>
-          <a:blip r:embed="rId6">
-            <a:extLst>
-              <a:ext uri="{28A0092B-C50C-407E-A947-70E740481C1C}">
-                <a14:useLocalDpi xmlns:a14="http://schemas.microsoft.com/office/drawing/2010/main" val="0"/>
-              </a:ext>
-            </a:extLst>
-          </a:blip>
-          <a:stretch>
-            <a:fillRect/>
-          </a:stretch>
-        </p:blipFill>
-        <p:spPr>
-          <a:xfrm>
-            <a:off x="6159023" y="3399293"/>
-            <a:ext cx="1439999" cy="1150207"/>
-          </a:xfrm>
-          <a:prstGeom prst="rect">
-            <a:avLst/>
-          </a:prstGeom>
-        </p:spPr>
-      </p:pic>
-      <p:cxnSp>
-        <p:nvCxnSpPr>
-          <p:cNvPr id="58" name="Connecteur droit avec flèche 57"/>
-          <p:cNvCxnSpPr/>
-          <p:nvPr/>
-        </p:nvCxnSpPr>
-        <p:spPr>
-          <a:xfrm>
-            <a:off x="6051023" y="3289500"/>
-            <a:ext cx="1656000" cy="0"/>
-          </a:xfrm>
-          <a:prstGeom prst="straightConnector1">
-            <a:avLst/>
-          </a:prstGeom>
-          <a:ln>
-            <a:headEnd type="arrow"/>
-            <a:tailEnd type="none"/>
-          </a:ln>
-        </p:spPr>
-        <p:style>
-          <a:lnRef idx="2">
-            <a:schemeClr val="accent1"/>
-          </a:lnRef>
-          <a:fillRef idx="0">
-            <a:schemeClr val="accent1"/>
-          </a:fillRef>
-          <a:effectRef idx="1">
-            <a:schemeClr val="accent1"/>
-          </a:effectRef>
-          <a:fontRef idx="minor">
-            <a:schemeClr val="tx1"/>
-          </a:fontRef>
-        </p:style>
-      </p:cxnSp>
-      <p:cxnSp>
-        <p:nvCxnSpPr>
-          <p:cNvPr id="59" name="Connecteur droit avec flèche 58"/>
-          <p:cNvCxnSpPr/>
-          <p:nvPr/>
-        </p:nvCxnSpPr>
-        <p:spPr>
-          <a:xfrm>
-            <a:off x="7707600" y="3289500"/>
-            <a:ext cx="0" cy="1368000"/>
-          </a:xfrm>
-          <a:prstGeom prst="straightConnector1">
-            <a:avLst/>
-          </a:prstGeom>
-          <a:ln>
-            <a:tailEnd type="arrow"/>
-          </a:ln>
-        </p:spPr>
-        <p:style>
-          <a:lnRef idx="2">
-            <a:schemeClr val="accent1"/>
-          </a:lnRef>
-          <a:fillRef idx="0">
-            <a:schemeClr val="accent1"/>
-          </a:fillRef>
-          <a:effectRef idx="1">
-            <a:schemeClr val="accent1"/>
-          </a:effectRef>
-          <a:fontRef idx="minor">
-            <a:schemeClr val="tx1"/>
-          </a:fontRef>
-        </p:style>
-      </p:cxnSp>
-      <p:sp>
-        <p:nvSpPr>
-          <p:cNvPr id="60" name="ZoneTexte 59"/>
-          <p:cNvSpPr txBox="1"/>
-          <p:nvPr/>
-        </p:nvSpPr>
-        <p:spPr>
-          <a:xfrm>
-            <a:off x="360000" y="1281258"/>
-            <a:ext cx="1310400" cy="523220"/>
-          </a:xfrm>
-          <a:prstGeom prst="rect">
-            <a:avLst/>
-          </a:prstGeom>
-          <a:noFill/>
-        </p:spPr>
-        <p:txBody>
-          <a:bodyPr wrap="square" rtlCol="0">
-            <a:spAutoFit/>
-          </a:bodyPr>
-          <a:lstStyle/>
-          <a:p>
-            <a:r>
-              <a:rPr lang="en-GB" sz="1400" dirty="0"/>
-              <a:t>s</a:t>
-            </a:r>
-            <a:r>
-              <a:rPr lang="en-GB" sz="1400" dirty="0" smtClean="0"/>
-              <a:t>tack #0</a:t>
-            </a:r>
-          </a:p>
-          <a:p>
-            <a:r>
-              <a:rPr lang="en-GB" sz="1400" dirty="0"/>
-              <a:t>l</a:t>
-            </a:r>
-            <a:r>
-              <a:rPr lang="en-GB" sz="1400" dirty="0" smtClean="0"/>
-              <a:t>eft cam.</a:t>
-            </a:r>
-            <a:endParaRPr lang="en-GB" sz="1400" dirty="0"/>
-          </a:p>
-        </p:txBody>
-      </p:sp>
-      <p:sp>
-        <p:nvSpPr>
-          <p:cNvPr id="61" name="ZoneTexte 60"/>
-          <p:cNvSpPr txBox="1"/>
-          <p:nvPr/>
-        </p:nvSpPr>
-        <p:spPr>
-          <a:xfrm>
-            <a:off x="3241795" y="3239999"/>
-            <a:ext cx="1310400" cy="523220"/>
-          </a:xfrm>
-          <a:prstGeom prst="rect">
-            <a:avLst/>
-          </a:prstGeom>
-          <a:noFill/>
-        </p:spPr>
-        <p:txBody>
-          <a:bodyPr wrap="square" rtlCol="0">
-            <a:spAutoFit/>
-          </a:bodyPr>
-          <a:lstStyle/>
-          <a:p>
-            <a:r>
-              <a:rPr lang="en-GB" sz="1400" dirty="0"/>
-              <a:t>s</a:t>
-            </a:r>
-            <a:r>
-              <a:rPr lang="en-GB" sz="1400" dirty="0" smtClean="0"/>
-              <a:t>tack #0</a:t>
-            </a:r>
-          </a:p>
-          <a:p>
-            <a:r>
-              <a:rPr lang="en-GB" sz="1400" dirty="0" smtClean="0"/>
-              <a:t>right cam.</a:t>
-            </a:r>
-            <a:endParaRPr lang="en-GB" sz="1400" dirty="0"/>
-          </a:p>
-        </p:txBody>
-      </p:sp>
-      <p:sp>
-        <p:nvSpPr>
-          <p:cNvPr id="62" name="ZoneTexte 61"/>
-          <p:cNvSpPr txBox="1"/>
-          <p:nvPr/>
-        </p:nvSpPr>
-        <p:spPr>
-          <a:xfrm>
-            <a:off x="7719300" y="3386793"/>
-            <a:ext cx="1310400" cy="523220"/>
-          </a:xfrm>
-          <a:prstGeom prst="rect">
-            <a:avLst/>
-          </a:prstGeom>
-          <a:noFill/>
-        </p:spPr>
-        <p:txBody>
-          <a:bodyPr wrap="square" rtlCol="0">
-            <a:spAutoFit/>
-          </a:bodyPr>
-          <a:lstStyle/>
-          <a:p>
-            <a:r>
-              <a:rPr lang="en-GB" sz="1400" dirty="0"/>
-              <a:t>s</a:t>
-            </a:r>
-            <a:r>
-              <a:rPr lang="en-GB" sz="1400" dirty="0" smtClean="0"/>
-              <a:t>tack #1</a:t>
-            </a:r>
-          </a:p>
-          <a:p>
-            <a:r>
-              <a:rPr lang="en-GB" sz="1400" dirty="0" smtClean="0"/>
-              <a:t>right cam.</a:t>
-            </a:r>
-            <a:endParaRPr lang="en-GB" sz="1400" dirty="0"/>
-          </a:p>
-        </p:txBody>
-      </p:sp>
-      <p:sp>
-        <p:nvSpPr>
-          <p:cNvPr id="63" name="ZoneTexte 62"/>
-          <p:cNvSpPr txBox="1"/>
-          <p:nvPr/>
-        </p:nvSpPr>
-        <p:spPr>
-          <a:xfrm>
-            <a:off x="7719300" y="584179"/>
-            <a:ext cx="1310400" cy="523220"/>
-          </a:xfrm>
-          <a:prstGeom prst="rect">
-            <a:avLst/>
-          </a:prstGeom>
-          <a:noFill/>
-        </p:spPr>
-        <p:txBody>
-          <a:bodyPr wrap="square" rtlCol="0">
-            <a:spAutoFit/>
-          </a:bodyPr>
-          <a:lstStyle/>
-          <a:p>
-            <a:r>
-              <a:rPr lang="en-GB" sz="1400" dirty="0"/>
-              <a:t>s</a:t>
-            </a:r>
-            <a:r>
-              <a:rPr lang="en-GB" sz="1400" dirty="0" smtClean="0"/>
-              <a:t>tack #1</a:t>
-            </a:r>
-          </a:p>
-          <a:p>
-            <a:r>
-              <a:rPr lang="en-GB" sz="1400" dirty="0"/>
-              <a:t>l</a:t>
-            </a:r>
-            <a:r>
-              <a:rPr lang="en-GB" sz="1400" dirty="0" smtClean="0"/>
-              <a:t>eft cam.</a:t>
-            </a:r>
-            <a:endParaRPr lang="en-GB" sz="1400" dirty="0"/>
-          </a:p>
-        </p:txBody>
-      </p:sp>
-    </p:spTree>
-    <p:extLst>
-      <p:ext uri="{BB962C8B-B14F-4D97-AF65-F5344CB8AC3E}">
-        <p14:creationId xmlns:p14="http://schemas.microsoft.com/office/powerpoint/2010/main" val="1496515345"/>
-      </p:ext>
-    </p:extLst>
-  </p:cSld>
-  <p:clrMapOvr>
-    <a:masterClrMapping/>
-  </p:clrMapOvr>
-</p:sld>
-</file>
-
-<file path=ppt/slides/slide10.xml><?xml version="1.0" encoding="utf-8"?>
-<p:sld xmlns:a="http://schemas.openxmlformats.org/drawingml/2006/main" xmlns:r="http://schemas.openxmlformats.org/officeDocument/2006/relationships" xmlns:p="http://schemas.openxmlformats.org/presentationml/2006/main">
-  <p:cSld>
-    <p:spTree>
-      <p:nvGrpSpPr>
-        <p:cNvPr id="1" name=""/>
-        <p:cNvGrpSpPr/>
-        <p:nvPr/>
-      </p:nvGrpSpPr>
-      <p:grpSpPr>
-        <a:xfrm>
-          <a:off x="0" y="0"/>
-          <a:ext cx="0" cy="0"/>
-          <a:chOff x="0" y="0"/>
-          <a:chExt cx="0" cy="0"/>
-        </a:xfrm>
-      </p:grpSpPr>
-      <p:pic>
-        <p:nvPicPr>
-          <p:cNvPr id="6" name="Image 5"/>
-          <p:cNvPicPr>
-            <a:picLocks noChangeAspect="1"/>
-          </p:cNvPicPr>
-          <p:nvPr/>
-        </p:nvPicPr>
-        <p:blipFill>
-          <a:blip r:embed="rId2">
-            <a:extLst>
-              <a:ext uri="{28A0092B-C50C-407E-A947-70E740481C1C}">
-                <a14:useLocalDpi xmlns:a14="http://schemas.microsoft.com/office/drawing/2010/main" val="0"/>
-              </a:ext>
-            </a:extLst>
-          </a:blip>
-          <a:stretch>
-            <a:fillRect/>
-          </a:stretch>
-        </p:blipFill>
-        <p:spPr>
-          <a:xfrm>
-            <a:off x="0" y="1440000"/>
-            <a:ext cx="1188000" cy="1388303"/>
-          </a:xfrm>
-          <a:prstGeom prst="rect">
-            <a:avLst/>
-          </a:prstGeom>
-        </p:spPr>
-      </p:pic>
-      <p:pic>
-        <p:nvPicPr>
-          <p:cNvPr id="8" name="Image 7"/>
-          <p:cNvPicPr>
-            <a:picLocks noChangeAspect="1"/>
-          </p:cNvPicPr>
-          <p:nvPr/>
-        </p:nvPicPr>
-        <p:blipFill>
-          <a:blip r:embed="rId3">
-            <a:extLst>
-              <a:ext uri="{28A0092B-C50C-407E-A947-70E740481C1C}">
-                <a14:useLocalDpi xmlns:a14="http://schemas.microsoft.com/office/drawing/2010/main" val="0"/>
-              </a:ext>
-            </a:extLst>
-          </a:blip>
-          <a:stretch>
-            <a:fillRect/>
-          </a:stretch>
-        </p:blipFill>
-        <p:spPr>
-          <a:xfrm>
-            <a:off x="2376000" y="1440000"/>
-            <a:ext cx="1188000" cy="1388303"/>
-          </a:xfrm>
-          <a:prstGeom prst="rect">
-            <a:avLst/>
-          </a:prstGeom>
-        </p:spPr>
-      </p:pic>
-      <p:pic>
-        <p:nvPicPr>
-          <p:cNvPr id="9" name="Image 8"/>
-          <p:cNvPicPr>
-            <a:picLocks noChangeAspect="1"/>
-          </p:cNvPicPr>
-          <p:nvPr/>
-        </p:nvPicPr>
-        <p:blipFill>
-          <a:blip r:embed="rId4">
-            <a:extLst>
-              <a:ext uri="{28A0092B-C50C-407E-A947-70E740481C1C}">
-                <a14:useLocalDpi xmlns:a14="http://schemas.microsoft.com/office/drawing/2010/main" val="0"/>
-              </a:ext>
-            </a:extLst>
-          </a:blip>
-          <a:stretch>
-            <a:fillRect/>
-          </a:stretch>
-        </p:blipFill>
-        <p:spPr>
-          <a:xfrm>
-            <a:off x="0" y="3456000"/>
-            <a:ext cx="1188000" cy="1388302"/>
-          </a:xfrm>
-          <a:prstGeom prst="rect">
-            <a:avLst/>
-          </a:prstGeom>
-        </p:spPr>
-      </p:pic>
-      <p:pic>
-        <p:nvPicPr>
-          <p:cNvPr id="10" name="Image 9"/>
-          <p:cNvPicPr>
-            <a:picLocks noChangeAspect="1"/>
-          </p:cNvPicPr>
-          <p:nvPr/>
-        </p:nvPicPr>
-        <p:blipFill>
-          <a:blip r:embed="rId5">
-            <a:extLst>
-              <a:ext uri="{28A0092B-C50C-407E-A947-70E740481C1C}">
-                <a14:useLocalDpi xmlns:a14="http://schemas.microsoft.com/office/drawing/2010/main" val="0"/>
-              </a:ext>
-            </a:extLst>
-          </a:blip>
-          <a:stretch>
-            <a:fillRect/>
-          </a:stretch>
-        </p:blipFill>
-        <p:spPr>
-          <a:xfrm>
-            <a:off x="2376000" y="3456000"/>
-            <a:ext cx="1188000" cy="1388302"/>
-          </a:xfrm>
-          <a:prstGeom prst="rect">
-            <a:avLst/>
-          </a:prstGeom>
-        </p:spPr>
-      </p:pic>
-      <p:sp>
-        <p:nvSpPr>
-          <p:cNvPr id="19" name="ZoneTexte 18"/>
-          <p:cNvSpPr txBox="1"/>
-          <p:nvPr/>
-        </p:nvSpPr>
-        <p:spPr>
-          <a:xfrm>
-            <a:off x="284700" y="2876303"/>
-            <a:ext cx="1806600" cy="307777"/>
-          </a:xfrm>
-          <a:prstGeom prst="rect">
-            <a:avLst/>
-          </a:prstGeom>
-          <a:noFill/>
-        </p:spPr>
-        <p:txBody>
-          <a:bodyPr wrap="square" rtlCol="0">
-            <a:spAutoFit/>
-          </a:bodyPr>
-          <a:lstStyle/>
-          <a:p>
-            <a:pPr algn="ctr"/>
-            <a:r>
-              <a:rPr lang="en-GB" sz="1400" dirty="0" smtClean="0"/>
-              <a:t>stack #0, left cam.</a:t>
-            </a:r>
-            <a:endParaRPr lang="en-GB" sz="1400" dirty="0"/>
-          </a:p>
-        </p:txBody>
-      </p:sp>
-      <p:sp>
-        <p:nvSpPr>
-          <p:cNvPr id="20" name="ZoneTexte 19"/>
-          <p:cNvSpPr txBox="1"/>
-          <p:nvPr/>
-        </p:nvSpPr>
-        <p:spPr>
-          <a:xfrm>
-            <a:off x="2660700" y="2876303"/>
-            <a:ext cx="1806600" cy="307777"/>
-          </a:xfrm>
-          <a:prstGeom prst="rect">
-            <a:avLst/>
-          </a:prstGeom>
-          <a:noFill/>
-        </p:spPr>
-        <p:txBody>
-          <a:bodyPr wrap="square" rtlCol="0">
-            <a:spAutoFit/>
-          </a:bodyPr>
-          <a:lstStyle/>
-          <a:p>
-            <a:pPr algn="ctr"/>
-            <a:r>
-              <a:rPr lang="en-GB" sz="1400" dirty="0" smtClean="0"/>
-              <a:t>stack #0, right cam.</a:t>
-            </a:r>
-            <a:endParaRPr lang="en-GB" sz="1400" dirty="0"/>
-          </a:p>
-        </p:txBody>
-      </p:sp>
-      <p:sp>
-        <p:nvSpPr>
-          <p:cNvPr id="21" name="ZoneTexte 20"/>
-          <p:cNvSpPr txBox="1"/>
-          <p:nvPr/>
-        </p:nvSpPr>
-        <p:spPr>
-          <a:xfrm>
-            <a:off x="284700" y="4848923"/>
-            <a:ext cx="1806600" cy="307777"/>
-          </a:xfrm>
-          <a:prstGeom prst="rect">
-            <a:avLst/>
-          </a:prstGeom>
-          <a:noFill/>
-        </p:spPr>
-        <p:txBody>
-          <a:bodyPr wrap="square" rtlCol="0">
-            <a:spAutoFit/>
-          </a:bodyPr>
-          <a:lstStyle/>
-          <a:p>
-            <a:pPr algn="ctr"/>
-            <a:r>
-              <a:rPr lang="en-GB" sz="1400" dirty="0" smtClean="0"/>
-              <a:t>stack #1, left cam.</a:t>
-            </a:r>
-            <a:endParaRPr lang="en-GB" sz="1400" dirty="0"/>
-          </a:p>
-        </p:txBody>
-      </p:sp>
-      <p:sp>
-        <p:nvSpPr>
-          <p:cNvPr id="22" name="ZoneTexte 21"/>
-          <p:cNvSpPr txBox="1"/>
-          <p:nvPr/>
-        </p:nvSpPr>
-        <p:spPr>
-          <a:xfrm>
-            <a:off x="2660700" y="4848923"/>
-            <a:ext cx="1806600" cy="307777"/>
-          </a:xfrm>
-          <a:prstGeom prst="rect">
-            <a:avLst/>
-          </a:prstGeom>
-          <a:noFill/>
-        </p:spPr>
-        <p:txBody>
-          <a:bodyPr wrap="square" rtlCol="0">
-            <a:spAutoFit/>
-          </a:bodyPr>
-          <a:lstStyle/>
-          <a:p>
-            <a:pPr algn="ctr"/>
-            <a:r>
-              <a:rPr lang="en-GB" sz="1400" dirty="0" smtClean="0"/>
-              <a:t>stack #1, right cam.</a:t>
-            </a:r>
-            <a:endParaRPr lang="en-GB" sz="1400" dirty="0"/>
-          </a:p>
-        </p:txBody>
-      </p:sp>
-      <p:pic>
-        <p:nvPicPr>
-          <p:cNvPr id="2" name="Image 1" descr="fusion.png"/>
-          <p:cNvPicPr>
-            <a:picLocks noChangeAspect="1"/>
-          </p:cNvPicPr>
-          <p:nvPr/>
-        </p:nvPicPr>
-        <p:blipFill>
-          <a:blip r:embed="rId6">
-            <a:extLst>
-              <a:ext uri="{28A0092B-C50C-407E-A947-70E740481C1C}">
-                <a14:useLocalDpi xmlns:a14="http://schemas.microsoft.com/office/drawing/2010/main" val="0"/>
-              </a:ext>
-            </a:extLst>
-          </a:blip>
-          <a:stretch>
-            <a:fillRect/>
-          </a:stretch>
-        </p:blipFill>
-        <p:spPr>
-          <a:xfrm>
-            <a:off x="5220000" y="1440000"/>
-            <a:ext cx="2926568" cy="3420000"/>
-          </a:xfrm>
-          <a:prstGeom prst="rect">
-            <a:avLst/>
-          </a:prstGeom>
-        </p:spPr>
-      </p:pic>
-      <p:pic>
-        <p:nvPicPr>
-          <p:cNvPr id="25" name="Image 24"/>
-          <p:cNvPicPr>
-            <a:picLocks noChangeAspect="1"/>
-          </p:cNvPicPr>
-          <p:nvPr/>
-        </p:nvPicPr>
-        <p:blipFill>
-          <a:blip r:embed="rId7">
-            <a:extLst>
-              <a:ext uri="{28A0092B-C50C-407E-A947-70E740481C1C}">
-                <a14:useLocalDpi xmlns:a14="http://schemas.microsoft.com/office/drawing/2010/main" val="0"/>
-              </a:ext>
-            </a:extLst>
-          </a:blip>
-          <a:stretch>
-            <a:fillRect/>
-          </a:stretch>
-        </p:blipFill>
-        <p:spPr>
-          <a:xfrm>
-            <a:off x="1188000" y="1440000"/>
-            <a:ext cx="1188000" cy="1388302"/>
-          </a:xfrm>
-          <a:prstGeom prst="rect">
-            <a:avLst/>
-          </a:prstGeom>
-        </p:spPr>
-      </p:pic>
-      <p:pic>
-        <p:nvPicPr>
-          <p:cNvPr id="26" name="Image 25"/>
-          <p:cNvPicPr>
-            <a:picLocks noChangeAspect="1"/>
-          </p:cNvPicPr>
-          <p:nvPr/>
-        </p:nvPicPr>
-        <p:blipFill>
-          <a:blip r:embed="rId8">
-            <a:extLst>
-              <a:ext uri="{28A0092B-C50C-407E-A947-70E740481C1C}">
-                <a14:useLocalDpi xmlns:a14="http://schemas.microsoft.com/office/drawing/2010/main" val="0"/>
-              </a:ext>
-            </a:extLst>
-          </a:blip>
-          <a:stretch>
-            <a:fillRect/>
-          </a:stretch>
-        </p:blipFill>
-        <p:spPr>
-          <a:xfrm>
-            <a:off x="3600003" y="1440000"/>
-            <a:ext cx="1227816" cy="1434831"/>
-          </a:xfrm>
-          <a:prstGeom prst="rect">
-            <a:avLst/>
-          </a:prstGeom>
-        </p:spPr>
-      </p:pic>
-      <p:pic>
-        <p:nvPicPr>
-          <p:cNvPr id="27" name="Image 26"/>
-          <p:cNvPicPr>
-            <a:picLocks noChangeAspect="1"/>
-          </p:cNvPicPr>
-          <p:nvPr/>
-        </p:nvPicPr>
-        <p:blipFill>
-          <a:blip r:embed="rId9">
-            <a:extLst>
-              <a:ext uri="{28A0092B-C50C-407E-A947-70E740481C1C}">
-                <a14:useLocalDpi xmlns:a14="http://schemas.microsoft.com/office/drawing/2010/main" val="0"/>
-              </a:ext>
-            </a:extLst>
-          </a:blip>
-          <a:stretch>
-            <a:fillRect/>
-          </a:stretch>
-        </p:blipFill>
-        <p:spPr>
-          <a:xfrm>
-            <a:off x="1188000" y="3456000"/>
-            <a:ext cx="1188000" cy="1388302"/>
-          </a:xfrm>
-          <a:prstGeom prst="rect">
-            <a:avLst/>
-          </a:prstGeom>
-        </p:spPr>
-      </p:pic>
-      <p:pic>
-        <p:nvPicPr>
-          <p:cNvPr id="28" name="Image 27"/>
-          <p:cNvPicPr>
-            <a:picLocks noChangeAspect="1"/>
-          </p:cNvPicPr>
-          <p:nvPr/>
-        </p:nvPicPr>
-        <p:blipFill>
-          <a:blip r:embed="rId10">
-            <a:extLst>
-              <a:ext uri="{28A0092B-C50C-407E-A947-70E740481C1C}">
-                <a14:useLocalDpi xmlns:a14="http://schemas.microsoft.com/office/drawing/2010/main" val="0"/>
-              </a:ext>
-            </a:extLst>
-          </a:blip>
-          <a:stretch>
-            <a:fillRect/>
-          </a:stretch>
-        </p:blipFill>
-        <p:spPr>
-          <a:xfrm>
-            <a:off x="3564000" y="3456000"/>
-            <a:ext cx="1188000" cy="1388302"/>
-          </a:xfrm>
-          <a:prstGeom prst="rect">
-            <a:avLst/>
-          </a:prstGeom>
-        </p:spPr>
-      </p:pic>
-    </p:spTree>
-    <p:extLst>
-      <p:ext uri="{BB962C8B-B14F-4D97-AF65-F5344CB8AC3E}">
-        <p14:creationId xmlns:p14="http://schemas.microsoft.com/office/powerpoint/2010/main" val="364848882"/>
-      </p:ext>
-    </p:extLst>
-  </p:cSld>
-  <p:clrMapOvr>
-    <a:masterClrMapping/>
-  </p:clrMapOvr>
-  <p:timing>
-    <p:tnLst>
-      <p:par>
-        <p:cTn xmlns:p14="http://schemas.microsoft.com/office/powerpoint/2010/main" id="1" dur="indefinite" restart="never" nodeType="tmRoot"/>
-      </p:par>
-    </p:tnLst>
-  </p:timing>
-</p:sld>
-</file>
-
-<file path=ppt/slides/slide2.xml><?xml version="1.0" encoding="utf-8"?>
-<p:sld xmlns:a="http://schemas.openxmlformats.org/drawingml/2006/main" xmlns:r="http://schemas.openxmlformats.org/officeDocument/2006/relationships" xmlns:p="http://schemas.openxmlformats.org/presentationml/2006/main">
-  <p:cSld>
-    <p:spTree>
-      <p:nvGrpSpPr>
-        <p:cNvPr id="1" name=""/>
-        <p:cNvGrpSpPr/>
-        <p:nvPr/>
-      </p:nvGrpSpPr>
-      <p:grpSpPr>
-        <a:xfrm>
-          <a:off x="0" y="0"/>
-          <a:ext cx="0" cy="0"/>
-          <a:chOff x="0" y="0"/>
-          <a:chExt cx="0" cy="0"/>
-        </a:xfrm>
-      </p:grpSpPr>
-      <p:pic>
-        <p:nvPicPr>
-          <p:cNvPr id="3" name="Image 2" descr="muvispim.png"/>
-          <p:cNvPicPr>
-            <a:picLocks noChangeAspect="1"/>
-          </p:cNvPicPr>
-          <p:nvPr/>
-        </p:nvPicPr>
-        <p:blipFill>
-          <a:blip r:embed="rId2">
-            <a:extLst>
-              <a:ext uri="{28A0092B-C50C-407E-A947-70E740481C1C}">
-                <a14:useLocalDpi xmlns:a14="http://schemas.microsoft.com/office/drawing/2010/main" val="0"/>
-              </a:ext>
-            </a:extLst>
-          </a:blip>
-          <a:stretch>
-            <a:fillRect/>
-          </a:stretch>
-        </p:blipFill>
-        <p:spPr>
-          <a:xfrm>
-            <a:off x="1622200" y="1800000"/>
-            <a:ext cx="1473576" cy="1440000"/>
-          </a:xfrm>
-          <a:prstGeom prst="rect">
-            <a:avLst/>
-          </a:prstGeom>
-        </p:spPr>
-      </p:pic>
-      <p:pic>
-        <p:nvPicPr>
-          <p:cNvPr id="2" name="Image 1"/>
-          <p:cNvPicPr>
-            <a:picLocks noChangeAspect="1"/>
-          </p:cNvPicPr>
-          <p:nvPr/>
-        </p:nvPicPr>
-        <p:blipFill>
-          <a:blip r:embed="rId3">
-            <a:extLst>
-              <a:ext uri="{28A0092B-C50C-407E-A947-70E740481C1C}">
-                <a14:useLocalDpi xmlns:a14="http://schemas.microsoft.com/office/drawing/2010/main" val="0"/>
-              </a:ext>
-            </a:extLst>
-          </a:blip>
-          <a:stretch>
-            <a:fillRect/>
-          </a:stretch>
-        </p:blipFill>
-        <p:spPr>
-          <a:xfrm>
-            <a:off x="525903" y="1800000"/>
-            <a:ext cx="869189" cy="1440000"/>
-          </a:xfrm>
-          <a:prstGeom prst="rect">
-            <a:avLst/>
-          </a:prstGeom>
-        </p:spPr>
-      </p:pic>
-      <p:cxnSp>
-        <p:nvCxnSpPr>
-          <p:cNvPr id="8" name="Connecteur droit avec flèche 7"/>
-          <p:cNvCxnSpPr/>
-          <p:nvPr/>
-        </p:nvCxnSpPr>
-        <p:spPr>
-          <a:xfrm>
-            <a:off x="213900" y="1692000"/>
-            <a:ext cx="1418400" cy="0"/>
-          </a:xfrm>
-          <a:prstGeom prst="straightConnector1">
-            <a:avLst/>
-          </a:prstGeom>
-          <a:ln>
-            <a:headEnd type="arrow"/>
-            <a:tailEnd type="none"/>
-          </a:ln>
-        </p:spPr>
-        <p:style>
-          <a:lnRef idx="2">
-            <a:schemeClr val="accent1"/>
-          </a:lnRef>
-          <a:fillRef idx="0">
-            <a:schemeClr val="accent1"/>
-          </a:fillRef>
-          <a:effectRef idx="1">
-            <a:schemeClr val="accent1"/>
-          </a:effectRef>
-          <a:fontRef idx="minor">
-            <a:schemeClr val="tx1"/>
-          </a:fontRef>
-        </p:style>
-      </p:cxnSp>
-      <p:sp>
-        <p:nvSpPr>
-          <p:cNvPr id="9" name="ZoneTexte 8"/>
-          <p:cNvSpPr txBox="1"/>
-          <p:nvPr/>
-        </p:nvSpPr>
-        <p:spPr>
-          <a:xfrm>
-            <a:off x="1620000" y="2968858"/>
-            <a:ext cx="304478" cy="369332"/>
-          </a:xfrm>
-          <a:prstGeom prst="rect">
-            <a:avLst/>
-          </a:prstGeom>
-          <a:noFill/>
-        </p:spPr>
-        <p:txBody>
-          <a:bodyPr wrap="none" rtlCol="0">
-            <a:spAutoFit/>
-          </a:bodyPr>
-          <a:lstStyle/>
-          <a:p>
-            <a:r>
-              <a:rPr lang="en-GB" dirty="0" smtClean="0"/>
-              <a:t>X</a:t>
-            </a:r>
-            <a:endParaRPr lang="en-GB" dirty="0"/>
-          </a:p>
-        </p:txBody>
-      </p:sp>
-      <p:sp>
-        <p:nvSpPr>
-          <p:cNvPr id="10" name="ZoneTexte 9"/>
-          <p:cNvSpPr txBox="1"/>
-          <p:nvPr/>
-        </p:nvSpPr>
-        <p:spPr>
-          <a:xfrm>
-            <a:off x="379525" y="1305625"/>
-            <a:ext cx="292756" cy="369332"/>
-          </a:xfrm>
-          <a:prstGeom prst="rect">
-            <a:avLst/>
-          </a:prstGeom>
-          <a:noFill/>
-        </p:spPr>
-        <p:txBody>
-          <a:bodyPr wrap="none" rtlCol="0">
-            <a:spAutoFit/>
-          </a:bodyPr>
-          <a:lstStyle/>
-          <a:p>
-            <a:r>
-              <a:rPr lang="en-GB" dirty="0"/>
-              <a:t>Z</a:t>
-            </a:r>
-            <a:endParaRPr lang="en-GB" dirty="0"/>
-          </a:p>
-        </p:txBody>
-      </p:sp>
-      <p:pic>
-        <p:nvPicPr>
-          <p:cNvPr id="13" name="Image 12"/>
-          <p:cNvPicPr>
-            <a:picLocks noChangeAspect="1"/>
-          </p:cNvPicPr>
-          <p:nvPr/>
-        </p:nvPicPr>
-        <p:blipFill>
-          <a:blip r:embed="rId4">
-            <a:extLst>
-              <a:ext uri="{28A0092B-C50C-407E-A947-70E740481C1C}">
-                <a14:useLocalDpi xmlns:a14="http://schemas.microsoft.com/office/drawing/2010/main" val="0"/>
-              </a:ext>
-            </a:extLst>
-          </a:blip>
-          <a:stretch>
-            <a:fillRect/>
-          </a:stretch>
-        </p:blipFill>
-        <p:spPr>
-          <a:xfrm>
-            <a:off x="3396104" y="1800001"/>
-            <a:ext cx="869187" cy="1439998"/>
-          </a:xfrm>
-          <a:prstGeom prst="rect">
-            <a:avLst/>
-          </a:prstGeom>
-        </p:spPr>
-      </p:pic>
-      <p:cxnSp>
-        <p:nvCxnSpPr>
-          <p:cNvPr id="14" name="Connecteur droit avec flèche 13"/>
-          <p:cNvCxnSpPr/>
-          <p:nvPr/>
-        </p:nvCxnSpPr>
-        <p:spPr>
-          <a:xfrm flipV="1">
-            <a:off x="4539600" y="1692000"/>
-            <a:ext cx="0" cy="1656000"/>
-          </a:xfrm>
-          <a:prstGeom prst="straightConnector1">
-            <a:avLst/>
-          </a:prstGeom>
-          <a:ln>
-            <a:headEnd type="none"/>
-            <a:tailEnd type="arrow"/>
-          </a:ln>
-        </p:spPr>
-        <p:style>
-          <a:lnRef idx="2">
-            <a:schemeClr val="accent1"/>
-          </a:lnRef>
-          <a:fillRef idx="0">
-            <a:schemeClr val="accent1"/>
-          </a:fillRef>
-          <a:effectRef idx="1">
-            <a:schemeClr val="accent1"/>
-          </a:effectRef>
-          <a:fontRef idx="minor">
-            <a:schemeClr val="tx1"/>
-          </a:fontRef>
-        </p:style>
-      </p:cxnSp>
-      <p:cxnSp>
-        <p:nvCxnSpPr>
-          <p:cNvPr id="15" name="Connecteur droit avec flèche 14"/>
-          <p:cNvCxnSpPr/>
-          <p:nvPr/>
-        </p:nvCxnSpPr>
-        <p:spPr>
-          <a:xfrm>
-            <a:off x="3122200" y="3348000"/>
-            <a:ext cx="1418400" cy="0"/>
-          </a:xfrm>
-          <a:prstGeom prst="straightConnector1">
-            <a:avLst/>
-          </a:prstGeom>
-          <a:ln>
-            <a:headEnd type="arrow"/>
-            <a:tailEnd type="none"/>
-          </a:ln>
-        </p:spPr>
-        <p:style>
-          <a:lnRef idx="2">
-            <a:schemeClr val="accent1"/>
-          </a:lnRef>
-          <a:fillRef idx="0">
-            <a:schemeClr val="accent1"/>
-          </a:fillRef>
-          <a:effectRef idx="1">
-            <a:schemeClr val="accent1"/>
-          </a:effectRef>
-          <a:fontRef idx="minor">
-            <a:schemeClr val="tx1"/>
-          </a:fontRef>
-        </p:style>
-      </p:cxnSp>
-      <p:sp>
-        <p:nvSpPr>
-          <p:cNvPr id="16" name="ZoneTexte 15"/>
-          <p:cNvSpPr txBox="1"/>
-          <p:nvPr/>
-        </p:nvSpPr>
-        <p:spPr>
-          <a:xfrm>
-            <a:off x="4540600" y="1754869"/>
-            <a:ext cx="304478" cy="369332"/>
-          </a:xfrm>
-          <a:prstGeom prst="rect">
-            <a:avLst/>
-          </a:prstGeom>
-          <a:noFill/>
-        </p:spPr>
-        <p:txBody>
-          <a:bodyPr wrap="none" rtlCol="0">
-            <a:spAutoFit/>
-          </a:bodyPr>
-          <a:lstStyle/>
-          <a:p>
-            <a:r>
-              <a:rPr lang="en-GB" dirty="0" smtClean="0"/>
-              <a:t>X</a:t>
-            </a:r>
-            <a:endParaRPr lang="en-GB" dirty="0"/>
-          </a:p>
-        </p:txBody>
-      </p:sp>
-      <p:sp>
-        <p:nvSpPr>
-          <p:cNvPr id="17" name="ZoneTexte 16"/>
-          <p:cNvSpPr txBox="1"/>
-          <p:nvPr/>
-        </p:nvSpPr>
-        <p:spPr>
-          <a:xfrm>
-            <a:off x="3211626" y="3311753"/>
-            <a:ext cx="292756" cy="369332"/>
-          </a:xfrm>
-          <a:prstGeom prst="rect">
-            <a:avLst/>
-          </a:prstGeom>
-          <a:noFill/>
-        </p:spPr>
-        <p:txBody>
-          <a:bodyPr wrap="none" rtlCol="0">
-            <a:spAutoFit/>
-          </a:bodyPr>
-          <a:lstStyle/>
-          <a:p>
-            <a:r>
-              <a:rPr lang="en-GB" dirty="0"/>
-              <a:t>Z</a:t>
-            </a:r>
-            <a:endParaRPr lang="en-GB" dirty="0"/>
-          </a:p>
-        </p:txBody>
-      </p:sp>
-      <p:pic>
-        <p:nvPicPr>
-          <p:cNvPr id="33" name="Image 32" descr="muvispim.png"/>
-          <p:cNvPicPr>
-            <a:picLocks noChangeAspect="1"/>
-          </p:cNvPicPr>
-          <p:nvPr/>
-        </p:nvPicPr>
-        <p:blipFill>
-          <a:blip r:embed="rId2">
-            <a:extLst>
-              <a:ext uri="{28A0092B-C50C-407E-A947-70E740481C1C}">
-                <a14:useLocalDpi xmlns:a14="http://schemas.microsoft.com/office/drawing/2010/main" val="0"/>
-              </a:ext>
-            </a:extLst>
-          </a:blip>
-          <a:stretch>
-            <a:fillRect/>
-          </a:stretch>
-        </p:blipFill>
-        <p:spPr>
-          <a:xfrm rot="16200000">
-            <a:off x="6103212" y="1800000"/>
-            <a:ext cx="1473576" cy="1440000"/>
-          </a:xfrm>
-          <a:prstGeom prst="rect">
-            <a:avLst/>
-          </a:prstGeom>
-        </p:spPr>
-      </p:pic>
-      <p:grpSp>
-        <p:nvGrpSpPr>
-          <p:cNvPr id="53" name="Grouper 52"/>
-          <p:cNvGrpSpPr/>
-          <p:nvPr/>
-        </p:nvGrpSpPr>
-        <p:grpSpPr>
-          <a:xfrm>
-            <a:off x="5719244" y="98663"/>
-            <a:ext cx="1948756" cy="1737337"/>
-            <a:chOff x="5719244" y="98663"/>
-            <a:chExt cx="1948756" cy="1737337"/>
-          </a:xfrm>
-        </p:grpSpPr>
-        <p:sp>
-          <p:nvSpPr>
-            <p:cNvPr id="39" name="ZoneTexte 38"/>
-            <p:cNvSpPr txBox="1"/>
-            <p:nvPr/>
-          </p:nvSpPr>
-          <p:spPr>
-            <a:xfrm>
-              <a:off x="7297123" y="98663"/>
-              <a:ext cx="304478" cy="369332"/>
-            </a:xfrm>
-            <a:prstGeom prst="rect">
-              <a:avLst/>
-            </a:prstGeom>
-            <a:noFill/>
-          </p:spPr>
-          <p:txBody>
-            <a:bodyPr wrap="none" rtlCol="0">
-              <a:spAutoFit/>
-            </a:bodyPr>
-            <a:lstStyle/>
-            <a:p>
-              <a:r>
-                <a:rPr lang="en-GB" dirty="0" smtClean="0"/>
-                <a:t>X</a:t>
-              </a:r>
-              <a:endParaRPr lang="en-GB" dirty="0"/>
-            </a:p>
-          </p:txBody>
-        </p:sp>
-        <p:sp>
-          <p:nvSpPr>
-            <p:cNvPr id="40" name="ZoneTexte 39"/>
-            <p:cNvSpPr txBox="1"/>
-            <p:nvPr/>
-          </p:nvSpPr>
-          <p:spPr>
-            <a:xfrm>
-              <a:off x="5719244" y="1466668"/>
-              <a:ext cx="292756" cy="369332"/>
-            </a:xfrm>
-            <a:prstGeom prst="rect">
-              <a:avLst/>
-            </a:prstGeom>
-            <a:noFill/>
-          </p:spPr>
-          <p:txBody>
-            <a:bodyPr wrap="none" rtlCol="0">
-              <a:spAutoFit/>
-            </a:bodyPr>
-            <a:lstStyle/>
-            <a:p>
-              <a:r>
-                <a:rPr lang="en-GB" dirty="0"/>
-                <a:t>Z</a:t>
-              </a:r>
-              <a:endParaRPr lang="en-GB" dirty="0"/>
-            </a:p>
-          </p:txBody>
-        </p:sp>
-        <p:pic>
-          <p:nvPicPr>
-            <p:cNvPr id="47" name="Image 46"/>
-            <p:cNvPicPr>
-              <a:picLocks noChangeAspect="1"/>
-            </p:cNvPicPr>
-            <p:nvPr/>
-          </p:nvPicPr>
-          <p:blipFill>
-            <a:blip r:embed="rId5">
-              <a:extLst>
-                <a:ext uri="{28A0092B-C50C-407E-A947-70E740481C1C}">
-                  <a14:useLocalDpi xmlns:a14="http://schemas.microsoft.com/office/drawing/2010/main" val="0"/>
-                </a:ext>
-              </a:extLst>
-            </a:blip>
-            <a:stretch>
-              <a:fillRect/>
-            </a:stretch>
-          </p:blipFill>
-          <p:spPr>
-            <a:xfrm>
-              <a:off x="6120000" y="576356"/>
-              <a:ext cx="1440000" cy="1081081"/>
-            </a:xfrm>
-            <a:prstGeom prst="rect">
-              <a:avLst/>
-            </a:prstGeom>
-          </p:spPr>
-        </p:pic>
-        <p:cxnSp>
-          <p:nvCxnSpPr>
-            <p:cNvPr id="49" name="Connecteur droit avec flèche 48"/>
-            <p:cNvCxnSpPr/>
-            <p:nvPr/>
-          </p:nvCxnSpPr>
-          <p:spPr>
-            <a:xfrm>
-              <a:off x="6012000" y="432000"/>
-              <a:ext cx="1656000" cy="0"/>
-            </a:xfrm>
-            <a:prstGeom prst="straightConnector1">
-              <a:avLst/>
-            </a:prstGeom>
-            <a:ln>
-              <a:tailEnd type="arrow"/>
-            </a:ln>
-          </p:spPr>
-          <p:style>
-            <a:lnRef idx="2">
-              <a:schemeClr val="accent1"/>
-            </a:lnRef>
-            <a:fillRef idx="0">
-              <a:schemeClr val="accent1"/>
-            </a:fillRef>
-            <a:effectRef idx="1">
-              <a:schemeClr val="accent1"/>
-            </a:effectRef>
-            <a:fontRef idx="minor">
-              <a:schemeClr val="tx1"/>
-            </a:fontRef>
-          </p:style>
-        </p:cxnSp>
-        <p:cxnSp>
-          <p:nvCxnSpPr>
-            <p:cNvPr id="52" name="Connecteur droit avec flèche 51"/>
-            <p:cNvCxnSpPr/>
-            <p:nvPr/>
-          </p:nvCxnSpPr>
-          <p:spPr>
-            <a:xfrm>
-              <a:off x="6012000" y="432000"/>
-              <a:ext cx="0" cy="1368000"/>
-            </a:xfrm>
-            <a:prstGeom prst="straightConnector1">
-              <a:avLst/>
-            </a:prstGeom>
-            <a:ln>
-              <a:tailEnd type="arrow"/>
-            </a:ln>
-          </p:spPr>
-          <p:style>
-            <a:lnRef idx="2">
-              <a:schemeClr val="accent1"/>
-            </a:lnRef>
-            <a:fillRef idx="0">
-              <a:schemeClr val="accent1"/>
-            </a:fillRef>
-            <a:effectRef idx="1">
-              <a:schemeClr val="accent1"/>
-            </a:effectRef>
-            <a:fontRef idx="minor">
-              <a:schemeClr val="tx1"/>
-            </a:fontRef>
-          </p:style>
-        </p:cxnSp>
-      </p:grpSp>
-      <p:sp>
-        <p:nvSpPr>
-          <p:cNvPr id="55" name="ZoneTexte 54"/>
-          <p:cNvSpPr txBox="1"/>
-          <p:nvPr/>
-        </p:nvSpPr>
-        <p:spPr>
-          <a:xfrm>
-            <a:off x="6051023" y="2905830"/>
-            <a:ext cx="304478" cy="369332"/>
-          </a:xfrm>
-          <a:prstGeom prst="rect">
-            <a:avLst/>
-          </a:prstGeom>
-          <a:noFill/>
-        </p:spPr>
-        <p:txBody>
-          <a:bodyPr wrap="none" rtlCol="0">
-            <a:spAutoFit/>
-          </a:bodyPr>
-          <a:lstStyle/>
-          <a:p>
-            <a:r>
-              <a:rPr lang="en-GB" dirty="0" smtClean="0"/>
-              <a:t>X</a:t>
-            </a:r>
-            <a:endParaRPr lang="en-GB" dirty="0"/>
-          </a:p>
-        </p:txBody>
-      </p:sp>
-      <p:sp>
-        <p:nvSpPr>
-          <p:cNvPr id="56" name="ZoneTexte 55"/>
-          <p:cNvSpPr txBox="1"/>
-          <p:nvPr/>
-        </p:nvSpPr>
-        <p:spPr>
-          <a:xfrm>
-            <a:off x="7694900" y="4250068"/>
-            <a:ext cx="292756" cy="369332"/>
-          </a:xfrm>
-          <a:prstGeom prst="rect">
-            <a:avLst/>
-          </a:prstGeom>
-          <a:noFill/>
-        </p:spPr>
-        <p:txBody>
-          <a:bodyPr wrap="none" rtlCol="0">
-            <a:spAutoFit/>
-          </a:bodyPr>
-          <a:lstStyle/>
-          <a:p>
-            <a:r>
-              <a:rPr lang="en-GB" dirty="0"/>
-              <a:t>Z</a:t>
-            </a:r>
-            <a:endParaRPr lang="en-GB" dirty="0"/>
-          </a:p>
-        </p:txBody>
-      </p:sp>
-      <p:pic>
-        <p:nvPicPr>
-          <p:cNvPr id="57" name="Image 56"/>
-          <p:cNvPicPr>
-            <a:picLocks noChangeAspect="1"/>
-          </p:cNvPicPr>
-          <p:nvPr/>
-        </p:nvPicPr>
-        <p:blipFill>
-          <a:blip r:embed="rId6">
-            <a:extLst>
-              <a:ext uri="{28A0092B-C50C-407E-A947-70E740481C1C}">
-                <a14:useLocalDpi xmlns:a14="http://schemas.microsoft.com/office/drawing/2010/main" val="0"/>
-              </a:ext>
-            </a:extLst>
-          </a:blip>
-          <a:stretch>
-            <a:fillRect/>
-          </a:stretch>
-        </p:blipFill>
-        <p:spPr>
-          <a:xfrm>
-            <a:off x="6159023" y="3433856"/>
-            <a:ext cx="1439999" cy="1081080"/>
-          </a:xfrm>
-          <a:prstGeom prst="rect">
-            <a:avLst/>
-          </a:prstGeom>
-        </p:spPr>
-      </p:pic>
-      <p:cxnSp>
-        <p:nvCxnSpPr>
-          <p:cNvPr id="58" name="Connecteur droit avec flèche 57"/>
-          <p:cNvCxnSpPr/>
-          <p:nvPr/>
-        </p:nvCxnSpPr>
-        <p:spPr>
-          <a:xfrm>
-            <a:off x="6051023" y="3289500"/>
-            <a:ext cx="1656000" cy="0"/>
-          </a:xfrm>
-          <a:prstGeom prst="straightConnector1">
-            <a:avLst/>
-          </a:prstGeom>
-          <a:ln>
-            <a:headEnd type="arrow"/>
-            <a:tailEnd type="none"/>
-          </a:ln>
-        </p:spPr>
-        <p:style>
-          <a:lnRef idx="2">
-            <a:schemeClr val="accent1"/>
-          </a:lnRef>
-          <a:fillRef idx="0">
-            <a:schemeClr val="accent1"/>
-          </a:fillRef>
-          <a:effectRef idx="1">
-            <a:schemeClr val="accent1"/>
-          </a:effectRef>
-          <a:fontRef idx="minor">
-            <a:schemeClr val="tx1"/>
-          </a:fontRef>
-        </p:style>
-      </p:cxnSp>
-      <p:cxnSp>
-        <p:nvCxnSpPr>
-          <p:cNvPr id="59" name="Connecteur droit avec flèche 58"/>
-          <p:cNvCxnSpPr/>
-          <p:nvPr/>
-        </p:nvCxnSpPr>
-        <p:spPr>
-          <a:xfrm>
-            <a:off x="7707600" y="3289500"/>
-            <a:ext cx="0" cy="1368000"/>
-          </a:xfrm>
-          <a:prstGeom prst="straightConnector1">
-            <a:avLst/>
-          </a:prstGeom>
-          <a:ln>
-            <a:tailEnd type="arrow"/>
-          </a:ln>
-        </p:spPr>
-        <p:style>
-          <a:lnRef idx="2">
-            <a:schemeClr val="accent1"/>
-          </a:lnRef>
-          <a:fillRef idx="0">
-            <a:schemeClr val="accent1"/>
-          </a:fillRef>
-          <a:effectRef idx="1">
-            <a:schemeClr val="accent1"/>
-          </a:effectRef>
-          <a:fontRef idx="minor">
-            <a:schemeClr val="tx1"/>
-          </a:fontRef>
-        </p:style>
-      </p:cxnSp>
-      <p:sp>
-        <p:nvSpPr>
-          <p:cNvPr id="60" name="ZoneTexte 59"/>
-          <p:cNvSpPr txBox="1"/>
-          <p:nvPr/>
-        </p:nvSpPr>
-        <p:spPr>
-          <a:xfrm>
-            <a:off x="337736" y="3256788"/>
-            <a:ext cx="1310400" cy="523220"/>
-          </a:xfrm>
-          <a:prstGeom prst="rect">
-            <a:avLst/>
-          </a:prstGeom>
-          <a:noFill/>
-        </p:spPr>
-        <p:txBody>
-          <a:bodyPr wrap="square" rtlCol="0">
-            <a:spAutoFit/>
-          </a:bodyPr>
-          <a:lstStyle/>
-          <a:p>
-            <a:r>
-              <a:rPr lang="en-GB" sz="1400" dirty="0"/>
-              <a:t>s</a:t>
-            </a:r>
-            <a:r>
-              <a:rPr lang="en-GB" sz="1400" dirty="0" smtClean="0"/>
-              <a:t>tack #0</a:t>
-            </a:r>
-          </a:p>
-          <a:p>
-            <a:r>
-              <a:rPr lang="en-GB" sz="1400" dirty="0"/>
-              <a:t>l</a:t>
-            </a:r>
-            <a:r>
-              <a:rPr lang="en-GB" sz="1400" dirty="0" smtClean="0"/>
-              <a:t>eft cam.</a:t>
-            </a:r>
-            <a:endParaRPr lang="en-GB" sz="1400" dirty="0"/>
-          </a:p>
-        </p:txBody>
-      </p:sp>
-      <p:sp>
-        <p:nvSpPr>
-          <p:cNvPr id="61" name="ZoneTexte 60"/>
-          <p:cNvSpPr txBox="1"/>
-          <p:nvPr/>
-        </p:nvSpPr>
-        <p:spPr>
-          <a:xfrm>
-            <a:off x="3249726" y="1305625"/>
-            <a:ext cx="1310400" cy="523220"/>
-          </a:xfrm>
-          <a:prstGeom prst="rect">
-            <a:avLst/>
-          </a:prstGeom>
-          <a:noFill/>
-        </p:spPr>
-        <p:txBody>
-          <a:bodyPr wrap="square" rtlCol="0">
-            <a:spAutoFit/>
-          </a:bodyPr>
-          <a:lstStyle/>
-          <a:p>
-            <a:r>
-              <a:rPr lang="en-GB" sz="1400" dirty="0"/>
-              <a:t>s</a:t>
-            </a:r>
-            <a:r>
-              <a:rPr lang="en-GB" sz="1400" dirty="0" smtClean="0"/>
-              <a:t>tack #0</a:t>
-            </a:r>
-          </a:p>
-          <a:p>
-            <a:r>
-              <a:rPr lang="en-GB" sz="1400" dirty="0" smtClean="0"/>
-              <a:t>right cam.</a:t>
-            </a:r>
-            <a:endParaRPr lang="en-GB" sz="1400" dirty="0"/>
-          </a:p>
-        </p:txBody>
-      </p:sp>
-      <p:sp>
-        <p:nvSpPr>
-          <p:cNvPr id="62" name="ZoneTexte 61"/>
-          <p:cNvSpPr txBox="1"/>
-          <p:nvPr/>
-        </p:nvSpPr>
-        <p:spPr>
-          <a:xfrm>
-            <a:off x="7719300" y="3386793"/>
-            <a:ext cx="1310400" cy="523220"/>
-          </a:xfrm>
-          <a:prstGeom prst="rect">
-            <a:avLst/>
-          </a:prstGeom>
-          <a:noFill/>
-        </p:spPr>
-        <p:txBody>
-          <a:bodyPr wrap="square" rtlCol="0">
-            <a:spAutoFit/>
-          </a:bodyPr>
-          <a:lstStyle/>
-          <a:p>
-            <a:r>
-              <a:rPr lang="en-GB" sz="1400" dirty="0"/>
-              <a:t>s</a:t>
-            </a:r>
-            <a:r>
-              <a:rPr lang="en-GB" sz="1400" dirty="0" smtClean="0"/>
-              <a:t>tack #1</a:t>
-            </a:r>
-          </a:p>
-          <a:p>
-            <a:r>
-              <a:rPr lang="en-GB" sz="1400" dirty="0" smtClean="0"/>
-              <a:t>right cam.</a:t>
-            </a:r>
-            <a:endParaRPr lang="en-GB" sz="1400" dirty="0"/>
-          </a:p>
-        </p:txBody>
-      </p:sp>
-      <p:sp>
-        <p:nvSpPr>
-          <p:cNvPr id="63" name="ZoneTexte 62"/>
-          <p:cNvSpPr txBox="1"/>
-          <p:nvPr/>
-        </p:nvSpPr>
-        <p:spPr>
-          <a:xfrm>
-            <a:off x="7719300" y="584179"/>
-            <a:ext cx="1310400" cy="523220"/>
-          </a:xfrm>
-          <a:prstGeom prst="rect">
-            <a:avLst/>
-          </a:prstGeom>
-          <a:noFill/>
-        </p:spPr>
-        <p:txBody>
-          <a:bodyPr wrap="square" rtlCol="0">
-            <a:spAutoFit/>
-          </a:bodyPr>
-          <a:lstStyle/>
-          <a:p>
-            <a:r>
-              <a:rPr lang="en-GB" sz="1400" dirty="0"/>
-              <a:t>s</a:t>
-            </a:r>
-            <a:r>
-              <a:rPr lang="en-GB" sz="1400" dirty="0" smtClean="0"/>
-              <a:t>tack #1</a:t>
-            </a:r>
-          </a:p>
-          <a:p>
-            <a:r>
-              <a:rPr lang="en-GB" sz="1400" dirty="0"/>
-              <a:t>l</a:t>
-            </a:r>
-            <a:r>
-              <a:rPr lang="en-GB" sz="1400" dirty="0" smtClean="0"/>
-              <a:t>eft cam.</a:t>
-            </a:r>
-            <a:endParaRPr lang="en-GB" sz="1400" dirty="0"/>
-          </a:p>
-        </p:txBody>
-      </p:sp>
-      <p:cxnSp>
-        <p:nvCxnSpPr>
-          <p:cNvPr id="30" name="Connecteur droit avec flèche 29"/>
-          <p:cNvCxnSpPr/>
-          <p:nvPr/>
-        </p:nvCxnSpPr>
-        <p:spPr>
-          <a:xfrm flipV="1">
-            <a:off x="1620000" y="1692000"/>
-            <a:ext cx="0" cy="1656000"/>
-          </a:xfrm>
-          <a:prstGeom prst="straightConnector1">
-            <a:avLst/>
-          </a:prstGeom>
-          <a:ln>
-            <a:headEnd type="arrow"/>
-            <a:tailEnd type="none"/>
-          </a:ln>
-        </p:spPr>
-        <p:style>
-          <a:lnRef idx="2">
-            <a:schemeClr val="accent1"/>
-          </a:lnRef>
-          <a:fillRef idx="0">
-            <a:schemeClr val="accent1"/>
-          </a:fillRef>
-          <a:effectRef idx="1">
-            <a:schemeClr val="accent1"/>
-          </a:effectRef>
-          <a:fontRef idx="minor">
-            <a:schemeClr val="tx1"/>
-          </a:fontRef>
-        </p:style>
-      </p:cxnSp>
-    </p:spTree>
-    <p:extLst>
-      <p:ext uri="{BB962C8B-B14F-4D97-AF65-F5344CB8AC3E}">
-        <p14:creationId xmlns:p14="http://schemas.microsoft.com/office/powerpoint/2010/main" val="4089768177"/>
-      </p:ext>
-    </p:extLst>
-  </p:cSld>
-  <p:clrMapOvr>
-    <a:masterClrMapping/>
-  </p:clrMapOvr>
-</p:sld>
-</file>
-
-<file path=ppt/slides/slide3.xml><?xml version="1.0" encoding="utf-8"?>
-<p:sld xmlns:a="http://schemas.openxmlformats.org/drawingml/2006/main" xmlns:r="http://schemas.openxmlformats.org/officeDocument/2006/relationships" xmlns:p="http://schemas.openxmlformats.org/presentationml/2006/main">
-  <p:cSld>
-    <p:spTree>
-      <p:nvGrpSpPr>
-        <p:cNvPr id="1" name=""/>
-        <p:cNvGrpSpPr/>
-        <p:nvPr/>
-      </p:nvGrpSpPr>
-      <p:grpSpPr>
-        <a:xfrm>
-          <a:off x="0" y="0"/>
-          <a:ext cx="0" cy="0"/>
-          <a:chOff x="0" y="0"/>
-          <a:chExt cx="0" cy="0"/>
-        </a:xfrm>
-      </p:grpSpPr>
-      <p:pic>
-        <p:nvPicPr>
-          <p:cNvPr id="2" name="Image 1"/>
-          <p:cNvPicPr>
-            <a:picLocks noChangeAspect="1"/>
-          </p:cNvPicPr>
-          <p:nvPr/>
-        </p:nvPicPr>
-        <p:blipFill>
-          <a:blip r:embed="rId2">
-            <a:extLst>
-              <a:ext uri="{28A0092B-C50C-407E-A947-70E740481C1C}">
-                <a14:useLocalDpi xmlns:a14="http://schemas.microsoft.com/office/drawing/2010/main" val="0"/>
-              </a:ext>
-            </a:extLst>
-          </a:blip>
-          <a:stretch>
-            <a:fillRect/>
-          </a:stretch>
-        </p:blipFill>
-        <p:spPr>
-          <a:xfrm>
-            <a:off x="360000" y="1800000"/>
-            <a:ext cx="1200995" cy="1440000"/>
-          </a:xfrm>
-          <a:prstGeom prst="rect">
-            <a:avLst/>
-          </a:prstGeom>
-        </p:spPr>
-      </p:pic>
-      <p:pic>
-        <p:nvPicPr>
-          <p:cNvPr id="13" name="Image 12"/>
-          <p:cNvPicPr>
-            <a:picLocks noChangeAspect="1"/>
-          </p:cNvPicPr>
-          <p:nvPr/>
-        </p:nvPicPr>
-        <p:blipFill>
-          <a:blip r:embed="rId3">
-            <a:extLst>
-              <a:ext uri="{28A0092B-C50C-407E-A947-70E740481C1C}">
-                <a14:useLocalDpi xmlns:a14="http://schemas.microsoft.com/office/drawing/2010/main" val="0"/>
-              </a:ext>
-            </a:extLst>
-          </a:blip>
-          <a:stretch>
-            <a:fillRect/>
-          </a:stretch>
-        </p:blipFill>
-        <p:spPr>
-          <a:xfrm>
-            <a:off x="3230200" y="1800001"/>
-            <a:ext cx="1200995" cy="1439998"/>
-          </a:xfrm>
-          <a:prstGeom prst="rect">
-            <a:avLst/>
-          </a:prstGeom>
-        </p:spPr>
-      </p:pic>
-      <p:pic>
-        <p:nvPicPr>
-          <p:cNvPr id="47" name="Image 46" descr="data-s1lc.png"/>
-          <p:cNvPicPr>
-            <a:picLocks noChangeAspect="1"/>
-          </p:cNvPicPr>
-          <p:nvPr/>
-        </p:nvPicPr>
-        <p:blipFill>
-          <a:blip r:embed="rId4">
-            <a:extLst>
-              <a:ext uri="{28A0092B-C50C-407E-A947-70E740481C1C}">
-                <a14:useLocalDpi xmlns:a14="http://schemas.microsoft.com/office/drawing/2010/main" val="0"/>
-              </a:ext>
-            </a:extLst>
-          </a:blip>
-          <a:stretch>
-            <a:fillRect/>
-          </a:stretch>
-        </p:blipFill>
-        <p:spPr>
-          <a:xfrm>
-            <a:off x="6120000" y="541793"/>
-            <a:ext cx="1440000" cy="1150207"/>
-          </a:xfrm>
-          <a:prstGeom prst="rect">
-            <a:avLst/>
-          </a:prstGeom>
-        </p:spPr>
-      </p:pic>
-      <p:pic>
-        <p:nvPicPr>
-          <p:cNvPr id="57" name="Image 56"/>
-          <p:cNvPicPr>
-            <a:picLocks noChangeAspect="1"/>
-          </p:cNvPicPr>
-          <p:nvPr/>
-        </p:nvPicPr>
-        <p:blipFill>
-          <a:blip r:embed="rId5">
-            <a:extLst>
-              <a:ext uri="{28A0092B-C50C-407E-A947-70E740481C1C}">
-                <a14:useLocalDpi xmlns:a14="http://schemas.microsoft.com/office/drawing/2010/main" val="0"/>
-              </a:ext>
-            </a:extLst>
-          </a:blip>
-          <a:stretch>
-            <a:fillRect/>
-          </a:stretch>
-        </p:blipFill>
-        <p:spPr>
-          <a:xfrm>
-            <a:off x="6159023" y="3399293"/>
-            <a:ext cx="1439999" cy="1150207"/>
-          </a:xfrm>
-          <a:prstGeom prst="rect">
-            <a:avLst/>
-          </a:prstGeom>
-        </p:spPr>
-      </p:pic>
-      <p:sp>
-        <p:nvSpPr>
-          <p:cNvPr id="62" name="ZoneTexte 61"/>
-          <p:cNvSpPr txBox="1"/>
-          <p:nvPr/>
-        </p:nvSpPr>
-        <p:spPr>
-          <a:xfrm>
-            <a:off x="7719300" y="3386793"/>
-            <a:ext cx="1310400" cy="523220"/>
-          </a:xfrm>
-          <a:prstGeom prst="rect">
-            <a:avLst/>
-          </a:prstGeom>
-          <a:noFill/>
-        </p:spPr>
-        <p:txBody>
-          <a:bodyPr wrap="square" rtlCol="0">
-            <a:spAutoFit/>
-          </a:bodyPr>
-          <a:lstStyle/>
-          <a:p>
-            <a:r>
-              <a:rPr lang="en-GB" sz="1400" dirty="0"/>
-              <a:t>s</a:t>
-            </a:r>
-            <a:r>
-              <a:rPr lang="en-GB" sz="1400" dirty="0" smtClean="0"/>
-              <a:t>tack #1</a:t>
-            </a:r>
-          </a:p>
-          <a:p>
-            <a:r>
-              <a:rPr lang="en-GB" sz="1400" dirty="0" smtClean="0"/>
-              <a:t>right cam.</a:t>
-            </a:r>
-            <a:endParaRPr lang="en-GB" sz="1400" dirty="0"/>
-          </a:p>
-        </p:txBody>
-      </p:sp>
-      <p:sp>
-        <p:nvSpPr>
-          <p:cNvPr id="63" name="ZoneTexte 62"/>
-          <p:cNvSpPr txBox="1"/>
-          <p:nvPr/>
-        </p:nvSpPr>
-        <p:spPr>
-          <a:xfrm>
-            <a:off x="7719300" y="584179"/>
-            <a:ext cx="1310400" cy="523220"/>
-          </a:xfrm>
-          <a:prstGeom prst="rect">
-            <a:avLst/>
-          </a:prstGeom>
-          <a:noFill/>
-        </p:spPr>
-        <p:txBody>
-          <a:bodyPr wrap="square" rtlCol="0">
-            <a:spAutoFit/>
-          </a:bodyPr>
-          <a:lstStyle/>
-          <a:p>
-            <a:r>
-              <a:rPr lang="en-GB" sz="1400" dirty="0"/>
-              <a:t>s</a:t>
-            </a:r>
-            <a:r>
-              <a:rPr lang="en-GB" sz="1400" dirty="0" smtClean="0"/>
-              <a:t>tack #1</a:t>
-            </a:r>
-          </a:p>
-          <a:p>
-            <a:r>
-              <a:rPr lang="en-GB" sz="1400" dirty="0"/>
-              <a:t>l</a:t>
-            </a:r>
-            <a:r>
-              <a:rPr lang="en-GB" sz="1400" dirty="0" smtClean="0"/>
-              <a:t>eft cam.</a:t>
-            </a:r>
-            <a:endParaRPr lang="en-GB" sz="1400" dirty="0"/>
-          </a:p>
-        </p:txBody>
-      </p:sp>
-      <p:sp>
-        <p:nvSpPr>
-          <p:cNvPr id="30" name="ZoneTexte 29"/>
-          <p:cNvSpPr txBox="1"/>
-          <p:nvPr/>
-        </p:nvSpPr>
-        <p:spPr>
-          <a:xfrm>
-            <a:off x="360000" y="1281258"/>
-            <a:ext cx="1310400" cy="523220"/>
-          </a:xfrm>
-          <a:prstGeom prst="rect">
-            <a:avLst/>
-          </a:prstGeom>
-          <a:noFill/>
-        </p:spPr>
-        <p:txBody>
-          <a:bodyPr wrap="square" rtlCol="0">
-            <a:spAutoFit/>
-          </a:bodyPr>
-          <a:lstStyle/>
-          <a:p>
-            <a:r>
-              <a:rPr lang="en-GB" sz="1400" dirty="0"/>
-              <a:t>s</a:t>
-            </a:r>
-            <a:r>
-              <a:rPr lang="en-GB" sz="1400" dirty="0" smtClean="0"/>
-              <a:t>tack #0</a:t>
-            </a:r>
-          </a:p>
-          <a:p>
-            <a:r>
-              <a:rPr lang="en-GB" sz="1400" dirty="0"/>
-              <a:t>l</a:t>
-            </a:r>
-            <a:r>
-              <a:rPr lang="en-GB" sz="1400" dirty="0" smtClean="0"/>
-              <a:t>eft cam.</a:t>
-            </a:r>
-            <a:endParaRPr lang="en-GB" sz="1400" dirty="0"/>
-          </a:p>
-        </p:txBody>
-      </p:sp>
-      <p:sp>
-        <p:nvSpPr>
-          <p:cNvPr id="31" name="ZoneTexte 30"/>
-          <p:cNvSpPr txBox="1"/>
-          <p:nvPr/>
-        </p:nvSpPr>
-        <p:spPr>
-          <a:xfrm>
-            <a:off x="3241795" y="3239999"/>
-            <a:ext cx="1310400" cy="523220"/>
-          </a:xfrm>
-          <a:prstGeom prst="rect">
-            <a:avLst/>
-          </a:prstGeom>
-          <a:noFill/>
-        </p:spPr>
-        <p:txBody>
-          <a:bodyPr wrap="square" rtlCol="0">
-            <a:spAutoFit/>
-          </a:bodyPr>
-          <a:lstStyle/>
-          <a:p>
-            <a:r>
-              <a:rPr lang="en-GB" sz="1400" dirty="0"/>
-              <a:t>s</a:t>
-            </a:r>
-            <a:r>
-              <a:rPr lang="en-GB" sz="1400" dirty="0" smtClean="0"/>
-              <a:t>tack #0</a:t>
-            </a:r>
-          </a:p>
-          <a:p>
-            <a:r>
-              <a:rPr lang="en-GB" sz="1400" dirty="0" smtClean="0"/>
-              <a:t>right cam.</a:t>
-            </a:r>
-            <a:endParaRPr lang="en-GB" sz="1400" dirty="0"/>
-          </a:p>
-        </p:txBody>
-      </p:sp>
-      <p:sp>
-        <p:nvSpPr>
-          <p:cNvPr id="4" name="Flèche courbée vers le bas 3"/>
-          <p:cNvSpPr/>
-          <p:nvPr/>
-        </p:nvSpPr>
-        <p:spPr>
-          <a:xfrm flipH="1">
-            <a:off x="1155700" y="990600"/>
-            <a:ext cx="2832100" cy="685795"/>
-          </a:xfrm>
-          <a:prstGeom prst="curvedDownArrow">
-            <a:avLst/>
-          </a:prstGeom>
-        </p:spPr>
-        <p:style>
-          <a:lnRef idx="1">
-            <a:schemeClr val="accent1"/>
-          </a:lnRef>
-          <a:fillRef idx="3">
-            <a:schemeClr val="accent1"/>
-          </a:fillRef>
-          <a:effectRef idx="2">
-            <a:schemeClr val="accent1"/>
-          </a:effectRef>
-          <a:fontRef idx="minor">
-            <a:schemeClr val="lt1"/>
-          </a:fontRef>
-        </p:style>
-        <p:txBody>
-          <a:bodyPr rtlCol="0" anchor="ctr"/>
-          <a:lstStyle/>
-          <a:p>
-            <a:pPr algn="ctr"/>
-            <a:endParaRPr lang="en-GB">
-              <a:solidFill>
-                <a:schemeClr val="tx1"/>
-              </a:solidFill>
-            </a:endParaRPr>
-          </a:p>
-        </p:txBody>
-      </p:sp>
-      <p:sp>
-        <p:nvSpPr>
-          <p:cNvPr id="34" name="Flèche courbée vers le bas 33"/>
-          <p:cNvSpPr/>
-          <p:nvPr/>
-        </p:nvSpPr>
-        <p:spPr>
-          <a:xfrm flipH="1">
-            <a:off x="769444" y="198895"/>
-            <a:ext cx="5330956" cy="908504"/>
-          </a:xfrm>
-          <a:prstGeom prst="curvedDownArrow">
-            <a:avLst/>
-          </a:prstGeom>
-        </p:spPr>
-        <p:style>
-          <a:lnRef idx="1">
-            <a:schemeClr val="accent1"/>
-          </a:lnRef>
-          <a:fillRef idx="3">
-            <a:schemeClr val="accent1"/>
-          </a:fillRef>
-          <a:effectRef idx="2">
-            <a:schemeClr val="accent1"/>
-          </a:effectRef>
-          <a:fontRef idx="minor">
-            <a:schemeClr val="lt1"/>
-          </a:fontRef>
-        </p:style>
-        <p:txBody>
-          <a:bodyPr rtlCol="0" anchor="ctr"/>
-          <a:lstStyle/>
-          <a:p>
-            <a:pPr algn="ctr"/>
-            <a:endParaRPr lang="en-GB">
-              <a:solidFill>
-                <a:schemeClr val="tx1"/>
-              </a:solidFill>
-            </a:endParaRPr>
-          </a:p>
-        </p:txBody>
-      </p:sp>
-      <p:sp>
-        <p:nvSpPr>
-          <p:cNvPr id="35" name="Flèche courbée vers le bas 34"/>
-          <p:cNvSpPr/>
-          <p:nvPr/>
-        </p:nvSpPr>
-        <p:spPr>
-          <a:xfrm flipH="1" flipV="1">
-            <a:off x="769444" y="3653831"/>
-            <a:ext cx="5350555" cy="817605"/>
-          </a:xfrm>
-          <a:prstGeom prst="curvedDownArrow">
-            <a:avLst/>
-          </a:prstGeom>
-        </p:spPr>
-        <p:style>
-          <a:lnRef idx="1">
-            <a:schemeClr val="accent1"/>
-          </a:lnRef>
-          <a:fillRef idx="3">
-            <a:schemeClr val="accent1"/>
-          </a:fillRef>
-          <a:effectRef idx="2">
-            <a:schemeClr val="accent1"/>
-          </a:effectRef>
-          <a:fontRef idx="minor">
-            <a:schemeClr val="lt1"/>
-          </a:fontRef>
-        </p:style>
-        <p:txBody>
-          <a:bodyPr rtlCol="0" anchor="ctr"/>
-          <a:lstStyle/>
-          <a:p>
-            <a:pPr algn="ctr"/>
-            <a:endParaRPr lang="en-GB">
-              <a:solidFill>
-                <a:schemeClr val="tx1"/>
-              </a:solidFill>
-            </a:endParaRPr>
-          </a:p>
-        </p:txBody>
-      </p:sp>
-    </p:spTree>
-    <p:extLst>
-      <p:ext uri="{BB962C8B-B14F-4D97-AF65-F5344CB8AC3E}">
-        <p14:creationId xmlns:p14="http://schemas.microsoft.com/office/powerpoint/2010/main" val="4139960253"/>
-      </p:ext>
-    </p:extLst>
-  </p:cSld>
-  <p:clrMapOvr>
-    <a:masterClrMapping/>
-  </p:clrMapOvr>
-</p:sld>
-</file>
-
-<file path=ppt/slides/slide4.xml><?xml version="1.0" encoding="utf-8"?>
-<p:sld xmlns:a="http://schemas.openxmlformats.org/drawingml/2006/main" xmlns:r="http://schemas.openxmlformats.org/officeDocument/2006/relationships" xmlns:p="http://schemas.openxmlformats.org/presentationml/2006/main">
-  <p:cSld>
-    <p:spTree>
-      <p:nvGrpSpPr>
-        <p:cNvPr id="1" name=""/>
-        <p:cNvGrpSpPr/>
-        <p:nvPr/>
-      </p:nvGrpSpPr>
-      <p:grpSpPr>
-        <a:xfrm>
-          <a:off x="0" y="0"/>
-          <a:ext cx="0" cy="0"/>
-          <a:chOff x="0" y="0"/>
-          <a:chExt cx="0" cy="0"/>
-        </a:xfrm>
-      </p:grpSpPr>
-      <p:sp>
-        <p:nvSpPr>
-          <p:cNvPr id="20" name="Rectangle 19"/>
-          <p:cNvSpPr/>
-          <p:nvPr/>
-        </p:nvSpPr>
-        <p:spPr>
-          <a:xfrm>
-            <a:off x="5245100" y="407290"/>
-            <a:ext cx="3276600" cy="4279010"/>
-          </a:xfrm>
-          <a:prstGeom prst="rect">
-            <a:avLst/>
-          </a:prstGeom>
-          <a:ln>
-            <a:solidFill>
-              <a:schemeClr val="tx2">
-                <a:lumMod val="20000"/>
-                <a:lumOff val="80000"/>
-              </a:schemeClr>
-            </a:solidFill>
-          </a:ln>
-        </p:spPr>
-        <p:style>
-          <a:lnRef idx="1">
-            <a:schemeClr val="accent1"/>
-          </a:lnRef>
-          <a:fillRef idx="3">
-            <a:schemeClr val="accent1"/>
-          </a:fillRef>
-          <a:effectRef idx="2">
-            <a:schemeClr val="accent1"/>
-          </a:effectRef>
-          <a:fontRef idx="minor">
-            <a:schemeClr val="lt1"/>
-          </a:fontRef>
-        </p:style>
-        <p:txBody>
-          <a:bodyPr rtlCol="0" anchor="ctr"/>
-          <a:lstStyle/>
-          <a:p>
-            <a:pPr algn="ctr"/>
-            <a:endParaRPr lang="en-GB"/>
-          </a:p>
-        </p:txBody>
-      </p:sp>
-      <p:sp>
-        <p:nvSpPr>
-          <p:cNvPr id="6" name="Rectangle 5"/>
-          <p:cNvSpPr/>
-          <p:nvPr/>
-        </p:nvSpPr>
-        <p:spPr>
-          <a:xfrm>
-            <a:off x="190500" y="889000"/>
-            <a:ext cx="4361695" cy="2874219"/>
-          </a:xfrm>
-          <a:prstGeom prst="rect">
-            <a:avLst/>
-          </a:prstGeom>
-          <a:ln>
-            <a:solidFill>
-              <a:schemeClr val="tx2">
-                <a:lumMod val="20000"/>
-                <a:lumOff val="80000"/>
-              </a:schemeClr>
-            </a:solidFill>
-          </a:ln>
-        </p:spPr>
-        <p:style>
-          <a:lnRef idx="1">
-            <a:schemeClr val="accent1"/>
-          </a:lnRef>
-          <a:fillRef idx="3">
-            <a:schemeClr val="accent1"/>
-          </a:fillRef>
-          <a:effectRef idx="2">
-            <a:schemeClr val="accent1"/>
-          </a:effectRef>
-          <a:fontRef idx="minor">
-            <a:schemeClr val="lt1"/>
-          </a:fontRef>
-        </p:style>
-        <p:txBody>
-          <a:bodyPr rtlCol="0" anchor="ctr"/>
-          <a:lstStyle/>
-          <a:p>
-            <a:pPr algn="ctr"/>
-            <a:endParaRPr lang="en-GB"/>
-          </a:p>
-        </p:txBody>
-      </p:sp>
-      <p:pic>
-        <p:nvPicPr>
-          <p:cNvPr id="2" name="Image 1"/>
-          <p:cNvPicPr>
-            <a:picLocks noChangeAspect="1"/>
-          </p:cNvPicPr>
-          <p:nvPr/>
-        </p:nvPicPr>
-        <p:blipFill>
-          <a:blip r:embed="rId2">
-            <a:extLst>
-              <a:ext uri="{28A0092B-C50C-407E-A947-70E740481C1C}">
-                <a14:useLocalDpi xmlns:a14="http://schemas.microsoft.com/office/drawing/2010/main" val="0"/>
-              </a:ext>
-            </a:extLst>
-          </a:blip>
-          <a:stretch>
-            <a:fillRect/>
-          </a:stretch>
-        </p:blipFill>
-        <p:spPr>
-          <a:xfrm>
-            <a:off x="360000" y="1800000"/>
-            <a:ext cx="1200995" cy="1440000"/>
-          </a:xfrm>
-          <a:prstGeom prst="rect">
-            <a:avLst/>
-          </a:prstGeom>
-        </p:spPr>
-      </p:pic>
-      <p:pic>
-        <p:nvPicPr>
-          <p:cNvPr id="13" name="Image 12"/>
-          <p:cNvPicPr>
-            <a:picLocks noChangeAspect="1"/>
-          </p:cNvPicPr>
-          <p:nvPr/>
-        </p:nvPicPr>
-        <p:blipFill>
-          <a:blip r:embed="rId3">
-            <a:extLst>
-              <a:ext uri="{28A0092B-C50C-407E-A947-70E740481C1C}">
-                <a14:useLocalDpi xmlns:a14="http://schemas.microsoft.com/office/drawing/2010/main" val="0"/>
-              </a:ext>
-            </a:extLst>
-          </a:blip>
-          <a:stretch>
-            <a:fillRect/>
-          </a:stretch>
-        </p:blipFill>
-        <p:spPr>
-          <a:xfrm>
-            <a:off x="3230200" y="1800001"/>
-            <a:ext cx="1200995" cy="1439998"/>
-          </a:xfrm>
-          <a:prstGeom prst="rect">
-            <a:avLst/>
-          </a:prstGeom>
-        </p:spPr>
-      </p:pic>
-      <p:pic>
-        <p:nvPicPr>
-          <p:cNvPr id="47" name="Image 46" descr="data-s1lc.png"/>
-          <p:cNvPicPr>
-            <a:picLocks noChangeAspect="1"/>
-          </p:cNvPicPr>
-          <p:nvPr/>
-        </p:nvPicPr>
-        <p:blipFill>
-          <a:blip r:embed="rId4">
-            <a:extLst>
-              <a:ext uri="{28A0092B-C50C-407E-A947-70E740481C1C}">
-                <a14:useLocalDpi xmlns:a14="http://schemas.microsoft.com/office/drawing/2010/main" val="0"/>
-              </a:ext>
-            </a:extLst>
-          </a:blip>
-          <a:stretch>
-            <a:fillRect/>
-          </a:stretch>
-        </p:blipFill>
-        <p:spPr>
-          <a:xfrm>
-            <a:off x="6120000" y="541793"/>
-            <a:ext cx="1440000" cy="1150207"/>
-          </a:xfrm>
-          <a:prstGeom prst="rect">
-            <a:avLst/>
-          </a:prstGeom>
-        </p:spPr>
-      </p:pic>
-      <p:pic>
-        <p:nvPicPr>
-          <p:cNvPr id="57" name="Image 56"/>
-          <p:cNvPicPr>
-            <a:picLocks noChangeAspect="1"/>
-          </p:cNvPicPr>
-          <p:nvPr/>
-        </p:nvPicPr>
-        <p:blipFill>
-          <a:blip r:embed="rId5">
-            <a:extLst>
-              <a:ext uri="{28A0092B-C50C-407E-A947-70E740481C1C}">
-                <a14:useLocalDpi xmlns:a14="http://schemas.microsoft.com/office/drawing/2010/main" val="0"/>
-              </a:ext>
-            </a:extLst>
-          </a:blip>
-          <a:stretch>
-            <a:fillRect/>
-          </a:stretch>
-        </p:blipFill>
-        <p:spPr>
-          <a:xfrm>
-            <a:off x="6159023" y="3399293"/>
-            <a:ext cx="1439999" cy="1150207"/>
-          </a:xfrm>
-          <a:prstGeom prst="rect">
-            <a:avLst/>
-          </a:prstGeom>
-        </p:spPr>
-      </p:pic>
-      <p:sp>
-        <p:nvSpPr>
-          <p:cNvPr id="62" name="ZoneTexte 61"/>
-          <p:cNvSpPr txBox="1"/>
-          <p:nvPr/>
-        </p:nvSpPr>
-        <p:spPr>
-          <a:xfrm>
-            <a:off x="7719300" y="3386793"/>
-            <a:ext cx="1310400" cy="523220"/>
-          </a:xfrm>
-          <a:prstGeom prst="rect">
-            <a:avLst/>
-          </a:prstGeom>
-          <a:noFill/>
-        </p:spPr>
-        <p:txBody>
-          <a:bodyPr wrap="square" rtlCol="0">
-            <a:spAutoFit/>
-          </a:bodyPr>
-          <a:lstStyle/>
-          <a:p>
-            <a:r>
-              <a:rPr lang="en-GB" sz="1400" dirty="0"/>
-              <a:t>s</a:t>
-            </a:r>
-            <a:r>
-              <a:rPr lang="en-GB" sz="1400" dirty="0" smtClean="0"/>
-              <a:t>tack #1</a:t>
-            </a:r>
-          </a:p>
-          <a:p>
-            <a:r>
-              <a:rPr lang="en-GB" sz="1400" dirty="0" smtClean="0"/>
-              <a:t>right cam.</a:t>
-            </a:r>
-            <a:endParaRPr lang="en-GB" sz="1400" dirty="0"/>
-          </a:p>
-        </p:txBody>
-      </p:sp>
-      <p:sp>
-        <p:nvSpPr>
-          <p:cNvPr id="63" name="ZoneTexte 62"/>
-          <p:cNvSpPr txBox="1"/>
-          <p:nvPr/>
-        </p:nvSpPr>
-        <p:spPr>
-          <a:xfrm>
-            <a:off x="7719300" y="584179"/>
-            <a:ext cx="1310400" cy="523220"/>
-          </a:xfrm>
-          <a:prstGeom prst="rect">
-            <a:avLst/>
-          </a:prstGeom>
-          <a:noFill/>
-        </p:spPr>
-        <p:txBody>
-          <a:bodyPr wrap="square" rtlCol="0">
-            <a:spAutoFit/>
-          </a:bodyPr>
-          <a:lstStyle/>
-          <a:p>
-            <a:r>
-              <a:rPr lang="en-GB" sz="1400" dirty="0"/>
-              <a:t>s</a:t>
-            </a:r>
-            <a:r>
-              <a:rPr lang="en-GB" sz="1400" dirty="0" smtClean="0"/>
-              <a:t>tack #1</a:t>
-            </a:r>
-          </a:p>
-          <a:p>
-            <a:r>
-              <a:rPr lang="en-GB" sz="1400" dirty="0"/>
-              <a:t>l</a:t>
-            </a:r>
-            <a:r>
-              <a:rPr lang="en-GB" sz="1400" dirty="0" smtClean="0"/>
-              <a:t>eft cam.</a:t>
-            </a:r>
-            <a:endParaRPr lang="en-GB" sz="1400" dirty="0"/>
-          </a:p>
-        </p:txBody>
-      </p:sp>
-      <p:sp>
-        <p:nvSpPr>
-          <p:cNvPr id="30" name="ZoneTexte 29"/>
-          <p:cNvSpPr txBox="1"/>
-          <p:nvPr/>
-        </p:nvSpPr>
-        <p:spPr>
-          <a:xfrm>
-            <a:off x="360000" y="1281258"/>
-            <a:ext cx="1310400" cy="523220"/>
-          </a:xfrm>
-          <a:prstGeom prst="rect">
-            <a:avLst/>
-          </a:prstGeom>
-          <a:noFill/>
-        </p:spPr>
-        <p:txBody>
-          <a:bodyPr wrap="square" rtlCol="0">
-            <a:spAutoFit/>
-          </a:bodyPr>
-          <a:lstStyle/>
-          <a:p>
-            <a:r>
-              <a:rPr lang="en-GB" sz="1400" dirty="0"/>
-              <a:t>s</a:t>
-            </a:r>
-            <a:r>
-              <a:rPr lang="en-GB" sz="1400" dirty="0" smtClean="0"/>
-              <a:t>tack #0</a:t>
-            </a:r>
-          </a:p>
-          <a:p>
-            <a:r>
-              <a:rPr lang="en-GB" sz="1400" dirty="0"/>
-              <a:t>l</a:t>
-            </a:r>
-            <a:r>
-              <a:rPr lang="en-GB" sz="1400" dirty="0" smtClean="0"/>
-              <a:t>eft cam.</a:t>
-            </a:r>
-            <a:endParaRPr lang="en-GB" sz="1400" dirty="0"/>
-          </a:p>
-        </p:txBody>
-      </p:sp>
-      <p:sp>
-        <p:nvSpPr>
-          <p:cNvPr id="31" name="ZoneTexte 30"/>
-          <p:cNvSpPr txBox="1"/>
-          <p:nvPr/>
-        </p:nvSpPr>
-        <p:spPr>
-          <a:xfrm>
-            <a:off x="3241795" y="3239999"/>
-            <a:ext cx="1310400" cy="523220"/>
-          </a:xfrm>
-          <a:prstGeom prst="rect">
-            <a:avLst/>
-          </a:prstGeom>
-          <a:noFill/>
-        </p:spPr>
-        <p:txBody>
-          <a:bodyPr wrap="square" rtlCol="0">
-            <a:spAutoFit/>
-          </a:bodyPr>
-          <a:lstStyle/>
-          <a:p>
-            <a:r>
-              <a:rPr lang="en-GB" sz="1400" dirty="0"/>
-              <a:t>s</a:t>
-            </a:r>
-            <a:r>
-              <a:rPr lang="en-GB" sz="1400" dirty="0" smtClean="0"/>
-              <a:t>tack #0</a:t>
-            </a:r>
-          </a:p>
-          <a:p>
-            <a:r>
-              <a:rPr lang="en-GB" sz="1400" dirty="0" smtClean="0"/>
-              <a:t>right cam.</a:t>
-            </a:r>
-            <a:endParaRPr lang="en-GB" sz="1400" dirty="0"/>
-          </a:p>
-        </p:txBody>
-      </p:sp>
-      <p:sp>
-        <p:nvSpPr>
-          <p:cNvPr id="4" name="Flèche courbée vers le bas 3"/>
-          <p:cNvSpPr/>
-          <p:nvPr/>
-        </p:nvSpPr>
-        <p:spPr>
-          <a:xfrm flipH="1">
-            <a:off x="1155700" y="990600"/>
-            <a:ext cx="2832100" cy="685795"/>
-          </a:xfrm>
-          <a:prstGeom prst="curvedDownArrow">
-            <a:avLst/>
-          </a:prstGeom>
-          <a:ln>
-            <a:solidFill>
-              <a:schemeClr val="tx2"/>
-            </a:solidFill>
-          </a:ln>
-        </p:spPr>
-        <p:style>
-          <a:lnRef idx="1">
-            <a:schemeClr val="accent1"/>
-          </a:lnRef>
-          <a:fillRef idx="3">
-            <a:schemeClr val="accent1"/>
-          </a:fillRef>
-          <a:effectRef idx="2">
-            <a:schemeClr val="accent1"/>
-          </a:effectRef>
-          <a:fontRef idx="minor">
-            <a:schemeClr val="lt1"/>
-          </a:fontRef>
-        </p:style>
-        <p:txBody>
-          <a:bodyPr rtlCol="0" anchor="ctr"/>
-          <a:lstStyle/>
-          <a:p>
-            <a:pPr algn="ctr"/>
-            <a:endParaRPr lang="en-GB">
-              <a:solidFill>
-                <a:schemeClr val="tx1"/>
-              </a:solidFill>
-            </a:endParaRPr>
-          </a:p>
-        </p:txBody>
-      </p:sp>
-      <p:sp>
-        <p:nvSpPr>
-          <p:cNvPr id="18" name="Flèche courbée vers le bas 17"/>
-          <p:cNvSpPr/>
-          <p:nvPr/>
-        </p:nvSpPr>
-        <p:spPr>
-          <a:xfrm rot="5400000" flipH="1" flipV="1">
-            <a:off x="4364993" y="2155005"/>
-            <a:ext cx="2804057" cy="705957"/>
-          </a:xfrm>
-          <a:prstGeom prst="curvedDownArrow">
-            <a:avLst/>
-          </a:prstGeom>
-          <a:ln>
-            <a:solidFill>
-              <a:schemeClr val="tx2"/>
-            </a:solidFill>
-          </a:ln>
-        </p:spPr>
-        <p:style>
-          <a:lnRef idx="1">
-            <a:schemeClr val="accent1"/>
-          </a:lnRef>
-          <a:fillRef idx="3">
-            <a:schemeClr val="accent1"/>
-          </a:fillRef>
-          <a:effectRef idx="2">
-            <a:schemeClr val="accent1"/>
-          </a:effectRef>
-          <a:fontRef idx="minor">
-            <a:schemeClr val="lt1"/>
-          </a:fontRef>
-        </p:style>
-        <p:txBody>
-          <a:bodyPr rtlCol="0" anchor="ctr"/>
-          <a:lstStyle/>
-          <a:p>
-            <a:pPr algn="ctr"/>
-            <a:endParaRPr lang="en-GB">
-              <a:solidFill>
-                <a:schemeClr val="tx1"/>
-              </a:solidFill>
-            </a:endParaRPr>
-          </a:p>
-        </p:txBody>
-      </p:sp>
-      <p:sp>
-        <p:nvSpPr>
-          <p:cNvPr id="21" name="Flèche courbée vers le bas 20"/>
-          <p:cNvSpPr/>
-          <p:nvPr/>
-        </p:nvSpPr>
-        <p:spPr>
-          <a:xfrm flipH="1">
-            <a:off x="2870200" y="64392"/>
-            <a:ext cx="2374900" cy="685795"/>
-          </a:xfrm>
-          <a:prstGeom prst="curvedDownArrow">
-            <a:avLst/>
-          </a:prstGeom>
-          <a:ln>
-            <a:solidFill>
-              <a:schemeClr val="tx2"/>
-            </a:solidFill>
-          </a:ln>
-        </p:spPr>
-        <p:style>
-          <a:lnRef idx="1">
-            <a:schemeClr val="accent1"/>
-          </a:lnRef>
-          <a:fillRef idx="3">
-            <a:schemeClr val="accent1"/>
-          </a:fillRef>
-          <a:effectRef idx="2">
-            <a:schemeClr val="accent1"/>
-          </a:effectRef>
-          <a:fontRef idx="minor">
-            <a:schemeClr val="lt1"/>
-          </a:fontRef>
-        </p:style>
-        <p:txBody>
-          <a:bodyPr rtlCol="0" anchor="ctr"/>
-          <a:lstStyle/>
-          <a:p>
-            <a:pPr algn="ctr"/>
-            <a:endParaRPr lang="en-GB">
-              <a:solidFill>
-                <a:schemeClr val="tx1"/>
-              </a:solidFill>
-            </a:endParaRPr>
-          </a:p>
-        </p:txBody>
-      </p:sp>
-    </p:spTree>
-    <p:extLst>
-      <p:ext uri="{BB962C8B-B14F-4D97-AF65-F5344CB8AC3E}">
-        <p14:creationId xmlns:p14="http://schemas.microsoft.com/office/powerpoint/2010/main" val="3263810576"/>
-      </p:ext>
-    </p:extLst>
-  </p:cSld>
-  <p:clrMapOvr>
-    <a:masterClrMapping/>
-  </p:clrMapOvr>
-</p:sld>
-</file>
-
-<file path=ppt/slides/slide5.xml><?xml version="1.0" encoding="utf-8"?>
-<p:sld xmlns:a="http://schemas.openxmlformats.org/drawingml/2006/main" xmlns:r="http://schemas.openxmlformats.org/officeDocument/2006/relationships" xmlns:p="http://schemas.openxmlformats.org/presentationml/2006/main">
-  <p:cSld>
-    <p:spTree>
-      <p:nvGrpSpPr>
-        <p:cNvPr id="1" name=""/>
-        <p:cNvGrpSpPr/>
-        <p:nvPr/>
-      </p:nvGrpSpPr>
-      <p:grpSpPr>
-        <a:xfrm>
-          <a:off x="0" y="0"/>
-          <a:ext cx="0" cy="0"/>
-          <a:chOff x="0" y="0"/>
-          <a:chExt cx="0" cy="0"/>
-        </a:xfrm>
-      </p:grpSpPr>
-      <p:pic>
-        <p:nvPicPr>
-          <p:cNvPr id="3" name="Image 2" descr="muvispim.png"/>
-          <p:cNvPicPr>
-            <a:picLocks noChangeAspect="1"/>
-          </p:cNvPicPr>
-          <p:nvPr/>
-        </p:nvPicPr>
-        <p:blipFill>
-          <a:blip r:embed="rId2">
-            <a:extLst>
-              <a:ext uri="{28A0092B-C50C-407E-A947-70E740481C1C}">
-                <a14:useLocalDpi xmlns:a14="http://schemas.microsoft.com/office/drawing/2010/main" val="0"/>
-              </a:ext>
-            </a:extLst>
-          </a:blip>
-          <a:stretch>
-            <a:fillRect/>
-          </a:stretch>
-        </p:blipFill>
-        <p:spPr>
-          <a:xfrm>
-            <a:off x="1622200" y="1800000"/>
-            <a:ext cx="1473576" cy="1440000"/>
-          </a:xfrm>
-          <a:prstGeom prst="rect">
-            <a:avLst/>
-          </a:prstGeom>
-        </p:spPr>
-      </p:pic>
-      <p:grpSp>
-        <p:nvGrpSpPr>
-          <p:cNvPr id="11" name="Grouper 10"/>
-          <p:cNvGrpSpPr/>
-          <p:nvPr/>
-        </p:nvGrpSpPr>
-        <p:grpSpPr>
-          <a:xfrm>
-            <a:off x="-29459" y="1676395"/>
-            <a:ext cx="1699859" cy="1977437"/>
-            <a:chOff x="-29459" y="1676395"/>
-            <a:chExt cx="1699859" cy="1977437"/>
-          </a:xfrm>
-        </p:grpSpPr>
-        <p:pic>
-          <p:nvPicPr>
-            <p:cNvPr id="2" name="Image 1"/>
-            <p:cNvPicPr>
-              <a:picLocks noChangeAspect="1"/>
-            </p:cNvPicPr>
-            <p:nvPr/>
-          </p:nvPicPr>
-          <p:blipFill>
-            <a:blip r:embed="rId3">
-              <a:extLst>
-                <a:ext uri="{28A0092B-C50C-407E-A947-70E740481C1C}">
-                  <a14:useLocalDpi xmlns:a14="http://schemas.microsoft.com/office/drawing/2010/main" val="0"/>
-                </a:ext>
-              </a:extLst>
-            </a:blip>
-            <a:stretch>
-              <a:fillRect/>
-            </a:stretch>
-          </p:blipFill>
-          <p:spPr>
-            <a:xfrm>
-              <a:off x="360000" y="1800000"/>
-              <a:ext cx="1200995" cy="1440000"/>
-            </a:xfrm>
-            <a:prstGeom prst="rect">
-              <a:avLst/>
-            </a:prstGeom>
-          </p:spPr>
-        </p:pic>
-        <p:cxnSp>
-          <p:nvCxnSpPr>
-            <p:cNvPr id="5" name="Connecteur droit avec flèche 4"/>
-            <p:cNvCxnSpPr/>
-            <p:nvPr/>
-          </p:nvCxnSpPr>
-          <p:spPr>
-            <a:xfrm flipV="1">
-              <a:off x="252000" y="1692000"/>
-              <a:ext cx="0" cy="1656000"/>
-            </a:xfrm>
-            <a:prstGeom prst="straightConnector1">
-              <a:avLst/>
-            </a:prstGeom>
-            <a:ln>
-              <a:tailEnd type="arrow"/>
-            </a:ln>
-          </p:spPr>
-          <p:style>
-            <a:lnRef idx="2">
-              <a:schemeClr val="accent1"/>
-            </a:lnRef>
-            <a:fillRef idx="0">
-              <a:schemeClr val="accent1"/>
-            </a:fillRef>
-            <a:effectRef idx="1">
-              <a:schemeClr val="accent1"/>
-            </a:effectRef>
-            <a:fontRef idx="minor">
-              <a:schemeClr val="tx1"/>
-            </a:fontRef>
-          </p:style>
-        </p:cxnSp>
-        <p:cxnSp>
-          <p:nvCxnSpPr>
-            <p:cNvPr id="8" name="Connecteur droit avec flèche 7"/>
-            <p:cNvCxnSpPr/>
-            <p:nvPr/>
-          </p:nvCxnSpPr>
-          <p:spPr>
-            <a:xfrm>
-              <a:off x="252000" y="3348000"/>
-              <a:ext cx="1418400" cy="0"/>
-            </a:xfrm>
-            <a:prstGeom prst="straightConnector1">
-              <a:avLst/>
-            </a:prstGeom>
-            <a:ln>
-              <a:tailEnd type="arrow"/>
-            </a:ln>
-          </p:spPr>
-          <p:style>
-            <a:lnRef idx="2">
-              <a:schemeClr val="accent1"/>
-            </a:lnRef>
-            <a:fillRef idx="0">
-              <a:schemeClr val="accent1"/>
-            </a:fillRef>
-            <a:effectRef idx="1">
-              <a:schemeClr val="accent1"/>
-            </a:effectRef>
-            <a:fontRef idx="minor">
-              <a:schemeClr val="tx1"/>
-            </a:fontRef>
-          </p:style>
-        </p:cxnSp>
-        <p:sp>
-          <p:nvSpPr>
-            <p:cNvPr id="9" name="ZoneTexte 8"/>
-            <p:cNvSpPr txBox="1"/>
-            <p:nvPr/>
-          </p:nvSpPr>
-          <p:spPr>
-            <a:xfrm>
-              <a:off x="-29459" y="1676395"/>
-              <a:ext cx="304478" cy="369332"/>
-            </a:xfrm>
-            <a:prstGeom prst="rect">
-              <a:avLst/>
-            </a:prstGeom>
-            <a:noFill/>
-          </p:spPr>
-          <p:txBody>
-            <a:bodyPr wrap="none" rtlCol="0">
-              <a:spAutoFit/>
-            </a:bodyPr>
-            <a:lstStyle/>
-            <a:p>
-              <a:r>
-                <a:rPr lang="en-GB" dirty="0" smtClean="0"/>
-                <a:t>X</a:t>
-              </a:r>
-              <a:endParaRPr lang="en-GB" dirty="0"/>
-            </a:p>
-          </p:txBody>
-        </p:sp>
-        <p:sp>
-          <p:nvSpPr>
-            <p:cNvPr id="10" name="ZoneTexte 9"/>
-            <p:cNvSpPr txBox="1"/>
-            <p:nvPr/>
-          </p:nvSpPr>
-          <p:spPr>
-            <a:xfrm>
-              <a:off x="1307317" y="3284500"/>
-              <a:ext cx="292756" cy="369332"/>
-            </a:xfrm>
-            <a:prstGeom prst="rect">
-              <a:avLst/>
-            </a:prstGeom>
-            <a:noFill/>
-          </p:spPr>
-          <p:txBody>
-            <a:bodyPr wrap="none" rtlCol="0">
-              <a:spAutoFit/>
-            </a:bodyPr>
-            <a:lstStyle/>
-            <a:p>
-              <a:r>
-                <a:rPr lang="en-GB" dirty="0"/>
-                <a:t>Z</a:t>
-              </a:r>
-              <a:endParaRPr lang="en-GB" dirty="0"/>
-            </a:p>
-          </p:txBody>
-        </p:sp>
-      </p:grpSp>
-      <p:pic>
-        <p:nvPicPr>
-          <p:cNvPr id="13" name="Image 12"/>
-          <p:cNvPicPr>
-            <a:picLocks noChangeAspect="1"/>
-          </p:cNvPicPr>
-          <p:nvPr/>
-        </p:nvPicPr>
-        <p:blipFill>
-          <a:blip r:embed="rId4">
-            <a:extLst>
-              <a:ext uri="{28A0092B-C50C-407E-A947-70E740481C1C}">
-                <a14:useLocalDpi xmlns:a14="http://schemas.microsoft.com/office/drawing/2010/main" val="0"/>
-              </a:ext>
-            </a:extLst>
-          </a:blip>
-          <a:stretch>
-            <a:fillRect/>
-          </a:stretch>
-        </p:blipFill>
-        <p:spPr>
-          <a:xfrm>
-            <a:off x="3230200" y="1800001"/>
-            <a:ext cx="1200995" cy="1439998"/>
-          </a:xfrm>
-          <a:prstGeom prst="rect">
-            <a:avLst/>
-          </a:prstGeom>
-        </p:spPr>
-      </p:pic>
-      <p:cxnSp>
-        <p:nvCxnSpPr>
-          <p:cNvPr id="14" name="Connecteur droit avec flèche 13"/>
-          <p:cNvCxnSpPr/>
-          <p:nvPr/>
-        </p:nvCxnSpPr>
-        <p:spPr>
-          <a:xfrm flipV="1">
-            <a:off x="3122200" y="1692000"/>
-            <a:ext cx="0" cy="1656000"/>
-          </a:xfrm>
-          <a:prstGeom prst="straightConnector1">
-            <a:avLst/>
-          </a:prstGeom>
-          <a:ln>
-            <a:headEnd type="arrow"/>
-            <a:tailEnd type="none"/>
-          </a:ln>
-        </p:spPr>
-        <p:style>
-          <a:lnRef idx="2">
-            <a:schemeClr val="accent1"/>
-          </a:lnRef>
-          <a:fillRef idx="0">
-            <a:schemeClr val="accent1"/>
-          </a:fillRef>
-          <a:effectRef idx="1">
-            <a:schemeClr val="accent1"/>
-          </a:effectRef>
-          <a:fontRef idx="minor">
-            <a:schemeClr val="tx1"/>
-          </a:fontRef>
-        </p:style>
-      </p:cxnSp>
-      <p:cxnSp>
-        <p:nvCxnSpPr>
-          <p:cNvPr id="15" name="Connecteur droit avec flèche 14"/>
-          <p:cNvCxnSpPr/>
-          <p:nvPr/>
-        </p:nvCxnSpPr>
-        <p:spPr>
-          <a:xfrm>
-            <a:off x="3122200" y="1692000"/>
-            <a:ext cx="1418400" cy="0"/>
-          </a:xfrm>
-          <a:prstGeom prst="straightConnector1">
-            <a:avLst/>
-          </a:prstGeom>
-          <a:ln>
-            <a:tailEnd type="arrow"/>
-          </a:ln>
-        </p:spPr>
-        <p:style>
-          <a:lnRef idx="2">
-            <a:schemeClr val="accent1"/>
-          </a:lnRef>
-          <a:fillRef idx="0">
-            <a:schemeClr val="accent1"/>
-          </a:fillRef>
-          <a:effectRef idx="1">
-            <a:schemeClr val="accent1"/>
-          </a:effectRef>
-          <a:fontRef idx="minor">
-            <a:schemeClr val="tx1"/>
-          </a:fontRef>
-        </p:style>
-      </p:cxnSp>
-      <p:sp>
-        <p:nvSpPr>
-          <p:cNvPr id="16" name="ZoneTexte 15"/>
-          <p:cNvSpPr txBox="1"/>
-          <p:nvPr/>
-        </p:nvSpPr>
-        <p:spPr>
-          <a:xfrm>
-            <a:off x="2764702" y="2968858"/>
-            <a:ext cx="304478" cy="369332"/>
-          </a:xfrm>
-          <a:prstGeom prst="rect">
-            <a:avLst/>
-          </a:prstGeom>
-          <a:noFill/>
-        </p:spPr>
-        <p:txBody>
-          <a:bodyPr wrap="none" rtlCol="0">
-            <a:spAutoFit/>
-          </a:bodyPr>
-          <a:lstStyle/>
-          <a:p>
-            <a:r>
-              <a:rPr lang="en-GB" dirty="0" smtClean="0"/>
-              <a:t>X</a:t>
-            </a:r>
-            <a:endParaRPr lang="en-GB" dirty="0"/>
-          </a:p>
-        </p:txBody>
-      </p:sp>
-      <p:sp>
-        <p:nvSpPr>
-          <p:cNvPr id="17" name="ZoneTexte 16"/>
-          <p:cNvSpPr txBox="1"/>
-          <p:nvPr/>
-        </p:nvSpPr>
-        <p:spPr>
-          <a:xfrm>
-            <a:off x="4209744" y="1345163"/>
-            <a:ext cx="292756" cy="369332"/>
-          </a:xfrm>
-          <a:prstGeom prst="rect">
-            <a:avLst/>
-          </a:prstGeom>
-          <a:noFill/>
-        </p:spPr>
-        <p:txBody>
-          <a:bodyPr wrap="none" rtlCol="0">
-            <a:spAutoFit/>
-          </a:bodyPr>
-          <a:lstStyle/>
-          <a:p>
-            <a:r>
-              <a:rPr lang="en-GB" dirty="0"/>
-              <a:t>Z</a:t>
-            </a:r>
-            <a:endParaRPr lang="en-GB" dirty="0"/>
           </a:p>
         </p:txBody>
       </p:sp>
@@ -6820,7 +7046,7 @@
       </p:grpSpPr>
       <p:pic>
         <p:nvPicPr>
-          <p:cNvPr id="3" name="Image 2" descr="muvispim.png"/>
+          <p:cNvPr id="30" name="Image 29" descr="muvispim.png"/>
           <p:cNvPicPr>
             <a:picLocks noChangeAspect="1"/>
           </p:cNvPicPr>
@@ -6848,180 +7074,132 @@
           </a:prstGeom>
         </p:spPr>
       </p:pic>
-      <p:grpSp>
-        <p:nvGrpSpPr>
-          <p:cNvPr id="11" name="Grouper 10"/>
-          <p:cNvGrpSpPr/>
-          <p:nvPr/>
-        </p:nvGrpSpPr>
-        <p:grpSpPr>
-          <a:xfrm>
-            <a:off x="-29459" y="1676395"/>
-            <a:ext cx="1699859" cy="1977437"/>
-            <a:chOff x="-29459" y="1676395"/>
-            <a:chExt cx="1699859" cy="1977437"/>
-          </a:xfrm>
-        </p:grpSpPr>
-        <p:pic>
-          <p:nvPicPr>
-            <p:cNvPr id="2" name="Image 1"/>
-            <p:cNvPicPr>
-              <a:picLocks noChangeAspect="1"/>
-            </p:cNvPicPr>
-            <p:nvPr/>
-          </p:nvPicPr>
-          <p:blipFill>
-            <a:blip r:embed="rId3">
-              <a:extLst>
-                <a:ext uri="{28A0092B-C50C-407E-A947-70E740481C1C}">
-                  <a14:useLocalDpi xmlns:a14="http://schemas.microsoft.com/office/drawing/2010/main" val="0"/>
-                </a:ext>
-              </a:extLst>
-            </a:blip>
-            <a:stretch>
-              <a:fillRect/>
-            </a:stretch>
-          </p:blipFill>
-          <p:spPr>
-            <a:xfrm>
-              <a:off x="525903" y="1800000"/>
-              <a:ext cx="869189" cy="1440000"/>
-            </a:xfrm>
-            <a:prstGeom prst="rect">
-              <a:avLst/>
-            </a:prstGeom>
-          </p:spPr>
-        </p:pic>
-        <p:cxnSp>
-          <p:nvCxnSpPr>
-            <p:cNvPr id="5" name="Connecteur droit avec flèche 4"/>
-            <p:cNvCxnSpPr/>
-            <p:nvPr/>
-          </p:nvCxnSpPr>
-          <p:spPr>
-            <a:xfrm flipV="1">
-              <a:off x="252000" y="1692000"/>
-              <a:ext cx="0" cy="1656000"/>
-            </a:xfrm>
-            <a:prstGeom prst="straightConnector1">
-              <a:avLst/>
-            </a:prstGeom>
-            <a:ln>
-              <a:tailEnd type="arrow"/>
-            </a:ln>
-          </p:spPr>
-          <p:style>
-            <a:lnRef idx="2">
-              <a:schemeClr val="accent1"/>
-            </a:lnRef>
-            <a:fillRef idx="0">
-              <a:schemeClr val="accent1"/>
-            </a:fillRef>
-            <a:effectRef idx="1">
-              <a:schemeClr val="accent1"/>
-            </a:effectRef>
-            <a:fontRef idx="minor">
-              <a:schemeClr val="tx1"/>
-            </a:fontRef>
-          </p:style>
-        </p:cxnSp>
-        <p:cxnSp>
-          <p:nvCxnSpPr>
-            <p:cNvPr id="8" name="Connecteur droit avec flèche 7"/>
-            <p:cNvCxnSpPr/>
-            <p:nvPr/>
-          </p:nvCxnSpPr>
-          <p:spPr>
-            <a:xfrm>
-              <a:off x="252000" y="3348000"/>
-              <a:ext cx="1418400" cy="0"/>
-            </a:xfrm>
-            <a:prstGeom prst="straightConnector1">
-              <a:avLst/>
-            </a:prstGeom>
-            <a:ln>
-              <a:tailEnd type="arrow"/>
-            </a:ln>
-          </p:spPr>
-          <p:style>
-            <a:lnRef idx="2">
-              <a:schemeClr val="accent1"/>
-            </a:lnRef>
-            <a:fillRef idx="0">
-              <a:schemeClr val="accent1"/>
-            </a:fillRef>
-            <a:effectRef idx="1">
-              <a:schemeClr val="accent1"/>
-            </a:effectRef>
-            <a:fontRef idx="minor">
-              <a:schemeClr val="tx1"/>
-            </a:fontRef>
-          </p:style>
-        </p:cxnSp>
-        <p:sp>
-          <p:nvSpPr>
-            <p:cNvPr id="9" name="ZoneTexte 8"/>
-            <p:cNvSpPr txBox="1"/>
-            <p:nvPr/>
-          </p:nvSpPr>
-          <p:spPr>
-            <a:xfrm>
-              <a:off x="-29459" y="1676395"/>
-              <a:ext cx="304478" cy="369332"/>
-            </a:xfrm>
-            <a:prstGeom prst="rect">
-              <a:avLst/>
-            </a:prstGeom>
-            <a:noFill/>
-          </p:spPr>
-          <p:txBody>
-            <a:bodyPr wrap="none" rtlCol="0">
-              <a:spAutoFit/>
-            </a:bodyPr>
-            <a:lstStyle/>
-            <a:p>
-              <a:r>
-                <a:rPr lang="en-GB" dirty="0" smtClean="0"/>
-                <a:t>X</a:t>
-              </a:r>
-              <a:endParaRPr lang="en-GB" dirty="0"/>
-            </a:p>
-          </p:txBody>
-        </p:sp>
-        <p:sp>
-          <p:nvSpPr>
-            <p:cNvPr id="10" name="ZoneTexte 9"/>
-            <p:cNvSpPr txBox="1"/>
-            <p:nvPr/>
-          </p:nvSpPr>
-          <p:spPr>
-            <a:xfrm>
-              <a:off x="1307317" y="3284500"/>
-              <a:ext cx="292756" cy="369332"/>
-            </a:xfrm>
-            <a:prstGeom prst="rect">
-              <a:avLst/>
-            </a:prstGeom>
-            <a:noFill/>
-          </p:spPr>
-          <p:txBody>
-            <a:bodyPr wrap="none" rtlCol="0">
-              <a:spAutoFit/>
-            </a:bodyPr>
-            <a:lstStyle/>
-            <a:p>
-              <a:r>
-                <a:rPr lang="en-GB" dirty="0"/>
-                <a:t>Z</a:t>
-              </a:r>
-              <a:endParaRPr lang="en-GB" dirty="0"/>
-            </a:p>
-          </p:txBody>
-        </p:sp>
-      </p:grpSp>
       <p:pic>
         <p:nvPicPr>
-          <p:cNvPr id="13" name="Image 12"/>
+          <p:cNvPr id="31" name="Image 30"/>
+          <p:cNvPicPr>
+            <a:picLocks noChangeAspect="1"/>
+          </p:cNvPicPr>
+          <p:nvPr/>
+        </p:nvPicPr>
+        <p:blipFill>
+          <a:blip r:embed="rId3">
+            <a:extLst>
+              <a:ext uri="{28A0092B-C50C-407E-A947-70E740481C1C}">
+                <a14:useLocalDpi xmlns:a14="http://schemas.microsoft.com/office/drawing/2010/main" val="0"/>
+              </a:ext>
+            </a:extLst>
+          </a:blip>
+          <a:stretch>
+            <a:fillRect/>
+          </a:stretch>
+        </p:blipFill>
+        <p:spPr>
+          <a:xfrm>
+            <a:off x="525903" y="1800000"/>
+            <a:ext cx="869189" cy="1440000"/>
+          </a:xfrm>
+          <a:prstGeom prst="rect">
+            <a:avLst/>
+          </a:prstGeom>
+        </p:spPr>
+      </p:pic>
+      <p:cxnSp>
+        <p:nvCxnSpPr>
+          <p:cNvPr id="32" name="Connecteur droit avec flèche 31"/>
+          <p:cNvCxnSpPr/>
+          <p:nvPr/>
+        </p:nvCxnSpPr>
+        <p:spPr>
+          <a:xfrm>
+            <a:off x="213900" y="1692000"/>
+            <a:ext cx="1418400" cy="0"/>
+          </a:xfrm>
+          <a:prstGeom prst="straightConnector1">
+            <a:avLst/>
+          </a:prstGeom>
+          <a:ln>
+            <a:headEnd type="arrow"/>
+            <a:tailEnd type="none"/>
+          </a:ln>
+        </p:spPr>
+        <p:style>
+          <a:lnRef idx="2">
+            <a:schemeClr val="accent1"/>
+          </a:lnRef>
+          <a:fillRef idx="0">
+            <a:schemeClr val="accent1"/>
+          </a:fillRef>
+          <a:effectRef idx="1">
+            <a:schemeClr val="accent1"/>
+          </a:effectRef>
+          <a:fontRef idx="minor">
+            <a:schemeClr val="tx1"/>
+          </a:fontRef>
+        </p:style>
+      </p:cxnSp>
+      <p:sp>
+        <p:nvSpPr>
+          <p:cNvPr id="34" name="ZoneTexte 33"/>
+          <p:cNvSpPr txBox="1"/>
+          <p:nvPr/>
+        </p:nvSpPr>
+        <p:spPr>
+          <a:xfrm>
+            <a:off x="1620000" y="2968858"/>
+            <a:ext cx="304478" cy="369332"/>
+          </a:xfrm>
+          <a:prstGeom prst="rect">
+            <a:avLst/>
+          </a:prstGeom>
+          <a:noFill/>
+        </p:spPr>
+        <p:txBody>
+          <a:bodyPr wrap="none" rtlCol="0">
+            <a:spAutoFit/>
+          </a:bodyPr>
+          <a:lstStyle/>
+          <a:p>
+            <a:r>
+              <a:rPr lang="en-GB" dirty="0" smtClean="0"/>
+              <a:t>X</a:t>
+            </a:r>
+            <a:endParaRPr lang="en-GB" dirty="0"/>
+          </a:p>
+        </p:txBody>
+      </p:sp>
+      <p:sp>
+        <p:nvSpPr>
+          <p:cNvPr id="35" name="ZoneTexte 34"/>
+          <p:cNvSpPr txBox="1"/>
+          <p:nvPr/>
+        </p:nvSpPr>
+        <p:spPr>
+          <a:xfrm>
+            <a:off x="379525" y="1305625"/>
+            <a:ext cx="292756" cy="369332"/>
+          </a:xfrm>
+          <a:prstGeom prst="rect">
+            <a:avLst/>
+          </a:prstGeom>
+          <a:noFill/>
+        </p:spPr>
+        <p:txBody>
+          <a:bodyPr wrap="none" rtlCol="0">
+            <a:spAutoFit/>
+          </a:bodyPr>
+          <a:lstStyle/>
+          <a:p>
+            <a:r>
+              <a:rPr lang="en-GB" dirty="0"/>
+              <a:t>Z</a:t>
+            </a:r>
+          </a:p>
+        </p:txBody>
+      </p:sp>
+      <p:pic>
+        <p:nvPicPr>
+          <p:cNvPr id="36" name="Image 35"/>
           <p:cNvPicPr>
             <a:picLocks noChangeAspect="1"/>
           </p:cNvPicPr>
@@ -7051,21 +7229,21 @@
       </p:pic>
       <p:cxnSp>
         <p:nvCxnSpPr>
-          <p:cNvPr id="14" name="Connecteur droit avec flèche 13"/>
+          <p:cNvPr id="37" name="Connecteur droit avec flèche 36"/>
           <p:cNvCxnSpPr/>
           <p:nvPr/>
         </p:nvCxnSpPr>
         <p:spPr>
           <a:xfrm flipV="1">
-            <a:off x="3122200" y="1692000"/>
+            <a:off x="4539600" y="1692000"/>
             <a:ext cx="0" cy="1656000"/>
           </a:xfrm>
           <a:prstGeom prst="straightConnector1">
             <a:avLst/>
           </a:prstGeom>
           <a:ln>
-            <a:headEnd type="arrow"/>
-            <a:tailEnd type="none"/>
+            <a:headEnd type="none"/>
+            <a:tailEnd type="arrow"/>
           </a:ln>
         </p:spPr>
         <p:style>
@@ -7085,20 +7263,21 @@
       </p:cxnSp>
       <p:cxnSp>
         <p:nvCxnSpPr>
-          <p:cNvPr id="15" name="Connecteur droit avec flèche 14"/>
+          <p:cNvPr id="38" name="Connecteur droit avec flèche 37"/>
           <p:cNvCxnSpPr/>
           <p:nvPr/>
         </p:nvCxnSpPr>
         <p:spPr>
           <a:xfrm>
-            <a:off x="3122200" y="1692000"/>
+            <a:off x="3122200" y="3348000"/>
             <a:ext cx="1418400" cy="0"/>
           </a:xfrm>
           <a:prstGeom prst="straightConnector1">
             <a:avLst/>
           </a:prstGeom>
           <a:ln>
-            <a:tailEnd type="arrow"/>
+            <a:headEnd type="arrow"/>
+            <a:tailEnd type="none"/>
           </a:ln>
         </p:spPr>
         <p:style>
@@ -7118,13 +7297,13 @@
       </p:cxnSp>
       <p:sp>
         <p:nvSpPr>
-          <p:cNvPr id="16" name="ZoneTexte 15"/>
+          <p:cNvPr id="41" name="ZoneTexte 40"/>
           <p:cNvSpPr txBox="1"/>
           <p:nvPr/>
         </p:nvSpPr>
         <p:spPr>
           <a:xfrm>
-            <a:off x="2764702" y="2968858"/>
+            <a:off x="4540600" y="1754869"/>
             <a:ext cx="304478" cy="369332"/>
           </a:xfrm>
           <a:prstGeom prst="rect">
@@ -7148,13 +7327,13 @@
       </p:sp>
       <p:sp>
         <p:nvSpPr>
-          <p:cNvPr id="17" name="ZoneTexte 16"/>
+          <p:cNvPr id="42" name="ZoneTexte 41"/>
           <p:cNvSpPr txBox="1"/>
           <p:nvPr/>
         </p:nvSpPr>
         <p:spPr>
           <a:xfrm>
-            <a:off x="4209744" y="1345163"/>
+            <a:off x="3211626" y="3311753"/>
             <a:ext cx="292756" cy="369332"/>
           </a:xfrm>
           <a:prstGeom prst="rect">
@@ -7172,19 +7351,18 @@
               <a:rPr lang="en-GB" dirty="0"/>
               <a:t>Z</a:t>
             </a:r>
-            <a:endParaRPr lang="en-GB" dirty="0"/>
-          </a:p>
-        </p:txBody>
-      </p:sp>
-      <p:sp>
-        <p:nvSpPr>
-          <p:cNvPr id="60" name="ZoneTexte 59"/>
+          </a:p>
+        </p:txBody>
+      </p:sp>
+      <p:sp>
+        <p:nvSpPr>
+          <p:cNvPr id="43" name="ZoneTexte 42"/>
           <p:cNvSpPr txBox="1"/>
           <p:nvPr/>
         </p:nvSpPr>
         <p:spPr>
           <a:xfrm>
-            <a:off x="360000" y="1281258"/>
+            <a:off x="337736" y="3256788"/>
             <a:ext cx="1310400" cy="523220"/>
           </a:xfrm>
           <a:prstGeom prst="rect">
@@ -7222,13 +7400,13 @@
       </p:sp>
       <p:sp>
         <p:nvSpPr>
-          <p:cNvPr id="61" name="ZoneTexte 60"/>
+          <p:cNvPr id="44" name="ZoneTexte 43"/>
           <p:cNvSpPr txBox="1"/>
           <p:nvPr/>
         </p:nvSpPr>
         <p:spPr>
           <a:xfrm>
-            <a:off x="3241795" y="3239999"/>
+            <a:off x="3249726" y="1305625"/>
             <a:ext cx="1310400" cy="523220"/>
           </a:xfrm>
           <a:prstGeom prst="rect">
@@ -7260,6 +7438,40 @@
           </a:p>
         </p:txBody>
       </p:sp>
+      <p:cxnSp>
+        <p:nvCxnSpPr>
+          <p:cNvPr id="45" name="Connecteur droit avec flèche 44"/>
+          <p:cNvCxnSpPr/>
+          <p:nvPr/>
+        </p:nvCxnSpPr>
+        <p:spPr>
+          <a:xfrm flipV="1">
+            <a:off x="1620000" y="1692000"/>
+            <a:ext cx="0" cy="1656000"/>
+          </a:xfrm>
+          <a:prstGeom prst="straightConnector1">
+            <a:avLst/>
+          </a:prstGeom>
+          <a:ln>
+            <a:headEnd type="arrow"/>
+            <a:tailEnd type="none"/>
+          </a:ln>
+        </p:spPr>
+        <p:style>
+          <a:lnRef idx="2">
+            <a:schemeClr val="accent1"/>
+          </a:lnRef>
+          <a:fillRef idx="0">
+            <a:schemeClr val="accent1"/>
+          </a:fillRef>
+          <a:effectRef idx="1">
+            <a:schemeClr val="accent1"/>
+          </a:effectRef>
+          <a:fontRef idx="minor">
+            <a:schemeClr val="tx1"/>
+          </a:fontRef>
+        </p:style>
+      </p:cxnSp>
     </p:spTree>
     <p:extLst>
       <p:ext uri="{BB962C8B-B14F-4D97-AF65-F5344CB8AC3E}">
